--- a/Class 5.pptx
+++ b/Class 5.pptx
@@ -7,24 +7,26 @@
   <p:sldIdLst>
     <p:sldId id="256" r:id="rId2"/>
     <p:sldId id="257" r:id="rId3"/>
+    <p:sldId id="258" r:id="rId4"/>
+    <p:sldId id="259" r:id="rId5"/>
   </p:sldIdLst>
   <p:sldSz cx="12192000" cy="6858000"/>
   <p:notesSz cx="6858000" cy="9144000"/>
   <p:embeddedFontLst>
     <p:embeddedFont>
-      <p:font typeface="源流明體 SB" panose="02020600000000000000" pitchFamily="18" charset="-120"/>
-      <p:bold r:id="rId4"/>
-    </p:embeddedFont>
-    <p:embeddedFont>
       <p:font typeface="Consolas" panose="020B0609020204030204" pitchFamily="49" charset="0"/>
-      <p:regular r:id="rId5"/>
-      <p:bold r:id="rId6"/>
-      <p:italic r:id="rId7"/>
-      <p:boldItalic r:id="rId8"/>
+      <p:regular r:id="rId6"/>
+      <p:bold r:id="rId7"/>
+      <p:italic r:id="rId8"/>
+      <p:boldItalic r:id="rId9"/>
     </p:embeddedFont>
     <p:embeddedFont>
       <p:font typeface="Wingdings 2" panose="05020102010507070707" pitchFamily="18" charset="2"/>
-      <p:regular r:id="rId9"/>
+      <p:regular r:id="rId10"/>
+    </p:embeddedFont>
+    <p:embeddedFont>
+      <p:font typeface="源流明體 SB" panose="02020600000000000000" pitchFamily="18" charset="-120"/>
+      <p:bold r:id="rId11"/>
     </p:embeddedFont>
   </p:embeddedFontLst>
   <p:defaultTextStyle>
@@ -3623,6 +3625,14 @@
           <a:p>
             <a:r>
               <a:rPr lang="zh-TW" altLang="en-US"/>
+              <a:t>容器 </a:t>
+            </a:r>
+            <a:r>
+              <a:rPr lang="en-US" altLang="zh-TW"/>
+              <a:t>- </a:t>
+            </a:r>
+            <a:r>
+              <a:rPr lang="zh-TW" altLang="en-US"/>
               <a:t>可迭代物件</a:t>
             </a:r>
           </a:p>
@@ -3644,14 +3654,14 @@
             <p:ph idx="1"/>
             <p:extLst>
               <p:ext uri="{D42A27DB-BD31-4B8C-83A1-F6EECF244321}">
-                <p14:modId xmlns:p14="http://schemas.microsoft.com/office/powerpoint/2010/main" val="785956704"/>
+                <p14:modId xmlns:p14="http://schemas.microsoft.com/office/powerpoint/2010/main" val="413488818"/>
               </p:ext>
             </p:extLst>
           </p:nvPr>
         </p:nvGraphicFramePr>
         <p:xfrm>
-          <a:off x="1262063" y="1828800"/>
-          <a:ext cx="8594724" cy="4145280"/>
+          <a:off x="1262062" y="1828800"/>
+          <a:ext cx="8212135" cy="3108960"/>
         </p:xfrm>
         <a:graphic>
           <a:graphicData uri="http://schemas.openxmlformats.org/drawingml/2006/table">
@@ -3660,24 +3670,38 @@
                 <a:tableStyleId>{5C22544A-7EE6-4342-B048-85BDC9FD1C3A}</a:tableStyleId>
               </a:tblPr>
               <a:tblGrid>
-                <a:gridCol w="1944275">
+                <a:gridCol w="1980671">
                   <a:extLst>
                     <a:ext uri="{9D8B030D-6E8A-4147-A177-3AD203B41FA5}">
                       <a16:colId xmlns:a16="http://schemas.microsoft.com/office/drawing/2014/main" val="881928438"/>
                     </a:ext>
                   </a:extLst>
                 </a:gridCol>
-                <a:gridCol w="1787236">
+                <a:gridCol w="1557866">
                   <a:extLst>
                     <a:ext uri="{9D8B030D-6E8A-4147-A177-3AD203B41FA5}">
                       <a16:colId xmlns:a16="http://schemas.microsoft.com/office/drawing/2014/main" val="4005785759"/>
                     </a:ext>
                   </a:extLst>
                 </a:gridCol>
-                <a:gridCol w="4863213">
+                <a:gridCol w="1557866">
                   <a:extLst>
                     <a:ext uri="{9D8B030D-6E8A-4147-A177-3AD203B41FA5}">
-                      <a16:colId xmlns:a16="http://schemas.microsoft.com/office/drawing/2014/main" val="1190389949"/>
+                      <a16:colId xmlns:a16="http://schemas.microsoft.com/office/drawing/2014/main" val="2078695155"/>
+                    </a:ext>
+                  </a:extLst>
+                </a:gridCol>
+                <a:gridCol w="1557866">
+                  <a:extLst>
+                    <a:ext uri="{9D8B030D-6E8A-4147-A177-3AD203B41FA5}">
+                      <a16:colId xmlns:a16="http://schemas.microsoft.com/office/drawing/2014/main" val="70972085"/>
+                    </a:ext>
+                  </a:extLst>
+                </a:gridCol>
+                <a:gridCol w="1557866">
+                  <a:extLst>
+                    <a:ext uri="{9D8B030D-6E8A-4147-A177-3AD203B41FA5}">
+                      <a16:colId xmlns:a16="http://schemas.microsoft.com/office/drawing/2014/main" val="2101474053"/>
                     </a:ext>
                   </a:extLst>
                 </a:gridCol>
@@ -3688,43 +3712,154 @@
                     <a:bodyPr/>
                     <a:lstStyle/>
                     <a:p>
+                      <a:pPr algn="ctr"/>
                       <a:r>
                         <a:rPr lang="zh-TW" altLang="en-US" sz="2800"/>
                         <a:t>類型名稱</a:t>
                       </a:r>
                     </a:p>
                   </a:txBody>
-                  <a:tcPr/>
+                  <a:tcPr anchor="ctr"/>
                 </a:tc>
                 <a:tc>
                   <a:txBody>
                     <a:bodyPr/>
                     <a:lstStyle/>
                     <a:p>
+                      <a:pPr algn="ctr"/>
                       <a:r>
                         <a:rPr lang="zh-TW" altLang="en-US" sz="2800"/>
-                        <a:t>中文</a:t>
+                        <a:t>意義</a:t>
                       </a:r>
                     </a:p>
                   </a:txBody>
-                  <a:tcPr/>
+                  <a:tcPr anchor="ctr"/>
                 </a:tc>
                 <a:tc>
                   <a:txBody>
                     <a:bodyPr/>
                     <a:lstStyle/>
                     <a:p>
+                      <a:pPr algn="ctr"/>
                       <a:r>
                         <a:rPr lang="zh-TW" altLang="en-US" sz="2800"/>
-                        <a:t>特點</a:t>
+                        <a:t>變動</a:t>
                       </a:r>
                     </a:p>
                   </a:txBody>
-                  <a:tcPr/>
+                  <a:tcPr anchor="ctr"/>
+                </a:tc>
+                <a:tc>
+                  <a:txBody>
+                    <a:bodyPr/>
+                    <a:lstStyle/>
+                    <a:p>
+                      <a:pPr algn="ctr"/>
+                      <a:r>
+                        <a:rPr lang="zh-TW" altLang="en-US" sz="2800"/>
+                        <a:t>順序</a:t>
+                      </a:r>
+                    </a:p>
+                  </a:txBody>
+                  <a:tcPr anchor="ctr"/>
+                </a:tc>
+                <a:tc>
+                  <a:txBody>
+                    <a:bodyPr/>
+                    <a:lstStyle/>
+                    <a:p>
+                      <a:pPr algn="ctr"/>
+                      <a:r>
+                        <a:rPr lang="zh-TW" altLang="en-US" sz="2800"/>
+                        <a:t>唯一</a:t>
+                      </a:r>
+                    </a:p>
+                  </a:txBody>
+                  <a:tcPr anchor="ctr"/>
                 </a:tc>
                 <a:extLst>
                   <a:ext uri="{0D108BD9-81ED-4DB2-BD59-A6C34878D82A}">
                     <a16:rowId xmlns:a16="http://schemas.microsoft.com/office/drawing/2014/main" val="2849969137"/>
+                  </a:ext>
+                </a:extLst>
+              </a:tr>
+              <a:tr h="370840">
+                <a:tc>
+                  <a:txBody>
+                    <a:bodyPr/>
+                    <a:lstStyle/>
+                    <a:p>
+                      <a:r>
+                        <a:rPr lang="en-US" altLang="zh-TW" sz="2800"/>
+                        <a:t>str</a:t>
+                      </a:r>
+                      <a:endParaRPr lang="zh-TW" altLang="en-US" sz="2800"/>
+                    </a:p>
+                  </a:txBody>
+                  <a:tcPr anchor="ctr"/>
+                </a:tc>
+                <a:tc>
+                  <a:txBody>
+                    <a:bodyPr/>
+                    <a:lstStyle/>
+                    <a:p>
+                      <a:pPr algn="ctr"/>
+                      <a:r>
+                        <a:rPr lang="zh-TW" altLang="en-US" sz="2800"/>
+                        <a:t>字串</a:t>
+                      </a:r>
+                    </a:p>
+                  </a:txBody>
+                  <a:tcPr anchor="ctr"/>
+                </a:tc>
+                <a:tc>
+                  <a:txBody>
+                    <a:bodyPr/>
+                    <a:lstStyle/>
+                    <a:p>
+                      <a:pPr algn="ctr"/>
+                      <a:r>
+                        <a:rPr lang="en-US" altLang="zh-TW" sz="2800"/>
+                        <a:t>X</a:t>
+                      </a:r>
+                      <a:endParaRPr lang="zh-TW" altLang="en-US" sz="2800"/>
+                    </a:p>
+                  </a:txBody>
+                  <a:tcPr anchor="ctr"/>
+                </a:tc>
+                <a:tc>
+                  <a:txBody>
+                    <a:bodyPr/>
+                    <a:lstStyle/>
+                    <a:p>
+                      <a:pPr algn="ctr"/>
+                      <a:r>
+                        <a:rPr lang="en-US" altLang="zh-TW" sz="2800"/>
+                        <a:t>O</a:t>
+                      </a:r>
+                      <a:endParaRPr lang="zh-TW" altLang="en-US" sz="2800"/>
+                    </a:p>
+                  </a:txBody>
+                  <a:tcPr anchor="ctr"/>
+                </a:tc>
+                <a:tc>
+                  <a:txBody>
+                    <a:bodyPr/>
+                    <a:lstStyle/>
+                    <a:p>
+                      <a:pPr algn="ctr"/>
+                      <a:r>
+                        <a:rPr lang="en-US" altLang="zh-TW" sz="2800"/>
+                        <a:t>X</a:t>
+                      </a:r>
+                      <a:endParaRPr lang="zh-TW" altLang="en-US" sz="2800"/>
+                    </a:p>
+                  </a:txBody>
+                  <a:tcPr anchor="ctr"/>
+                </a:tc>
+                <a:extLst>
+                  <a:ext uri="{0D108BD9-81ED-4DB2-BD59-A6C34878D82A}">
+                    <a16:rowId xmlns:a16="http://schemas.microsoft.com/office/drawing/2014/main" val="861416617"/>
                   </a:ext>
                 </a:extLst>
               </a:tr>
@@ -3741,33 +3876,66 @@
                       <a:endParaRPr lang="zh-TW" altLang="en-US" sz="2800"/>
                     </a:p>
                   </a:txBody>
-                  <a:tcPr/>
+                  <a:tcPr anchor="ctr"/>
                 </a:tc>
                 <a:tc>
                   <a:txBody>
                     <a:bodyPr/>
                     <a:lstStyle/>
                     <a:p>
+                      <a:pPr algn="ctr"/>
                       <a:r>
                         <a:rPr lang="zh-TW" altLang="en-US" sz="2800"/>
                         <a:t>串列</a:t>
                       </a:r>
                     </a:p>
                   </a:txBody>
-                  <a:tcPr/>
+                  <a:tcPr anchor="ctr"/>
                 </a:tc>
                 <a:tc>
                   <a:txBody>
                     <a:bodyPr/>
                     <a:lstStyle/>
                     <a:p>
+                      <a:pPr algn="ctr"/>
                       <a:r>
-                        <a:rPr lang="zh-TW" altLang="en-US" sz="2800"/>
-                        <a:t>可方便的存取、修改元素</a:t>
+                        <a:rPr lang="en-US" altLang="zh-TW" sz="2800"/>
+                        <a:t>O</a:t>
                       </a:r>
+                      <a:endParaRPr lang="zh-TW" altLang="en-US" sz="2800"/>
                     </a:p>
                   </a:txBody>
-                  <a:tcPr/>
+                  <a:tcPr anchor="ctr"/>
+                </a:tc>
+                <a:tc>
+                  <a:txBody>
+                    <a:bodyPr/>
+                    <a:lstStyle/>
+                    <a:p>
+                      <a:pPr algn="ctr"/>
+                      <a:r>
+                        <a:rPr lang="en-US" altLang="zh-TW" sz="2800"/>
+                        <a:t>O</a:t>
+                      </a:r>
+                      <a:endParaRPr lang="zh-TW" altLang="en-US" sz="2800"/>
+                    </a:p>
+                  </a:txBody>
+                  <a:tcPr anchor="ctr"/>
+                </a:tc>
+                <a:tc>
+                  <a:txBody>
+                    <a:bodyPr/>
+                    <a:lstStyle/>
+                    <a:p>
+                      <a:pPr algn="ctr"/>
+                      <a:r>
+                        <a:rPr lang="en-US" altLang="zh-TW" sz="2800"/>
+                        <a:t>X</a:t>
+                      </a:r>
+                      <a:endParaRPr lang="zh-TW" altLang="en-US" sz="2800"/>
+                    </a:p>
+                  </a:txBody>
+                  <a:tcPr anchor="ctr"/>
                 </a:tc>
                 <a:extLst>
                   <a:ext uri="{0D108BD9-81ED-4DB2-BD59-A6C34878D82A}">
@@ -3788,33 +3956,66 @@
                       <a:endParaRPr lang="zh-TW" altLang="en-US" sz="2800"/>
                     </a:p>
                   </a:txBody>
-                  <a:tcPr/>
+                  <a:tcPr anchor="ctr"/>
                 </a:tc>
                 <a:tc>
                   <a:txBody>
                     <a:bodyPr/>
                     <a:lstStyle/>
                     <a:p>
+                      <a:pPr algn="ctr"/>
                       <a:r>
                         <a:rPr lang="zh-TW" altLang="en-US" sz="2800"/>
                         <a:t>元組</a:t>
                       </a:r>
                     </a:p>
                   </a:txBody>
-                  <a:tcPr/>
+                  <a:tcPr anchor="ctr"/>
                 </a:tc>
                 <a:tc>
                   <a:txBody>
                     <a:bodyPr/>
                     <a:lstStyle/>
                     <a:p>
+                      <a:pPr algn="ctr"/>
                       <a:r>
-                        <a:rPr lang="zh-TW" altLang="en-US" sz="2800"/>
-                        <a:t>固定的數組，不可修改元素</a:t>
+                        <a:rPr lang="en-US" altLang="zh-TW" sz="2800"/>
+                        <a:t>X</a:t>
                       </a:r>
+                      <a:endParaRPr lang="zh-TW" altLang="en-US" sz="2800"/>
                     </a:p>
                   </a:txBody>
-                  <a:tcPr/>
+                  <a:tcPr anchor="ctr"/>
+                </a:tc>
+                <a:tc>
+                  <a:txBody>
+                    <a:bodyPr/>
+                    <a:lstStyle/>
+                    <a:p>
+                      <a:pPr algn="ctr"/>
+                      <a:r>
+                        <a:rPr lang="en-US" altLang="zh-TW" sz="2800"/>
+                        <a:t>O</a:t>
+                      </a:r>
+                      <a:endParaRPr lang="zh-TW" altLang="en-US" sz="2800"/>
+                    </a:p>
+                  </a:txBody>
+                  <a:tcPr anchor="ctr"/>
+                </a:tc>
+                <a:tc>
+                  <a:txBody>
+                    <a:bodyPr/>
+                    <a:lstStyle/>
+                    <a:p>
+                      <a:pPr algn="ctr"/>
+                      <a:r>
+                        <a:rPr lang="en-US" altLang="zh-TW" sz="2800"/>
+                        <a:t>X</a:t>
+                      </a:r>
+                      <a:endParaRPr lang="zh-TW" altLang="en-US" sz="2800"/>
+                    </a:p>
+                  </a:txBody>
+                  <a:tcPr anchor="ctr"/>
                 </a:tc>
                 <a:extLst>
                   <a:ext uri="{0D108BD9-81ED-4DB2-BD59-A6C34878D82A}">
@@ -3835,33 +4036,66 @@
                       <a:endParaRPr lang="zh-TW" altLang="en-US" sz="2800"/>
                     </a:p>
                   </a:txBody>
-                  <a:tcPr/>
+                  <a:tcPr anchor="ctr"/>
                 </a:tc>
                 <a:tc>
                   <a:txBody>
                     <a:bodyPr/>
                     <a:lstStyle/>
                     <a:p>
+                      <a:pPr algn="ctr"/>
                       <a:r>
                         <a:rPr lang="zh-TW" altLang="en-US" sz="2800"/>
                         <a:t>集合</a:t>
                       </a:r>
                     </a:p>
                   </a:txBody>
-                  <a:tcPr/>
+                  <a:tcPr anchor="ctr"/>
                 </a:tc>
                 <a:tc>
                   <a:txBody>
                     <a:bodyPr/>
                     <a:lstStyle/>
                     <a:p>
+                      <a:pPr algn="ctr"/>
                       <a:r>
-                        <a:rPr lang="zh-TW" altLang="en-US" sz="2800"/>
-                        <a:t>元素不會重複</a:t>
+                        <a:rPr lang="en-US" altLang="zh-TW" sz="2800"/>
+                        <a:t>O</a:t>
                       </a:r>
+                      <a:endParaRPr lang="zh-TW" altLang="en-US" sz="2800"/>
                     </a:p>
                   </a:txBody>
-                  <a:tcPr/>
+                  <a:tcPr anchor="ctr"/>
+                </a:tc>
+                <a:tc>
+                  <a:txBody>
+                    <a:bodyPr/>
+                    <a:lstStyle/>
+                    <a:p>
+                      <a:pPr algn="ctr"/>
+                      <a:r>
+                        <a:rPr lang="en-US" altLang="zh-TW" sz="2800"/>
+                        <a:t>X</a:t>
+                      </a:r>
+                      <a:endParaRPr lang="zh-TW" altLang="en-US" sz="2800"/>
+                    </a:p>
+                  </a:txBody>
+                  <a:tcPr anchor="ctr"/>
+                </a:tc>
+                <a:tc>
+                  <a:txBody>
+                    <a:bodyPr/>
+                    <a:lstStyle/>
+                    <a:p>
+                      <a:pPr algn="ctr"/>
+                      <a:r>
+                        <a:rPr lang="en-US" altLang="zh-TW" sz="2800"/>
+                        <a:t>O</a:t>
+                      </a:r>
+                      <a:endParaRPr lang="zh-TW" altLang="en-US" sz="2800"/>
+                    </a:p>
+                  </a:txBody>
+                  <a:tcPr anchor="ctr"/>
                 </a:tc>
                 <a:extLst>
                   <a:ext uri="{0D108BD9-81ED-4DB2-BD59-A6C34878D82A}">
@@ -3882,148 +4116,70 @@
                       <a:endParaRPr lang="zh-TW" altLang="en-US" sz="2800"/>
                     </a:p>
                   </a:txBody>
-                  <a:tcPr/>
+                  <a:tcPr anchor="ctr"/>
                 </a:tc>
                 <a:tc>
                   <a:txBody>
                     <a:bodyPr/>
                     <a:lstStyle/>
                     <a:p>
+                      <a:pPr algn="ctr"/>
                       <a:r>
                         <a:rPr lang="zh-TW" altLang="en-US" sz="2800"/>
                         <a:t>字典</a:t>
                       </a:r>
                     </a:p>
                   </a:txBody>
-                  <a:tcPr/>
+                  <a:tcPr anchor="ctr"/>
                 </a:tc>
                 <a:tc>
                   <a:txBody>
                     <a:bodyPr/>
                     <a:lstStyle/>
                     <a:p>
+                      <a:pPr algn="ctr"/>
                       <a:r>
-                        <a:rPr lang="zh-TW" altLang="en-US" sz="2800"/>
-                        <a:t>鍵與值</a:t>
+                        <a:rPr lang="en-US" altLang="zh-TW" sz="2800"/>
+                        <a:t>O</a:t>
                       </a:r>
-                    </a:p>
-                  </a:txBody>
-                  <a:tcPr/>
-                </a:tc>
-                <a:extLst>
-                  <a:ext uri="{0D108BD9-81ED-4DB2-BD59-A6C34878D82A}">
-                    <a16:rowId xmlns:a16="http://schemas.microsoft.com/office/drawing/2014/main" val="4235796644"/>
-                  </a:ext>
-                </a:extLst>
-              </a:tr>
-              <a:tr h="370840">
-                <a:tc>
-                  <a:txBody>
-                    <a:bodyPr/>
-                    <a:lstStyle/>
-                    <a:p>
                       <a:endParaRPr lang="zh-TW" altLang="en-US" sz="2800"/>
                     </a:p>
                   </a:txBody>
-                  <a:tcPr/>
+                  <a:tcPr anchor="ctr"/>
                 </a:tc>
                 <a:tc>
                   <a:txBody>
                     <a:bodyPr/>
                     <a:lstStyle/>
                     <a:p>
+                      <a:pPr algn="ctr"/>
+                      <a:r>
+                        <a:rPr lang="en-US" altLang="zh-TW" sz="2800"/>
+                        <a:t>X</a:t>
+                      </a:r>
                       <a:endParaRPr lang="zh-TW" altLang="en-US" sz="2800"/>
                     </a:p>
                   </a:txBody>
-                  <a:tcPr/>
+                  <a:tcPr anchor="ctr"/>
                 </a:tc>
                 <a:tc>
                   <a:txBody>
                     <a:bodyPr/>
                     <a:lstStyle/>
                     <a:p>
+                      <a:pPr algn="ctr"/>
+                      <a:r>
+                        <a:rPr lang="en-US" altLang="zh-TW" sz="2800"/>
+                        <a:t>O(key)</a:t>
+                      </a:r>
                       <a:endParaRPr lang="zh-TW" altLang="en-US" sz="2800"/>
                     </a:p>
                   </a:txBody>
-                  <a:tcPr/>
+                  <a:tcPr anchor="ctr"/>
                 </a:tc>
                 <a:extLst>
                   <a:ext uri="{0D108BD9-81ED-4DB2-BD59-A6C34878D82A}">
-                    <a16:rowId xmlns:a16="http://schemas.microsoft.com/office/drawing/2014/main" val="2481435897"/>
-                  </a:ext>
-                </a:extLst>
-              </a:tr>
-              <a:tr h="370840">
-                <a:tc>
-                  <a:txBody>
-                    <a:bodyPr/>
-                    <a:lstStyle/>
-                    <a:p>
-                      <a:endParaRPr lang="zh-TW" altLang="en-US" sz="2800"/>
-                    </a:p>
-                  </a:txBody>
-                  <a:tcPr/>
-                </a:tc>
-                <a:tc>
-                  <a:txBody>
-                    <a:bodyPr/>
-                    <a:lstStyle/>
-                    <a:p>
-                      <a:endParaRPr lang="zh-TW" altLang="en-US" sz="2800"/>
-                    </a:p>
-                  </a:txBody>
-                  <a:tcPr/>
-                </a:tc>
-                <a:tc>
-                  <a:txBody>
-                    <a:bodyPr/>
-                    <a:lstStyle/>
-                    <a:p>
-                      <a:endParaRPr lang="zh-TW" altLang="en-US" sz="2800"/>
-                    </a:p>
-                  </a:txBody>
-                  <a:tcPr/>
-                </a:tc>
-                <a:extLst>
-                  <a:ext uri="{0D108BD9-81ED-4DB2-BD59-A6C34878D82A}">
-                    <a16:rowId xmlns:a16="http://schemas.microsoft.com/office/drawing/2014/main" val="1308252439"/>
-                  </a:ext>
-                </a:extLst>
-              </a:tr>
-              <a:tr h="370840">
-                <a:tc>
-                  <a:txBody>
-                    <a:bodyPr/>
-                    <a:lstStyle/>
-                    <a:p>
-                      <a:endParaRPr lang="zh-TW" altLang="en-US" sz="2800"/>
-                    </a:p>
-                  </a:txBody>
-                  <a:tcPr/>
-                </a:tc>
-                <a:tc>
-                  <a:txBody>
-                    <a:bodyPr/>
-                    <a:lstStyle/>
-                    <a:p>
-                      <a:endParaRPr lang="zh-TW" altLang="en-US" sz="2800"/>
-                    </a:p>
-                  </a:txBody>
-                  <a:tcPr/>
-                </a:tc>
-                <a:tc>
-                  <a:txBody>
-                    <a:bodyPr/>
-                    <a:lstStyle/>
-                    <a:p>
-                      <a:endParaRPr lang="zh-TW" altLang="en-US" sz="2800"/>
-                    </a:p>
-                  </a:txBody>
-                  <a:tcPr/>
-                </a:tc>
-                <a:extLst>
-                  <a:ext uri="{0D108BD9-81ED-4DB2-BD59-A6C34878D82A}">
-                    <a16:rowId xmlns:a16="http://schemas.microsoft.com/office/drawing/2014/main" val="1374855066"/>
+                    <a16:rowId xmlns:a16="http://schemas.microsoft.com/office/drawing/2014/main" val="4235796644"/>
                   </a:ext>
                 </a:extLst>
               </a:tr>
@@ -4035,6 +4191,360 @@
     <p:extLst>
       <p:ext uri="{BB962C8B-B14F-4D97-AF65-F5344CB8AC3E}">
         <p14:creationId xmlns:p14="http://schemas.microsoft.com/office/powerpoint/2010/main" val="824518768"/>
+      </p:ext>
+    </p:extLst>
+  </p:cSld>
+  <p:clrMapOvr>
+    <a:masterClrMapping/>
+  </p:clrMapOvr>
+</p:sld>
+</file>
+
+<file path=ppt/slides/slide3.xml><?xml version="1.0" encoding="utf-8"?>
+<p:sld xmlns:a="http://schemas.openxmlformats.org/drawingml/2006/main" xmlns:r="http://schemas.openxmlformats.org/officeDocument/2006/relationships" xmlns:p="http://schemas.openxmlformats.org/presentationml/2006/main">
+  <p:cSld>
+    <p:spTree>
+      <p:nvGrpSpPr>
+        <p:cNvPr id="1" name=""/>
+        <p:cNvGrpSpPr/>
+        <p:nvPr/>
+      </p:nvGrpSpPr>
+      <p:grpSpPr>
+        <a:xfrm>
+          <a:off x="0" y="0"/>
+          <a:ext cx="0" cy="0"/>
+          <a:chOff x="0" y="0"/>
+          <a:chExt cx="0" cy="0"/>
+        </a:xfrm>
+      </p:grpSpPr>
+      <p:sp>
+        <p:nvSpPr>
+          <p:cNvPr id="2" name="標題 1">
+            <a:extLst>
+              <a:ext uri="{FF2B5EF4-FFF2-40B4-BE49-F238E27FC236}">
+                <a16:creationId xmlns:a16="http://schemas.microsoft.com/office/drawing/2014/main" id="{4B0B096A-02DC-480B-8DCB-FB5B61738768}"/>
+              </a:ext>
+            </a:extLst>
+          </p:cNvPr>
+          <p:cNvSpPr>
+            <a:spLocks noGrp="1"/>
+          </p:cNvSpPr>
+          <p:nvPr>
+            <p:ph type="title"/>
+          </p:nvPr>
+        </p:nvSpPr>
+        <p:spPr/>
+        <p:txBody>
+          <a:bodyPr/>
+          <a:lstStyle/>
+          <a:p>
+            <a:r>
+              <a:rPr lang="zh-TW" altLang="en-US"/>
+              <a:t>元組 </a:t>
+            </a:r>
+            <a:r>
+              <a:rPr lang="en-US" altLang="zh-TW"/>
+              <a:t>tuple</a:t>
+            </a:r>
+            <a:r>
+              <a:rPr lang="zh-TW" altLang="en-US"/>
+              <a:t>（無法修改的 </a:t>
+            </a:r>
+            <a:r>
+              <a:rPr lang="en-US" altLang="zh-TW"/>
+              <a:t>list</a:t>
+            </a:r>
+            <a:r>
+              <a:rPr lang="zh-TW" altLang="en-US"/>
+              <a:t>）</a:t>
+            </a:r>
+          </a:p>
+        </p:txBody>
+      </p:sp>
+      <p:sp>
+        <p:nvSpPr>
+          <p:cNvPr id="3" name="內容版面配置區 2">
+            <a:extLst>
+              <a:ext uri="{FF2B5EF4-FFF2-40B4-BE49-F238E27FC236}">
+                <a16:creationId xmlns:a16="http://schemas.microsoft.com/office/drawing/2014/main" id="{5A8EDDC2-E502-4969-92F6-C704DA9F9555}"/>
+              </a:ext>
+            </a:extLst>
+          </p:cNvPr>
+          <p:cNvSpPr>
+            <a:spLocks noGrp="1"/>
+          </p:cNvSpPr>
+          <p:nvPr>
+            <p:ph idx="1"/>
+          </p:nvPr>
+        </p:nvSpPr>
+        <p:spPr/>
+        <p:txBody>
+          <a:bodyPr>
+            <a:normAutofit/>
+          </a:bodyPr>
+          <a:lstStyle/>
+          <a:p>
+            <a:pPr marL="0" indent="0">
+              <a:buNone/>
+            </a:pPr>
+            <a:endParaRPr lang="en-US" altLang="zh-TW" sz="2800"/>
+          </a:p>
+          <a:p>
+            <a:pPr marL="0" indent="0">
+              <a:buNone/>
+            </a:pPr>
+            <a:r>
+              <a:rPr lang="en-US" altLang="zh-TW" sz="2800"/>
+              <a:t>tup</a:t>
+            </a:r>
+            <a:r>
+              <a:rPr lang="zh-TW" altLang="en-US" sz="2800"/>
+              <a:t> </a:t>
+            </a:r>
+            <a:r>
+              <a:rPr lang="en-US" altLang="zh-TW" sz="2800"/>
+              <a:t>=</a:t>
+            </a:r>
+            <a:r>
+              <a:rPr lang="zh-TW" altLang="en-US" sz="2800"/>
+              <a:t> </a:t>
+            </a:r>
+            <a:r>
+              <a:rPr lang="en-US" altLang="zh-TW" sz="2800">
+                <a:solidFill>
+                  <a:srgbClr val="FF0000"/>
+                </a:solidFill>
+              </a:rPr>
+              <a:t>(</a:t>
+            </a:r>
+            <a:r>
+              <a:rPr lang="en-US" altLang="zh-TW" sz="2800"/>
+              <a:t>2, 3, True</a:t>
+            </a:r>
+            <a:r>
+              <a:rPr lang="en-US" altLang="zh-TW" sz="2800">
+                <a:solidFill>
+                  <a:srgbClr val="FF0000"/>
+                </a:solidFill>
+              </a:rPr>
+              <a:t>)</a:t>
+            </a:r>
+          </a:p>
+          <a:p>
+            <a:pPr marL="0" indent="0">
+              <a:buNone/>
+            </a:pPr>
+            <a:endParaRPr lang="en-US" altLang="zh-TW" sz="2800"/>
+          </a:p>
+          <a:p>
+            <a:pPr marL="0" indent="0">
+              <a:buNone/>
+            </a:pPr>
+            <a:r>
+              <a:rPr lang="en-US" altLang="zh-TW" sz="2800"/>
+              <a:t>tup[0] </a:t>
+            </a:r>
+            <a:r>
+              <a:rPr lang="zh-TW" altLang="en-US" sz="2800"/>
+              <a:t>→ </a:t>
+            </a:r>
+            <a:r>
+              <a:rPr lang="en-US" altLang="zh-TW" sz="2800"/>
+              <a:t>2</a:t>
+            </a:r>
+          </a:p>
+          <a:p>
+            <a:pPr marL="0" indent="0">
+              <a:buNone/>
+            </a:pPr>
+            <a:r>
+              <a:rPr lang="en-US" altLang="zh-TW" sz="2800"/>
+              <a:t>tup[1:3] </a:t>
+            </a:r>
+            <a:r>
+              <a:rPr lang="zh-TW" altLang="en-US" sz="2800"/>
+              <a:t>→ </a:t>
+            </a:r>
+            <a:r>
+              <a:rPr lang="en-US" altLang="zh-TW" sz="2800">
+                <a:solidFill>
+                  <a:srgbClr val="FF0000"/>
+                </a:solidFill>
+              </a:rPr>
+              <a:t>(</a:t>
+            </a:r>
+            <a:r>
+              <a:rPr lang="en-US" altLang="zh-TW" sz="2800"/>
+              <a:t>3, True</a:t>
+            </a:r>
+            <a:r>
+              <a:rPr lang="en-US" altLang="zh-TW" sz="2800">
+                <a:solidFill>
+                  <a:srgbClr val="FF0000"/>
+                </a:solidFill>
+              </a:rPr>
+              <a:t>)</a:t>
+            </a:r>
+          </a:p>
+          <a:p>
+            <a:pPr marL="0" indent="0">
+              <a:buNone/>
+            </a:pPr>
+            <a:endParaRPr lang="en-US" altLang="zh-TW" sz="2800"/>
+          </a:p>
+          <a:p>
+            <a:pPr marL="0" indent="0">
+              <a:buNone/>
+            </a:pPr>
+            <a:r>
+              <a:rPr lang="en-US" altLang="zh-TW" sz="2800"/>
+              <a:t>tup[0] = 0 </a:t>
+            </a:r>
+            <a:r>
+              <a:rPr lang="zh-TW" altLang="en-US" sz="2800"/>
+              <a:t>→ </a:t>
+            </a:r>
+            <a:r>
+              <a:rPr lang="en-US" altLang="zh-TW" sz="2800"/>
+              <a:t>Error </a:t>
+            </a:r>
+            <a:r>
+              <a:rPr lang="en-US" altLang="zh-TW" sz="2800">
+                <a:solidFill>
+                  <a:schemeClr val="bg1">
+                    <a:lumMod val="65000"/>
+                  </a:schemeClr>
+                </a:solidFill>
+              </a:rPr>
+              <a:t># tuple </a:t>
+            </a:r>
+            <a:r>
+              <a:rPr lang="zh-TW" altLang="en-US" sz="2800">
+                <a:solidFill>
+                  <a:schemeClr val="bg1">
+                    <a:lumMod val="65000"/>
+                  </a:schemeClr>
+                </a:solidFill>
+              </a:rPr>
+              <a:t>的元素無法修改</a:t>
+            </a:r>
+          </a:p>
+        </p:txBody>
+      </p:sp>
+    </p:spTree>
+    <p:extLst>
+      <p:ext uri="{BB962C8B-B14F-4D97-AF65-F5344CB8AC3E}">
+        <p14:creationId xmlns:p14="http://schemas.microsoft.com/office/powerpoint/2010/main" val="4066423474"/>
+      </p:ext>
+    </p:extLst>
+  </p:cSld>
+  <p:clrMapOvr>
+    <a:masterClrMapping/>
+  </p:clrMapOvr>
+</p:sld>
+</file>
+
+<file path=ppt/slides/slide4.xml><?xml version="1.0" encoding="utf-8"?>
+<p:sld xmlns:a="http://schemas.openxmlformats.org/drawingml/2006/main" xmlns:r="http://schemas.openxmlformats.org/officeDocument/2006/relationships" xmlns:p="http://schemas.openxmlformats.org/presentationml/2006/main">
+  <p:cSld>
+    <p:spTree>
+      <p:nvGrpSpPr>
+        <p:cNvPr id="1" name=""/>
+        <p:cNvGrpSpPr/>
+        <p:nvPr/>
+      </p:nvGrpSpPr>
+      <p:grpSpPr>
+        <a:xfrm>
+          <a:off x="0" y="0"/>
+          <a:ext cx="0" cy="0"/>
+          <a:chOff x="0" y="0"/>
+          <a:chExt cx="0" cy="0"/>
+        </a:xfrm>
+      </p:grpSpPr>
+      <p:sp>
+        <p:nvSpPr>
+          <p:cNvPr id="2" name="標題 1">
+            <a:extLst>
+              <a:ext uri="{FF2B5EF4-FFF2-40B4-BE49-F238E27FC236}">
+                <a16:creationId xmlns:a16="http://schemas.microsoft.com/office/drawing/2014/main" id="{38173237-D0E5-49CD-83B6-EBCE778B8025}"/>
+              </a:ext>
+            </a:extLst>
+          </p:cNvPr>
+          <p:cNvSpPr>
+            <a:spLocks noGrp="1"/>
+          </p:cNvSpPr>
+          <p:nvPr>
+            <p:ph type="title"/>
+          </p:nvPr>
+        </p:nvSpPr>
+        <p:spPr/>
+        <p:txBody>
+          <a:bodyPr/>
+          <a:lstStyle/>
+          <a:p>
+            <a:r>
+              <a:rPr lang="en-US" altLang="zh-TW"/>
+              <a:t>tuple </a:t>
+            </a:r>
+            <a:r>
+              <a:rPr lang="zh-TW" altLang="en-US"/>
+              <a:t>與 </a:t>
+            </a:r>
+            <a:r>
+              <a:rPr lang="en-US" altLang="zh-TW"/>
+              <a:t>list </a:t>
+            </a:r>
+            <a:r>
+              <a:rPr lang="zh-TW" altLang="en-US"/>
+              <a:t>互換</a:t>
+            </a:r>
+          </a:p>
+        </p:txBody>
+      </p:sp>
+      <p:sp>
+        <p:nvSpPr>
+          <p:cNvPr id="3" name="內容版面配置區 2">
+            <a:extLst>
+              <a:ext uri="{FF2B5EF4-FFF2-40B4-BE49-F238E27FC236}">
+                <a16:creationId xmlns:a16="http://schemas.microsoft.com/office/drawing/2014/main" id="{A23069AC-4534-43A9-8AC1-84C0024F90D1}"/>
+              </a:ext>
+            </a:extLst>
+          </p:cNvPr>
+          <p:cNvSpPr>
+            <a:spLocks noGrp="1"/>
+          </p:cNvSpPr>
+          <p:nvPr>
+            <p:ph idx="1"/>
+          </p:nvPr>
+        </p:nvSpPr>
+        <p:spPr/>
+        <p:txBody>
+          <a:bodyPr>
+            <a:normAutofit/>
+          </a:bodyPr>
+          <a:lstStyle/>
+          <a:p>
+            <a:pPr marL="0" indent="0">
+              <a:buNone/>
+            </a:pPr>
+            <a:endParaRPr lang="en-US" altLang="zh-TW" sz="2800"/>
+          </a:p>
+          <a:p>
+            <a:pPr marL="0" indent="0">
+              <a:buNone/>
+            </a:pPr>
+            <a:r>
+              <a:rPr lang="en-US" altLang="zh-TW" sz="2800"/>
+              <a:t>tup = ()</a:t>
+            </a:r>
+            <a:endParaRPr lang="zh-TW" altLang="en-US" sz="2800"/>
+          </a:p>
+        </p:txBody>
+      </p:sp>
+    </p:spTree>
+    <p:extLst>
+      <p:ext uri="{BB962C8B-B14F-4D97-AF65-F5344CB8AC3E}">
+        <p14:creationId xmlns:p14="http://schemas.microsoft.com/office/powerpoint/2010/main" val="2714990200"/>
       </p:ext>
     </p:extLst>
   </p:cSld>

--- a/Class 5.pptx
+++ b/Class 5.pptx
@@ -6,27 +6,41 @@
   </p:sldMasterIdLst>
   <p:sldIdLst>
     <p:sldId id="256" r:id="rId2"/>
-    <p:sldId id="257" r:id="rId3"/>
-    <p:sldId id="258" r:id="rId4"/>
-    <p:sldId id="259" r:id="rId5"/>
+    <p:sldId id="262" r:id="rId3"/>
+    <p:sldId id="263" r:id="rId4"/>
+    <p:sldId id="264" r:id="rId5"/>
+    <p:sldId id="265" r:id="rId6"/>
+    <p:sldId id="266" r:id="rId7"/>
+    <p:sldId id="267" r:id="rId8"/>
+    <p:sldId id="268" r:id="rId9"/>
+    <p:sldId id="270" r:id="rId10"/>
+    <p:sldId id="269" r:id="rId11"/>
+    <p:sldId id="272" r:id="rId12"/>
+    <p:sldId id="273" r:id="rId13"/>
+    <p:sldId id="271" r:id="rId14"/>
+    <p:sldId id="257" r:id="rId15"/>
+    <p:sldId id="258" r:id="rId16"/>
+    <p:sldId id="259" r:id="rId17"/>
+    <p:sldId id="260" r:id="rId18"/>
+    <p:sldId id="261" r:id="rId19"/>
   </p:sldIdLst>
   <p:sldSz cx="12192000" cy="6858000"/>
   <p:notesSz cx="6858000" cy="9144000"/>
   <p:embeddedFontLst>
     <p:embeddedFont>
       <p:font typeface="Consolas" panose="020B0609020204030204" pitchFamily="49" charset="0"/>
-      <p:regular r:id="rId6"/>
-      <p:bold r:id="rId7"/>
-      <p:italic r:id="rId8"/>
-      <p:boldItalic r:id="rId9"/>
+      <p:regular r:id="rId20"/>
+      <p:bold r:id="rId21"/>
+      <p:italic r:id="rId22"/>
+      <p:boldItalic r:id="rId23"/>
     </p:embeddedFont>
     <p:embeddedFont>
       <p:font typeface="Wingdings 2" panose="05020102010507070707" pitchFamily="18" charset="2"/>
-      <p:regular r:id="rId10"/>
+      <p:regular r:id="rId24"/>
     </p:embeddedFont>
     <p:embeddedFont>
       <p:font typeface="源流明體 SB" panose="02020600000000000000" pitchFamily="18" charset="-120"/>
-      <p:bold r:id="rId11"/>
+      <p:bold r:id="rId25"/>
     </p:embeddedFont>
   </p:embeddedFontLst>
   <p:defaultTextStyle>
@@ -311,7 +325,7 @@
           <a:p>
             <a:fld id="{09F76502-2E29-4E49-AFFF-1A5FF0B6300A}" type="datetimeFigureOut">
               <a:rPr lang="zh-TW" altLang="en-US" smtClean="0"/>
-              <a:t>2022/10/11</a:t>
+              <a:t>2022/10/12</a:t>
             </a:fld>
             <a:endParaRPr lang="zh-TW" altLang="en-US"/>
           </a:p>
@@ -539,7 +553,7 @@
           <a:p>
             <a:fld id="{09F76502-2E29-4E49-AFFF-1A5FF0B6300A}" type="datetimeFigureOut">
               <a:rPr lang="zh-TW" altLang="en-US" smtClean="0"/>
-              <a:t>2022/10/11</a:t>
+              <a:t>2022/10/12</a:t>
             </a:fld>
             <a:endParaRPr lang="zh-TW" altLang="en-US"/>
           </a:p>
@@ -719,7 +733,7 @@
           <a:p>
             <a:fld id="{09F76502-2E29-4E49-AFFF-1A5FF0B6300A}" type="datetimeFigureOut">
               <a:rPr lang="zh-TW" altLang="en-US" smtClean="0"/>
-              <a:t>2022/10/11</a:t>
+              <a:t>2022/10/12</a:t>
             </a:fld>
             <a:endParaRPr lang="zh-TW" altLang="en-US"/>
           </a:p>
@@ -889,7 +903,7 @@
           <a:p>
             <a:fld id="{09F76502-2E29-4E49-AFFF-1A5FF0B6300A}" type="datetimeFigureOut">
               <a:rPr lang="zh-TW" altLang="en-US" smtClean="0"/>
-              <a:t>2022/10/11</a:t>
+              <a:t>2022/10/12</a:t>
             </a:fld>
             <a:endParaRPr lang="zh-TW" altLang="en-US"/>
           </a:p>
@@ -1143,7 +1157,7 @@
           <a:p>
             <a:fld id="{09F76502-2E29-4E49-AFFF-1A5FF0B6300A}" type="datetimeFigureOut">
               <a:rPr lang="zh-TW" altLang="en-US" smtClean="0"/>
-              <a:t>2022/10/11</a:t>
+              <a:t>2022/10/12</a:t>
             </a:fld>
             <a:endParaRPr lang="zh-TW" altLang="en-US"/>
           </a:p>
@@ -1469,7 +1483,7 @@
           <a:p>
             <a:fld id="{09F76502-2E29-4E49-AFFF-1A5FF0B6300A}" type="datetimeFigureOut">
               <a:rPr lang="zh-TW" altLang="en-US" smtClean="0"/>
-              <a:t>2022/10/11</a:t>
+              <a:t>2022/10/12</a:t>
             </a:fld>
             <a:endParaRPr lang="zh-TW" altLang="en-US"/>
           </a:p>
@@ -1920,7 +1934,7 @@
           <a:p>
             <a:fld id="{09F76502-2E29-4E49-AFFF-1A5FF0B6300A}" type="datetimeFigureOut">
               <a:rPr lang="zh-TW" altLang="en-US" smtClean="0"/>
-              <a:t>2022/10/11</a:t>
+              <a:t>2022/10/12</a:t>
             </a:fld>
             <a:endParaRPr lang="zh-TW" altLang="en-US"/>
           </a:p>
@@ -2038,7 +2052,7 @@
           <a:p>
             <a:fld id="{09F76502-2E29-4E49-AFFF-1A5FF0B6300A}" type="datetimeFigureOut">
               <a:rPr lang="zh-TW" altLang="en-US" smtClean="0"/>
-              <a:t>2022/10/11</a:t>
+              <a:t>2022/10/12</a:t>
             </a:fld>
             <a:endParaRPr lang="zh-TW" altLang="en-US"/>
           </a:p>
@@ -2133,7 +2147,7 @@
           <a:p>
             <a:fld id="{09F76502-2E29-4E49-AFFF-1A5FF0B6300A}" type="datetimeFigureOut">
               <a:rPr lang="zh-TW" altLang="en-US" smtClean="0"/>
-              <a:t>2022/10/11</a:t>
+              <a:t>2022/10/12</a:t>
             </a:fld>
             <a:endParaRPr lang="zh-TW" altLang="en-US"/>
           </a:p>
@@ -2420,7 +2434,7 @@
           <a:p>
             <a:fld id="{09F76502-2E29-4E49-AFFF-1A5FF0B6300A}" type="datetimeFigureOut">
               <a:rPr lang="zh-TW" altLang="en-US" smtClean="0"/>
-              <a:t>2022/10/11</a:t>
+              <a:t>2022/10/12</a:t>
             </a:fld>
             <a:endParaRPr lang="zh-TW" altLang="en-US"/>
           </a:p>
@@ -2742,7 +2756,7 @@
           <a:p>
             <a:fld id="{09F76502-2E29-4E49-AFFF-1A5FF0B6300A}" type="datetimeFigureOut">
               <a:rPr lang="zh-TW" altLang="en-US" smtClean="0"/>
-              <a:t>2022/10/11</a:t>
+              <a:t>2022/10/12</a:t>
             </a:fld>
             <a:endParaRPr lang="zh-TW" altLang="en-US"/>
           </a:p>
@@ -2996,7 +3010,7 @@
           <a:p>
             <a:fld id="{09F76502-2E29-4E49-AFFF-1A5FF0B6300A}" type="datetimeFigureOut">
               <a:rPr lang="zh-TW" altLang="en-US" smtClean="0"/>
-              <a:t>2022/10/11</a:t>
+              <a:t>2022/10/12</a:t>
             </a:fld>
             <a:endParaRPr lang="zh-TW" altLang="en-US"/>
           </a:p>
@@ -3585,7 +3599,7 @@
 </p:sld>
 </file>
 
-<file path=ppt/slides/slide2.xml><?xml version="1.0" encoding="utf-8"?>
+<file path=ppt/slides/slide10.xml><?xml version="1.0" encoding="utf-8"?>
 <p:sld xmlns:a="http://schemas.openxmlformats.org/drawingml/2006/main" xmlns:r="http://schemas.openxmlformats.org/officeDocument/2006/relationships" xmlns:p="http://schemas.openxmlformats.org/presentationml/2006/main">
   <p:cSld>
     <p:spTree>
@@ -3607,6 +3621,923 @@
           <p:cNvPr id="2" name="標題 1">
             <a:extLst>
               <a:ext uri="{FF2B5EF4-FFF2-40B4-BE49-F238E27FC236}">
+                <a16:creationId xmlns:a16="http://schemas.microsoft.com/office/drawing/2014/main" id="{0AC08A69-E213-4762-840D-BB3190CCF009}"/>
+              </a:ext>
+            </a:extLst>
+          </p:cNvPr>
+          <p:cNvSpPr>
+            <a:spLocks noGrp="1"/>
+          </p:cNvSpPr>
+          <p:nvPr>
+            <p:ph type="title"/>
+          </p:nvPr>
+        </p:nvSpPr>
+        <p:spPr/>
+        <p:txBody>
+          <a:bodyPr/>
+          <a:lstStyle/>
+          <a:p>
+            <a:r>
+              <a:rPr lang="en-US" altLang="zh-TW"/>
+              <a:t>for </a:t>
+            </a:r>
+            <a:r>
+              <a:rPr lang="zh-TW" altLang="en-US"/>
+              <a:t>迴圈執行指定次</a:t>
+            </a:r>
+          </a:p>
+        </p:txBody>
+      </p:sp>
+      <p:sp>
+        <p:nvSpPr>
+          <p:cNvPr id="3" name="內容版面配置區 2">
+            <a:extLst>
+              <a:ext uri="{FF2B5EF4-FFF2-40B4-BE49-F238E27FC236}">
+                <a16:creationId xmlns:a16="http://schemas.microsoft.com/office/drawing/2014/main" id="{8E8D4DF3-9C6B-4EE2-A25D-EDA7A000606B}"/>
+              </a:ext>
+            </a:extLst>
+          </p:cNvPr>
+          <p:cNvSpPr>
+            <a:spLocks noGrp="1"/>
+          </p:cNvSpPr>
+          <p:nvPr>
+            <p:ph idx="1"/>
+          </p:nvPr>
+        </p:nvSpPr>
+        <p:spPr>
+          <a:xfrm>
+            <a:off x="1261872" y="1828800"/>
+            <a:ext cx="9289354" cy="4351337"/>
+          </a:xfrm>
+        </p:spPr>
+        <p:txBody>
+          <a:bodyPr>
+            <a:normAutofit/>
+          </a:bodyPr>
+          <a:lstStyle/>
+          <a:p>
+            <a:pPr marL="0" indent="0">
+              <a:buNone/>
+            </a:pPr>
+            <a:endParaRPr lang="en-US" altLang="zh-TW" sz="2800"/>
+          </a:p>
+          <a:p>
+            <a:pPr marL="0" indent="0">
+              <a:buNone/>
+            </a:pPr>
+            <a:r>
+              <a:rPr lang="en-US" altLang="zh-TW" sz="2800"/>
+              <a:t>for i in </a:t>
+            </a:r>
+            <a:r>
+              <a:rPr lang="en-US" altLang="zh-TW" sz="2800">
+                <a:solidFill>
+                  <a:srgbClr val="0070C0"/>
+                </a:solidFill>
+              </a:rPr>
+              <a:t>range(</a:t>
+            </a:r>
+            <a:r>
+              <a:rPr lang="en-US" altLang="zh-TW" sz="2800">
+                <a:solidFill>
+                  <a:srgbClr val="FF0000"/>
+                </a:solidFill>
+              </a:rPr>
+              <a:t>n</a:t>
+            </a:r>
+            <a:r>
+              <a:rPr lang="en-US" altLang="zh-TW" sz="2800">
+                <a:solidFill>
+                  <a:srgbClr val="0070C0"/>
+                </a:solidFill>
+              </a:rPr>
+              <a:t>)</a:t>
+            </a:r>
+            <a:r>
+              <a:rPr lang="en-US" altLang="zh-TW" sz="2800"/>
+              <a:t> </a:t>
+            </a:r>
+            <a:r>
+              <a:rPr lang="zh-TW" altLang="en-US" sz="2800"/>
+              <a:t>→ 迴圈執行 </a:t>
+            </a:r>
+            <a:r>
+              <a:rPr lang="en-US" altLang="zh-TW" sz="2800">
+                <a:solidFill>
+                  <a:srgbClr val="FF0000"/>
+                </a:solidFill>
+              </a:rPr>
+              <a:t>n</a:t>
+            </a:r>
+            <a:r>
+              <a:rPr lang="en-US" altLang="zh-TW" sz="2800"/>
+              <a:t> </a:t>
+            </a:r>
+            <a:r>
+              <a:rPr lang="zh-TW" altLang="en-US" sz="2800"/>
+              <a:t>次</a:t>
+            </a:r>
+            <a:endParaRPr lang="en-US" altLang="zh-TW" sz="2800"/>
+          </a:p>
+          <a:p>
+            <a:pPr marL="0" indent="0">
+              <a:buNone/>
+            </a:pPr>
+            <a:endParaRPr lang="en-US" altLang="zh-TW" sz="2800"/>
+          </a:p>
+          <a:p>
+            <a:pPr marL="0" indent="0">
+              <a:buNone/>
+            </a:pPr>
+            <a:r>
+              <a:rPr lang="en-US" altLang="zh-TW" sz="2800"/>
+              <a:t>s = </a:t>
+            </a:r>
+            <a:r>
+              <a:rPr lang="en-US" altLang="zh-TW" sz="2800">
+                <a:solidFill>
+                  <a:srgbClr val="FF0000"/>
+                </a:solidFill>
+              </a:rPr>
+              <a:t>"apple"</a:t>
+            </a:r>
+          </a:p>
+          <a:p>
+            <a:pPr marL="0" indent="0">
+              <a:buNone/>
+            </a:pPr>
+            <a:r>
+              <a:rPr lang="en-US" altLang="zh-TW" sz="2800"/>
+              <a:t>for i in </a:t>
+            </a:r>
+            <a:r>
+              <a:rPr lang="en-US" altLang="zh-TW" sz="2800">
+                <a:solidFill>
+                  <a:srgbClr val="0070C0"/>
+                </a:solidFill>
+              </a:rPr>
+              <a:t>range(</a:t>
+            </a:r>
+            <a:r>
+              <a:rPr lang="en-US" altLang="zh-TW" sz="2800">
+                <a:solidFill>
+                  <a:srgbClr val="FF0000"/>
+                </a:solidFill>
+              </a:rPr>
+              <a:t>len(s)</a:t>
+            </a:r>
+            <a:r>
+              <a:rPr lang="en-US" altLang="zh-TW" sz="2800">
+                <a:solidFill>
+                  <a:srgbClr val="0070C0"/>
+                </a:solidFill>
+              </a:rPr>
+              <a:t>)</a:t>
+            </a:r>
+            <a:r>
+              <a:rPr lang="en-US" altLang="zh-TW" sz="2800">
+                <a:solidFill>
+                  <a:srgbClr val="FF0000"/>
+                </a:solidFill>
+              </a:rPr>
+              <a:t> </a:t>
+            </a:r>
+            <a:r>
+              <a:rPr lang="zh-TW" altLang="en-US" sz="2800"/>
+              <a:t>→ 迴圈執行 </a:t>
+            </a:r>
+            <a:r>
+              <a:rPr lang="en-US" altLang="zh-TW" sz="2800">
+                <a:solidFill>
+                  <a:srgbClr val="FF0000"/>
+                </a:solidFill>
+              </a:rPr>
+              <a:t>s </a:t>
+            </a:r>
+            <a:r>
+              <a:rPr lang="zh-TW" altLang="en-US" sz="2800">
+                <a:solidFill>
+                  <a:srgbClr val="FF0000"/>
+                </a:solidFill>
+              </a:rPr>
+              <a:t>的長度</a:t>
+            </a:r>
+            <a:r>
+              <a:rPr lang="zh-TW" altLang="en-US" sz="2800"/>
+              <a:t>次</a:t>
+            </a:r>
+          </a:p>
+        </p:txBody>
+      </p:sp>
+    </p:spTree>
+    <p:extLst>
+      <p:ext uri="{BB962C8B-B14F-4D97-AF65-F5344CB8AC3E}">
+        <p14:creationId xmlns:p14="http://schemas.microsoft.com/office/powerpoint/2010/main" val="4229502190"/>
+      </p:ext>
+    </p:extLst>
+  </p:cSld>
+  <p:clrMapOvr>
+    <a:masterClrMapping/>
+  </p:clrMapOvr>
+</p:sld>
+</file>
+
+<file path=ppt/slides/slide11.xml><?xml version="1.0" encoding="utf-8"?>
+<p:sld xmlns:a="http://schemas.openxmlformats.org/drawingml/2006/main" xmlns:r="http://schemas.openxmlformats.org/officeDocument/2006/relationships" xmlns:p="http://schemas.openxmlformats.org/presentationml/2006/main">
+  <p:cSld>
+    <p:spTree>
+      <p:nvGrpSpPr>
+        <p:cNvPr id="1" name=""/>
+        <p:cNvGrpSpPr/>
+        <p:nvPr/>
+      </p:nvGrpSpPr>
+      <p:grpSpPr>
+        <a:xfrm>
+          <a:off x="0" y="0"/>
+          <a:ext cx="0" cy="0"/>
+          <a:chOff x="0" y="0"/>
+          <a:chExt cx="0" cy="0"/>
+        </a:xfrm>
+      </p:grpSpPr>
+      <p:sp>
+        <p:nvSpPr>
+          <p:cNvPr id="2" name="標題 1">
+            <a:extLst>
+              <a:ext uri="{FF2B5EF4-FFF2-40B4-BE49-F238E27FC236}">
+                <a16:creationId xmlns:a16="http://schemas.microsoft.com/office/drawing/2014/main" id="{0AC08A69-E213-4762-840D-BB3190CCF009}"/>
+              </a:ext>
+            </a:extLst>
+          </p:cNvPr>
+          <p:cNvSpPr>
+            <a:spLocks noGrp="1"/>
+          </p:cNvSpPr>
+          <p:nvPr>
+            <p:ph type="title"/>
+          </p:nvPr>
+        </p:nvSpPr>
+        <p:spPr/>
+        <p:txBody>
+          <a:bodyPr/>
+          <a:lstStyle/>
+          <a:p>
+            <a:r>
+              <a:rPr lang="en-US" altLang="zh-TW"/>
+              <a:t>for </a:t>
+            </a:r>
+            <a:r>
+              <a:rPr lang="zh-TW" altLang="en-US"/>
+              <a:t>迭代物件</a:t>
+            </a:r>
+          </a:p>
+        </p:txBody>
+      </p:sp>
+      <p:sp>
+        <p:nvSpPr>
+          <p:cNvPr id="3" name="內容版面配置區 2">
+            <a:extLst>
+              <a:ext uri="{FF2B5EF4-FFF2-40B4-BE49-F238E27FC236}">
+                <a16:creationId xmlns:a16="http://schemas.microsoft.com/office/drawing/2014/main" id="{8E8D4DF3-9C6B-4EE2-A25D-EDA7A000606B}"/>
+              </a:ext>
+            </a:extLst>
+          </p:cNvPr>
+          <p:cNvSpPr>
+            <a:spLocks noGrp="1"/>
+          </p:cNvSpPr>
+          <p:nvPr>
+            <p:ph idx="1"/>
+          </p:nvPr>
+        </p:nvSpPr>
+        <p:spPr>
+          <a:xfrm>
+            <a:off x="1261872" y="1828800"/>
+            <a:ext cx="9289354" cy="4351337"/>
+          </a:xfrm>
+        </p:spPr>
+        <p:txBody>
+          <a:bodyPr>
+            <a:normAutofit/>
+          </a:bodyPr>
+          <a:lstStyle/>
+          <a:p>
+            <a:pPr marL="0" indent="0">
+              <a:buNone/>
+            </a:pPr>
+            <a:endParaRPr lang="en-US" altLang="zh-TW" sz="2800"/>
+          </a:p>
+          <a:p>
+            <a:pPr marL="0" indent="0">
+              <a:buNone/>
+            </a:pPr>
+            <a:r>
+              <a:rPr lang="en-US" altLang="zh-TW" sz="2800"/>
+              <a:t>s = "quan"</a:t>
+            </a:r>
+          </a:p>
+          <a:p>
+            <a:pPr marL="0" indent="0">
+              <a:buNone/>
+            </a:pPr>
+            <a:r>
+              <a:rPr lang="en-US" altLang="zh-TW" sz="2800"/>
+              <a:t>for </a:t>
+            </a:r>
+            <a:r>
+              <a:rPr lang="en-US" altLang="zh-TW" sz="2800">
+                <a:solidFill>
+                  <a:srgbClr val="FF0000"/>
+                </a:solidFill>
+              </a:rPr>
+              <a:t>ch</a:t>
+            </a:r>
+            <a:r>
+              <a:rPr lang="en-US" altLang="zh-TW" sz="2800"/>
+              <a:t> in </a:t>
+            </a:r>
+            <a:r>
+              <a:rPr lang="en-US" altLang="zh-TW" sz="2800">
+                <a:solidFill>
+                  <a:srgbClr val="0070C0"/>
+                </a:solidFill>
+              </a:rPr>
+              <a:t>s</a:t>
+            </a:r>
+            <a:r>
+              <a:rPr lang="en-US" altLang="zh-TW" sz="2800"/>
+              <a:t>:</a:t>
+            </a:r>
+          </a:p>
+          <a:p>
+            <a:pPr marL="0" indent="0">
+              <a:buNone/>
+            </a:pPr>
+            <a:r>
+              <a:rPr lang="en-US" altLang="zh-TW" sz="2800"/>
+              <a:t>	print(</a:t>
+            </a:r>
+            <a:r>
+              <a:rPr lang="en-US" altLang="zh-TW" sz="2800">
+                <a:solidFill>
+                  <a:srgbClr val="FF0000"/>
+                </a:solidFill>
+              </a:rPr>
+              <a:t>ch</a:t>
+            </a:r>
+            <a:r>
+              <a:rPr lang="en-US" altLang="zh-TW" sz="2800"/>
+              <a:t>, end= "")</a:t>
+            </a:r>
+          </a:p>
+          <a:p>
+            <a:pPr marL="0" indent="0">
+              <a:buNone/>
+            </a:pPr>
+            <a:endParaRPr lang="en-US" altLang="zh-TW" sz="2800"/>
+          </a:p>
+          <a:p>
+            <a:pPr marL="0" indent="0">
+              <a:buNone/>
+            </a:pPr>
+            <a:r>
+              <a:rPr lang="en-US" altLang="zh-TW" sz="2800"/>
+              <a:t>for </a:t>
+            </a:r>
+            <a:r>
+              <a:rPr lang="en-US" altLang="zh-TW" sz="2800">
+                <a:solidFill>
+                  <a:srgbClr val="FF0000"/>
+                </a:solidFill>
+              </a:rPr>
+              <a:t>i</a:t>
+            </a:r>
+            <a:r>
+              <a:rPr lang="en-US" altLang="zh-TW" sz="2800"/>
+              <a:t> in range(</a:t>
+            </a:r>
+            <a:r>
+              <a:rPr lang="en-US" altLang="zh-TW" sz="2800">
+                <a:solidFill>
+                  <a:srgbClr val="0070C0"/>
+                </a:solidFill>
+              </a:rPr>
+              <a:t>len(s)</a:t>
+            </a:r>
+            <a:r>
+              <a:rPr lang="en-US" altLang="zh-TW" sz="2800"/>
+              <a:t>):</a:t>
+            </a:r>
+          </a:p>
+          <a:p>
+            <a:pPr marL="0" indent="0">
+              <a:buNone/>
+            </a:pPr>
+            <a:r>
+              <a:rPr lang="en-US" altLang="zh-TW" sz="2800"/>
+              <a:t>	print(</a:t>
+            </a:r>
+            <a:r>
+              <a:rPr lang="en-US" altLang="zh-TW" sz="2800">
+                <a:solidFill>
+                  <a:srgbClr val="0070C0"/>
+                </a:solidFill>
+              </a:rPr>
+              <a:t>s[</a:t>
+            </a:r>
+            <a:r>
+              <a:rPr lang="en-US" altLang="zh-TW" sz="2800">
+                <a:solidFill>
+                  <a:srgbClr val="FF0000"/>
+                </a:solidFill>
+              </a:rPr>
+              <a:t>i</a:t>
+            </a:r>
+            <a:r>
+              <a:rPr lang="en-US" altLang="zh-TW" sz="2800">
+                <a:solidFill>
+                  <a:srgbClr val="0070C0"/>
+                </a:solidFill>
+              </a:rPr>
+              <a:t>]</a:t>
+            </a:r>
+            <a:r>
+              <a:rPr lang="en-US" altLang="zh-TW" sz="2800"/>
+              <a:t>, end= "")</a:t>
+            </a:r>
+          </a:p>
+        </p:txBody>
+      </p:sp>
+    </p:spTree>
+    <p:extLst>
+      <p:ext uri="{BB962C8B-B14F-4D97-AF65-F5344CB8AC3E}">
+        <p14:creationId xmlns:p14="http://schemas.microsoft.com/office/powerpoint/2010/main" val="1210223995"/>
+      </p:ext>
+    </p:extLst>
+  </p:cSld>
+  <p:clrMapOvr>
+    <a:masterClrMapping/>
+  </p:clrMapOvr>
+</p:sld>
+</file>
+
+<file path=ppt/slides/slide12.xml><?xml version="1.0" encoding="utf-8"?>
+<p:sld xmlns:a="http://schemas.openxmlformats.org/drawingml/2006/main" xmlns:r="http://schemas.openxmlformats.org/officeDocument/2006/relationships" xmlns:p="http://schemas.openxmlformats.org/presentationml/2006/main">
+  <p:cSld>
+    <p:spTree>
+      <p:nvGrpSpPr>
+        <p:cNvPr id="1" name=""/>
+        <p:cNvGrpSpPr/>
+        <p:nvPr/>
+      </p:nvGrpSpPr>
+      <p:grpSpPr>
+        <a:xfrm>
+          <a:off x="0" y="0"/>
+          <a:ext cx="0" cy="0"/>
+          <a:chOff x="0" y="0"/>
+          <a:chExt cx="0" cy="0"/>
+        </a:xfrm>
+      </p:grpSpPr>
+      <p:sp>
+        <p:nvSpPr>
+          <p:cNvPr id="2" name="標題 1">
+            <a:extLst>
+              <a:ext uri="{FF2B5EF4-FFF2-40B4-BE49-F238E27FC236}">
+                <a16:creationId xmlns:a16="http://schemas.microsoft.com/office/drawing/2014/main" id="{0AC08A69-E213-4762-840D-BB3190CCF009}"/>
+              </a:ext>
+            </a:extLst>
+          </p:cNvPr>
+          <p:cNvSpPr>
+            <a:spLocks noGrp="1"/>
+          </p:cNvSpPr>
+          <p:nvPr>
+            <p:ph type="title"/>
+          </p:nvPr>
+        </p:nvSpPr>
+        <p:spPr/>
+        <p:txBody>
+          <a:bodyPr/>
+          <a:lstStyle/>
+          <a:p>
+            <a:r>
+              <a:rPr lang="en-US" altLang="zh-TW"/>
+              <a:t>for </a:t>
+            </a:r>
+            <a:r>
+              <a:rPr lang="zh-TW" altLang="en-US"/>
+              <a:t>迭代物件</a:t>
+            </a:r>
+          </a:p>
+        </p:txBody>
+      </p:sp>
+      <p:sp>
+        <p:nvSpPr>
+          <p:cNvPr id="3" name="內容版面配置區 2">
+            <a:extLst>
+              <a:ext uri="{FF2B5EF4-FFF2-40B4-BE49-F238E27FC236}">
+                <a16:creationId xmlns:a16="http://schemas.microsoft.com/office/drawing/2014/main" id="{8E8D4DF3-9C6B-4EE2-A25D-EDA7A000606B}"/>
+              </a:ext>
+            </a:extLst>
+          </p:cNvPr>
+          <p:cNvSpPr>
+            <a:spLocks noGrp="1"/>
+          </p:cNvSpPr>
+          <p:nvPr>
+            <p:ph idx="1"/>
+          </p:nvPr>
+        </p:nvSpPr>
+        <p:spPr>
+          <a:xfrm>
+            <a:off x="1261872" y="1828800"/>
+            <a:ext cx="9289354" cy="4351337"/>
+          </a:xfrm>
+        </p:spPr>
+        <p:txBody>
+          <a:bodyPr>
+            <a:normAutofit/>
+          </a:bodyPr>
+          <a:lstStyle/>
+          <a:p>
+            <a:pPr marL="0" indent="0">
+              <a:buNone/>
+            </a:pPr>
+            <a:endParaRPr lang="en-US" altLang="zh-TW" sz="2800"/>
+          </a:p>
+          <a:p>
+            <a:pPr marL="0" indent="0">
+              <a:buNone/>
+            </a:pPr>
+            <a:r>
+              <a:rPr lang="pt-BR" altLang="zh-TW" sz="2800"/>
+              <a:t>lst = [</a:t>
+            </a:r>
+            <a:r>
+              <a:rPr lang="en-US" altLang="zh-TW" sz="2800"/>
+              <a:t>'</a:t>
+            </a:r>
+            <a:r>
+              <a:rPr lang="pt-BR" altLang="zh-TW" sz="2800"/>
+              <a:t>q</a:t>
+            </a:r>
+            <a:r>
+              <a:rPr lang="en-US" altLang="zh-TW" sz="2800"/>
+              <a:t>'</a:t>
+            </a:r>
+            <a:r>
+              <a:rPr lang="pt-BR" altLang="zh-TW" sz="2800"/>
+              <a:t>, </a:t>
+            </a:r>
+            <a:r>
+              <a:rPr lang="en-US" altLang="zh-TW" sz="2800"/>
+              <a:t>'</a:t>
+            </a:r>
+            <a:r>
+              <a:rPr lang="pt-BR" altLang="zh-TW" sz="2800"/>
+              <a:t>u</a:t>
+            </a:r>
+            <a:r>
+              <a:rPr lang="en-US" altLang="zh-TW" sz="2800"/>
+              <a:t>'</a:t>
+            </a:r>
+            <a:r>
+              <a:rPr lang="pt-BR" altLang="zh-TW" sz="2800"/>
+              <a:t>, </a:t>
+            </a:r>
+            <a:r>
+              <a:rPr lang="en-US" altLang="zh-TW" sz="2800"/>
+              <a:t>'</a:t>
+            </a:r>
+            <a:r>
+              <a:rPr lang="pt-BR" altLang="zh-TW" sz="2800"/>
+              <a:t>a</a:t>
+            </a:r>
+            <a:r>
+              <a:rPr lang="en-US" altLang="zh-TW" sz="2800"/>
+              <a:t>'</a:t>
+            </a:r>
+            <a:r>
+              <a:rPr lang="pt-BR" altLang="zh-TW" sz="2800"/>
+              <a:t>, </a:t>
+            </a:r>
+            <a:r>
+              <a:rPr lang="en-US" altLang="zh-TW" sz="2800"/>
+              <a:t>'</a:t>
+            </a:r>
+            <a:r>
+              <a:rPr lang="pt-BR" altLang="zh-TW" sz="2800"/>
+              <a:t>n</a:t>
+            </a:r>
+            <a:r>
+              <a:rPr lang="en-US" altLang="zh-TW" sz="2800"/>
+              <a:t>'</a:t>
+            </a:r>
+            <a:r>
+              <a:rPr lang="pt-BR" altLang="zh-TW" sz="2800"/>
+              <a:t>]</a:t>
+            </a:r>
+          </a:p>
+          <a:p>
+            <a:pPr marL="0" indent="0">
+              <a:buNone/>
+            </a:pPr>
+            <a:r>
+              <a:rPr lang="en-US" altLang="zh-TW" sz="2800"/>
+              <a:t>for </a:t>
+            </a:r>
+            <a:r>
+              <a:rPr lang="en-US" altLang="zh-TW" sz="2800">
+                <a:solidFill>
+                  <a:srgbClr val="FF0000"/>
+                </a:solidFill>
+              </a:rPr>
+              <a:t>i</a:t>
+            </a:r>
+            <a:r>
+              <a:rPr lang="en-US" altLang="zh-TW" sz="2800"/>
+              <a:t> in range(</a:t>
+            </a:r>
+            <a:r>
+              <a:rPr lang="en-US" altLang="zh-TW" sz="2800">
+                <a:solidFill>
+                  <a:srgbClr val="0070C0"/>
+                </a:solidFill>
+              </a:rPr>
+              <a:t>len(</a:t>
+            </a:r>
+            <a:r>
+              <a:rPr lang="pt-BR" altLang="zh-TW" sz="2800">
+                <a:solidFill>
+                  <a:srgbClr val="0070C0"/>
+                </a:solidFill>
+              </a:rPr>
+              <a:t>lst</a:t>
+            </a:r>
+            <a:r>
+              <a:rPr lang="en-US" altLang="zh-TW" sz="2800">
+                <a:solidFill>
+                  <a:srgbClr val="0070C0"/>
+                </a:solidFill>
+              </a:rPr>
+              <a:t>)</a:t>
+            </a:r>
+            <a:r>
+              <a:rPr lang="en-US" altLang="zh-TW" sz="2800"/>
+              <a:t>):</a:t>
+            </a:r>
+          </a:p>
+          <a:p>
+            <a:pPr marL="0" indent="0">
+              <a:buNone/>
+            </a:pPr>
+            <a:r>
+              <a:rPr lang="en-US" altLang="zh-TW" sz="2800">
+                <a:solidFill>
+                  <a:srgbClr val="0070C0"/>
+                </a:solidFill>
+              </a:rPr>
+              <a:t>	lst[</a:t>
+            </a:r>
+            <a:r>
+              <a:rPr lang="en-US" altLang="zh-TW" sz="2800">
+                <a:solidFill>
+                  <a:srgbClr val="FF0000"/>
+                </a:solidFill>
+              </a:rPr>
+              <a:t>i</a:t>
+            </a:r>
+            <a:r>
+              <a:rPr lang="en-US" altLang="zh-TW" sz="2800">
+                <a:solidFill>
+                  <a:srgbClr val="0070C0"/>
+                </a:solidFill>
+              </a:rPr>
+              <a:t>]</a:t>
+            </a:r>
+            <a:r>
+              <a:rPr lang="en-US" altLang="zh-TW" sz="2800"/>
+              <a:t> = chr(ord(</a:t>
+            </a:r>
+            <a:r>
+              <a:rPr lang="en-US" altLang="zh-TW" sz="2800">
+                <a:solidFill>
+                  <a:srgbClr val="0070C0"/>
+                </a:solidFill>
+              </a:rPr>
+              <a:t>lst[</a:t>
+            </a:r>
+            <a:r>
+              <a:rPr lang="en-US" altLang="zh-TW" sz="2800">
+                <a:solidFill>
+                  <a:srgbClr val="FF0000"/>
+                </a:solidFill>
+              </a:rPr>
+              <a:t>i</a:t>
+            </a:r>
+            <a:r>
+              <a:rPr lang="en-US" altLang="zh-TW" sz="2800">
+                <a:solidFill>
+                  <a:srgbClr val="0070C0"/>
+                </a:solidFill>
+              </a:rPr>
+              <a:t>]</a:t>
+            </a:r>
+            <a:r>
+              <a:rPr lang="en-US" altLang="zh-TW" sz="2800"/>
+              <a:t>) - 32)</a:t>
+            </a:r>
+          </a:p>
+          <a:p>
+            <a:pPr marL="0" indent="0">
+              <a:buNone/>
+            </a:pPr>
+            <a:r>
+              <a:rPr lang="en-US" altLang="zh-TW" sz="2800"/>
+              <a:t>lst </a:t>
+            </a:r>
+            <a:r>
+              <a:rPr lang="zh-TW" altLang="en-US" sz="2800"/>
+              <a:t>→ </a:t>
+            </a:r>
+            <a:r>
+              <a:rPr lang="en-US" altLang="zh-TW" sz="2800"/>
+              <a:t>['Q', 'U', 'A', 'N']</a:t>
+            </a:r>
+          </a:p>
+        </p:txBody>
+      </p:sp>
+    </p:spTree>
+    <p:extLst>
+      <p:ext uri="{BB962C8B-B14F-4D97-AF65-F5344CB8AC3E}">
+        <p14:creationId xmlns:p14="http://schemas.microsoft.com/office/powerpoint/2010/main" val="2766356475"/>
+      </p:ext>
+    </p:extLst>
+  </p:cSld>
+  <p:clrMapOvr>
+    <a:masterClrMapping/>
+  </p:clrMapOvr>
+</p:sld>
+</file>
+
+<file path=ppt/slides/slide13.xml><?xml version="1.0" encoding="utf-8"?>
+<p:sld xmlns:a="http://schemas.openxmlformats.org/drawingml/2006/main" xmlns:r="http://schemas.openxmlformats.org/officeDocument/2006/relationships" xmlns:p="http://schemas.openxmlformats.org/presentationml/2006/main">
+  <p:cSld>
+    <p:spTree>
+      <p:nvGrpSpPr>
+        <p:cNvPr id="1" name=""/>
+        <p:cNvGrpSpPr/>
+        <p:nvPr/>
+      </p:nvGrpSpPr>
+      <p:grpSpPr>
+        <a:xfrm>
+          <a:off x="0" y="0"/>
+          <a:ext cx="0" cy="0"/>
+          <a:chOff x="0" y="0"/>
+          <a:chExt cx="0" cy="0"/>
+        </a:xfrm>
+      </p:grpSpPr>
+      <p:sp>
+        <p:nvSpPr>
+          <p:cNvPr id="2" name="標題 1">
+            <a:extLst>
+              <a:ext uri="{FF2B5EF4-FFF2-40B4-BE49-F238E27FC236}">
+                <a16:creationId xmlns:a16="http://schemas.microsoft.com/office/drawing/2014/main" id="{03E76C46-2B7D-4DD8-B1D3-AA527922DB13}"/>
+              </a:ext>
+            </a:extLst>
+          </p:cNvPr>
+          <p:cNvSpPr>
+            <a:spLocks noGrp="1"/>
+          </p:cNvSpPr>
+          <p:nvPr>
+            <p:ph type="title"/>
+          </p:nvPr>
+        </p:nvSpPr>
+        <p:spPr/>
+        <p:txBody>
+          <a:bodyPr/>
+          <a:lstStyle/>
+          <a:p>
+            <a:r>
+              <a:rPr lang="en-US" altLang="zh-TW"/>
+              <a:t>while </a:t>
+            </a:r>
+            <a:r>
+              <a:rPr lang="zh-TW" altLang="en-US"/>
+              <a:t>迴圈</a:t>
+            </a:r>
+          </a:p>
+        </p:txBody>
+      </p:sp>
+      <p:sp>
+        <p:nvSpPr>
+          <p:cNvPr id="3" name="內容版面配置區 2">
+            <a:extLst>
+              <a:ext uri="{FF2B5EF4-FFF2-40B4-BE49-F238E27FC236}">
+                <a16:creationId xmlns:a16="http://schemas.microsoft.com/office/drawing/2014/main" id="{BCEF62BF-E52F-4E31-AB66-936D86D669FD}"/>
+              </a:ext>
+            </a:extLst>
+          </p:cNvPr>
+          <p:cNvSpPr>
+            <a:spLocks noGrp="1"/>
+          </p:cNvSpPr>
+          <p:nvPr>
+            <p:ph idx="1"/>
+          </p:nvPr>
+        </p:nvSpPr>
+        <p:spPr/>
+        <p:txBody>
+          <a:bodyPr>
+            <a:normAutofit/>
+          </a:bodyPr>
+          <a:lstStyle/>
+          <a:p>
+            <a:pPr marL="0" indent="0">
+              <a:buNone/>
+            </a:pPr>
+            <a:endParaRPr lang="en-US" altLang="zh-TW" sz="2800"/>
+          </a:p>
+          <a:p>
+            <a:pPr marL="0" indent="0">
+              <a:buNone/>
+            </a:pPr>
+            <a:r>
+              <a:rPr lang="en-US" altLang="zh-TW" sz="2800"/>
+              <a:t>while </a:t>
+            </a:r>
+            <a:r>
+              <a:rPr lang="en-US" altLang="zh-TW" sz="2800">
+                <a:solidFill>
+                  <a:schemeClr val="bg1">
+                    <a:lumMod val="65000"/>
+                  </a:schemeClr>
+                </a:solidFill>
+              </a:rPr>
+              <a:t>condition</a:t>
+            </a:r>
+            <a:r>
+              <a:rPr lang="en-US" altLang="zh-TW" sz="2800"/>
+              <a:t>:</a:t>
+            </a:r>
+          </a:p>
+          <a:p>
+            <a:pPr marL="0" indent="0">
+              <a:buNone/>
+            </a:pPr>
+            <a:r>
+              <a:rPr lang="en-US" altLang="zh-TW" sz="2800"/>
+              <a:t>	</a:t>
+            </a:r>
+            <a:r>
+              <a:rPr lang="en-US" altLang="zh-TW" sz="2800">
+                <a:solidFill>
+                  <a:schemeClr val="bg1">
+                    <a:lumMod val="65000"/>
+                  </a:schemeClr>
+                </a:solidFill>
+              </a:rPr>
+              <a:t>statements</a:t>
+            </a:r>
+            <a:endParaRPr lang="zh-TW" altLang="en-US" sz="2800">
+              <a:solidFill>
+                <a:schemeClr val="bg1">
+                  <a:lumMod val="65000"/>
+                </a:schemeClr>
+              </a:solidFill>
+            </a:endParaRPr>
+          </a:p>
+        </p:txBody>
+      </p:sp>
+    </p:spTree>
+    <p:extLst>
+      <p:ext uri="{BB962C8B-B14F-4D97-AF65-F5344CB8AC3E}">
+        <p14:creationId xmlns:p14="http://schemas.microsoft.com/office/powerpoint/2010/main" val="3254902294"/>
+      </p:ext>
+    </p:extLst>
+  </p:cSld>
+  <p:clrMapOvr>
+    <a:masterClrMapping/>
+  </p:clrMapOvr>
+</p:sld>
+</file>
+
+<file path=ppt/slides/slide14.xml><?xml version="1.0" encoding="utf-8"?>
+<p:sld xmlns:a="http://schemas.openxmlformats.org/drawingml/2006/main" xmlns:r="http://schemas.openxmlformats.org/officeDocument/2006/relationships" xmlns:p="http://schemas.openxmlformats.org/presentationml/2006/main">
+  <p:cSld>
+    <p:spTree>
+      <p:nvGrpSpPr>
+        <p:cNvPr id="1" name=""/>
+        <p:cNvGrpSpPr/>
+        <p:nvPr/>
+      </p:nvGrpSpPr>
+      <p:grpSpPr>
+        <a:xfrm>
+          <a:off x="0" y="0"/>
+          <a:ext cx="0" cy="0"/>
+          <a:chOff x="0" y="0"/>
+          <a:chExt cx="0" cy="0"/>
+        </a:xfrm>
+      </p:grpSpPr>
+      <p:sp>
+        <p:nvSpPr>
+          <p:cNvPr id="2" name="標題 1">
+            <a:extLst>
+              <a:ext uri="{FF2B5EF4-FFF2-40B4-BE49-F238E27FC236}">
                 <a16:creationId xmlns:a16="http://schemas.microsoft.com/office/drawing/2014/main" id="{9C02622A-FBCF-4607-A99C-EEFA84A5940D}"/>
               </a:ext>
             </a:extLst>
@@ -3654,13 +4585,13 @@
             <p:ph idx="1"/>
             <p:extLst>
               <p:ext uri="{D42A27DB-BD31-4B8C-83A1-F6EECF244321}">
-                <p14:modId xmlns:p14="http://schemas.microsoft.com/office/powerpoint/2010/main" val="413488818"/>
+                <p14:modId xmlns:p14="http://schemas.microsoft.com/office/powerpoint/2010/main" val="3311525972"/>
               </p:ext>
             </p:extLst>
           </p:nvPr>
         </p:nvGraphicFramePr>
         <p:xfrm>
-          <a:off x="1262062" y="1828800"/>
+          <a:off x="1261872" y="2499756"/>
           <a:ext cx="8212135" cy="3108960"/>
         </p:xfrm>
         <a:graphic>
@@ -4200,6 +5131,1156 @@
 </p:sld>
 </file>
 
+<file path=ppt/slides/slide15.xml><?xml version="1.0" encoding="utf-8"?>
+<p:sld xmlns:a="http://schemas.openxmlformats.org/drawingml/2006/main" xmlns:r="http://schemas.openxmlformats.org/officeDocument/2006/relationships" xmlns:p="http://schemas.openxmlformats.org/presentationml/2006/main">
+  <p:cSld>
+    <p:spTree>
+      <p:nvGrpSpPr>
+        <p:cNvPr id="1" name=""/>
+        <p:cNvGrpSpPr/>
+        <p:nvPr/>
+      </p:nvGrpSpPr>
+      <p:grpSpPr>
+        <a:xfrm>
+          <a:off x="0" y="0"/>
+          <a:ext cx="0" cy="0"/>
+          <a:chOff x="0" y="0"/>
+          <a:chExt cx="0" cy="0"/>
+        </a:xfrm>
+      </p:grpSpPr>
+      <p:sp>
+        <p:nvSpPr>
+          <p:cNvPr id="2" name="標題 1">
+            <a:extLst>
+              <a:ext uri="{FF2B5EF4-FFF2-40B4-BE49-F238E27FC236}">
+                <a16:creationId xmlns:a16="http://schemas.microsoft.com/office/drawing/2014/main" id="{4B0B096A-02DC-480B-8DCB-FB5B61738768}"/>
+              </a:ext>
+            </a:extLst>
+          </p:cNvPr>
+          <p:cNvSpPr>
+            <a:spLocks noGrp="1"/>
+          </p:cNvSpPr>
+          <p:nvPr>
+            <p:ph type="title"/>
+          </p:nvPr>
+        </p:nvSpPr>
+        <p:spPr/>
+        <p:txBody>
+          <a:bodyPr/>
+          <a:lstStyle/>
+          <a:p>
+            <a:r>
+              <a:rPr lang="zh-TW" altLang="en-US"/>
+              <a:t>元組 </a:t>
+            </a:r>
+            <a:r>
+              <a:rPr lang="en-US" altLang="zh-TW"/>
+              <a:t>tuple</a:t>
+            </a:r>
+            <a:r>
+              <a:rPr lang="zh-TW" altLang="en-US"/>
+              <a:t>（無法修改的 </a:t>
+            </a:r>
+            <a:r>
+              <a:rPr lang="en-US" altLang="zh-TW"/>
+              <a:t>list</a:t>
+            </a:r>
+            <a:r>
+              <a:rPr lang="zh-TW" altLang="en-US"/>
+              <a:t>）</a:t>
+            </a:r>
+          </a:p>
+        </p:txBody>
+      </p:sp>
+      <p:sp>
+        <p:nvSpPr>
+          <p:cNvPr id="3" name="內容版面配置區 2">
+            <a:extLst>
+              <a:ext uri="{FF2B5EF4-FFF2-40B4-BE49-F238E27FC236}">
+                <a16:creationId xmlns:a16="http://schemas.microsoft.com/office/drawing/2014/main" id="{5A8EDDC2-E502-4969-92F6-C704DA9F9555}"/>
+              </a:ext>
+            </a:extLst>
+          </p:cNvPr>
+          <p:cNvSpPr>
+            <a:spLocks noGrp="1"/>
+          </p:cNvSpPr>
+          <p:nvPr>
+            <p:ph idx="1"/>
+          </p:nvPr>
+        </p:nvSpPr>
+        <p:spPr/>
+        <p:txBody>
+          <a:bodyPr>
+            <a:normAutofit/>
+          </a:bodyPr>
+          <a:lstStyle/>
+          <a:p>
+            <a:pPr marL="0" indent="0">
+              <a:buNone/>
+            </a:pPr>
+            <a:endParaRPr lang="en-US" altLang="zh-TW" sz="2800"/>
+          </a:p>
+          <a:p>
+            <a:pPr marL="0" indent="0">
+              <a:buNone/>
+            </a:pPr>
+            <a:r>
+              <a:rPr lang="en-US" altLang="zh-TW" sz="2800"/>
+              <a:t>tup</a:t>
+            </a:r>
+            <a:r>
+              <a:rPr lang="zh-TW" altLang="en-US" sz="2800"/>
+              <a:t> </a:t>
+            </a:r>
+            <a:r>
+              <a:rPr lang="en-US" altLang="zh-TW" sz="2800"/>
+              <a:t>=</a:t>
+            </a:r>
+            <a:r>
+              <a:rPr lang="zh-TW" altLang="en-US" sz="2800"/>
+              <a:t> </a:t>
+            </a:r>
+            <a:r>
+              <a:rPr lang="en-US" altLang="zh-TW" sz="2800">
+                <a:solidFill>
+                  <a:srgbClr val="FF0000"/>
+                </a:solidFill>
+              </a:rPr>
+              <a:t>(</a:t>
+            </a:r>
+            <a:r>
+              <a:rPr lang="en-US" altLang="zh-TW" sz="2800"/>
+              <a:t>2, 3, True</a:t>
+            </a:r>
+            <a:r>
+              <a:rPr lang="en-US" altLang="zh-TW" sz="2800">
+                <a:solidFill>
+                  <a:srgbClr val="FF0000"/>
+                </a:solidFill>
+              </a:rPr>
+              <a:t>)</a:t>
+            </a:r>
+          </a:p>
+          <a:p>
+            <a:pPr marL="0" indent="0">
+              <a:buNone/>
+            </a:pPr>
+            <a:endParaRPr lang="en-US" altLang="zh-TW" sz="2800"/>
+          </a:p>
+          <a:p>
+            <a:pPr marL="0" indent="0">
+              <a:buNone/>
+            </a:pPr>
+            <a:r>
+              <a:rPr lang="en-US" altLang="zh-TW" sz="2800"/>
+              <a:t>tup[0] </a:t>
+            </a:r>
+            <a:r>
+              <a:rPr lang="zh-TW" altLang="en-US" sz="2800"/>
+              <a:t>→ </a:t>
+            </a:r>
+            <a:r>
+              <a:rPr lang="en-US" altLang="zh-TW" sz="2800"/>
+              <a:t>2</a:t>
+            </a:r>
+          </a:p>
+          <a:p>
+            <a:pPr marL="0" indent="0">
+              <a:buNone/>
+            </a:pPr>
+            <a:r>
+              <a:rPr lang="en-US" altLang="zh-TW" sz="2800"/>
+              <a:t>tup[1:3] </a:t>
+            </a:r>
+            <a:r>
+              <a:rPr lang="zh-TW" altLang="en-US" sz="2800"/>
+              <a:t>→ </a:t>
+            </a:r>
+            <a:r>
+              <a:rPr lang="en-US" altLang="zh-TW" sz="2800">
+                <a:solidFill>
+                  <a:srgbClr val="FF0000"/>
+                </a:solidFill>
+              </a:rPr>
+              <a:t>(</a:t>
+            </a:r>
+            <a:r>
+              <a:rPr lang="en-US" altLang="zh-TW" sz="2800"/>
+              <a:t>3, True</a:t>
+            </a:r>
+            <a:r>
+              <a:rPr lang="en-US" altLang="zh-TW" sz="2800">
+                <a:solidFill>
+                  <a:srgbClr val="FF0000"/>
+                </a:solidFill>
+              </a:rPr>
+              <a:t>)</a:t>
+            </a:r>
+          </a:p>
+          <a:p>
+            <a:pPr marL="0" indent="0">
+              <a:buNone/>
+            </a:pPr>
+            <a:endParaRPr lang="en-US" altLang="zh-TW" sz="2800"/>
+          </a:p>
+          <a:p>
+            <a:pPr marL="0" indent="0">
+              <a:buNone/>
+            </a:pPr>
+            <a:r>
+              <a:rPr lang="en-US" altLang="zh-TW" sz="2800"/>
+              <a:t>tup[0] = 0 </a:t>
+            </a:r>
+            <a:r>
+              <a:rPr lang="zh-TW" altLang="en-US" sz="2800"/>
+              <a:t>→ </a:t>
+            </a:r>
+            <a:r>
+              <a:rPr lang="en-US" altLang="zh-TW" sz="2800"/>
+              <a:t>Error </a:t>
+            </a:r>
+            <a:r>
+              <a:rPr lang="en-US" altLang="zh-TW" sz="2800">
+                <a:solidFill>
+                  <a:schemeClr val="bg1">
+                    <a:lumMod val="65000"/>
+                  </a:schemeClr>
+                </a:solidFill>
+              </a:rPr>
+              <a:t># tuple </a:t>
+            </a:r>
+            <a:r>
+              <a:rPr lang="zh-TW" altLang="en-US" sz="2800">
+                <a:solidFill>
+                  <a:schemeClr val="bg1">
+                    <a:lumMod val="65000"/>
+                  </a:schemeClr>
+                </a:solidFill>
+              </a:rPr>
+              <a:t>的元素無法修改</a:t>
+            </a:r>
+          </a:p>
+        </p:txBody>
+      </p:sp>
+    </p:spTree>
+    <p:extLst>
+      <p:ext uri="{BB962C8B-B14F-4D97-AF65-F5344CB8AC3E}">
+        <p14:creationId xmlns:p14="http://schemas.microsoft.com/office/powerpoint/2010/main" val="4066423474"/>
+      </p:ext>
+    </p:extLst>
+  </p:cSld>
+  <p:clrMapOvr>
+    <a:masterClrMapping/>
+  </p:clrMapOvr>
+</p:sld>
+</file>
+
+<file path=ppt/slides/slide16.xml><?xml version="1.0" encoding="utf-8"?>
+<p:sld xmlns:a="http://schemas.openxmlformats.org/drawingml/2006/main" xmlns:r="http://schemas.openxmlformats.org/officeDocument/2006/relationships" xmlns:p="http://schemas.openxmlformats.org/presentationml/2006/main">
+  <p:cSld>
+    <p:spTree>
+      <p:nvGrpSpPr>
+        <p:cNvPr id="1" name=""/>
+        <p:cNvGrpSpPr/>
+        <p:nvPr/>
+      </p:nvGrpSpPr>
+      <p:grpSpPr>
+        <a:xfrm>
+          <a:off x="0" y="0"/>
+          <a:ext cx="0" cy="0"/>
+          <a:chOff x="0" y="0"/>
+          <a:chExt cx="0" cy="0"/>
+        </a:xfrm>
+      </p:grpSpPr>
+      <p:sp>
+        <p:nvSpPr>
+          <p:cNvPr id="2" name="標題 1">
+            <a:extLst>
+              <a:ext uri="{FF2B5EF4-FFF2-40B4-BE49-F238E27FC236}">
+                <a16:creationId xmlns:a16="http://schemas.microsoft.com/office/drawing/2014/main" id="{38173237-D0E5-49CD-83B6-EBCE778B8025}"/>
+              </a:ext>
+            </a:extLst>
+          </p:cNvPr>
+          <p:cNvSpPr>
+            <a:spLocks noGrp="1"/>
+          </p:cNvSpPr>
+          <p:nvPr>
+            <p:ph type="title"/>
+          </p:nvPr>
+        </p:nvSpPr>
+        <p:spPr/>
+        <p:txBody>
+          <a:bodyPr/>
+          <a:lstStyle/>
+          <a:p>
+            <a:r>
+              <a:rPr lang="en-US" altLang="zh-TW"/>
+              <a:t>tuple </a:t>
+            </a:r>
+            <a:r>
+              <a:rPr lang="zh-TW" altLang="en-US"/>
+              <a:t>與 </a:t>
+            </a:r>
+            <a:r>
+              <a:rPr lang="en-US" altLang="zh-TW"/>
+              <a:t>list </a:t>
+            </a:r>
+            <a:r>
+              <a:rPr lang="zh-TW" altLang="en-US"/>
+              <a:t>互換</a:t>
+            </a:r>
+          </a:p>
+        </p:txBody>
+      </p:sp>
+      <p:sp>
+        <p:nvSpPr>
+          <p:cNvPr id="3" name="內容版面配置區 2">
+            <a:extLst>
+              <a:ext uri="{FF2B5EF4-FFF2-40B4-BE49-F238E27FC236}">
+                <a16:creationId xmlns:a16="http://schemas.microsoft.com/office/drawing/2014/main" id="{A23069AC-4534-43A9-8AC1-84C0024F90D1}"/>
+              </a:ext>
+            </a:extLst>
+          </p:cNvPr>
+          <p:cNvSpPr>
+            <a:spLocks noGrp="1"/>
+          </p:cNvSpPr>
+          <p:nvPr>
+            <p:ph idx="1"/>
+          </p:nvPr>
+        </p:nvSpPr>
+        <p:spPr/>
+        <p:txBody>
+          <a:bodyPr>
+            <a:normAutofit/>
+          </a:bodyPr>
+          <a:lstStyle/>
+          <a:p>
+            <a:pPr marL="0" indent="0">
+              <a:buNone/>
+            </a:pPr>
+            <a:endParaRPr lang="en-US" altLang="zh-TW" sz="2800"/>
+          </a:p>
+          <a:p>
+            <a:pPr marL="0" indent="0">
+              <a:buNone/>
+            </a:pPr>
+            <a:r>
+              <a:rPr lang="en-US" altLang="zh-TW" sz="2800">
+                <a:solidFill>
+                  <a:srgbClr val="FF0000"/>
+                </a:solidFill>
+              </a:rPr>
+              <a:t>list(</a:t>
+            </a:r>
+            <a:r>
+              <a:rPr lang="en-US" altLang="zh-TW" sz="2800"/>
+              <a:t>(1, 2, 3)</a:t>
+            </a:r>
+            <a:r>
+              <a:rPr lang="en-US" altLang="zh-TW" sz="2800">
+                <a:solidFill>
+                  <a:srgbClr val="FF0000"/>
+                </a:solidFill>
+              </a:rPr>
+              <a:t>)</a:t>
+            </a:r>
+          </a:p>
+          <a:p>
+            <a:pPr marL="0" indent="0">
+              <a:buNone/>
+            </a:pPr>
+            <a:r>
+              <a:rPr lang="en-US" altLang="zh-TW" sz="2800"/>
+              <a:t>	</a:t>
+            </a:r>
+            <a:r>
+              <a:rPr lang="zh-TW" altLang="en-US" sz="2800"/>
+              <a:t>→ </a:t>
+            </a:r>
+            <a:r>
+              <a:rPr lang="en-US" altLang="zh-TW" sz="2800"/>
+              <a:t>[1, 2, 3]</a:t>
+            </a:r>
+          </a:p>
+          <a:p>
+            <a:pPr marL="0" indent="0">
+              <a:buNone/>
+            </a:pPr>
+            <a:endParaRPr lang="en-US" altLang="zh-TW" sz="2800"/>
+          </a:p>
+          <a:p>
+            <a:pPr marL="0" indent="0">
+              <a:buNone/>
+            </a:pPr>
+            <a:r>
+              <a:rPr lang="en-US" altLang="zh-TW" sz="2800">
+                <a:solidFill>
+                  <a:srgbClr val="FF0000"/>
+                </a:solidFill>
+              </a:rPr>
+              <a:t>tuple(</a:t>
+            </a:r>
+            <a:r>
+              <a:rPr lang="en-US" altLang="zh-TW" sz="2800"/>
+              <a:t>[1, 2, 3]</a:t>
+            </a:r>
+            <a:r>
+              <a:rPr lang="en-US" altLang="zh-TW" sz="2800">
+                <a:solidFill>
+                  <a:srgbClr val="FF0000"/>
+                </a:solidFill>
+              </a:rPr>
+              <a:t>)</a:t>
+            </a:r>
+          </a:p>
+          <a:p>
+            <a:pPr marL="0" indent="0">
+              <a:buNone/>
+            </a:pPr>
+            <a:r>
+              <a:rPr lang="en-US" altLang="zh-TW" sz="2800"/>
+              <a:t>	</a:t>
+            </a:r>
+            <a:r>
+              <a:rPr lang="zh-TW" altLang="en-US" sz="2800"/>
+              <a:t>→ </a:t>
+            </a:r>
+            <a:r>
+              <a:rPr lang="en-US" altLang="zh-TW" sz="2800"/>
+              <a:t>(1, 2, 3)</a:t>
+            </a:r>
+          </a:p>
+        </p:txBody>
+      </p:sp>
+    </p:spTree>
+    <p:extLst>
+      <p:ext uri="{BB962C8B-B14F-4D97-AF65-F5344CB8AC3E}">
+        <p14:creationId xmlns:p14="http://schemas.microsoft.com/office/powerpoint/2010/main" val="2714990200"/>
+      </p:ext>
+    </p:extLst>
+  </p:cSld>
+  <p:clrMapOvr>
+    <a:masterClrMapping/>
+  </p:clrMapOvr>
+</p:sld>
+</file>
+
+<file path=ppt/slides/slide17.xml><?xml version="1.0" encoding="utf-8"?>
+<p:sld xmlns:a="http://schemas.openxmlformats.org/drawingml/2006/main" xmlns:r="http://schemas.openxmlformats.org/officeDocument/2006/relationships" xmlns:p="http://schemas.openxmlformats.org/presentationml/2006/main">
+  <p:cSld>
+    <p:spTree>
+      <p:nvGrpSpPr>
+        <p:cNvPr id="1" name=""/>
+        <p:cNvGrpSpPr/>
+        <p:nvPr/>
+      </p:nvGrpSpPr>
+      <p:grpSpPr>
+        <a:xfrm>
+          <a:off x="0" y="0"/>
+          <a:ext cx="0" cy="0"/>
+          <a:chOff x="0" y="0"/>
+          <a:chExt cx="0" cy="0"/>
+        </a:xfrm>
+      </p:grpSpPr>
+      <p:sp>
+        <p:nvSpPr>
+          <p:cNvPr id="2" name="標題 1">
+            <a:extLst>
+              <a:ext uri="{FF2B5EF4-FFF2-40B4-BE49-F238E27FC236}">
+                <a16:creationId xmlns:a16="http://schemas.microsoft.com/office/drawing/2014/main" id="{38173237-D0E5-49CD-83B6-EBCE778B8025}"/>
+              </a:ext>
+            </a:extLst>
+          </p:cNvPr>
+          <p:cNvSpPr>
+            <a:spLocks noGrp="1"/>
+          </p:cNvSpPr>
+          <p:nvPr>
+            <p:ph type="title"/>
+          </p:nvPr>
+        </p:nvSpPr>
+        <p:spPr/>
+        <p:txBody>
+          <a:bodyPr/>
+          <a:lstStyle/>
+          <a:p>
+            <a:r>
+              <a:rPr lang="zh-TW" altLang="en-US"/>
+              <a:t>枚舉 </a:t>
+            </a:r>
+            <a:r>
+              <a:rPr lang="en-US" altLang="zh-TW"/>
+              <a:t>enumerate</a:t>
+            </a:r>
+            <a:endParaRPr lang="zh-TW" altLang="en-US"/>
+          </a:p>
+        </p:txBody>
+      </p:sp>
+      <p:sp>
+        <p:nvSpPr>
+          <p:cNvPr id="3" name="內容版面配置區 2">
+            <a:extLst>
+              <a:ext uri="{FF2B5EF4-FFF2-40B4-BE49-F238E27FC236}">
+                <a16:creationId xmlns:a16="http://schemas.microsoft.com/office/drawing/2014/main" id="{A23069AC-4534-43A9-8AC1-84C0024F90D1}"/>
+              </a:ext>
+            </a:extLst>
+          </p:cNvPr>
+          <p:cNvSpPr>
+            <a:spLocks noGrp="1"/>
+          </p:cNvSpPr>
+          <p:nvPr>
+            <p:ph idx="1"/>
+          </p:nvPr>
+        </p:nvSpPr>
+        <p:spPr>
+          <a:xfrm>
+            <a:off x="1261871" y="1828800"/>
+            <a:ext cx="10417511" cy="4351337"/>
+          </a:xfrm>
+        </p:spPr>
+        <p:txBody>
+          <a:bodyPr>
+            <a:normAutofit/>
+          </a:bodyPr>
+          <a:lstStyle/>
+          <a:p>
+            <a:pPr marL="0" indent="0">
+              <a:buNone/>
+            </a:pPr>
+            <a:endParaRPr lang="en-US" altLang="zh-TW" sz="2400"/>
+          </a:p>
+          <a:p>
+            <a:pPr marL="0" indent="0">
+              <a:buNone/>
+            </a:pPr>
+            <a:r>
+              <a:rPr lang="it-IT" altLang="zh-TW" sz="2400"/>
+              <a:t>enumerate(list)</a:t>
+            </a:r>
+            <a:endParaRPr lang="en-US" altLang="zh-TW" sz="2400"/>
+          </a:p>
+          <a:p>
+            <a:pPr marL="0" indent="0">
+              <a:buNone/>
+            </a:pPr>
+            <a:endParaRPr lang="en-US" altLang="zh-TW" sz="2400"/>
+          </a:p>
+          <a:p>
+            <a:pPr marL="0" indent="0">
+              <a:buNone/>
+            </a:pPr>
+            <a:r>
+              <a:rPr lang="it-IT" altLang="zh-TW" sz="2400"/>
+              <a:t>list(enumerate([</a:t>
+            </a:r>
+            <a:r>
+              <a:rPr lang="it-IT" altLang="zh-TW" sz="2400">
+                <a:solidFill>
+                  <a:srgbClr val="0070C0"/>
+                </a:solidFill>
+              </a:rPr>
+              <a:t>"chino"</a:t>
+            </a:r>
+            <a:r>
+              <a:rPr lang="it-IT" altLang="zh-TW" sz="2400"/>
+              <a:t>, </a:t>
+            </a:r>
+            <a:r>
+              <a:rPr lang="it-IT" altLang="zh-TW" sz="2400">
+                <a:solidFill>
+                  <a:srgbClr val="FF66CC"/>
+                </a:solidFill>
+              </a:rPr>
+              <a:t>"takagi"</a:t>
+            </a:r>
+            <a:r>
+              <a:rPr lang="it-IT" altLang="zh-TW" sz="2400"/>
+              <a:t>, </a:t>
+            </a:r>
+            <a:r>
+              <a:rPr lang="it-IT" altLang="zh-TW" sz="2400">
+                <a:solidFill>
+                  <a:srgbClr val="FF0000"/>
+                </a:solidFill>
+              </a:rPr>
+              <a:t>"megumin"</a:t>
+            </a:r>
+            <a:r>
+              <a:rPr lang="it-IT" altLang="zh-TW" sz="2400"/>
+              <a:t>]))</a:t>
+            </a:r>
+            <a:endParaRPr lang="en-US" altLang="zh-TW" sz="2400"/>
+          </a:p>
+          <a:p>
+            <a:pPr marL="0" indent="0">
+              <a:buNone/>
+            </a:pPr>
+            <a:r>
+              <a:rPr lang="en-US" altLang="zh-TW" sz="2400"/>
+              <a:t>	</a:t>
+            </a:r>
+            <a:r>
+              <a:rPr lang="zh-TW" altLang="en-US" sz="2400"/>
+              <a:t>→ </a:t>
+            </a:r>
+            <a:r>
+              <a:rPr lang="en-US" altLang="zh-TW" sz="2400"/>
+              <a:t>[</a:t>
+            </a:r>
+            <a:r>
+              <a:rPr lang="en-US" altLang="zh-TW" sz="2400">
+                <a:solidFill>
+                  <a:srgbClr val="0070C0"/>
+                </a:solidFill>
+              </a:rPr>
+              <a:t>(0, </a:t>
+            </a:r>
+            <a:r>
+              <a:rPr lang="it-IT" altLang="zh-TW" sz="2400">
+                <a:solidFill>
+                  <a:srgbClr val="0070C0"/>
+                </a:solidFill>
+              </a:rPr>
+              <a:t>"chino"</a:t>
+            </a:r>
+            <a:r>
+              <a:rPr lang="en-US" altLang="zh-TW" sz="2400">
+                <a:solidFill>
+                  <a:srgbClr val="0070C0"/>
+                </a:solidFill>
+              </a:rPr>
+              <a:t>)</a:t>
+            </a:r>
+            <a:r>
+              <a:rPr lang="en-US" altLang="zh-TW" sz="2400"/>
+              <a:t>, </a:t>
+            </a:r>
+            <a:r>
+              <a:rPr lang="en-US" altLang="zh-TW" sz="2400">
+                <a:solidFill>
+                  <a:srgbClr val="FF66CC"/>
+                </a:solidFill>
+              </a:rPr>
+              <a:t>(1, </a:t>
+            </a:r>
+            <a:r>
+              <a:rPr lang="it-IT" altLang="zh-TW" sz="2400">
+                <a:solidFill>
+                  <a:srgbClr val="FF66CC"/>
+                </a:solidFill>
+              </a:rPr>
+              <a:t>"takagi"</a:t>
+            </a:r>
+            <a:r>
+              <a:rPr lang="en-US" altLang="zh-TW" sz="2400">
+                <a:solidFill>
+                  <a:srgbClr val="FF66CC"/>
+                </a:solidFill>
+              </a:rPr>
+              <a:t>)</a:t>
+            </a:r>
+            <a:r>
+              <a:rPr lang="en-US" altLang="zh-TW" sz="2400"/>
+              <a:t>, </a:t>
+            </a:r>
+            <a:r>
+              <a:rPr lang="en-US" altLang="zh-TW" sz="2400">
+                <a:solidFill>
+                  <a:srgbClr val="FF0000"/>
+                </a:solidFill>
+              </a:rPr>
+              <a:t>(2, </a:t>
+            </a:r>
+            <a:r>
+              <a:rPr lang="it-IT" altLang="zh-TW" sz="2400">
+                <a:solidFill>
+                  <a:srgbClr val="FF0000"/>
+                </a:solidFill>
+              </a:rPr>
+              <a:t>"megumin"</a:t>
+            </a:r>
+            <a:r>
+              <a:rPr lang="en-US" altLang="zh-TW" sz="2400">
+                <a:solidFill>
+                  <a:srgbClr val="FF0000"/>
+                </a:solidFill>
+              </a:rPr>
+              <a:t>)</a:t>
+            </a:r>
+            <a:r>
+              <a:rPr lang="en-US" altLang="zh-TW" sz="2400"/>
+              <a:t>]</a:t>
+            </a:r>
+          </a:p>
+          <a:p>
+            <a:pPr marL="0" indent="0">
+              <a:buNone/>
+            </a:pPr>
+            <a:endParaRPr lang="en-US" altLang="zh-TW" sz="2400"/>
+          </a:p>
+          <a:p>
+            <a:pPr marL="0" indent="0">
+              <a:buNone/>
+            </a:pPr>
+            <a:r>
+              <a:rPr lang="it-IT" altLang="zh-TW" sz="2400"/>
+              <a:t>list(enumerate(["chino", "takagi", "megumin"], </a:t>
+            </a:r>
+            <a:r>
+              <a:rPr lang="it-IT" altLang="zh-TW" sz="2400">
+                <a:solidFill>
+                  <a:srgbClr val="0070C0"/>
+                </a:solidFill>
+              </a:rPr>
+              <a:t>start= 3</a:t>
+            </a:r>
+            <a:r>
+              <a:rPr lang="it-IT" altLang="zh-TW" sz="2400"/>
+              <a:t>))</a:t>
+            </a:r>
+            <a:endParaRPr lang="en-US" altLang="zh-TW" sz="2400"/>
+          </a:p>
+          <a:p>
+            <a:pPr marL="0" indent="0">
+              <a:buNone/>
+            </a:pPr>
+            <a:r>
+              <a:rPr lang="en-US" altLang="zh-TW" sz="2400"/>
+              <a:t>	</a:t>
+            </a:r>
+            <a:r>
+              <a:rPr lang="zh-TW" altLang="en-US" sz="2400"/>
+              <a:t>→ </a:t>
+            </a:r>
+            <a:r>
+              <a:rPr lang="en-US" altLang="zh-TW" sz="2400"/>
+              <a:t>[(</a:t>
+            </a:r>
+            <a:r>
+              <a:rPr lang="en-US" altLang="zh-TW" sz="2400">
+                <a:solidFill>
+                  <a:srgbClr val="0070C0"/>
+                </a:solidFill>
+              </a:rPr>
+              <a:t>3</a:t>
+            </a:r>
+            <a:r>
+              <a:rPr lang="en-US" altLang="zh-TW" sz="2400"/>
+              <a:t>, </a:t>
+            </a:r>
+            <a:r>
+              <a:rPr lang="it-IT" altLang="zh-TW" sz="2400"/>
+              <a:t>"chino"</a:t>
+            </a:r>
+            <a:r>
+              <a:rPr lang="en-US" altLang="zh-TW" sz="2400"/>
+              <a:t>), (</a:t>
+            </a:r>
+            <a:r>
+              <a:rPr lang="en-US" altLang="zh-TW" sz="2400">
+                <a:solidFill>
+                  <a:srgbClr val="0070C0"/>
+                </a:solidFill>
+              </a:rPr>
+              <a:t>4</a:t>
+            </a:r>
+            <a:r>
+              <a:rPr lang="en-US" altLang="zh-TW" sz="2400"/>
+              <a:t>, </a:t>
+            </a:r>
+            <a:r>
+              <a:rPr lang="it-IT" altLang="zh-TW" sz="2400"/>
+              <a:t>"takagi"</a:t>
+            </a:r>
+            <a:r>
+              <a:rPr lang="en-US" altLang="zh-TW" sz="2400"/>
+              <a:t>), (</a:t>
+            </a:r>
+            <a:r>
+              <a:rPr lang="en-US" altLang="zh-TW" sz="2400">
+                <a:solidFill>
+                  <a:srgbClr val="0070C0"/>
+                </a:solidFill>
+              </a:rPr>
+              <a:t>5</a:t>
+            </a:r>
+            <a:r>
+              <a:rPr lang="en-US" altLang="zh-TW" sz="2400"/>
+              <a:t>, </a:t>
+            </a:r>
+            <a:r>
+              <a:rPr lang="it-IT" altLang="zh-TW" sz="2400"/>
+              <a:t>"megumin"</a:t>
+            </a:r>
+            <a:r>
+              <a:rPr lang="en-US" altLang="zh-TW" sz="2400"/>
+              <a:t>)]</a:t>
+            </a:r>
+          </a:p>
+        </p:txBody>
+      </p:sp>
+    </p:spTree>
+    <p:extLst>
+      <p:ext uri="{BB962C8B-B14F-4D97-AF65-F5344CB8AC3E}">
+        <p14:creationId xmlns:p14="http://schemas.microsoft.com/office/powerpoint/2010/main" val="3177179193"/>
+      </p:ext>
+    </p:extLst>
+  </p:cSld>
+  <p:clrMapOvr>
+    <a:masterClrMapping/>
+  </p:clrMapOvr>
+</p:sld>
+</file>
+
+<file path=ppt/slides/slide18.xml><?xml version="1.0" encoding="utf-8"?>
+<p:sld xmlns:a="http://schemas.openxmlformats.org/drawingml/2006/main" xmlns:r="http://schemas.openxmlformats.org/officeDocument/2006/relationships" xmlns:p="http://schemas.openxmlformats.org/presentationml/2006/main">
+  <p:cSld>
+    <p:spTree>
+      <p:nvGrpSpPr>
+        <p:cNvPr id="1" name=""/>
+        <p:cNvGrpSpPr/>
+        <p:nvPr/>
+      </p:nvGrpSpPr>
+      <p:grpSpPr>
+        <a:xfrm>
+          <a:off x="0" y="0"/>
+          <a:ext cx="0" cy="0"/>
+          <a:chOff x="0" y="0"/>
+          <a:chExt cx="0" cy="0"/>
+        </a:xfrm>
+      </p:grpSpPr>
+      <p:sp>
+        <p:nvSpPr>
+          <p:cNvPr id="2" name="標題 1">
+            <a:extLst>
+              <a:ext uri="{FF2B5EF4-FFF2-40B4-BE49-F238E27FC236}">
+                <a16:creationId xmlns:a16="http://schemas.microsoft.com/office/drawing/2014/main" id="{38173237-D0E5-49CD-83B6-EBCE778B8025}"/>
+              </a:ext>
+            </a:extLst>
+          </p:cNvPr>
+          <p:cNvSpPr>
+            <a:spLocks noGrp="1"/>
+          </p:cNvSpPr>
+          <p:nvPr>
+            <p:ph type="title"/>
+          </p:nvPr>
+        </p:nvSpPr>
+        <p:spPr/>
+        <p:txBody>
+          <a:bodyPr/>
+          <a:lstStyle/>
+          <a:p>
+            <a:r>
+              <a:rPr lang="zh-TW" altLang="en-US"/>
+              <a:t>打包 </a:t>
+            </a:r>
+            <a:r>
+              <a:rPr lang="en-US" altLang="zh-TW"/>
+              <a:t>zip</a:t>
+            </a:r>
+            <a:endParaRPr lang="zh-TW" altLang="en-US"/>
+          </a:p>
+        </p:txBody>
+      </p:sp>
+      <p:sp>
+        <p:nvSpPr>
+          <p:cNvPr id="3" name="內容版面配置區 2">
+            <a:extLst>
+              <a:ext uri="{FF2B5EF4-FFF2-40B4-BE49-F238E27FC236}">
+                <a16:creationId xmlns:a16="http://schemas.microsoft.com/office/drawing/2014/main" id="{A23069AC-4534-43A9-8AC1-84C0024F90D1}"/>
+              </a:ext>
+            </a:extLst>
+          </p:cNvPr>
+          <p:cNvSpPr>
+            <a:spLocks noGrp="1"/>
+          </p:cNvSpPr>
+          <p:nvPr>
+            <p:ph idx="1"/>
+          </p:nvPr>
+        </p:nvSpPr>
+        <p:spPr>
+          <a:xfrm>
+            <a:off x="1261872" y="1828800"/>
+            <a:ext cx="9692640" cy="4351337"/>
+          </a:xfrm>
+        </p:spPr>
+        <p:txBody>
+          <a:bodyPr>
+            <a:normAutofit/>
+          </a:bodyPr>
+          <a:lstStyle/>
+          <a:p>
+            <a:pPr marL="0" indent="0">
+              <a:buNone/>
+            </a:pPr>
+            <a:endParaRPr lang="en-US" altLang="zh-TW" sz="2400"/>
+          </a:p>
+          <a:p>
+            <a:pPr marL="0" indent="0">
+              <a:buNone/>
+            </a:pPr>
+            <a:r>
+              <a:rPr lang="en-US" altLang="zh-TW" sz="2400"/>
+              <a:t>zip(list, list, list, ……)</a:t>
+            </a:r>
+          </a:p>
+          <a:p>
+            <a:pPr marL="0" indent="0">
+              <a:buNone/>
+            </a:pPr>
+            <a:endParaRPr lang="en-US" altLang="zh-TW" sz="2400"/>
+          </a:p>
+          <a:p>
+            <a:pPr marL="0" indent="0">
+              <a:buNone/>
+            </a:pPr>
+            <a:r>
+              <a:rPr lang="en-US" altLang="zh-TW" sz="2400"/>
+              <a:t>list(zip([</a:t>
+            </a:r>
+            <a:r>
+              <a:rPr lang="en-US" altLang="zh-TW" sz="2400">
+                <a:solidFill>
+                  <a:srgbClr val="FF0000"/>
+                </a:solidFill>
+              </a:rPr>
+              <a:t>1</a:t>
+            </a:r>
+            <a:r>
+              <a:rPr lang="en-US" altLang="zh-TW" sz="2400"/>
+              <a:t>, </a:t>
+            </a:r>
+            <a:r>
+              <a:rPr lang="en-US" altLang="zh-TW" sz="2400">
+                <a:solidFill>
+                  <a:srgbClr val="0070C0"/>
+                </a:solidFill>
+              </a:rPr>
+              <a:t>2</a:t>
+            </a:r>
+            <a:r>
+              <a:rPr lang="en-US" altLang="zh-TW" sz="2400"/>
+              <a:t>, </a:t>
+            </a:r>
+            <a:r>
+              <a:rPr lang="en-US" altLang="zh-TW" sz="2400">
+                <a:solidFill>
+                  <a:schemeClr val="bg1">
+                    <a:lumMod val="65000"/>
+                  </a:schemeClr>
+                </a:solidFill>
+              </a:rPr>
+              <a:t>3</a:t>
+            </a:r>
+            <a:r>
+              <a:rPr lang="en-US" altLang="zh-TW" sz="2400"/>
+              <a:t>], [</a:t>
+            </a:r>
+            <a:r>
+              <a:rPr lang="en-US" altLang="zh-TW" sz="2400">
+                <a:solidFill>
+                  <a:srgbClr val="FF0000"/>
+                </a:solidFill>
+              </a:rPr>
+              <a:t>'a'</a:t>
+            </a:r>
+            <a:r>
+              <a:rPr lang="en-US" altLang="zh-TW" sz="2400"/>
+              <a:t>, </a:t>
+            </a:r>
+            <a:r>
+              <a:rPr lang="en-US" altLang="zh-TW" sz="2400">
+                <a:solidFill>
+                  <a:srgbClr val="0070C0"/>
+                </a:solidFill>
+              </a:rPr>
+              <a:t>'b'</a:t>
+            </a:r>
+            <a:r>
+              <a:rPr lang="en-US" altLang="zh-TW" sz="2400"/>
+              <a:t>, </a:t>
+            </a:r>
+            <a:r>
+              <a:rPr lang="en-US" altLang="zh-TW" sz="2400">
+                <a:solidFill>
+                  <a:schemeClr val="bg1">
+                    <a:lumMod val="65000"/>
+                  </a:schemeClr>
+                </a:solidFill>
+              </a:rPr>
+              <a:t>'c'</a:t>
+            </a:r>
+            <a:r>
+              <a:rPr lang="en-US" altLang="zh-TW" sz="2400"/>
+              <a:t>], [</a:t>
+            </a:r>
+            <a:r>
+              <a:rPr lang="en-US" altLang="zh-TW" sz="2400">
+                <a:solidFill>
+                  <a:srgbClr val="FF0000"/>
+                </a:solidFill>
+              </a:rPr>
+              <a:t>0</a:t>
+            </a:r>
+            <a:r>
+              <a:rPr lang="en-US" altLang="zh-TW" sz="2400"/>
+              <a:t>, </a:t>
+            </a:r>
+            <a:r>
+              <a:rPr lang="en-US" altLang="zh-TW" sz="2400">
+                <a:solidFill>
+                  <a:srgbClr val="0070C0"/>
+                </a:solidFill>
+              </a:rPr>
+              <a:t>-1</a:t>
+            </a:r>
+            <a:r>
+              <a:rPr lang="en-US" altLang="zh-TW" sz="2400"/>
+              <a:t>]))</a:t>
+            </a:r>
+          </a:p>
+          <a:p>
+            <a:pPr marL="0" indent="0">
+              <a:buNone/>
+            </a:pPr>
+            <a:r>
+              <a:rPr lang="en-US" altLang="zh-TW" sz="2400"/>
+              <a:t>	</a:t>
+            </a:r>
+            <a:r>
+              <a:rPr lang="zh-TW" altLang="en-US" sz="2400"/>
+              <a:t>→ </a:t>
+            </a:r>
+            <a:r>
+              <a:rPr lang="en-US" altLang="zh-TW" sz="2400"/>
+              <a:t>[</a:t>
+            </a:r>
+            <a:r>
+              <a:rPr lang="en-US" altLang="zh-TW" sz="2400">
+                <a:solidFill>
+                  <a:srgbClr val="FF0000"/>
+                </a:solidFill>
+              </a:rPr>
+              <a:t>(1, 'a', 0)</a:t>
+            </a:r>
+            <a:r>
+              <a:rPr lang="en-US" altLang="zh-TW" sz="2400"/>
+              <a:t>, </a:t>
+            </a:r>
+            <a:r>
+              <a:rPr lang="en-US" altLang="zh-TW" sz="2400">
+                <a:solidFill>
+                  <a:srgbClr val="0070C0"/>
+                </a:solidFill>
+              </a:rPr>
+              <a:t>(2, 'b', -1)</a:t>
+            </a:r>
+            <a:r>
+              <a:rPr lang="en-US" altLang="zh-TW" sz="2400"/>
+              <a:t>]</a:t>
+            </a:r>
+          </a:p>
+        </p:txBody>
+      </p:sp>
+    </p:spTree>
+    <p:extLst>
+      <p:ext uri="{BB962C8B-B14F-4D97-AF65-F5344CB8AC3E}">
+        <p14:creationId xmlns:p14="http://schemas.microsoft.com/office/powerpoint/2010/main" val="752840674"/>
+      </p:ext>
+    </p:extLst>
+  </p:cSld>
+  <p:clrMapOvr>
+    <a:masterClrMapping/>
+  </p:clrMapOvr>
+</p:sld>
+</file>
+
+<file path=ppt/slides/slide2.xml><?xml version="1.0" encoding="utf-8"?>
+<p:sld xmlns:a="http://schemas.openxmlformats.org/drawingml/2006/main" xmlns:r="http://schemas.openxmlformats.org/officeDocument/2006/relationships" xmlns:p="http://schemas.openxmlformats.org/presentationml/2006/main">
+  <p:cSld>
+    <p:spTree>
+      <p:nvGrpSpPr>
+        <p:cNvPr id="1" name=""/>
+        <p:cNvGrpSpPr/>
+        <p:nvPr/>
+      </p:nvGrpSpPr>
+      <p:grpSpPr>
+        <a:xfrm>
+          <a:off x="0" y="0"/>
+          <a:ext cx="0" cy="0"/>
+          <a:chOff x="0" y="0"/>
+          <a:chExt cx="0" cy="0"/>
+        </a:xfrm>
+      </p:grpSpPr>
+      <p:sp>
+        <p:nvSpPr>
+          <p:cNvPr id="2" name="標題 1">
+            <a:extLst>
+              <a:ext uri="{FF2B5EF4-FFF2-40B4-BE49-F238E27FC236}">
+                <a16:creationId xmlns:a16="http://schemas.microsoft.com/office/drawing/2014/main" id="{F58FAB7D-7E0D-4B72-BE11-3CE11137BF08}"/>
+              </a:ext>
+            </a:extLst>
+          </p:cNvPr>
+          <p:cNvSpPr>
+            <a:spLocks noGrp="1"/>
+          </p:cNvSpPr>
+          <p:nvPr>
+            <p:ph type="title"/>
+          </p:nvPr>
+        </p:nvSpPr>
+        <p:spPr/>
+        <p:txBody>
+          <a:bodyPr/>
+          <a:lstStyle/>
+          <a:p>
+            <a:r>
+              <a:rPr lang="en-US" altLang="zh-TW"/>
+              <a:t>for, while </a:t>
+            </a:r>
+            <a:r>
+              <a:rPr lang="zh-TW" altLang="en-US"/>
+              <a:t>迴圈</a:t>
+            </a:r>
+          </a:p>
+        </p:txBody>
+      </p:sp>
+      <p:sp>
+        <p:nvSpPr>
+          <p:cNvPr id="3" name="文字版面配置區 2">
+            <a:extLst>
+              <a:ext uri="{FF2B5EF4-FFF2-40B4-BE49-F238E27FC236}">
+                <a16:creationId xmlns:a16="http://schemas.microsoft.com/office/drawing/2014/main" id="{634B7770-2094-428E-A704-A7F34584FE58}"/>
+              </a:ext>
+            </a:extLst>
+          </p:cNvPr>
+          <p:cNvSpPr>
+            <a:spLocks noGrp="1"/>
+          </p:cNvSpPr>
+          <p:nvPr>
+            <p:ph type="body" idx="1"/>
+          </p:nvPr>
+        </p:nvSpPr>
+        <p:spPr/>
+        <p:txBody>
+          <a:bodyPr/>
+          <a:lstStyle/>
+          <a:p>
+            <a:endParaRPr lang="zh-TW" altLang="en-US"/>
+          </a:p>
+        </p:txBody>
+      </p:sp>
+    </p:spTree>
+    <p:extLst>
+      <p:ext uri="{BB962C8B-B14F-4D97-AF65-F5344CB8AC3E}">
+        <p14:creationId xmlns:p14="http://schemas.microsoft.com/office/powerpoint/2010/main" val="2196815458"/>
+      </p:ext>
+    </p:extLst>
+  </p:cSld>
+  <p:clrMapOvr>
+    <a:masterClrMapping/>
+  </p:clrMapOvr>
+</p:sld>
+</file>
+
 <file path=ppt/slides/slide3.xml><?xml version="1.0" encoding="utf-8"?>
 <p:sld xmlns:a="http://schemas.openxmlformats.org/drawingml/2006/main" xmlns:r="http://schemas.openxmlformats.org/officeDocument/2006/relationships" xmlns:p="http://schemas.openxmlformats.org/presentationml/2006/main">
   <p:cSld>
@@ -4222,7 +6303,7 @@
           <p:cNvPr id="2" name="標題 1">
             <a:extLst>
               <a:ext uri="{FF2B5EF4-FFF2-40B4-BE49-F238E27FC236}">
-                <a16:creationId xmlns:a16="http://schemas.microsoft.com/office/drawing/2014/main" id="{4B0B096A-02DC-480B-8DCB-FB5B61738768}"/>
+                <a16:creationId xmlns:a16="http://schemas.microsoft.com/office/drawing/2014/main" id="{21AAC376-083B-4613-95F8-9E6DDB59548D}"/>
               </a:ext>
             </a:extLst>
           </p:cNvPr>
@@ -4239,24 +6320,12 @@
           <a:lstStyle/>
           <a:p>
             <a:r>
-              <a:rPr lang="zh-TW" altLang="en-US"/>
-              <a:t>元組 </a:t>
-            </a:r>
-            <a:r>
               <a:rPr lang="en-US" altLang="zh-TW"/>
-              <a:t>tuple</a:t>
-            </a:r>
-            <a:r>
-              <a:rPr lang="zh-TW" altLang="en-US"/>
-              <a:t>（無法修改的 </a:t>
-            </a:r>
-            <a:r>
-              <a:rPr lang="en-US" altLang="zh-TW"/>
-              <a:t>list</a:t>
-            </a:r>
-            <a:r>
-              <a:rPr lang="zh-TW" altLang="en-US"/>
-              <a:t>）</a:t>
+              <a:t>for </a:t>
+            </a:r>
+            <a:r>
+              <a:rPr lang="zh-TW" altLang="en-US"/>
+              <a:t>迴圈</a:t>
             </a:r>
           </a:p>
         </p:txBody>
@@ -4266,7 +6335,7 @@
           <p:cNvPr id="3" name="內容版面配置區 2">
             <a:extLst>
               <a:ext uri="{FF2B5EF4-FFF2-40B4-BE49-F238E27FC236}">
-                <a16:creationId xmlns:a16="http://schemas.microsoft.com/office/drawing/2014/main" id="{5A8EDDC2-E502-4969-92F6-C704DA9F9555}"/>
+                <a16:creationId xmlns:a16="http://schemas.microsoft.com/office/drawing/2014/main" id="{1A4C985C-3491-4100-B754-110F0A9870DE}"/>
               </a:ext>
             </a:extLst>
           </p:cNvPr>
@@ -4295,118 +6364,7 @@
             </a:pPr>
             <a:r>
               <a:rPr lang="en-US" altLang="zh-TW" sz="2800"/>
-              <a:t>tup</a:t>
-            </a:r>
-            <a:r>
-              <a:rPr lang="zh-TW" altLang="en-US" sz="2800"/>
-              <a:t> </a:t>
-            </a:r>
-            <a:r>
-              <a:rPr lang="en-US" altLang="zh-TW" sz="2800"/>
-              <a:t>=</a:t>
-            </a:r>
-            <a:r>
-              <a:rPr lang="zh-TW" altLang="en-US" sz="2800"/>
-              <a:t> </a:t>
-            </a:r>
-            <a:r>
-              <a:rPr lang="en-US" altLang="zh-TW" sz="2800">
-                <a:solidFill>
-                  <a:srgbClr val="FF0000"/>
-                </a:solidFill>
-              </a:rPr>
-              <a:t>(</a:t>
-            </a:r>
-            <a:r>
-              <a:rPr lang="en-US" altLang="zh-TW" sz="2800"/>
-              <a:t>2, 3, True</a:t>
-            </a:r>
-            <a:r>
-              <a:rPr lang="en-US" altLang="zh-TW" sz="2800">
-                <a:solidFill>
-                  <a:srgbClr val="FF0000"/>
-                </a:solidFill>
-              </a:rPr>
-              <a:t>)</a:t>
-            </a:r>
-          </a:p>
-          <a:p>
-            <a:pPr marL="0" indent="0">
-              <a:buNone/>
-            </a:pPr>
-            <a:endParaRPr lang="en-US" altLang="zh-TW" sz="2800"/>
-          </a:p>
-          <a:p>
-            <a:pPr marL="0" indent="0">
-              <a:buNone/>
-            </a:pPr>
-            <a:r>
-              <a:rPr lang="en-US" altLang="zh-TW" sz="2800"/>
-              <a:t>tup[0] </a:t>
-            </a:r>
-            <a:r>
-              <a:rPr lang="zh-TW" altLang="en-US" sz="2800"/>
-              <a:t>→ </a:t>
-            </a:r>
-            <a:r>
-              <a:rPr lang="en-US" altLang="zh-TW" sz="2800"/>
-              <a:t>2</a:t>
-            </a:r>
-          </a:p>
-          <a:p>
-            <a:pPr marL="0" indent="0">
-              <a:buNone/>
-            </a:pPr>
-            <a:r>
-              <a:rPr lang="en-US" altLang="zh-TW" sz="2800"/>
-              <a:t>tup[1:3] </a:t>
-            </a:r>
-            <a:r>
-              <a:rPr lang="zh-TW" altLang="en-US" sz="2800"/>
-              <a:t>→ </a:t>
-            </a:r>
-            <a:r>
-              <a:rPr lang="en-US" altLang="zh-TW" sz="2800">
-                <a:solidFill>
-                  <a:srgbClr val="FF0000"/>
-                </a:solidFill>
-              </a:rPr>
-              <a:t>(</a:t>
-            </a:r>
-            <a:r>
-              <a:rPr lang="en-US" altLang="zh-TW" sz="2800"/>
-              <a:t>3, True</a:t>
-            </a:r>
-            <a:r>
-              <a:rPr lang="en-US" altLang="zh-TW" sz="2800">
-                <a:solidFill>
-                  <a:srgbClr val="FF0000"/>
-                </a:solidFill>
-              </a:rPr>
-              <a:t>)</a:t>
-            </a:r>
-          </a:p>
-          <a:p>
-            <a:pPr marL="0" indent="0">
-              <a:buNone/>
-            </a:pPr>
-            <a:endParaRPr lang="en-US" altLang="zh-TW" sz="2800"/>
-          </a:p>
-          <a:p>
-            <a:pPr marL="0" indent="0">
-              <a:buNone/>
-            </a:pPr>
-            <a:r>
-              <a:rPr lang="en-US" altLang="zh-TW" sz="2800"/>
-              <a:t>tup[0] = 0 </a:t>
-            </a:r>
-            <a:r>
-              <a:rPr lang="zh-TW" altLang="en-US" sz="2800"/>
-              <a:t>→ </a:t>
-            </a:r>
-            <a:r>
-              <a:rPr lang="en-US" altLang="zh-TW" sz="2800"/>
-              <a:t>Error </a:t>
+              <a:t>for </a:t>
             </a:r>
             <a:r>
               <a:rPr lang="en-US" altLang="zh-TW" sz="2800">
@@ -4416,25 +6374,59 @@
                   </a:schemeClr>
                 </a:solidFill>
               </a:rPr>
-              <a:t># tuple </a:t>
-            </a:r>
-            <a:r>
-              <a:rPr lang="zh-TW" altLang="en-US" sz="2800">
+              <a:t>variable</a:t>
+            </a:r>
+            <a:r>
+              <a:rPr lang="en-US" altLang="zh-TW" sz="2800"/>
+              <a:t> in </a:t>
+            </a:r>
+            <a:r>
+              <a:rPr lang="en-US" altLang="zh-TW" sz="2800">
                 <a:solidFill>
                   <a:schemeClr val="bg1">
                     <a:lumMod val="65000"/>
                   </a:schemeClr>
                 </a:solidFill>
               </a:rPr>
-              <a:t>的元素無法修改</a:t>
-            </a:r>
+              <a:t>iterable object</a:t>
+            </a:r>
+            <a:r>
+              <a:rPr lang="en-US" altLang="zh-TW" sz="2800"/>
+              <a:t>:</a:t>
+            </a:r>
+          </a:p>
+          <a:p>
+            <a:pPr marL="0" indent="0">
+              <a:buNone/>
+            </a:pPr>
+            <a:r>
+              <a:rPr lang="en-US" altLang="zh-TW" sz="2800"/>
+              <a:t>	</a:t>
+            </a:r>
+            <a:r>
+              <a:rPr lang="en-US" altLang="zh-TW" sz="2800">
+                <a:solidFill>
+                  <a:schemeClr val="bg1">
+                    <a:lumMod val="65000"/>
+                  </a:schemeClr>
+                </a:solidFill>
+              </a:rPr>
+              <a:t>statements</a:t>
+            </a:r>
+            <a:endParaRPr lang="zh-TW" altLang="en-US" sz="2800">
+              <a:solidFill>
+                <a:schemeClr val="bg1">
+                  <a:lumMod val="65000"/>
+                </a:schemeClr>
+              </a:solidFill>
+            </a:endParaRPr>
           </a:p>
         </p:txBody>
       </p:sp>
     </p:spTree>
     <p:extLst>
       <p:ext uri="{BB962C8B-B14F-4D97-AF65-F5344CB8AC3E}">
-        <p14:creationId xmlns:p14="http://schemas.microsoft.com/office/powerpoint/2010/main" val="4066423474"/>
+        <p14:creationId xmlns:p14="http://schemas.microsoft.com/office/powerpoint/2010/main" val="2959964744"/>
       </p:ext>
     </p:extLst>
   </p:cSld>
@@ -4466,7 +6458,7 @@
           <p:cNvPr id="2" name="標題 1">
             <a:extLst>
               <a:ext uri="{FF2B5EF4-FFF2-40B4-BE49-F238E27FC236}">
-                <a16:creationId xmlns:a16="http://schemas.microsoft.com/office/drawing/2014/main" id="{38173237-D0E5-49CD-83B6-EBCE778B8025}"/>
+                <a16:creationId xmlns:a16="http://schemas.microsoft.com/office/drawing/2014/main" id="{21AAC376-083B-4613-95F8-9E6DDB59548D}"/>
               </a:ext>
             </a:extLst>
           </p:cNvPr>
@@ -4484,19 +6476,11 @@
           <a:p>
             <a:r>
               <a:rPr lang="en-US" altLang="zh-TW"/>
-              <a:t>tuple </a:t>
-            </a:r>
-            <a:r>
-              <a:rPr lang="zh-TW" altLang="en-US"/>
-              <a:t>與 </a:t>
-            </a:r>
-            <a:r>
-              <a:rPr lang="en-US" altLang="zh-TW"/>
-              <a:t>list </a:t>
-            </a:r>
-            <a:r>
-              <a:rPr lang="zh-TW" altLang="en-US"/>
-              <a:t>互換</a:t>
+              <a:t>for </a:t>
+            </a:r>
+            <a:r>
+              <a:rPr lang="zh-TW" altLang="en-US"/>
+              <a:t>迴圈</a:t>
             </a:r>
           </a:p>
         </p:txBody>
@@ -4506,7 +6490,7 @@
           <p:cNvPr id="3" name="內容版面配置區 2">
             <a:extLst>
               <a:ext uri="{FF2B5EF4-FFF2-40B4-BE49-F238E27FC236}">
-                <a16:creationId xmlns:a16="http://schemas.microsoft.com/office/drawing/2014/main" id="{A23069AC-4534-43A9-8AC1-84C0024F90D1}"/>
+                <a16:creationId xmlns:a16="http://schemas.microsoft.com/office/drawing/2014/main" id="{1A4C985C-3491-4100-B754-110F0A9870DE}"/>
               </a:ext>
             </a:extLst>
           </p:cNvPr>
@@ -4535,16 +6519,978 @@
             </a:pPr>
             <a:r>
               <a:rPr lang="en-US" altLang="zh-TW" sz="2800"/>
-              <a:t>tup = ()</a:t>
-            </a:r>
-            <a:endParaRPr lang="zh-TW" altLang="en-US" sz="2800"/>
+              <a:t>for </a:t>
+            </a:r>
+            <a:r>
+              <a:rPr lang="en-US" altLang="zh-TW" sz="2800">
+                <a:solidFill>
+                  <a:schemeClr val="bg1">
+                    <a:lumMod val="65000"/>
+                  </a:schemeClr>
+                </a:solidFill>
+              </a:rPr>
+              <a:t>variable</a:t>
+            </a:r>
+            <a:r>
+              <a:rPr lang="en-US" altLang="zh-TW" sz="2800"/>
+              <a:t> in </a:t>
+            </a:r>
+            <a:r>
+              <a:rPr lang="en-US" altLang="zh-TW" sz="2800">
+                <a:solidFill>
+                  <a:srgbClr val="FF0000"/>
+                </a:solidFill>
+              </a:rPr>
+              <a:t>list</a:t>
+            </a:r>
+            <a:r>
+              <a:rPr lang="en-US" altLang="zh-TW" sz="2800"/>
+              <a:t>:</a:t>
+            </a:r>
+          </a:p>
+          <a:p>
+            <a:pPr marL="0" indent="0">
+              <a:buNone/>
+            </a:pPr>
+            <a:r>
+              <a:rPr lang="en-US" altLang="zh-TW" sz="2800"/>
+              <a:t>	</a:t>
+            </a:r>
+            <a:r>
+              <a:rPr lang="en-US" altLang="zh-TW" sz="2800">
+                <a:solidFill>
+                  <a:schemeClr val="bg1">
+                    <a:lumMod val="65000"/>
+                  </a:schemeClr>
+                </a:solidFill>
+              </a:rPr>
+              <a:t>statements</a:t>
+            </a:r>
+            <a:endParaRPr lang="zh-TW" altLang="en-US" sz="2800">
+              <a:solidFill>
+                <a:schemeClr val="bg1">
+                  <a:lumMod val="65000"/>
+                </a:schemeClr>
+              </a:solidFill>
+            </a:endParaRPr>
           </a:p>
         </p:txBody>
       </p:sp>
     </p:spTree>
     <p:extLst>
       <p:ext uri="{BB962C8B-B14F-4D97-AF65-F5344CB8AC3E}">
-        <p14:creationId xmlns:p14="http://schemas.microsoft.com/office/powerpoint/2010/main" val="2714990200"/>
+        <p14:creationId xmlns:p14="http://schemas.microsoft.com/office/powerpoint/2010/main" val="726160635"/>
+      </p:ext>
+    </p:extLst>
+  </p:cSld>
+  <p:clrMapOvr>
+    <a:masterClrMapping/>
+  </p:clrMapOvr>
+</p:sld>
+</file>
+
+<file path=ppt/slides/slide5.xml><?xml version="1.0" encoding="utf-8"?>
+<p:sld xmlns:a="http://schemas.openxmlformats.org/drawingml/2006/main" xmlns:r="http://schemas.openxmlformats.org/officeDocument/2006/relationships" xmlns:p="http://schemas.openxmlformats.org/presentationml/2006/main">
+  <p:cSld>
+    <p:spTree>
+      <p:nvGrpSpPr>
+        <p:cNvPr id="1" name=""/>
+        <p:cNvGrpSpPr/>
+        <p:nvPr/>
+      </p:nvGrpSpPr>
+      <p:grpSpPr>
+        <a:xfrm>
+          <a:off x="0" y="0"/>
+          <a:ext cx="0" cy="0"/>
+          <a:chOff x="0" y="0"/>
+          <a:chExt cx="0" cy="0"/>
+        </a:xfrm>
+      </p:grpSpPr>
+      <p:sp>
+        <p:nvSpPr>
+          <p:cNvPr id="2" name="標題 1">
+            <a:extLst>
+              <a:ext uri="{FF2B5EF4-FFF2-40B4-BE49-F238E27FC236}">
+                <a16:creationId xmlns:a16="http://schemas.microsoft.com/office/drawing/2014/main" id="{21AAC376-083B-4613-95F8-9E6DDB59548D}"/>
+              </a:ext>
+            </a:extLst>
+          </p:cNvPr>
+          <p:cNvSpPr>
+            <a:spLocks noGrp="1"/>
+          </p:cNvSpPr>
+          <p:nvPr>
+            <p:ph type="title"/>
+          </p:nvPr>
+        </p:nvSpPr>
+        <p:spPr/>
+        <p:txBody>
+          <a:bodyPr/>
+          <a:lstStyle/>
+          <a:p>
+            <a:r>
+              <a:rPr lang="en-US" altLang="zh-TW"/>
+              <a:t>for </a:t>
+            </a:r>
+            <a:r>
+              <a:rPr lang="zh-TW" altLang="en-US"/>
+              <a:t>迴圈</a:t>
+            </a:r>
+          </a:p>
+        </p:txBody>
+      </p:sp>
+      <p:sp>
+        <p:nvSpPr>
+          <p:cNvPr id="3" name="內容版面配置區 2">
+            <a:extLst>
+              <a:ext uri="{FF2B5EF4-FFF2-40B4-BE49-F238E27FC236}">
+                <a16:creationId xmlns:a16="http://schemas.microsoft.com/office/drawing/2014/main" id="{1A4C985C-3491-4100-B754-110F0A9870DE}"/>
+              </a:ext>
+            </a:extLst>
+          </p:cNvPr>
+          <p:cNvSpPr>
+            <a:spLocks noGrp="1"/>
+          </p:cNvSpPr>
+          <p:nvPr>
+            <p:ph idx="1"/>
+          </p:nvPr>
+        </p:nvSpPr>
+        <p:spPr/>
+        <p:txBody>
+          <a:bodyPr>
+            <a:normAutofit/>
+          </a:bodyPr>
+          <a:lstStyle/>
+          <a:p>
+            <a:pPr marL="0" indent="0">
+              <a:buNone/>
+            </a:pPr>
+            <a:endParaRPr lang="en-US" altLang="zh-TW" sz="2800"/>
+          </a:p>
+          <a:p>
+            <a:pPr marL="0" indent="0">
+              <a:buNone/>
+            </a:pPr>
+            <a:r>
+              <a:rPr lang="en-US" altLang="zh-TW" sz="2800"/>
+              <a:t>for </a:t>
+            </a:r>
+            <a:r>
+              <a:rPr lang="en-US" altLang="zh-TW" sz="2800">
+                <a:solidFill>
+                  <a:schemeClr val="bg1">
+                    <a:lumMod val="65000"/>
+                  </a:schemeClr>
+                </a:solidFill>
+              </a:rPr>
+              <a:t>variable</a:t>
+            </a:r>
+            <a:r>
+              <a:rPr lang="en-US" altLang="zh-TW" sz="2800"/>
+              <a:t> in </a:t>
+            </a:r>
+            <a:r>
+              <a:rPr lang="en-US" altLang="zh-TW" sz="2800">
+                <a:solidFill>
+                  <a:srgbClr val="FF0000"/>
+                </a:solidFill>
+              </a:rPr>
+              <a:t>range</a:t>
+            </a:r>
+            <a:r>
+              <a:rPr lang="en-US" altLang="zh-TW" sz="2800"/>
+              <a:t>:</a:t>
+            </a:r>
+          </a:p>
+          <a:p>
+            <a:pPr marL="0" indent="0">
+              <a:buNone/>
+            </a:pPr>
+            <a:r>
+              <a:rPr lang="en-US" altLang="zh-TW" sz="2800"/>
+              <a:t>	</a:t>
+            </a:r>
+            <a:r>
+              <a:rPr lang="en-US" altLang="zh-TW" sz="2800">
+                <a:solidFill>
+                  <a:schemeClr val="bg1">
+                    <a:lumMod val="65000"/>
+                  </a:schemeClr>
+                </a:solidFill>
+              </a:rPr>
+              <a:t>statements</a:t>
+            </a:r>
+            <a:endParaRPr lang="zh-TW" altLang="en-US" sz="2800">
+              <a:solidFill>
+                <a:schemeClr val="bg1">
+                  <a:lumMod val="65000"/>
+                </a:schemeClr>
+              </a:solidFill>
+            </a:endParaRPr>
+          </a:p>
+        </p:txBody>
+      </p:sp>
+    </p:spTree>
+    <p:extLst>
+      <p:ext uri="{BB962C8B-B14F-4D97-AF65-F5344CB8AC3E}">
+        <p14:creationId xmlns:p14="http://schemas.microsoft.com/office/powerpoint/2010/main" val="100758031"/>
+      </p:ext>
+    </p:extLst>
+  </p:cSld>
+  <p:clrMapOvr>
+    <a:masterClrMapping/>
+  </p:clrMapOvr>
+</p:sld>
+</file>
+
+<file path=ppt/slides/slide6.xml><?xml version="1.0" encoding="utf-8"?>
+<p:sld xmlns:a="http://schemas.openxmlformats.org/drawingml/2006/main" xmlns:r="http://schemas.openxmlformats.org/officeDocument/2006/relationships" xmlns:p="http://schemas.openxmlformats.org/presentationml/2006/main">
+  <p:cSld>
+    <p:spTree>
+      <p:nvGrpSpPr>
+        <p:cNvPr id="1" name=""/>
+        <p:cNvGrpSpPr/>
+        <p:nvPr/>
+      </p:nvGrpSpPr>
+      <p:grpSpPr>
+        <a:xfrm>
+          <a:off x="0" y="0"/>
+          <a:ext cx="0" cy="0"/>
+          <a:chOff x="0" y="0"/>
+          <a:chExt cx="0" cy="0"/>
+        </a:xfrm>
+      </p:grpSpPr>
+      <p:sp>
+        <p:nvSpPr>
+          <p:cNvPr id="2" name="標題 1">
+            <a:extLst>
+              <a:ext uri="{FF2B5EF4-FFF2-40B4-BE49-F238E27FC236}">
+                <a16:creationId xmlns:a16="http://schemas.microsoft.com/office/drawing/2014/main" id="{21AAC376-083B-4613-95F8-9E6DDB59548D}"/>
+              </a:ext>
+            </a:extLst>
+          </p:cNvPr>
+          <p:cNvSpPr>
+            <a:spLocks noGrp="1"/>
+          </p:cNvSpPr>
+          <p:nvPr>
+            <p:ph type="title"/>
+          </p:nvPr>
+        </p:nvSpPr>
+        <p:spPr/>
+        <p:txBody>
+          <a:bodyPr/>
+          <a:lstStyle/>
+          <a:p>
+            <a:r>
+              <a:rPr lang="en-US" altLang="zh-TW"/>
+              <a:t>range </a:t>
+            </a:r>
+            <a:r>
+              <a:rPr lang="zh-TW" altLang="en-US"/>
+              <a:t>物件</a:t>
+            </a:r>
+          </a:p>
+        </p:txBody>
+      </p:sp>
+      <p:sp>
+        <p:nvSpPr>
+          <p:cNvPr id="3" name="內容版面配置區 2">
+            <a:extLst>
+              <a:ext uri="{FF2B5EF4-FFF2-40B4-BE49-F238E27FC236}">
+                <a16:creationId xmlns:a16="http://schemas.microsoft.com/office/drawing/2014/main" id="{1A4C985C-3491-4100-B754-110F0A9870DE}"/>
+              </a:ext>
+            </a:extLst>
+          </p:cNvPr>
+          <p:cNvSpPr>
+            <a:spLocks noGrp="1"/>
+          </p:cNvSpPr>
+          <p:nvPr>
+            <p:ph idx="1"/>
+          </p:nvPr>
+        </p:nvSpPr>
+        <p:spPr/>
+        <p:txBody>
+          <a:bodyPr>
+            <a:normAutofit/>
+          </a:bodyPr>
+          <a:lstStyle/>
+          <a:p>
+            <a:pPr marL="0" indent="0">
+              <a:buNone/>
+            </a:pPr>
+            <a:endParaRPr lang="en-US" altLang="zh-TW" sz="2800"/>
+          </a:p>
+          <a:p>
+            <a:pPr marL="0" indent="0">
+              <a:buNone/>
+            </a:pPr>
+            <a:r>
+              <a:rPr lang="en-US" altLang="zh-TW" sz="2800"/>
+              <a:t>range(n) </a:t>
+            </a:r>
+            <a:r>
+              <a:rPr lang="zh-TW" altLang="en-US" sz="2800"/>
+              <a:t>→ 從 </a:t>
+            </a:r>
+            <a:r>
+              <a:rPr lang="en-US" altLang="zh-TW" sz="2800"/>
+              <a:t>0 </a:t>
+            </a:r>
+            <a:r>
+              <a:rPr lang="zh-TW" altLang="en-US" sz="2800"/>
+              <a:t>到 </a:t>
+            </a:r>
+            <a:r>
+              <a:rPr lang="en-US" altLang="zh-TW" sz="2800"/>
+              <a:t>n-1</a:t>
+            </a:r>
+          </a:p>
+          <a:p>
+            <a:pPr marL="0" indent="0">
+              <a:buNone/>
+            </a:pPr>
+            <a:r>
+              <a:rPr lang="en-US" altLang="zh-TW" sz="2800"/>
+              <a:t>range(m, n) </a:t>
+            </a:r>
+            <a:r>
+              <a:rPr lang="zh-TW" altLang="en-US" sz="2800"/>
+              <a:t>→ 從 </a:t>
+            </a:r>
+            <a:r>
+              <a:rPr lang="en-US" altLang="zh-TW" sz="2800"/>
+              <a:t>m </a:t>
+            </a:r>
+            <a:r>
+              <a:rPr lang="zh-TW" altLang="en-US" sz="2800"/>
+              <a:t>到 </a:t>
+            </a:r>
+            <a:r>
+              <a:rPr lang="en-US" altLang="zh-TW" sz="2800"/>
+              <a:t>n-1</a:t>
+            </a:r>
+          </a:p>
+          <a:p>
+            <a:pPr marL="0" indent="0">
+              <a:buNone/>
+            </a:pPr>
+            <a:r>
+              <a:rPr lang="en-US" altLang="zh-TW" sz="2800"/>
+              <a:t>range(m, n, inc) </a:t>
+            </a:r>
+            <a:r>
+              <a:rPr lang="zh-TW" altLang="en-US" sz="2800"/>
+              <a:t>→ 從 </a:t>
+            </a:r>
+            <a:r>
+              <a:rPr lang="en-US" altLang="zh-TW" sz="2800"/>
+              <a:t>m </a:t>
+            </a:r>
+            <a:r>
+              <a:rPr lang="zh-TW" altLang="en-US" sz="2800"/>
+              <a:t>到小於 </a:t>
+            </a:r>
+            <a:r>
+              <a:rPr lang="en-US" altLang="zh-TW" sz="2800"/>
+              <a:t>n</a:t>
+            </a:r>
+            <a:r>
+              <a:rPr lang="zh-TW" altLang="en-US" sz="2800"/>
+              <a:t>，公差為 </a:t>
+            </a:r>
+            <a:r>
+              <a:rPr lang="en-US" altLang="zh-TW" sz="2800"/>
+              <a:t>inc</a:t>
+            </a:r>
+          </a:p>
+          <a:p>
+            <a:pPr marL="0" indent="0">
+              <a:buNone/>
+            </a:pPr>
+            <a:endParaRPr lang="en-US" altLang="zh-TW" sz="2800"/>
+          </a:p>
+          <a:p>
+            <a:pPr marL="0" indent="0">
+              <a:buNone/>
+            </a:pPr>
+            <a:r>
+              <a:rPr lang="en-US" altLang="zh-TW" sz="2800"/>
+              <a:t>list(range(4)) </a:t>
+            </a:r>
+            <a:r>
+              <a:rPr lang="zh-TW" altLang="en-US" sz="2800"/>
+              <a:t>→ </a:t>
+            </a:r>
+            <a:r>
+              <a:rPr lang="en-US" altLang="zh-TW" sz="2800"/>
+              <a:t>[0, 1, 2, 3]</a:t>
+            </a:r>
+          </a:p>
+          <a:p>
+            <a:pPr marL="0" indent="0">
+              <a:buNone/>
+            </a:pPr>
+            <a:r>
+              <a:rPr lang="en-US" altLang="zh-TW" sz="2800"/>
+              <a:t>list(range(2, 8, 2)) </a:t>
+            </a:r>
+            <a:r>
+              <a:rPr lang="zh-TW" altLang="en-US" sz="2800"/>
+              <a:t>→ </a:t>
+            </a:r>
+            <a:r>
+              <a:rPr lang="en-US" altLang="zh-TW" sz="2800"/>
+              <a:t>[2, 4, 6, 8]</a:t>
+            </a:r>
+          </a:p>
+        </p:txBody>
+      </p:sp>
+    </p:spTree>
+    <p:extLst>
+      <p:ext uri="{BB962C8B-B14F-4D97-AF65-F5344CB8AC3E}">
+        <p14:creationId xmlns:p14="http://schemas.microsoft.com/office/powerpoint/2010/main" val="3880315242"/>
+      </p:ext>
+    </p:extLst>
+  </p:cSld>
+  <p:clrMapOvr>
+    <a:masterClrMapping/>
+  </p:clrMapOvr>
+</p:sld>
+</file>
+
+<file path=ppt/slides/slide7.xml><?xml version="1.0" encoding="utf-8"?>
+<p:sld xmlns:a="http://schemas.openxmlformats.org/drawingml/2006/main" xmlns:r="http://schemas.openxmlformats.org/officeDocument/2006/relationships" xmlns:p="http://schemas.openxmlformats.org/presentationml/2006/main">
+  <p:cSld>
+    <p:spTree>
+      <p:nvGrpSpPr>
+        <p:cNvPr id="1" name=""/>
+        <p:cNvGrpSpPr/>
+        <p:nvPr/>
+      </p:nvGrpSpPr>
+      <p:grpSpPr>
+        <a:xfrm>
+          <a:off x="0" y="0"/>
+          <a:ext cx="0" cy="0"/>
+          <a:chOff x="0" y="0"/>
+          <a:chExt cx="0" cy="0"/>
+        </a:xfrm>
+      </p:grpSpPr>
+      <p:sp>
+        <p:nvSpPr>
+          <p:cNvPr id="2" name="標題 1">
+            <a:extLst>
+              <a:ext uri="{FF2B5EF4-FFF2-40B4-BE49-F238E27FC236}">
+                <a16:creationId xmlns:a16="http://schemas.microsoft.com/office/drawing/2014/main" id="{21AAC376-083B-4613-95F8-9E6DDB59548D}"/>
+              </a:ext>
+            </a:extLst>
+          </p:cNvPr>
+          <p:cNvSpPr>
+            <a:spLocks noGrp="1"/>
+          </p:cNvSpPr>
+          <p:nvPr>
+            <p:ph type="title"/>
+          </p:nvPr>
+        </p:nvSpPr>
+        <p:spPr/>
+        <p:txBody>
+          <a:bodyPr/>
+          <a:lstStyle/>
+          <a:p>
+            <a:r>
+              <a:rPr lang="en-US" altLang="zh-TW"/>
+              <a:t>for </a:t>
+            </a:r>
+            <a:r>
+              <a:rPr lang="zh-TW" altLang="en-US"/>
+              <a:t>迭代 </a:t>
+            </a:r>
+            <a:r>
+              <a:rPr lang="en-US" altLang="zh-TW"/>
+              <a:t>range </a:t>
+            </a:r>
+            <a:r>
+              <a:rPr lang="zh-TW" altLang="en-US"/>
+              <a:t>物件</a:t>
+            </a:r>
+          </a:p>
+        </p:txBody>
+      </p:sp>
+      <p:sp>
+        <p:nvSpPr>
+          <p:cNvPr id="3" name="內容版面配置區 2">
+            <a:extLst>
+              <a:ext uri="{FF2B5EF4-FFF2-40B4-BE49-F238E27FC236}">
+                <a16:creationId xmlns:a16="http://schemas.microsoft.com/office/drawing/2014/main" id="{1A4C985C-3491-4100-B754-110F0A9870DE}"/>
+              </a:ext>
+            </a:extLst>
+          </p:cNvPr>
+          <p:cNvSpPr>
+            <a:spLocks noGrp="1"/>
+          </p:cNvSpPr>
+          <p:nvPr>
+            <p:ph idx="1"/>
+          </p:nvPr>
+        </p:nvSpPr>
+        <p:spPr/>
+        <p:txBody>
+          <a:bodyPr>
+            <a:normAutofit/>
+          </a:bodyPr>
+          <a:lstStyle/>
+          <a:p>
+            <a:pPr marL="0" indent="0">
+              <a:buNone/>
+            </a:pPr>
+            <a:endParaRPr lang="en-US" altLang="zh-TW" sz="2800"/>
+          </a:p>
+          <a:p>
+            <a:pPr marL="0" indent="0">
+              <a:buNone/>
+            </a:pPr>
+            <a:r>
+              <a:rPr lang="en-US" altLang="zh-TW" sz="2800"/>
+              <a:t>for </a:t>
+            </a:r>
+            <a:r>
+              <a:rPr lang="en-US" altLang="zh-TW" sz="2800">
+                <a:solidFill>
+                  <a:srgbClr val="FF0000"/>
+                </a:solidFill>
+              </a:rPr>
+              <a:t>i</a:t>
+            </a:r>
+            <a:r>
+              <a:rPr lang="en-US" altLang="zh-TW" sz="2800"/>
+              <a:t> in </a:t>
+            </a:r>
+            <a:r>
+              <a:rPr lang="en-US" altLang="zh-TW" sz="2800">
+                <a:solidFill>
+                  <a:srgbClr val="FF0000"/>
+                </a:solidFill>
+              </a:rPr>
+              <a:t>range(5)</a:t>
+            </a:r>
+            <a:r>
+              <a:rPr lang="en-US" altLang="zh-TW" sz="2800"/>
+              <a:t>:</a:t>
+            </a:r>
+          </a:p>
+          <a:p>
+            <a:pPr marL="0" indent="0">
+              <a:buNone/>
+            </a:pPr>
+            <a:r>
+              <a:rPr lang="en-US" altLang="zh-TW" sz="2800"/>
+              <a:t>	print(</a:t>
+            </a:r>
+            <a:r>
+              <a:rPr lang="en-US" altLang="zh-TW" sz="2800">
+                <a:solidFill>
+                  <a:srgbClr val="FF0000"/>
+                </a:solidFill>
+              </a:rPr>
+              <a:t>i</a:t>
+            </a:r>
+            <a:r>
+              <a:rPr lang="en-US" altLang="zh-TW" sz="2800"/>
+              <a:t>, end= " ")</a:t>
+            </a:r>
+          </a:p>
+          <a:p>
+            <a:pPr marL="0" indent="0">
+              <a:buNone/>
+            </a:pPr>
+            <a:endParaRPr lang="en-US" altLang="zh-TW" sz="2800"/>
+          </a:p>
+          <a:p>
+            <a:pPr marL="0" indent="0">
+              <a:buNone/>
+            </a:pPr>
+            <a:endParaRPr lang="en-US" altLang="zh-TW" sz="2800"/>
+          </a:p>
+          <a:p>
+            <a:pPr marL="0" indent="0">
+              <a:buNone/>
+            </a:pPr>
+            <a:r>
+              <a:rPr lang="zh-TW" altLang="en-US" sz="2800"/>
+              <a:t>輸出：</a:t>
+            </a:r>
+            <a:endParaRPr lang="en-US" altLang="zh-TW" sz="2800"/>
+          </a:p>
+          <a:p>
+            <a:pPr marL="0" indent="0">
+              <a:buNone/>
+            </a:pPr>
+            <a:r>
+              <a:rPr lang="en-US" altLang="zh-TW" sz="2800"/>
+              <a:t>0 1 2 3 4 </a:t>
+            </a:r>
+          </a:p>
+        </p:txBody>
+      </p:sp>
+    </p:spTree>
+    <p:extLst>
+      <p:ext uri="{BB962C8B-B14F-4D97-AF65-F5344CB8AC3E}">
+        <p14:creationId xmlns:p14="http://schemas.microsoft.com/office/powerpoint/2010/main" val="796796753"/>
+      </p:ext>
+    </p:extLst>
+  </p:cSld>
+  <p:clrMapOvr>
+    <a:masterClrMapping/>
+  </p:clrMapOvr>
+</p:sld>
+</file>
+
+<file path=ppt/slides/slide8.xml><?xml version="1.0" encoding="utf-8"?>
+<p:sld xmlns:a="http://schemas.openxmlformats.org/drawingml/2006/main" xmlns:r="http://schemas.openxmlformats.org/officeDocument/2006/relationships" xmlns:p="http://schemas.openxmlformats.org/presentationml/2006/main">
+  <p:cSld>
+    <p:spTree>
+      <p:nvGrpSpPr>
+        <p:cNvPr id="1" name=""/>
+        <p:cNvGrpSpPr/>
+        <p:nvPr/>
+      </p:nvGrpSpPr>
+      <p:grpSpPr>
+        <a:xfrm>
+          <a:off x="0" y="0"/>
+          <a:ext cx="0" cy="0"/>
+          <a:chOff x="0" y="0"/>
+          <a:chExt cx="0" cy="0"/>
+        </a:xfrm>
+      </p:grpSpPr>
+      <p:sp>
+        <p:nvSpPr>
+          <p:cNvPr id="2" name="標題 1">
+            <a:extLst>
+              <a:ext uri="{FF2B5EF4-FFF2-40B4-BE49-F238E27FC236}">
+                <a16:creationId xmlns:a16="http://schemas.microsoft.com/office/drawing/2014/main" id="{21AAC376-083B-4613-95F8-9E6DDB59548D}"/>
+              </a:ext>
+            </a:extLst>
+          </p:cNvPr>
+          <p:cNvSpPr>
+            <a:spLocks noGrp="1"/>
+          </p:cNvSpPr>
+          <p:nvPr>
+            <p:ph type="title"/>
+          </p:nvPr>
+        </p:nvSpPr>
+        <p:spPr/>
+        <p:txBody>
+          <a:bodyPr/>
+          <a:lstStyle/>
+          <a:p>
+            <a:r>
+              <a:rPr lang="en-US" altLang="zh-TW"/>
+              <a:t>for </a:t>
+            </a:r>
+            <a:r>
+              <a:rPr lang="zh-TW" altLang="en-US"/>
+              <a:t>迭代 </a:t>
+            </a:r>
+            <a:r>
+              <a:rPr lang="en-US" altLang="zh-TW"/>
+              <a:t>range </a:t>
+            </a:r>
+            <a:r>
+              <a:rPr lang="zh-TW" altLang="en-US"/>
+              <a:t>物件</a:t>
+            </a:r>
+          </a:p>
+        </p:txBody>
+      </p:sp>
+      <p:sp>
+        <p:nvSpPr>
+          <p:cNvPr id="3" name="內容版面配置區 2">
+            <a:extLst>
+              <a:ext uri="{FF2B5EF4-FFF2-40B4-BE49-F238E27FC236}">
+                <a16:creationId xmlns:a16="http://schemas.microsoft.com/office/drawing/2014/main" id="{1A4C985C-3491-4100-B754-110F0A9870DE}"/>
+              </a:ext>
+            </a:extLst>
+          </p:cNvPr>
+          <p:cNvSpPr>
+            <a:spLocks noGrp="1"/>
+          </p:cNvSpPr>
+          <p:nvPr>
+            <p:ph idx="1"/>
+          </p:nvPr>
+        </p:nvSpPr>
+        <p:spPr/>
+        <p:txBody>
+          <a:bodyPr>
+            <a:normAutofit/>
+          </a:bodyPr>
+          <a:lstStyle/>
+          <a:p>
+            <a:pPr marL="0" indent="0">
+              <a:buNone/>
+            </a:pPr>
+            <a:endParaRPr lang="en-US" altLang="zh-TW" sz="2800"/>
+          </a:p>
+          <a:p>
+            <a:pPr marL="0" indent="0">
+              <a:buNone/>
+            </a:pPr>
+            <a:r>
+              <a:rPr lang="en-US" altLang="zh-TW" sz="2800"/>
+              <a:t>for </a:t>
+            </a:r>
+            <a:r>
+              <a:rPr lang="en-US" altLang="zh-TW" sz="2800">
+                <a:solidFill>
+                  <a:srgbClr val="FF0000"/>
+                </a:solidFill>
+              </a:rPr>
+              <a:t>i</a:t>
+            </a:r>
+            <a:r>
+              <a:rPr lang="en-US" altLang="zh-TW" sz="2800"/>
+              <a:t> in </a:t>
+            </a:r>
+            <a:r>
+              <a:rPr lang="en-US" altLang="zh-TW" sz="2800">
+                <a:solidFill>
+                  <a:srgbClr val="FF0000"/>
+                </a:solidFill>
+              </a:rPr>
+              <a:t>range(5)</a:t>
+            </a:r>
+            <a:r>
+              <a:rPr lang="en-US" altLang="zh-TW" sz="2800"/>
+              <a:t>:</a:t>
+            </a:r>
+          </a:p>
+          <a:p>
+            <a:pPr marL="0" indent="0">
+              <a:buNone/>
+            </a:pPr>
+            <a:r>
+              <a:rPr lang="en-US" altLang="zh-TW" sz="2800"/>
+              <a:t>	print(</a:t>
+            </a:r>
+            <a:r>
+              <a:rPr lang="en-US" altLang="zh-TW" sz="2800">
+                <a:solidFill>
+                  <a:srgbClr val="FF0000"/>
+                </a:solidFill>
+              </a:rPr>
+              <a:t>i</a:t>
+            </a:r>
+            <a:r>
+              <a:rPr lang="en-US" altLang="zh-TW" sz="2800"/>
+              <a:t>, end= " ")</a:t>
+            </a:r>
+          </a:p>
+          <a:p>
+            <a:pPr marL="0" indent="0">
+              <a:buNone/>
+            </a:pPr>
+            <a:r>
+              <a:rPr lang="en-US" altLang="zh-TW" sz="2800"/>
+              <a:t>	</a:t>
+            </a:r>
+            <a:r>
+              <a:rPr lang="en-US" altLang="zh-TW" sz="2800">
+                <a:solidFill>
+                  <a:srgbClr val="0070C0"/>
+                </a:solidFill>
+              </a:rPr>
+              <a:t>i += 1</a:t>
+            </a:r>
+            <a:endParaRPr lang="en-US" altLang="zh-TW" sz="2800"/>
+          </a:p>
+          <a:p>
+            <a:pPr marL="0" indent="0">
+              <a:buNone/>
+            </a:pPr>
+            <a:endParaRPr lang="en-US" altLang="zh-TW" sz="2800"/>
+          </a:p>
+          <a:p>
+            <a:pPr marL="0" indent="0">
+              <a:buNone/>
+            </a:pPr>
+            <a:r>
+              <a:rPr lang="zh-TW" altLang="en-US" sz="2800"/>
+              <a:t>輸出：</a:t>
+            </a:r>
+            <a:endParaRPr lang="en-US" altLang="zh-TW" sz="2800"/>
+          </a:p>
+          <a:p>
+            <a:pPr marL="0" indent="0">
+              <a:buNone/>
+            </a:pPr>
+            <a:r>
+              <a:rPr lang="en-US" altLang="zh-TW" sz="2800"/>
+              <a:t>0 1 2 3 4 </a:t>
+            </a:r>
+          </a:p>
+        </p:txBody>
+      </p:sp>
+    </p:spTree>
+    <p:extLst>
+      <p:ext uri="{BB962C8B-B14F-4D97-AF65-F5344CB8AC3E}">
+        <p14:creationId xmlns:p14="http://schemas.microsoft.com/office/powerpoint/2010/main" val="1066216940"/>
+      </p:ext>
+    </p:extLst>
+  </p:cSld>
+  <p:clrMapOvr>
+    <a:masterClrMapping/>
+  </p:clrMapOvr>
+</p:sld>
+</file>
+
+<file path=ppt/slides/slide9.xml><?xml version="1.0" encoding="utf-8"?>
+<p:sld xmlns:a="http://schemas.openxmlformats.org/drawingml/2006/main" xmlns:r="http://schemas.openxmlformats.org/officeDocument/2006/relationships" xmlns:p="http://schemas.openxmlformats.org/presentationml/2006/main">
+  <p:cSld>
+    <p:spTree>
+      <p:nvGrpSpPr>
+        <p:cNvPr id="1" name=""/>
+        <p:cNvGrpSpPr/>
+        <p:nvPr/>
+      </p:nvGrpSpPr>
+      <p:grpSpPr>
+        <a:xfrm>
+          <a:off x="0" y="0"/>
+          <a:ext cx="0" cy="0"/>
+          <a:chOff x="0" y="0"/>
+          <a:chExt cx="0" cy="0"/>
+        </a:xfrm>
+      </p:grpSpPr>
+      <p:sp>
+        <p:nvSpPr>
+          <p:cNvPr id="2" name="標題 1">
+            <a:extLst>
+              <a:ext uri="{FF2B5EF4-FFF2-40B4-BE49-F238E27FC236}">
+                <a16:creationId xmlns:a16="http://schemas.microsoft.com/office/drawing/2014/main" id="{0AC08A69-E213-4762-840D-BB3190CCF009}"/>
+              </a:ext>
+            </a:extLst>
+          </p:cNvPr>
+          <p:cNvSpPr>
+            <a:spLocks noGrp="1"/>
+          </p:cNvSpPr>
+          <p:nvPr>
+            <p:ph type="title"/>
+          </p:nvPr>
+        </p:nvSpPr>
+        <p:spPr/>
+        <p:txBody>
+          <a:bodyPr/>
+          <a:lstStyle/>
+          <a:p>
+            <a:r>
+              <a:rPr lang="en-US" altLang="zh-TW"/>
+              <a:t>for </a:t>
+            </a:r>
+            <a:r>
+              <a:rPr lang="zh-TW" altLang="en-US"/>
+              <a:t>迭代的變數在迴圈外可使用</a:t>
+            </a:r>
+          </a:p>
+        </p:txBody>
+      </p:sp>
+      <p:sp>
+        <p:nvSpPr>
+          <p:cNvPr id="3" name="內容版面配置區 2">
+            <a:extLst>
+              <a:ext uri="{FF2B5EF4-FFF2-40B4-BE49-F238E27FC236}">
+                <a16:creationId xmlns:a16="http://schemas.microsoft.com/office/drawing/2014/main" id="{8E8D4DF3-9C6B-4EE2-A25D-EDA7A000606B}"/>
+              </a:ext>
+            </a:extLst>
+          </p:cNvPr>
+          <p:cNvSpPr>
+            <a:spLocks noGrp="1"/>
+          </p:cNvSpPr>
+          <p:nvPr>
+            <p:ph idx="1"/>
+          </p:nvPr>
+        </p:nvSpPr>
+        <p:spPr>
+          <a:xfrm>
+            <a:off x="1261872" y="1828800"/>
+            <a:ext cx="9289354" cy="4351337"/>
+          </a:xfrm>
+        </p:spPr>
+        <p:txBody>
+          <a:bodyPr>
+            <a:normAutofit/>
+          </a:bodyPr>
+          <a:lstStyle/>
+          <a:p>
+            <a:pPr marL="0" indent="0">
+              <a:buNone/>
+            </a:pPr>
+            <a:endParaRPr lang="en-US" altLang="zh-TW" sz="2800"/>
+          </a:p>
+          <a:p>
+            <a:pPr marL="0" indent="0">
+              <a:buNone/>
+            </a:pPr>
+            <a:r>
+              <a:rPr lang="en-US" altLang="zh-TW" sz="2800"/>
+              <a:t>for i in range(5):</a:t>
+            </a:r>
+          </a:p>
+          <a:p>
+            <a:pPr marL="0" indent="0">
+              <a:buNone/>
+            </a:pPr>
+            <a:r>
+              <a:rPr lang="en-US" altLang="zh-TW" sz="2800"/>
+              <a:t>	print(i, end= " ")</a:t>
+            </a:r>
+          </a:p>
+          <a:p>
+            <a:pPr marL="0" indent="0">
+              <a:buNone/>
+            </a:pPr>
+            <a:r>
+              <a:rPr lang="en-US" altLang="zh-TW" sz="2800">
+                <a:solidFill>
+                  <a:srgbClr val="FF0000"/>
+                </a:solidFill>
+              </a:rPr>
+              <a:t>print(i)</a:t>
+            </a:r>
+          </a:p>
+          <a:p>
+            <a:pPr marL="0" indent="0">
+              <a:buNone/>
+            </a:pPr>
+            <a:endParaRPr lang="en-US" altLang="zh-TW" sz="2800"/>
+          </a:p>
+          <a:p>
+            <a:pPr marL="0" indent="0">
+              <a:buNone/>
+            </a:pPr>
+            <a:r>
+              <a:rPr lang="zh-TW" altLang="en-US" sz="2800"/>
+              <a:t>輸出：</a:t>
+            </a:r>
+            <a:endParaRPr lang="en-US" altLang="zh-TW" sz="2800"/>
+          </a:p>
+          <a:p>
+            <a:pPr marL="0" indent="0">
+              <a:buNone/>
+            </a:pPr>
+            <a:r>
+              <a:rPr lang="en-US" altLang="zh-TW" sz="2800"/>
+              <a:t>0 1 2 3 4 </a:t>
+            </a:r>
+            <a:r>
+              <a:rPr lang="en-US" altLang="zh-TW" sz="2800">
+                <a:solidFill>
+                  <a:srgbClr val="FF0000"/>
+                </a:solidFill>
+              </a:rPr>
+              <a:t>4 </a:t>
+            </a:r>
+          </a:p>
+        </p:txBody>
+      </p:sp>
+    </p:spTree>
+    <p:extLst>
+      <p:ext uri="{BB962C8B-B14F-4D97-AF65-F5344CB8AC3E}">
+        <p14:creationId xmlns:p14="http://schemas.microsoft.com/office/powerpoint/2010/main" val="2419717363"/>
       </p:ext>
     </p:extLst>
   </p:cSld>

--- a/Class 5.pptx
+++ b/Class 5.pptx
@@ -17,30 +17,60 @@
     <p:sldId id="269" r:id="rId11"/>
     <p:sldId id="272" r:id="rId12"/>
     <p:sldId id="273" r:id="rId13"/>
-    <p:sldId id="271" r:id="rId14"/>
-    <p:sldId id="257" r:id="rId15"/>
-    <p:sldId id="258" r:id="rId16"/>
-    <p:sldId id="259" r:id="rId17"/>
-    <p:sldId id="260" r:id="rId18"/>
-    <p:sldId id="261" r:id="rId19"/>
+    <p:sldId id="299" r:id="rId14"/>
+    <p:sldId id="297" r:id="rId15"/>
+    <p:sldId id="271" r:id="rId16"/>
+    <p:sldId id="274" r:id="rId17"/>
+    <p:sldId id="275" r:id="rId18"/>
+    <p:sldId id="277" r:id="rId19"/>
+    <p:sldId id="278" r:id="rId20"/>
+    <p:sldId id="279" r:id="rId21"/>
+    <p:sldId id="281" r:id="rId22"/>
+    <p:sldId id="282" r:id="rId23"/>
+    <p:sldId id="283" r:id="rId24"/>
+    <p:sldId id="257" r:id="rId25"/>
+    <p:sldId id="258" r:id="rId26"/>
+    <p:sldId id="259" r:id="rId27"/>
+    <p:sldId id="260" r:id="rId28"/>
+    <p:sldId id="261" r:id="rId29"/>
+    <p:sldId id="285" r:id="rId30"/>
+    <p:sldId id="287" r:id="rId31"/>
+    <p:sldId id="288" r:id="rId32"/>
+    <p:sldId id="289" r:id="rId33"/>
+    <p:sldId id="286" r:id="rId34"/>
+    <p:sldId id="290" r:id="rId35"/>
+    <p:sldId id="292" r:id="rId36"/>
+    <p:sldId id="293" r:id="rId37"/>
+    <p:sldId id="291" r:id="rId38"/>
+    <p:sldId id="294" r:id="rId39"/>
+    <p:sldId id="295" r:id="rId40"/>
+    <p:sldId id="303" r:id="rId41"/>
+    <p:sldId id="296" r:id="rId42"/>
+    <p:sldId id="305" r:id="rId43"/>
+    <p:sldId id="304" r:id="rId44"/>
+    <p:sldId id="300" r:id="rId45"/>
+    <p:sldId id="301" r:id="rId46"/>
+    <p:sldId id="302" r:id="rId47"/>
+    <p:sldId id="306" r:id="rId48"/>
+    <p:sldId id="284" r:id="rId49"/>
   </p:sldIdLst>
   <p:sldSz cx="12192000" cy="6858000"/>
   <p:notesSz cx="6858000" cy="9144000"/>
   <p:embeddedFontLst>
     <p:embeddedFont>
       <p:font typeface="Consolas" panose="020B0609020204030204" pitchFamily="49" charset="0"/>
-      <p:regular r:id="rId20"/>
-      <p:bold r:id="rId21"/>
-      <p:italic r:id="rId22"/>
-      <p:boldItalic r:id="rId23"/>
+      <p:regular r:id="rId50"/>
+      <p:bold r:id="rId51"/>
+      <p:italic r:id="rId52"/>
+      <p:boldItalic r:id="rId53"/>
     </p:embeddedFont>
     <p:embeddedFont>
       <p:font typeface="Wingdings 2" panose="05020102010507070707" pitchFamily="18" charset="2"/>
-      <p:regular r:id="rId24"/>
+      <p:regular r:id="rId54"/>
     </p:embeddedFont>
     <p:embeddedFont>
       <p:font typeface="源流明體 SB" panose="02020600000000000000" pitchFamily="18" charset="-120"/>
-      <p:bold r:id="rId25"/>
+      <p:bold r:id="rId55"/>
     </p:embeddedFont>
   </p:embeddedFontLst>
   <p:defaultTextStyle>
@@ -141,7 +171,7 @@
   <p:extLst>
     <p:ext uri="{EFAFB233-063F-42B5-8137-9DF3F51BA10A}">
       <p15:sldGuideLst xmlns:p15="http://schemas.microsoft.com/office/powerpoint/2012/main">
-        <p15:guide id="1" orient="horz" pos="2160" userDrawn="1">
+        <p15:guide id="1" orient="horz" pos="1457" userDrawn="1">
           <p15:clr>
             <a:srgbClr val="A4A3A4"/>
           </p15:clr>
@@ -325,7 +355,7 @@
           <a:p>
             <a:fld id="{09F76502-2E29-4E49-AFFF-1A5FF0B6300A}" type="datetimeFigureOut">
               <a:rPr lang="zh-TW" altLang="en-US" smtClean="0"/>
-              <a:t>2022/10/12</a:t>
+              <a:t>2022/10/13</a:t>
             </a:fld>
             <a:endParaRPr lang="zh-TW" altLang="en-US"/>
           </a:p>
@@ -553,7 +583,7 @@
           <a:p>
             <a:fld id="{09F76502-2E29-4E49-AFFF-1A5FF0B6300A}" type="datetimeFigureOut">
               <a:rPr lang="zh-TW" altLang="en-US" smtClean="0"/>
-              <a:t>2022/10/12</a:t>
+              <a:t>2022/10/13</a:t>
             </a:fld>
             <a:endParaRPr lang="zh-TW" altLang="en-US"/>
           </a:p>
@@ -733,7 +763,7 @@
           <a:p>
             <a:fld id="{09F76502-2E29-4E49-AFFF-1A5FF0B6300A}" type="datetimeFigureOut">
               <a:rPr lang="zh-TW" altLang="en-US" smtClean="0"/>
-              <a:t>2022/10/12</a:t>
+              <a:t>2022/10/13</a:t>
             </a:fld>
             <a:endParaRPr lang="zh-TW" altLang="en-US"/>
           </a:p>
@@ -903,7 +933,7 @@
           <a:p>
             <a:fld id="{09F76502-2E29-4E49-AFFF-1A5FF0B6300A}" type="datetimeFigureOut">
               <a:rPr lang="zh-TW" altLang="en-US" smtClean="0"/>
-              <a:t>2022/10/12</a:t>
+              <a:t>2022/10/13</a:t>
             </a:fld>
             <a:endParaRPr lang="zh-TW" altLang="en-US"/>
           </a:p>
@@ -1157,7 +1187,7 @@
           <a:p>
             <a:fld id="{09F76502-2E29-4E49-AFFF-1A5FF0B6300A}" type="datetimeFigureOut">
               <a:rPr lang="zh-TW" altLang="en-US" smtClean="0"/>
-              <a:t>2022/10/12</a:t>
+              <a:t>2022/10/13</a:t>
             </a:fld>
             <a:endParaRPr lang="zh-TW" altLang="en-US"/>
           </a:p>
@@ -1483,7 +1513,7 @@
           <a:p>
             <a:fld id="{09F76502-2E29-4E49-AFFF-1A5FF0B6300A}" type="datetimeFigureOut">
               <a:rPr lang="zh-TW" altLang="en-US" smtClean="0"/>
-              <a:t>2022/10/12</a:t>
+              <a:t>2022/10/13</a:t>
             </a:fld>
             <a:endParaRPr lang="zh-TW" altLang="en-US"/>
           </a:p>
@@ -1934,7 +1964,7 @@
           <a:p>
             <a:fld id="{09F76502-2E29-4E49-AFFF-1A5FF0B6300A}" type="datetimeFigureOut">
               <a:rPr lang="zh-TW" altLang="en-US" smtClean="0"/>
-              <a:t>2022/10/12</a:t>
+              <a:t>2022/10/13</a:t>
             </a:fld>
             <a:endParaRPr lang="zh-TW" altLang="en-US"/>
           </a:p>
@@ -2052,7 +2082,7 @@
           <a:p>
             <a:fld id="{09F76502-2E29-4E49-AFFF-1A5FF0B6300A}" type="datetimeFigureOut">
               <a:rPr lang="zh-TW" altLang="en-US" smtClean="0"/>
-              <a:t>2022/10/12</a:t>
+              <a:t>2022/10/13</a:t>
             </a:fld>
             <a:endParaRPr lang="zh-TW" altLang="en-US"/>
           </a:p>
@@ -2147,7 +2177,7 @@
           <a:p>
             <a:fld id="{09F76502-2E29-4E49-AFFF-1A5FF0B6300A}" type="datetimeFigureOut">
               <a:rPr lang="zh-TW" altLang="en-US" smtClean="0"/>
-              <a:t>2022/10/12</a:t>
+              <a:t>2022/10/13</a:t>
             </a:fld>
             <a:endParaRPr lang="zh-TW" altLang="en-US"/>
           </a:p>
@@ -2434,7 +2464,7 @@
           <a:p>
             <a:fld id="{09F76502-2E29-4E49-AFFF-1A5FF0B6300A}" type="datetimeFigureOut">
               <a:rPr lang="zh-TW" altLang="en-US" smtClean="0"/>
-              <a:t>2022/10/12</a:t>
+              <a:t>2022/10/13</a:t>
             </a:fld>
             <a:endParaRPr lang="zh-TW" altLang="en-US"/>
           </a:p>
@@ -2756,7 +2786,7 @@
           <a:p>
             <a:fld id="{09F76502-2E29-4E49-AFFF-1A5FF0B6300A}" type="datetimeFigureOut">
               <a:rPr lang="zh-TW" altLang="en-US" smtClean="0"/>
-              <a:t>2022/10/12</a:t>
+              <a:t>2022/10/13</a:t>
             </a:fld>
             <a:endParaRPr lang="zh-TW" altLang="en-US"/>
           </a:p>
@@ -3010,7 +3040,7 @@
           <a:p>
             <a:fld id="{09F76502-2E29-4E49-AFFF-1A5FF0B6300A}" type="datetimeFigureOut">
               <a:rPr lang="zh-TW" altLang="en-US" smtClean="0"/>
-              <a:t>2022/10/12</a:t>
+              <a:t>2022/10/13</a:t>
             </a:fld>
             <a:endParaRPr lang="zh-TW" altLang="en-US"/>
           </a:p>
@@ -4397,6 +4427,472 @@
           <p:cNvPr id="2" name="標題 1">
             <a:extLst>
               <a:ext uri="{FF2B5EF4-FFF2-40B4-BE49-F238E27FC236}">
+                <a16:creationId xmlns:a16="http://schemas.microsoft.com/office/drawing/2014/main" id="{21CE18FC-CA94-403F-AAD0-74F70514ADF9}"/>
+              </a:ext>
+            </a:extLst>
+          </p:cNvPr>
+          <p:cNvSpPr>
+            <a:spLocks noGrp="1"/>
+          </p:cNvSpPr>
+          <p:nvPr>
+            <p:ph type="title"/>
+          </p:nvPr>
+        </p:nvSpPr>
+        <p:spPr/>
+        <p:txBody>
+          <a:bodyPr/>
+          <a:lstStyle/>
+          <a:p>
+            <a:r>
+              <a:rPr lang="en-US" altLang="zh-TW"/>
+              <a:t>for </a:t>
+            </a:r>
+            <a:r>
+              <a:rPr lang="zh-TW" altLang="en-US"/>
+              <a:t>的進階用法</a:t>
+            </a:r>
+          </a:p>
+        </p:txBody>
+      </p:sp>
+      <p:sp>
+        <p:nvSpPr>
+          <p:cNvPr id="3" name="內容版面配置區 2">
+            <a:extLst>
+              <a:ext uri="{FF2B5EF4-FFF2-40B4-BE49-F238E27FC236}">
+                <a16:creationId xmlns:a16="http://schemas.microsoft.com/office/drawing/2014/main" id="{92876F1B-C145-4A0D-9FCA-A9EFBC1BBC28}"/>
+              </a:ext>
+            </a:extLst>
+          </p:cNvPr>
+          <p:cNvSpPr>
+            <a:spLocks noGrp="1"/>
+          </p:cNvSpPr>
+          <p:nvPr>
+            <p:ph idx="1"/>
+          </p:nvPr>
+        </p:nvSpPr>
+        <p:spPr/>
+        <p:txBody>
+          <a:bodyPr>
+            <a:normAutofit/>
+          </a:bodyPr>
+          <a:lstStyle/>
+          <a:p>
+            <a:pPr marL="0" indent="0">
+              <a:buNone/>
+            </a:pPr>
+            <a:endParaRPr lang="en-US" altLang="zh-TW" sz="2800"/>
+          </a:p>
+          <a:p>
+            <a:pPr marL="0" indent="0">
+              <a:buNone/>
+            </a:pPr>
+            <a:r>
+              <a:rPr lang="en-US" altLang="zh-TW" sz="2800"/>
+              <a:t>lst = []</a:t>
+            </a:r>
+          </a:p>
+          <a:p>
+            <a:pPr marL="0" indent="0">
+              <a:buNone/>
+            </a:pPr>
+            <a:r>
+              <a:rPr lang="en-US" altLang="zh-TW" sz="2800"/>
+              <a:t>for i in range(10):</a:t>
+            </a:r>
+          </a:p>
+          <a:p>
+            <a:pPr marL="0" indent="0">
+              <a:buNone/>
+            </a:pPr>
+            <a:r>
+              <a:rPr lang="en-US" altLang="zh-TW" sz="2800"/>
+              <a:t>	lst.append(i ** 2)</a:t>
+            </a:r>
+          </a:p>
+          <a:p>
+            <a:pPr marL="0" indent="0">
+              <a:buNone/>
+            </a:pPr>
+            <a:endParaRPr lang="en-US" altLang="zh-TW" sz="2800"/>
+          </a:p>
+          <a:p>
+            <a:pPr marL="0" indent="0">
+              <a:buNone/>
+            </a:pPr>
+            <a:r>
+              <a:rPr lang="en-US" altLang="zh-TW" sz="2800"/>
+              <a:t>lst = [</a:t>
+            </a:r>
+            <a:r>
+              <a:rPr lang="en-US" altLang="zh-TW" sz="2800" u="sng">
+                <a:solidFill>
+                  <a:srgbClr val="FF0000"/>
+                </a:solidFill>
+              </a:rPr>
+              <a:t>i</a:t>
+            </a:r>
+            <a:r>
+              <a:rPr lang="en-US" altLang="zh-TW" sz="2800">
+                <a:solidFill>
+                  <a:srgbClr val="FF0000"/>
+                </a:solidFill>
+              </a:rPr>
+              <a:t> ** 2 </a:t>
+            </a:r>
+            <a:r>
+              <a:rPr lang="en-US" altLang="zh-TW" sz="2800">
+                <a:solidFill>
+                  <a:srgbClr val="0070C0"/>
+                </a:solidFill>
+              </a:rPr>
+              <a:t>for </a:t>
+            </a:r>
+            <a:r>
+              <a:rPr lang="en-US" altLang="zh-TW" sz="2800" u="sng">
+                <a:solidFill>
+                  <a:srgbClr val="0070C0"/>
+                </a:solidFill>
+              </a:rPr>
+              <a:t>i</a:t>
+            </a:r>
+            <a:r>
+              <a:rPr lang="en-US" altLang="zh-TW" sz="2800">
+                <a:solidFill>
+                  <a:srgbClr val="0070C0"/>
+                </a:solidFill>
+              </a:rPr>
+              <a:t> in range(10)</a:t>
+            </a:r>
+            <a:r>
+              <a:rPr lang="en-US" altLang="zh-TW" sz="2800"/>
+              <a:t>]</a:t>
+            </a:r>
+            <a:endParaRPr lang="zh-TW" altLang="en-US" sz="2800"/>
+          </a:p>
+        </p:txBody>
+      </p:sp>
+    </p:spTree>
+    <p:extLst>
+      <p:ext uri="{BB962C8B-B14F-4D97-AF65-F5344CB8AC3E}">
+        <p14:creationId xmlns:p14="http://schemas.microsoft.com/office/powerpoint/2010/main" val="452837949"/>
+      </p:ext>
+    </p:extLst>
+  </p:cSld>
+  <p:clrMapOvr>
+    <a:masterClrMapping/>
+  </p:clrMapOvr>
+</p:sld>
+</file>
+
+<file path=ppt/slides/slide14.xml><?xml version="1.0" encoding="utf-8"?>
+<p:sld xmlns:a="http://schemas.openxmlformats.org/drawingml/2006/main" xmlns:r="http://schemas.openxmlformats.org/officeDocument/2006/relationships" xmlns:p="http://schemas.openxmlformats.org/presentationml/2006/main">
+  <p:cSld>
+    <p:spTree>
+      <p:nvGrpSpPr>
+        <p:cNvPr id="1" name=""/>
+        <p:cNvGrpSpPr/>
+        <p:nvPr/>
+      </p:nvGrpSpPr>
+      <p:grpSpPr>
+        <a:xfrm>
+          <a:off x="0" y="0"/>
+          <a:ext cx="0" cy="0"/>
+          <a:chOff x="0" y="0"/>
+          <a:chExt cx="0" cy="0"/>
+        </a:xfrm>
+      </p:grpSpPr>
+      <p:sp>
+        <p:nvSpPr>
+          <p:cNvPr id="2" name="標題 1">
+            <a:extLst>
+              <a:ext uri="{FF2B5EF4-FFF2-40B4-BE49-F238E27FC236}">
+                <a16:creationId xmlns:a16="http://schemas.microsoft.com/office/drawing/2014/main" id="{21CE18FC-CA94-403F-AAD0-74F70514ADF9}"/>
+              </a:ext>
+            </a:extLst>
+          </p:cNvPr>
+          <p:cNvSpPr>
+            <a:spLocks noGrp="1"/>
+          </p:cNvSpPr>
+          <p:nvPr>
+            <p:ph type="title"/>
+          </p:nvPr>
+        </p:nvSpPr>
+        <p:spPr/>
+        <p:txBody>
+          <a:bodyPr/>
+          <a:lstStyle/>
+          <a:p>
+            <a:r>
+              <a:rPr lang="en-US" altLang="zh-TW"/>
+              <a:t>for </a:t>
+            </a:r>
+            <a:r>
+              <a:rPr lang="zh-TW" altLang="en-US"/>
+              <a:t>的進階用法</a:t>
+            </a:r>
+          </a:p>
+        </p:txBody>
+      </p:sp>
+      <p:sp>
+        <p:nvSpPr>
+          <p:cNvPr id="3" name="內容版面配置區 2">
+            <a:extLst>
+              <a:ext uri="{FF2B5EF4-FFF2-40B4-BE49-F238E27FC236}">
+                <a16:creationId xmlns:a16="http://schemas.microsoft.com/office/drawing/2014/main" id="{92876F1B-C145-4A0D-9FCA-A9EFBC1BBC28}"/>
+              </a:ext>
+            </a:extLst>
+          </p:cNvPr>
+          <p:cNvSpPr>
+            <a:spLocks noGrp="1"/>
+          </p:cNvSpPr>
+          <p:nvPr>
+            <p:ph idx="1"/>
+          </p:nvPr>
+        </p:nvSpPr>
+        <p:spPr>
+          <a:xfrm>
+            <a:off x="1261872" y="1828800"/>
+            <a:ext cx="9883120" cy="4351337"/>
+          </a:xfrm>
+        </p:spPr>
+        <p:txBody>
+          <a:bodyPr>
+            <a:normAutofit/>
+          </a:bodyPr>
+          <a:lstStyle/>
+          <a:p>
+            <a:pPr marL="0" indent="0">
+              <a:buNone/>
+            </a:pPr>
+            <a:r>
+              <a:rPr lang="en-US" altLang="zh-TW" sz="2400"/>
+              <a:t>lst = ['s', 'q', 'u', 'i', 'd']</a:t>
+            </a:r>
+          </a:p>
+          <a:p>
+            <a:pPr marL="0" indent="0">
+              <a:buNone/>
+            </a:pPr>
+            <a:r>
+              <a:rPr lang="en-US" altLang="zh-TW" sz="2400"/>
+              <a:t>for i in range(len(lst)):</a:t>
+            </a:r>
+          </a:p>
+          <a:p>
+            <a:pPr marL="0" indent="0">
+              <a:buNone/>
+            </a:pPr>
+            <a:r>
+              <a:rPr lang="en-US" altLang="zh-TW" sz="2400"/>
+              <a:t>	lst[i] = chr(ord(lst[i]) + 10)</a:t>
+            </a:r>
+          </a:p>
+          <a:p>
+            <a:pPr marL="0" indent="0">
+              <a:buNone/>
+            </a:pPr>
+            <a:r>
+              <a:rPr lang="en-US" altLang="zh-TW" sz="2400"/>
+              <a:t>	if lst[i] &gt; ord('z'):</a:t>
+            </a:r>
+          </a:p>
+          <a:p>
+            <a:pPr marL="0" indent="0">
+              <a:buNone/>
+            </a:pPr>
+            <a:r>
+              <a:rPr lang="en-US" altLang="zh-TW" sz="2400"/>
+              <a:t>		lst[i] = chr(ord(lst[i]) - 26)</a:t>
+            </a:r>
+          </a:p>
+          <a:p>
+            <a:pPr marL="0" indent="0">
+              <a:buNone/>
+            </a:pPr>
+            <a:endParaRPr lang="en-US" altLang="zh-TW" sz="2400"/>
+          </a:p>
+          <a:p>
+            <a:pPr marL="0" indent="0">
+              <a:buNone/>
+            </a:pPr>
+            <a:r>
+              <a:rPr lang="en-US" altLang="zh-TW" sz="2400"/>
+              <a:t>lst = [</a:t>
+            </a:r>
+            <a:r>
+              <a:rPr lang="en-US" altLang="zh-TW" sz="2400">
+                <a:solidFill>
+                  <a:srgbClr val="FF0000"/>
+                </a:solidFill>
+              </a:rPr>
+              <a:t>chr(ord(</a:t>
+            </a:r>
+            <a:r>
+              <a:rPr lang="en-US" altLang="zh-TW" sz="2400" u="sng">
+                <a:solidFill>
+                  <a:srgbClr val="FF0000"/>
+                </a:solidFill>
+              </a:rPr>
+              <a:t>ch</a:t>
+            </a:r>
+            <a:r>
+              <a:rPr lang="en-US" altLang="zh-TW" sz="2400">
+                <a:solidFill>
+                  <a:srgbClr val="FF0000"/>
+                </a:solidFill>
+              </a:rPr>
+              <a:t>) + 10) </a:t>
+            </a:r>
+            <a:r>
+              <a:rPr lang="en-US" altLang="zh-TW" sz="2400">
+                <a:solidFill>
+                  <a:srgbClr val="FF0000"/>
+                </a:solidFill>
+                <a:highlight>
+                  <a:srgbClr val="FFFF00"/>
+                </a:highlight>
+              </a:rPr>
+              <a:t>if</a:t>
+            </a:r>
+            <a:r>
+              <a:rPr lang="en-US" altLang="zh-TW" sz="2400">
+                <a:solidFill>
+                  <a:srgbClr val="FF0000"/>
+                </a:solidFill>
+              </a:rPr>
+              <a:t> ord(</a:t>
+            </a:r>
+            <a:r>
+              <a:rPr lang="en-US" altLang="zh-TW" sz="2400" u="sng">
+                <a:solidFill>
+                  <a:srgbClr val="FF0000"/>
+                </a:solidFill>
+              </a:rPr>
+              <a:t>ch</a:t>
+            </a:r>
+            <a:r>
+              <a:rPr lang="en-US" altLang="zh-TW" sz="2400">
+                <a:solidFill>
+                  <a:srgbClr val="FF0000"/>
+                </a:solidFill>
+              </a:rPr>
+              <a:t>) + 10 &lt;= ord('z')</a:t>
+            </a:r>
+          </a:p>
+          <a:p>
+            <a:pPr marL="0" indent="0">
+              <a:buNone/>
+            </a:pPr>
+            <a:r>
+              <a:rPr lang="en-US" altLang="zh-TW" sz="2400">
+                <a:solidFill>
+                  <a:srgbClr val="FF0000"/>
+                </a:solidFill>
+              </a:rPr>
+              <a:t>	</a:t>
+            </a:r>
+            <a:r>
+              <a:rPr lang="en-US" altLang="zh-TW" sz="2400">
+                <a:solidFill>
+                  <a:srgbClr val="FF0000"/>
+                </a:solidFill>
+                <a:highlight>
+                  <a:srgbClr val="FFFF00"/>
+                </a:highlight>
+              </a:rPr>
+              <a:t>else</a:t>
+            </a:r>
+            <a:r>
+              <a:rPr lang="en-US" altLang="zh-TW" sz="2400">
+                <a:solidFill>
+                  <a:srgbClr val="FF0000"/>
+                </a:solidFill>
+              </a:rPr>
+              <a:t> chr(ord(</a:t>
+            </a:r>
+            <a:r>
+              <a:rPr lang="en-US" altLang="zh-TW" sz="2400" u="sng">
+                <a:solidFill>
+                  <a:srgbClr val="FF0000"/>
+                </a:solidFill>
+              </a:rPr>
+              <a:t>ch</a:t>
+            </a:r>
+            <a:r>
+              <a:rPr lang="en-US" altLang="zh-TW" sz="2400">
+                <a:solidFill>
+                  <a:srgbClr val="FF0000"/>
+                </a:solidFill>
+              </a:rPr>
+              <a:t>) - 16) </a:t>
+            </a:r>
+            <a:r>
+              <a:rPr lang="en-US" altLang="zh-TW" sz="2400">
+                <a:solidFill>
+                  <a:srgbClr val="0070C0"/>
+                </a:solidFill>
+              </a:rPr>
+              <a:t>for </a:t>
+            </a:r>
+            <a:r>
+              <a:rPr lang="en-US" altLang="zh-TW" sz="2400" u="sng">
+                <a:solidFill>
+                  <a:srgbClr val="0070C0"/>
+                </a:solidFill>
+              </a:rPr>
+              <a:t>ch</a:t>
+            </a:r>
+            <a:r>
+              <a:rPr lang="en-US" altLang="zh-TW" sz="2400">
+                <a:solidFill>
+                  <a:srgbClr val="0070C0"/>
+                </a:solidFill>
+              </a:rPr>
+              <a:t> in lst</a:t>
+            </a:r>
+            <a:r>
+              <a:rPr lang="en-US" altLang="zh-TW" sz="2400"/>
+              <a:t>]</a:t>
+            </a:r>
+            <a:endParaRPr lang="zh-TW" altLang="en-US" sz="2400"/>
+          </a:p>
+        </p:txBody>
+      </p:sp>
+    </p:spTree>
+    <p:extLst>
+      <p:ext uri="{BB962C8B-B14F-4D97-AF65-F5344CB8AC3E}">
+        <p14:creationId xmlns:p14="http://schemas.microsoft.com/office/powerpoint/2010/main" val="2446128496"/>
+      </p:ext>
+    </p:extLst>
+  </p:cSld>
+  <p:clrMapOvr>
+    <a:masterClrMapping/>
+  </p:clrMapOvr>
+</p:sld>
+</file>
+
+<file path=ppt/slides/slide15.xml><?xml version="1.0" encoding="utf-8"?>
+<p:sld xmlns:a="http://schemas.openxmlformats.org/drawingml/2006/main" xmlns:r="http://schemas.openxmlformats.org/officeDocument/2006/relationships" xmlns:p="http://schemas.openxmlformats.org/presentationml/2006/main">
+  <p:cSld>
+    <p:spTree>
+      <p:nvGrpSpPr>
+        <p:cNvPr id="1" name=""/>
+        <p:cNvGrpSpPr/>
+        <p:nvPr/>
+      </p:nvGrpSpPr>
+      <p:grpSpPr>
+        <a:xfrm>
+          <a:off x="0" y="0"/>
+          <a:ext cx="0" cy="0"/>
+          <a:chOff x="0" y="0"/>
+          <a:chExt cx="0" cy="0"/>
+        </a:xfrm>
+      </p:grpSpPr>
+      <p:sp>
+        <p:nvSpPr>
+          <p:cNvPr id="2" name="標題 1">
+            <a:extLst>
+              <a:ext uri="{FF2B5EF4-FFF2-40B4-BE49-F238E27FC236}">
                 <a16:creationId xmlns:a16="http://schemas.microsoft.com/office/drawing/2014/main" id="{03E76C46-2B7D-4DD8-B1D3-AA527922DB13}"/>
               </a:ext>
             </a:extLst>
@@ -4516,7 +5012,1974 @@
 </p:sld>
 </file>
 
-<file path=ppt/slides/slide14.xml><?xml version="1.0" encoding="utf-8"?>
+<file path=ppt/slides/slide16.xml><?xml version="1.0" encoding="utf-8"?>
+<p:sld xmlns:a="http://schemas.openxmlformats.org/drawingml/2006/main" xmlns:r="http://schemas.openxmlformats.org/officeDocument/2006/relationships" xmlns:p="http://schemas.openxmlformats.org/presentationml/2006/main">
+  <p:cSld>
+    <p:spTree>
+      <p:nvGrpSpPr>
+        <p:cNvPr id="1" name=""/>
+        <p:cNvGrpSpPr/>
+        <p:nvPr/>
+      </p:nvGrpSpPr>
+      <p:grpSpPr>
+        <a:xfrm>
+          <a:off x="0" y="0"/>
+          <a:ext cx="0" cy="0"/>
+          <a:chOff x="0" y="0"/>
+          <a:chExt cx="0" cy="0"/>
+        </a:xfrm>
+      </p:grpSpPr>
+      <p:sp>
+        <p:nvSpPr>
+          <p:cNvPr id="2" name="標題 1">
+            <a:extLst>
+              <a:ext uri="{FF2B5EF4-FFF2-40B4-BE49-F238E27FC236}">
+                <a16:creationId xmlns:a16="http://schemas.microsoft.com/office/drawing/2014/main" id="{7B23AF42-F200-42E5-B57A-AD0E9D915BFA}"/>
+              </a:ext>
+            </a:extLst>
+          </p:cNvPr>
+          <p:cNvSpPr>
+            <a:spLocks noGrp="1"/>
+          </p:cNvSpPr>
+          <p:nvPr>
+            <p:ph type="title"/>
+          </p:nvPr>
+        </p:nvSpPr>
+        <p:spPr/>
+        <p:txBody>
+          <a:bodyPr/>
+          <a:lstStyle/>
+          <a:p>
+            <a:r>
+              <a:rPr lang="en-US" altLang="zh-TW"/>
+              <a:t>while </a:t>
+            </a:r>
+            <a:r>
+              <a:rPr lang="zh-TW" altLang="en-US"/>
+              <a:t>迴圈</a:t>
+            </a:r>
+          </a:p>
+        </p:txBody>
+      </p:sp>
+      <p:sp>
+        <p:nvSpPr>
+          <p:cNvPr id="3" name="內容版面配置區 2">
+            <a:extLst>
+              <a:ext uri="{FF2B5EF4-FFF2-40B4-BE49-F238E27FC236}">
+                <a16:creationId xmlns:a16="http://schemas.microsoft.com/office/drawing/2014/main" id="{0F5AD0FD-AF09-48D6-94CA-503CCFB73D05}"/>
+              </a:ext>
+            </a:extLst>
+          </p:cNvPr>
+          <p:cNvSpPr>
+            <a:spLocks noGrp="1"/>
+          </p:cNvSpPr>
+          <p:nvPr>
+            <p:ph idx="1"/>
+          </p:nvPr>
+        </p:nvSpPr>
+        <p:spPr/>
+        <p:txBody>
+          <a:bodyPr>
+            <a:normAutofit/>
+          </a:bodyPr>
+          <a:lstStyle/>
+          <a:p>
+            <a:pPr marL="0" indent="0">
+              <a:buNone/>
+            </a:pPr>
+            <a:r>
+              <a:rPr lang="en-US" altLang="zh-TW" sz="2800"/>
+              <a:t>n = 0</a:t>
+            </a:r>
+          </a:p>
+          <a:p>
+            <a:pPr marL="0" indent="0">
+              <a:buNone/>
+            </a:pPr>
+            <a:r>
+              <a:rPr lang="en-US" altLang="zh-TW" sz="2800"/>
+              <a:t>while </a:t>
+            </a:r>
+            <a:r>
+              <a:rPr lang="en-US" altLang="zh-TW" sz="2800">
+                <a:solidFill>
+                  <a:srgbClr val="FF0000"/>
+                </a:solidFill>
+              </a:rPr>
+              <a:t>n &lt; 5</a:t>
+            </a:r>
+            <a:r>
+              <a:rPr lang="en-US" altLang="zh-TW" sz="2800"/>
+              <a:t>:</a:t>
+            </a:r>
+          </a:p>
+          <a:p>
+            <a:pPr marL="0" indent="0">
+              <a:buNone/>
+            </a:pPr>
+            <a:r>
+              <a:rPr lang="en-US" altLang="zh-TW" sz="2800"/>
+              <a:t>	print(n, end= " ")</a:t>
+            </a:r>
+          </a:p>
+          <a:p>
+            <a:pPr marL="0" indent="0">
+              <a:buNone/>
+            </a:pPr>
+            <a:r>
+              <a:rPr lang="en-US" altLang="zh-TW" sz="2800"/>
+              <a:t>	n += 1</a:t>
+            </a:r>
+          </a:p>
+          <a:p>
+            <a:pPr marL="0" indent="0">
+              <a:buNone/>
+            </a:pPr>
+            <a:endParaRPr lang="en-US" altLang="zh-TW" sz="2800"/>
+          </a:p>
+          <a:p>
+            <a:pPr marL="0" indent="0">
+              <a:buNone/>
+            </a:pPr>
+            <a:r>
+              <a:rPr lang="zh-TW" altLang="en-US" sz="2800"/>
+              <a:t>輸出：</a:t>
+            </a:r>
+            <a:endParaRPr lang="en-US" altLang="zh-TW" sz="2800"/>
+          </a:p>
+          <a:p>
+            <a:pPr marL="0" indent="0">
+              <a:buNone/>
+            </a:pPr>
+            <a:r>
+              <a:rPr lang="en-US" altLang="zh-TW" sz="2800"/>
+              <a:t>0 1 2 3 4</a:t>
+            </a:r>
+          </a:p>
+        </p:txBody>
+      </p:sp>
+    </p:spTree>
+    <p:extLst>
+      <p:ext uri="{BB962C8B-B14F-4D97-AF65-F5344CB8AC3E}">
+        <p14:creationId xmlns:p14="http://schemas.microsoft.com/office/powerpoint/2010/main" val="2917872979"/>
+      </p:ext>
+    </p:extLst>
+  </p:cSld>
+  <p:clrMapOvr>
+    <a:masterClrMapping/>
+  </p:clrMapOvr>
+</p:sld>
+</file>
+
+<file path=ppt/slides/slide17.xml><?xml version="1.0" encoding="utf-8"?>
+<p:sld xmlns:a="http://schemas.openxmlformats.org/drawingml/2006/main" xmlns:r="http://schemas.openxmlformats.org/officeDocument/2006/relationships" xmlns:p="http://schemas.openxmlformats.org/presentationml/2006/main">
+  <p:cSld>
+    <p:spTree>
+      <p:nvGrpSpPr>
+        <p:cNvPr id="1" name=""/>
+        <p:cNvGrpSpPr/>
+        <p:nvPr/>
+      </p:nvGrpSpPr>
+      <p:grpSpPr>
+        <a:xfrm>
+          <a:off x="0" y="0"/>
+          <a:ext cx="0" cy="0"/>
+          <a:chOff x="0" y="0"/>
+          <a:chExt cx="0" cy="0"/>
+        </a:xfrm>
+      </p:grpSpPr>
+      <p:sp>
+        <p:nvSpPr>
+          <p:cNvPr id="2" name="標題 1">
+            <a:extLst>
+              <a:ext uri="{FF2B5EF4-FFF2-40B4-BE49-F238E27FC236}">
+                <a16:creationId xmlns:a16="http://schemas.microsoft.com/office/drawing/2014/main" id="{7B23AF42-F200-42E5-B57A-AD0E9D915BFA}"/>
+              </a:ext>
+            </a:extLst>
+          </p:cNvPr>
+          <p:cNvSpPr>
+            <a:spLocks noGrp="1"/>
+          </p:cNvSpPr>
+          <p:nvPr>
+            <p:ph type="title"/>
+          </p:nvPr>
+        </p:nvSpPr>
+        <p:spPr/>
+        <p:txBody>
+          <a:bodyPr/>
+          <a:lstStyle/>
+          <a:p>
+            <a:r>
+              <a:rPr lang="en-US" altLang="zh-TW"/>
+              <a:t>while </a:t>
+            </a:r>
+            <a:r>
+              <a:rPr lang="zh-TW" altLang="en-US"/>
+              <a:t>迴圈</a:t>
+            </a:r>
+          </a:p>
+        </p:txBody>
+      </p:sp>
+      <p:sp>
+        <p:nvSpPr>
+          <p:cNvPr id="3" name="內容版面配置區 2">
+            <a:extLst>
+              <a:ext uri="{FF2B5EF4-FFF2-40B4-BE49-F238E27FC236}">
+                <a16:creationId xmlns:a16="http://schemas.microsoft.com/office/drawing/2014/main" id="{0F5AD0FD-AF09-48D6-94CA-503CCFB73D05}"/>
+              </a:ext>
+            </a:extLst>
+          </p:cNvPr>
+          <p:cNvSpPr>
+            <a:spLocks noGrp="1"/>
+          </p:cNvSpPr>
+          <p:nvPr>
+            <p:ph idx="1"/>
+          </p:nvPr>
+        </p:nvSpPr>
+        <p:spPr/>
+        <p:txBody>
+          <a:bodyPr>
+            <a:normAutofit/>
+          </a:bodyPr>
+          <a:lstStyle/>
+          <a:p>
+            <a:pPr marL="0" indent="0">
+              <a:buNone/>
+            </a:pPr>
+            <a:r>
+              <a:rPr lang="en-US" altLang="zh-TW" sz="2800"/>
+              <a:t>lst = []</a:t>
+            </a:r>
+          </a:p>
+          <a:p>
+            <a:pPr marL="0" indent="0">
+              <a:buNone/>
+            </a:pPr>
+            <a:r>
+              <a:rPr lang="en-US" altLang="zh-TW" sz="2800"/>
+              <a:t>while </a:t>
+            </a:r>
+            <a:r>
+              <a:rPr lang="en-US" altLang="zh-TW" sz="2800">
+                <a:solidFill>
+                  <a:srgbClr val="FF0000"/>
+                </a:solidFill>
+              </a:rPr>
+              <a:t>True</a:t>
+            </a:r>
+            <a:r>
+              <a:rPr lang="en-US" altLang="zh-TW" sz="2800"/>
+              <a:t>:</a:t>
+            </a:r>
+          </a:p>
+          <a:p>
+            <a:pPr marL="0" indent="0">
+              <a:buNone/>
+            </a:pPr>
+            <a:r>
+              <a:rPr lang="en-US" altLang="zh-TW" sz="2800"/>
+              <a:t>	lst.append(input())</a:t>
+            </a:r>
+          </a:p>
+        </p:txBody>
+      </p:sp>
+    </p:spTree>
+    <p:extLst>
+      <p:ext uri="{BB962C8B-B14F-4D97-AF65-F5344CB8AC3E}">
+        <p14:creationId xmlns:p14="http://schemas.microsoft.com/office/powerpoint/2010/main" val="3020714305"/>
+      </p:ext>
+    </p:extLst>
+  </p:cSld>
+  <p:clrMapOvr>
+    <a:masterClrMapping/>
+  </p:clrMapOvr>
+</p:sld>
+</file>
+
+<file path=ppt/slides/slide18.xml><?xml version="1.0" encoding="utf-8"?>
+<p:sld xmlns:a="http://schemas.openxmlformats.org/drawingml/2006/main" xmlns:r="http://schemas.openxmlformats.org/officeDocument/2006/relationships" xmlns:p="http://schemas.openxmlformats.org/presentationml/2006/main">
+  <p:cSld>
+    <p:spTree>
+      <p:nvGrpSpPr>
+        <p:cNvPr id="1" name=""/>
+        <p:cNvGrpSpPr/>
+        <p:nvPr/>
+      </p:nvGrpSpPr>
+      <p:grpSpPr>
+        <a:xfrm>
+          <a:off x="0" y="0"/>
+          <a:ext cx="0" cy="0"/>
+          <a:chOff x="0" y="0"/>
+          <a:chExt cx="0" cy="0"/>
+        </a:xfrm>
+      </p:grpSpPr>
+      <p:sp>
+        <p:nvSpPr>
+          <p:cNvPr id="2" name="標題 1">
+            <a:extLst>
+              <a:ext uri="{FF2B5EF4-FFF2-40B4-BE49-F238E27FC236}">
+                <a16:creationId xmlns:a16="http://schemas.microsoft.com/office/drawing/2014/main" id="{C23B7909-5DF5-4380-942A-D522682DC762}"/>
+              </a:ext>
+            </a:extLst>
+          </p:cNvPr>
+          <p:cNvSpPr>
+            <a:spLocks noGrp="1"/>
+          </p:cNvSpPr>
+          <p:nvPr>
+            <p:ph type="title"/>
+          </p:nvPr>
+        </p:nvSpPr>
+        <p:spPr/>
+        <p:txBody>
+          <a:bodyPr>
+            <a:normAutofit/>
+          </a:bodyPr>
+          <a:lstStyle/>
+          <a:p>
+            <a:r>
+              <a:rPr lang="zh-TW" altLang="en-US" sz="6600"/>
+              <a:t>迴圈控制</a:t>
+            </a:r>
+            <a:br>
+              <a:rPr lang="en-US" altLang="zh-TW" sz="6600"/>
+            </a:br>
+            <a:r>
+              <a:rPr lang="en-US" altLang="zh-TW" sz="6600"/>
+              <a:t>break, continue</a:t>
+            </a:r>
+            <a:endParaRPr lang="zh-TW" altLang="en-US" sz="6600"/>
+          </a:p>
+        </p:txBody>
+      </p:sp>
+      <p:sp>
+        <p:nvSpPr>
+          <p:cNvPr id="3" name="文字版面配置區 2">
+            <a:extLst>
+              <a:ext uri="{FF2B5EF4-FFF2-40B4-BE49-F238E27FC236}">
+                <a16:creationId xmlns:a16="http://schemas.microsoft.com/office/drawing/2014/main" id="{2F680875-F4DF-4231-B730-ADC3B44E5B3A}"/>
+              </a:ext>
+            </a:extLst>
+          </p:cNvPr>
+          <p:cNvSpPr>
+            <a:spLocks noGrp="1"/>
+          </p:cNvSpPr>
+          <p:nvPr>
+            <p:ph type="body" idx="1"/>
+          </p:nvPr>
+        </p:nvSpPr>
+        <p:spPr/>
+        <p:txBody>
+          <a:bodyPr/>
+          <a:lstStyle/>
+          <a:p>
+            <a:endParaRPr lang="zh-TW" altLang="en-US"/>
+          </a:p>
+        </p:txBody>
+      </p:sp>
+    </p:spTree>
+    <p:extLst>
+      <p:ext uri="{BB962C8B-B14F-4D97-AF65-F5344CB8AC3E}">
+        <p14:creationId xmlns:p14="http://schemas.microsoft.com/office/powerpoint/2010/main" val="1171379678"/>
+      </p:ext>
+    </p:extLst>
+  </p:cSld>
+  <p:clrMapOvr>
+    <a:masterClrMapping/>
+  </p:clrMapOvr>
+</p:sld>
+</file>
+
+<file path=ppt/slides/slide19.xml><?xml version="1.0" encoding="utf-8"?>
+<p:sld xmlns:a="http://schemas.openxmlformats.org/drawingml/2006/main" xmlns:r="http://schemas.openxmlformats.org/officeDocument/2006/relationships" xmlns:p="http://schemas.openxmlformats.org/presentationml/2006/main">
+  <p:cSld>
+    <p:spTree>
+      <p:nvGrpSpPr>
+        <p:cNvPr id="1" name=""/>
+        <p:cNvGrpSpPr/>
+        <p:nvPr/>
+      </p:nvGrpSpPr>
+      <p:grpSpPr>
+        <a:xfrm>
+          <a:off x="0" y="0"/>
+          <a:ext cx="0" cy="0"/>
+          <a:chOff x="0" y="0"/>
+          <a:chExt cx="0" cy="0"/>
+        </a:xfrm>
+      </p:grpSpPr>
+      <p:sp>
+        <p:nvSpPr>
+          <p:cNvPr id="2" name="標題 1">
+            <a:extLst>
+              <a:ext uri="{FF2B5EF4-FFF2-40B4-BE49-F238E27FC236}">
+                <a16:creationId xmlns:a16="http://schemas.microsoft.com/office/drawing/2014/main" id="{7B23AF42-F200-42E5-B57A-AD0E9D915BFA}"/>
+              </a:ext>
+            </a:extLst>
+          </p:cNvPr>
+          <p:cNvSpPr>
+            <a:spLocks noGrp="1"/>
+          </p:cNvSpPr>
+          <p:nvPr>
+            <p:ph type="title"/>
+          </p:nvPr>
+        </p:nvSpPr>
+        <p:spPr/>
+        <p:txBody>
+          <a:bodyPr/>
+          <a:lstStyle/>
+          <a:p>
+            <a:r>
+              <a:rPr lang="zh-TW" altLang="en-US"/>
+              <a:t>中斷 </a:t>
+            </a:r>
+            <a:r>
+              <a:rPr lang="en-US" altLang="zh-TW"/>
+              <a:t>break</a:t>
+            </a:r>
+            <a:endParaRPr lang="zh-TW" altLang="en-US"/>
+          </a:p>
+        </p:txBody>
+      </p:sp>
+      <p:sp>
+        <p:nvSpPr>
+          <p:cNvPr id="3" name="內容版面配置區 2">
+            <a:extLst>
+              <a:ext uri="{FF2B5EF4-FFF2-40B4-BE49-F238E27FC236}">
+                <a16:creationId xmlns:a16="http://schemas.microsoft.com/office/drawing/2014/main" id="{0F5AD0FD-AF09-48D6-94CA-503CCFB73D05}"/>
+              </a:ext>
+            </a:extLst>
+          </p:cNvPr>
+          <p:cNvSpPr>
+            <a:spLocks noGrp="1"/>
+          </p:cNvSpPr>
+          <p:nvPr>
+            <p:ph idx="1"/>
+          </p:nvPr>
+        </p:nvSpPr>
+        <p:spPr/>
+        <p:txBody>
+          <a:bodyPr>
+            <a:normAutofit/>
+          </a:bodyPr>
+          <a:lstStyle/>
+          <a:p>
+            <a:pPr marL="0" indent="0">
+              <a:buNone/>
+            </a:pPr>
+            <a:endParaRPr lang="en-US" altLang="zh-TW" sz="2800"/>
+          </a:p>
+          <a:p>
+            <a:pPr marL="0" indent="0">
+              <a:buNone/>
+            </a:pPr>
+            <a:r>
+              <a:rPr lang="en-US" altLang="zh-TW" sz="2800"/>
+              <a:t>while </a:t>
+            </a:r>
+            <a:r>
+              <a:rPr lang="en-US" altLang="zh-TW" sz="2800">
+                <a:solidFill>
+                  <a:srgbClr val="FF0000"/>
+                </a:solidFill>
+              </a:rPr>
+              <a:t>True</a:t>
+            </a:r>
+            <a:r>
+              <a:rPr lang="en-US" altLang="zh-TW" sz="2800"/>
+              <a:t>:</a:t>
+            </a:r>
+          </a:p>
+          <a:p>
+            <a:pPr marL="0" indent="0">
+              <a:buNone/>
+            </a:pPr>
+            <a:r>
+              <a:rPr lang="en-US" altLang="zh-TW" sz="2800"/>
+              <a:t>	s = input()</a:t>
+            </a:r>
+          </a:p>
+          <a:p>
+            <a:pPr marL="0" indent="0">
+              <a:buNone/>
+            </a:pPr>
+            <a:r>
+              <a:rPr lang="en-US" altLang="zh-TW" sz="2800"/>
+              <a:t>	if s == ".":</a:t>
+            </a:r>
+          </a:p>
+          <a:p>
+            <a:pPr marL="0" indent="0">
+              <a:buNone/>
+            </a:pPr>
+            <a:r>
+              <a:rPr lang="en-US" altLang="zh-TW" sz="2800"/>
+              <a:t>		</a:t>
+            </a:r>
+            <a:r>
+              <a:rPr lang="en-US" altLang="zh-TW" sz="2800">
+                <a:solidFill>
+                  <a:srgbClr val="FF0000"/>
+                </a:solidFill>
+              </a:rPr>
+              <a:t>break</a:t>
+            </a:r>
+          </a:p>
+          <a:p>
+            <a:pPr marL="0" indent="0">
+              <a:buNone/>
+            </a:pPr>
+            <a:r>
+              <a:rPr lang="en-US" altLang="zh-TW" sz="2800">
+                <a:solidFill>
+                  <a:srgbClr val="FF0000"/>
+                </a:solidFill>
+              </a:rPr>
+              <a:t>	</a:t>
+            </a:r>
+            <a:r>
+              <a:rPr lang="en-US" altLang="zh-TW" sz="2800"/>
+              <a:t>print(s)</a:t>
+            </a:r>
+          </a:p>
+        </p:txBody>
+      </p:sp>
+      <p:cxnSp>
+        <p:nvCxnSpPr>
+          <p:cNvPr id="12" name="直線接點 11">
+            <a:extLst>
+              <a:ext uri="{FF2B5EF4-FFF2-40B4-BE49-F238E27FC236}">
+                <a16:creationId xmlns:a16="http://schemas.microsoft.com/office/drawing/2014/main" id="{BA9A46EC-7F2F-46A5-8AD4-76B604060829}"/>
+              </a:ext>
+            </a:extLst>
+          </p:cNvPr>
+          <p:cNvCxnSpPr/>
+          <p:nvPr/>
+        </p:nvCxnSpPr>
+        <p:spPr>
+          <a:xfrm>
+            <a:off x="4209803" y="4542312"/>
+            <a:ext cx="516576" cy="0"/>
+          </a:xfrm>
+          <a:prstGeom prst="line">
+            <a:avLst/>
+          </a:prstGeom>
+          <a:ln w="38100">
+            <a:solidFill>
+              <a:srgbClr val="FF0000"/>
+            </a:solidFill>
+          </a:ln>
+        </p:spPr>
+        <p:style>
+          <a:lnRef idx="1">
+            <a:schemeClr val="accent1"/>
+          </a:lnRef>
+          <a:fillRef idx="0">
+            <a:schemeClr val="accent1"/>
+          </a:fillRef>
+          <a:effectRef idx="0">
+            <a:schemeClr val="accent1"/>
+          </a:effectRef>
+          <a:fontRef idx="minor">
+            <a:schemeClr val="tx1"/>
+          </a:fontRef>
+        </p:style>
+      </p:cxnSp>
+      <p:cxnSp>
+        <p:nvCxnSpPr>
+          <p:cNvPr id="14" name="直線接點 13">
+            <a:extLst>
+              <a:ext uri="{FF2B5EF4-FFF2-40B4-BE49-F238E27FC236}">
+                <a16:creationId xmlns:a16="http://schemas.microsoft.com/office/drawing/2014/main" id="{0ADA9F09-F03E-4455-B06E-573F48ED290A}"/>
+              </a:ext>
+            </a:extLst>
+          </p:cNvPr>
+          <p:cNvCxnSpPr/>
+          <p:nvPr/>
+        </p:nvCxnSpPr>
+        <p:spPr>
+          <a:xfrm>
+            <a:off x="4726379" y="4542312"/>
+            <a:ext cx="0" cy="1193470"/>
+          </a:xfrm>
+          <a:prstGeom prst="line">
+            <a:avLst/>
+          </a:prstGeom>
+          <a:ln w="38100">
+            <a:solidFill>
+              <a:srgbClr val="FF0000"/>
+            </a:solidFill>
+          </a:ln>
+        </p:spPr>
+        <p:style>
+          <a:lnRef idx="1">
+            <a:schemeClr val="accent1"/>
+          </a:lnRef>
+          <a:fillRef idx="0">
+            <a:schemeClr val="accent1"/>
+          </a:fillRef>
+          <a:effectRef idx="0">
+            <a:schemeClr val="accent1"/>
+          </a:effectRef>
+          <a:fontRef idx="minor">
+            <a:schemeClr val="tx1"/>
+          </a:fontRef>
+        </p:style>
+      </p:cxnSp>
+      <p:cxnSp>
+        <p:nvCxnSpPr>
+          <p:cNvPr id="16" name="直線單箭頭接點 15">
+            <a:extLst>
+              <a:ext uri="{FF2B5EF4-FFF2-40B4-BE49-F238E27FC236}">
+                <a16:creationId xmlns:a16="http://schemas.microsoft.com/office/drawing/2014/main" id="{2577E214-BA8D-4D4D-B7E4-8A5E040F1664}"/>
+              </a:ext>
+            </a:extLst>
+          </p:cNvPr>
+          <p:cNvCxnSpPr>
+            <a:cxnSpLocks/>
+          </p:cNvCxnSpPr>
+          <p:nvPr/>
+        </p:nvCxnSpPr>
+        <p:spPr>
+          <a:xfrm flipH="1">
+            <a:off x="2042556" y="5729845"/>
+            <a:ext cx="2683823" cy="0"/>
+          </a:xfrm>
+          <a:prstGeom prst="straightConnector1">
+            <a:avLst/>
+          </a:prstGeom>
+          <a:ln w="38100">
+            <a:solidFill>
+              <a:srgbClr val="FF0000"/>
+            </a:solidFill>
+            <a:tailEnd type="triangle"/>
+          </a:ln>
+        </p:spPr>
+        <p:style>
+          <a:lnRef idx="1">
+            <a:schemeClr val="accent1"/>
+          </a:lnRef>
+          <a:fillRef idx="0">
+            <a:schemeClr val="accent1"/>
+          </a:fillRef>
+          <a:effectRef idx="0">
+            <a:schemeClr val="accent1"/>
+          </a:effectRef>
+          <a:fontRef idx="minor">
+            <a:schemeClr val="tx1"/>
+          </a:fontRef>
+        </p:style>
+      </p:cxnSp>
+      <p:sp>
+        <p:nvSpPr>
+          <p:cNvPr id="18" name="矩形 17">
+            <a:extLst>
+              <a:ext uri="{FF2B5EF4-FFF2-40B4-BE49-F238E27FC236}">
+                <a16:creationId xmlns:a16="http://schemas.microsoft.com/office/drawing/2014/main" id="{09AD8D8A-C494-4071-A636-D4B52E9E871D}"/>
+              </a:ext>
+            </a:extLst>
+          </p:cNvPr>
+          <p:cNvSpPr/>
+          <p:nvPr/>
+        </p:nvSpPr>
+        <p:spPr>
+          <a:xfrm>
+            <a:off x="1261872" y="2440378"/>
+            <a:ext cx="4616414" cy="2998520"/>
+          </a:xfrm>
+          <a:prstGeom prst="rect">
+            <a:avLst/>
+          </a:prstGeom>
+          <a:noFill/>
+        </p:spPr>
+        <p:style>
+          <a:lnRef idx="2">
+            <a:schemeClr val="accent1">
+              <a:shade val="50000"/>
+            </a:schemeClr>
+          </a:lnRef>
+          <a:fillRef idx="1">
+            <a:schemeClr val="accent1"/>
+          </a:fillRef>
+          <a:effectRef idx="0">
+            <a:schemeClr val="accent1"/>
+          </a:effectRef>
+          <a:fontRef idx="minor">
+            <a:schemeClr val="lt1"/>
+          </a:fontRef>
+        </p:style>
+        <p:txBody>
+          <a:bodyPr rtlCol="0" anchor="ctr"/>
+          <a:lstStyle/>
+          <a:p>
+            <a:pPr algn="ctr"/>
+            <a:endParaRPr lang="zh-TW" altLang="en-US"/>
+          </a:p>
+        </p:txBody>
+      </p:sp>
+    </p:spTree>
+    <p:extLst>
+      <p:ext uri="{BB962C8B-B14F-4D97-AF65-F5344CB8AC3E}">
+        <p14:creationId xmlns:p14="http://schemas.microsoft.com/office/powerpoint/2010/main" val="433192318"/>
+      </p:ext>
+    </p:extLst>
+  </p:cSld>
+  <p:clrMapOvr>
+    <a:masterClrMapping/>
+  </p:clrMapOvr>
+</p:sld>
+</file>
+
+<file path=ppt/slides/slide2.xml><?xml version="1.0" encoding="utf-8"?>
+<p:sld xmlns:a="http://schemas.openxmlformats.org/drawingml/2006/main" xmlns:r="http://schemas.openxmlformats.org/officeDocument/2006/relationships" xmlns:p="http://schemas.openxmlformats.org/presentationml/2006/main">
+  <p:cSld>
+    <p:spTree>
+      <p:nvGrpSpPr>
+        <p:cNvPr id="1" name=""/>
+        <p:cNvGrpSpPr/>
+        <p:nvPr/>
+      </p:nvGrpSpPr>
+      <p:grpSpPr>
+        <a:xfrm>
+          <a:off x="0" y="0"/>
+          <a:ext cx="0" cy="0"/>
+          <a:chOff x="0" y="0"/>
+          <a:chExt cx="0" cy="0"/>
+        </a:xfrm>
+      </p:grpSpPr>
+      <p:sp>
+        <p:nvSpPr>
+          <p:cNvPr id="2" name="標題 1">
+            <a:extLst>
+              <a:ext uri="{FF2B5EF4-FFF2-40B4-BE49-F238E27FC236}">
+                <a16:creationId xmlns:a16="http://schemas.microsoft.com/office/drawing/2014/main" id="{F58FAB7D-7E0D-4B72-BE11-3CE11137BF08}"/>
+              </a:ext>
+            </a:extLst>
+          </p:cNvPr>
+          <p:cNvSpPr>
+            <a:spLocks noGrp="1"/>
+          </p:cNvSpPr>
+          <p:nvPr>
+            <p:ph type="title"/>
+          </p:nvPr>
+        </p:nvSpPr>
+        <p:spPr/>
+        <p:txBody>
+          <a:bodyPr>
+            <a:normAutofit/>
+          </a:bodyPr>
+          <a:lstStyle/>
+          <a:p>
+            <a:r>
+              <a:rPr lang="en-US" altLang="zh-TW" sz="6600"/>
+              <a:t>for, while </a:t>
+            </a:r>
+            <a:r>
+              <a:rPr lang="zh-TW" altLang="en-US" sz="6600"/>
+              <a:t>迴圈</a:t>
+            </a:r>
+          </a:p>
+        </p:txBody>
+      </p:sp>
+      <p:sp>
+        <p:nvSpPr>
+          <p:cNvPr id="3" name="文字版面配置區 2">
+            <a:extLst>
+              <a:ext uri="{FF2B5EF4-FFF2-40B4-BE49-F238E27FC236}">
+                <a16:creationId xmlns:a16="http://schemas.microsoft.com/office/drawing/2014/main" id="{634B7770-2094-428E-A704-A7F34584FE58}"/>
+              </a:ext>
+            </a:extLst>
+          </p:cNvPr>
+          <p:cNvSpPr>
+            <a:spLocks noGrp="1"/>
+          </p:cNvSpPr>
+          <p:nvPr>
+            <p:ph type="body" idx="1"/>
+          </p:nvPr>
+        </p:nvSpPr>
+        <p:spPr/>
+        <p:txBody>
+          <a:bodyPr/>
+          <a:lstStyle/>
+          <a:p>
+            <a:endParaRPr lang="zh-TW" altLang="en-US"/>
+          </a:p>
+        </p:txBody>
+      </p:sp>
+    </p:spTree>
+    <p:extLst>
+      <p:ext uri="{BB962C8B-B14F-4D97-AF65-F5344CB8AC3E}">
+        <p14:creationId xmlns:p14="http://schemas.microsoft.com/office/powerpoint/2010/main" val="2196815458"/>
+      </p:ext>
+    </p:extLst>
+  </p:cSld>
+  <p:clrMapOvr>
+    <a:masterClrMapping/>
+  </p:clrMapOvr>
+</p:sld>
+</file>
+
+<file path=ppt/slides/slide20.xml><?xml version="1.0" encoding="utf-8"?>
+<p:sld xmlns:a="http://schemas.openxmlformats.org/drawingml/2006/main" xmlns:r="http://schemas.openxmlformats.org/officeDocument/2006/relationships" xmlns:p="http://schemas.openxmlformats.org/presentationml/2006/main">
+  <p:cSld>
+    <p:spTree>
+      <p:nvGrpSpPr>
+        <p:cNvPr id="1" name=""/>
+        <p:cNvGrpSpPr/>
+        <p:nvPr/>
+      </p:nvGrpSpPr>
+      <p:grpSpPr>
+        <a:xfrm>
+          <a:off x="0" y="0"/>
+          <a:ext cx="0" cy="0"/>
+          <a:chOff x="0" y="0"/>
+          <a:chExt cx="0" cy="0"/>
+        </a:xfrm>
+      </p:grpSpPr>
+      <p:sp>
+        <p:nvSpPr>
+          <p:cNvPr id="2" name="標題 1">
+            <a:extLst>
+              <a:ext uri="{FF2B5EF4-FFF2-40B4-BE49-F238E27FC236}">
+                <a16:creationId xmlns:a16="http://schemas.microsoft.com/office/drawing/2014/main" id="{7B23AF42-F200-42E5-B57A-AD0E9D915BFA}"/>
+              </a:ext>
+            </a:extLst>
+          </p:cNvPr>
+          <p:cNvSpPr>
+            <a:spLocks noGrp="1"/>
+          </p:cNvSpPr>
+          <p:nvPr>
+            <p:ph type="title"/>
+          </p:nvPr>
+        </p:nvSpPr>
+        <p:spPr/>
+        <p:txBody>
+          <a:bodyPr/>
+          <a:lstStyle/>
+          <a:p>
+            <a:r>
+              <a:rPr lang="zh-TW" altLang="en-US"/>
+              <a:t>繼續 </a:t>
+            </a:r>
+            <a:r>
+              <a:rPr lang="en-US" altLang="zh-TW"/>
+              <a:t>continue</a:t>
+            </a:r>
+            <a:endParaRPr lang="zh-TW" altLang="en-US"/>
+          </a:p>
+        </p:txBody>
+      </p:sp>
+      <p:sp>
+        <p:nvSpPr>
+          <p:cNvPr id="3" name="內容版面配置區 2">
+            <a:extLst>
+              <a:ext uri="{FF2B5EF4-FFF2-40B4-BE49-F238E27FC236}">
+                <a16:creationId xmlns:a16="http://schemas.microsoft.com/office/drawing/2014/main" id="{0F5AD0FD-AF09-48D6-94CA-503CCFB73D05}"/>
+              </a:ext>
+            </a:extLst>
+          </p:cNvPr>
+          <p:cNvSpPr>
+            <a:spLocks noGrp="1"/>
+          </p:cNvSpPr>
+          <p:nvPr>
+            <p:ph idx="1"/>
+          </p:nvPr>
+        </p:nvSpPr>
+        <p:spPr/>
+        <p:txBody>
+          <a:bodyPr>
+            <a:normAutofit/>
+          </a:bodyPr>
+          <a:lstStyle/>
+          <a:p>
+            <a:pPr marL="0" indent="0">
+              <a:buNone/>
+            </a:pPr>
+            <a:endParaRPr lang="en-US" altLang="zh-TW" sz="2800"/>
+          </a:p>
+          <a:p>
+            <a:pPr marL="0" indent="0">
+              <a:buNone/>
+            </a:pPr>
+            <a:r>
+              <a:rPr lang="en-US" altLang="zh-TW" sz="2800"/>
+              <a:t>while </a:t>
+            </a:r>
+            <a:r>
+              <a:rPr lang="en-US" altLang="zh-TW" sz="2800">
+                <a:solidFill>
+                  <a:srgbClr val="FF0000"/>
+                </a:solidFill>
+              </a:rPr>
+              <a:t>True</a:t>
+            </a:r>
+            <a:r>
+              <a:rPr lang="en-US" altLang="zh-TW" sz="2800"/>
+              <a:t>:</a:t>
+            </a:r>
+          </a:p>
+          <a:p>
+            <a:pPr marL="0" indent="0">
+              <a:buNone/>
+            </a:pPr>
+            <a:r>
+              <a:rPr lang="en-US" altLang="zh-TW" sz="2800"/>
+              <a:t>	s = input()</a:t>
+            </a:r>
+          </a:p>
+          <a:p>
+            <a:pPr marL="0" indent="0">
+              <a:buNone/>
+            </a:pPr>
+            <a:r>
+              <a:rPr lang="en-US" altLang="zh-TW" sz="2800"/>
+              <a:t>	if s == ".":</a:t>
+            </a:r>
+          </a:p>
+          <a:p>
+            <a:pPr marL="0" indent="0">
+              <a:buNone/>
+            </a:pPr>
+            <a:r>
+              <a:rPr lang="en-US" altLang="zh-TW" sz="2800"/>
+              <a:t>		</a:t>
+            </a:r>
+            <a:r>
+              <a:rPr lang="en-US" altLang="zh-TW" sz="2800">
+                <a:solidFill>
+                  <a:srgbClr val="FF0000"/>
+                </a:solidFill>
+              </a:rPr>
+              <a:t>continue</a:t>
+            </a:r>
+          </a:p>
+          <a:p>
+            <a:pPr marL="0" indent="0">
+              <a:buNone/>
+            </a:pPr>
+            <a:r>
+              <a:rPr lang="en-US" altLang="zh-TW" sz="2800">
+                <a:solidFill>
+                  <a:srgbClr val="FF0000"/>
+                </a:solidFill>
+              </a:rPr>
+              <a:t>	</a:t>
+            </a:r>
+            <a:r>
+              <a:rPr lang="en-US" altLang="zh-TW" sz="2800"/>
+              <a:t>print(s)</a:t>
+            </a:r>
+          </a:p>
+        </p:txBody>
+      </p:sp>
+      <p:sp>
+        <p:nvSpPr>
+          <p:cNvPr id="13" name="矩形 12">
+            <a:extLst>
+              <a:ext uri="{FF2B5EF4-FFF2-40B4-BE49-F238E27FC236}">
+                <a16:creationId xmlns:a16="http://schemas.microsoft.com/office/drawing/2014/main" id="{B781F862-7168-412E-BAA1-78407B1BEEB1}"/>
+              </a:ext>
+            </a:extLst>
+          </p:cNvPr>
+          <p:cNvSpPr/>
+          <p:nvPr/>
+        </p:nvSpPr>
+        <p:spPr>
+          <a:xfrm>
+            <a:off x="1261872" y="2440378"/>
+            <a:ext cx="4616414" cy="2998520"/>
+          </a:xfrm>
+          <a:prstGeom prst="rect">
+            <a:avLst/>
+          </a:prstGeom>
+          <a:noFill/>
+        </p:spPr>
+        <p:style>
+          <a:lnRef idx="2">
+            <a:schemeClr val="accent1">
+              <a:shade val="50000"/>
+            </a:schemeClr>
+          </a:lnRef>
+          <a:fillRef idx="1">
+            <a:schemeClr val="accent1"/>
+          </a:fillRef>
+          <a:effectRef idx="0">
+            <a:schemeClr val="accent1"/>
+          </a:effectRef>
+          <a:fontRef idx="minor">
+            <a:schemeClr val="lt1"/>
+          </a:fontRef>
+        </p:style>
+        <p:txBody>
+          <a:bodyPr rtlCol="0" anchor="ctr"/>
+          <a:lstStyle/>
+          <a:p>
+            <a:pPr algn="ctr"/>
+            <a:endParaRPr lang="zh-TW" altLang="en-US"/>
+          </a:p>
+        </p:txBody>
+      </p:sp>
+      <p:cxnSp>
+        <p:nvCxnSpPr>
+          <p:cNvPr id="15" name="直線接點 14">
+            <a:extLst>
+              <a:ext uri="{FF2B5EF4-FFF2-40B4-BE49-F238E27FC236}">
+                <a16:creationId xmlns:a16="http://schemas.microsoft.com/office/drawing/2014/main" id="{23299889-1B1F-471F-9B84-7981B37C0694}"/>
+              </a:ext>
+            </a:extLst>
+          </p:cNvPr>
+          <p:cNvCxnSpPr/>
+          <p:nvPr/>
+        </p:nvCxnSpPr>
+        <p:spPr>
+          <a:xfrm>
+            <a:off x="4916385" y="4542312"/>
+            <a:ext cx="516576" cy="0"/>
+          </a:xfrm>
+          <a:prstGeom prst="line">
+            <a:avLst/>
+          </a:prstGeom>
+          <a:ln w="38100">
+            <a:solidFill>
+              <a:srgbClr val="FF0000"/>
+            </a:solidFill>
+          </a:ln>
+        </p:spPr>
+        <p:style>
+          <a:lnRef idx="1">
+            <a:schemeClr val="accent1"/>
+          </a:lnRef>
+          <a:fillRef idx="0">
+            <a:schemeClr val="accent1"/>
+          </a:fillRef>
+          <a:effectRef idx="0">
+            <a:schemeClr val="accent1"/>
+          </a:effectRef>
+          <a:fontRef idx="minor">
+            <a:schemeClr val="tx1"/>
+          </a:fontRef>
+        </p:style>
+      </p:cxnSp>
+      <p:cxnSp>
+        <p:nvCxnSpPr>
+          <p:cNvPr id="17" name="直線接點 16">
+            <a:extLst>
+              <a:ext uri="{FF2B5EF4-FFF2-40B4-BE49-F238E27FC236}">
+                <a16:creationId xmlns:a16="http://schemas.microsoft.com/office/drawing/2014/main" id="{2D2E812E-1BA7-405B-9376-2F984A8C4DF1}"/>
+              </a:ext>
+            </a:extLst>
+          </p:cNvPr>
+          <p:cNvCxnSpPr>
+            <a:cxnSpLocks/>
+          </p:cNvCxnSpPr>
+          <p:nvPr/>
+        </p:nvCxnSpPr>
+        <p:spPr>
+          <a:xfrm>
+            <a:off x="5432961" y="2778826"/>
+            <a:ext cx="0" cy="1763486"/>
+          </a:xfrm>
+          <a:prstGeom prst="line">
+            <a:avLst/>
+          </a:prstGeom>
+          <a:ln w="38100">
+            <a:solidFill>
+              <a:srgbClr val="FF0000"/>
+            </a:solidFill>
+          </a:ln>
+        </p:spPr>
+        <p:style>
+          <a:lnRef idx="1">
+            <a:schemeClr val="accent1"/>
+          </a:lnRef>
+          <a:fillRef idx="0">
+            <a:schemeClr val="accent1"/>
+          </a:fillRef>
+          <a:effectRef idx="0">
+            <a:schemeClr val="accent1"/>
+          </a:effectRef>
+          <a:fontRef idx="minor">
+            <a:schemeClr val="tx1"/>
+          </a:fontRef>
+        </p:style>
+      </p:cxnSp>
+      <p:cxnSp>
+        <p:nvCxnSpPr>
+          <p:cNvPr id="18" name="直線單箭頭接點 17">
+            <a:extLst>
+              <a:ext uri="{FF2B5EF4-FFF2-40B4-BE49-F238E27FC236}">
+                <a16:creationId xmlns:a16="http://schemas.microsoft.com/office/drawing/2014/main" id="{597E0B4F-04C3-4ABD-9460-30C13818450F}"/>
+              </a:ext>
+            </a:extLst>
+          </p:cNvPr>
+          <p:cNvCxnSpPr>
+            <a:cxnSpLocks/>
+          </p:cNvCxnSpPr>
+          <p:nvPr/>
+        </p:nvCxnSpPr>
+        <p:spPr>
+          <a:xfrm flipH="1">
+            <a:off x="3758540" y="2766951"/>
+            <a:ext cx="1674421" cy="0"/>
+          </a:xfrm>
+          <a:prstGeom prst="straightConnector1">
+            <a:avLst/>
+          </a:prstGeom>
+          <a:ln w="38100">
+            <a:solidFill>
+              <a:srgbClr val="FF0000"/>
+            </a:solidFill>
+            <a:tailEnd type="triangle"/>
+          </a:ln>
+        </p:spPr>
+        <p:style>
+          <a:lnRef idx="1">
+            <a:schemeClr val="accent1"/>
+          </a:lnRef>
+          <a:fillRef idx="0">
+            <a:schemeClr val="accent1"/>
+          </a:fillRef>
+          <a:effectRef idx="0">
+            <a:schemeClr val="accent1"/>
+          </a:effectRef>
+          <a:fontRef idx="minor">
+            <a:schemeClr val="tx1"/>
+          </a:fontRef>
+        </p:style>
+      </p:cxnSp>
+    </p:spTree>
+    <p:extLst>
+      <p:ext uri="{BB962C8B-B14F-4D97-AF65-F5344CB8AC3E}">
+        <p14:creationId xmlns:p14="http://schemas.microsoft.com/office/powerpoint/2010/main" val="3005951982"/>
+      </p:ext>
+    </p:extLst>
+  </p:cSld>
+  <p:clrMapOvr>
+    <a:masterClrMapping/>
+  </p:clrMapOvr>
+</p:sld>
+</file>
+
+<file path=ppt/slides/slide21.xml><?xml version="1.0" encoding="utf-8"?>
+<p:sld xmlns:a="http://schemas.openxmlformats.org/drawingml/2006/main" xmlns:r="http://schemas.openxmlformats.org/officeDocument/2006/relationships" xmlns:p="http://schemas.openxmlformats.org/presentationml/2006/main">
+  <p:cSld>
+    <p:spTree>
+      <p:nvGrpSpPr>
+        <p:cNvPr id="1" name=""/>
+        <p:cNvGrpSpPr/>
+        <p:nvPr/>
+      </p:nvGrpSpPr>
+      <p:grpSpPr>
+        <a:xfrm>
+          <a:off x="0" y="0"/>
+          <a:ext cx="0" cy="0"/>
+          <a:chOff x="0" y="0"/>
+          <a:chExt cx="0" cy="0"/>
+        </a:xfrm>
+      </p:grpSpPr>
+      <p:sp>
+        <p:nvSpPr>
+          <p:cNvPr id="2" name="標題 1">
+            <a:extLst>
+              <a:ext uri="{FF2B5EF4-FFF2-40B4-BE49-F238E27FC236}">
+                <a16:creationId xmlns:a16="http://schemas.microsoft.com/office/drawing/2014/main" id="{7B23AF42-F200-42E5-B57A-AD0E9D915BFA}"/>
+              </a:ext>
+            </a:extLst>
+          </p:cNvPr>
+          <p:cNvSpPr>
+            <a:spLocks noGrp="1"/>
+          </p:cNvSpPr>
+          <p:nvPr>
+            <p:ph type="title"/>
+          </p:nvPr>
+        </p:nvSpPr>
+        <p:spPr/>
+        <p:txBody>
+          <a:bodyPr/>
+          <a:lstStyle/>
+          <a:p>
+            <a:r>
+              <a:rPr lang="zh-TW" altLang="en-US"/>
+              <a:t>中斷 </a:t>
+            </a:r>
+            <a:r>
+              <a:rPr lang="en-US" altLang="zh-TW"/>
+              <a:t>break</a:t>
+            </a:r>
+            <a:endParaRPr lang="zh-TW" altLang="en-US"/>
+          </a:p>
+        </p:txBody>
+      </p:sp>
+      <p:sp>
+        <p:nvSpPr>
+          <p:cNvPr id="3" name="內容版面配置區 2">
+            <a:extLst>
+              <a:ext uri="{FF2B5EF4-FFF2-40B4-BE49-F238E27FC236}">
+                <a16:creationId xmlns:a16="http://schemas.microsoft.com/office/drawing/2014/main" id="{0F5AD0FD-AF09-48D6-94CA-503CCFB73D05}"/>
+              </a:ext>
+            </a:extLst>
+          </p:cNvPr>
+          <p:cNvSpPr>
+            <a:spLocks noGrp="1"/>
+          </p:cNvSpPr>
+          <p:nvPr>
+            <p:ph idx="1"/>
+          </p:nvPr>
+        </p:nvSpPr>
+        <p:spPr/>
+        <p:txBody>
+          <a:bodyPr>
+            <a:normAutofit/>
+          </a:bodyPr>
+          <a:lstStyle/>
+          <a:p>
+            <a:pPr marL="0" indent="0">
+              <a:buNone/>
+            </a:pPr>
+            <a:endParaRPr lang="en-US" altLang="zh-TW" sz="2800"/>
+          </a:p>
+          <a:p>
+            <a:pPr marL="0" indent="0">
+              <a:buNone/>
+            </a:pPr>
+            <a:r>
+              <a:rPr lang="en-US" altLang="zh-TW" sz="2800"/>
+              <a:t>for </a:t>
+            </a:r>
+            <a:r>
+              <a:rPr lang="en-US" altLang="zh-TW" sz="2800">
+                <a:solidFill>
+                  <a:srgbClr val="FF0000"/>
+                </a:solidFill>
+              </a:rPr>
+              <a:t>i</a:t>
+            </a:r>
+            <a:r>
+              <a:rPr lang="en-US" altLang="zh-TW" sz="2800"/>
+              <a:t> in </a:t>
+            </a:r>
+            <a:r>
+              <a:rPr lang="en-US" altLang="zh-TW" sz="2800">
+                <a:solidFill>
+                  <a:srgbClr val="FF0000"/>
+                </a:solidFill>
+              </a:rPr>
+              <a:t>range(5)</a:t>
+            </a:r>
+            <a:r>
+              <a:rPr lang="en-US" altLang="zh-TW" sz="2800"/>
+              <a:t>:</a:t>
+            </a:r>
+          </a:p>
+          <a:p>
+            <a:pPr marL="0" indent="0">
+              <a:buNone/>
+            </a:pPr>
+            <a:r>
+              <a:rPr lang="en-US" altLang="zh-TW" sz="2800"/>
+              <a:t>	s = input()</a:t>
+            </a:r>
+          </a:p>
+          <a:p>
+            <a:pPr marL="0" indent="0">
+              <a:buNone/>
+            </a:pPr>
+            <a:r>
+              <a:rPr lang="en-US" altLang="zh-TW" sz="2800"/>
+              <a:t>	if s == ".":</a:t>
+            </a:r>
+          </a:p>
+          <a:p>
+            <a:pPr marL="0" indent="0">
+              <a:buNone/>
+            </a:pPr>
+            <a:r>
+              <a:rPr lang="en-US" altLang="zh-TW" sz="2800"/>
+              <a:t>		</a:t>
+            </a:r>
+            <a:r>
+              <a:rPr lang="en-US" altLang="zh-TW" sz="2800">
+                <a:solidFill>
+                  <a:srgbClr val="FF0000"/>
+                </a:solidFill>
+              </a:rPr>
+              <a:t>break</a:t>
+            </a:r>
+          </a:p>
+          <a:p>
+            <a:pPr marL="0" indent="0">
+              <a:buNone/>
+            </a:pPr>
+            <a:r>
+              <a:rPr lang="en-US" altLang="zh-TW" sz="2800">
+                <a:solidFill>
+                  <a:srgbClr val="FF0000"/>
+                </a:solidFill>
+              </a:rPr>
+              <a:t>	</a:t>
+            </a:r>
+            <a:r>
+              <a:rPr lang="en-US" altLang="zh-TW" sz="2800"/>
+              <a:t>print(</a:t>
+            </a:r>
+            <a:r>
+              <a:rPr lang="en-US" altLang="zh-TW" sz="2800">
+                <a:solidFill>
+                  <a:srgbClr val="FF0000"/>
+                </a:solidFill>
+              </a:rPr>
+              <a:t>i</a:t>
+            </a:r>
+            <a:r>
+              <a:rPr lang="en-US" altLang="zh-TW" sz="2800"/>
+              <a:t>, s)</a:t>
+            </a:r>
+          </a:p>
+        </p:txBody>
+      </p:sp>
+      <p:cxnSp>
+        <p:nvCxnSpPr>
+          <p:cNvPr id="12" name="直線接點 11">
+            <a:extLst>
+              <a:ext uri="{FF2B5EF4-FFF2-40B4-BE49-F238E27FC236}">
+                <a16:creationId xmlns:a16="http://schemas.microsoft.com/office/drawing/2014/main" id="{BA9A46EC-7F2F-46A5-8AD4-76B604060829}"/>
+              </a:ext>
+            </a:extLst>
+          </p:cNvPr>
+          <p:cNvCxnSpPr/>
+          <p:nvPr/>
+        </p:nvCxnSpPr>
+        <p:spPr>
+          <a:xfrm>
+            <a:off x="4209803" y="4542312"/>
+            <a:ext cx="516576" cy="0"/>
+          </a:xfrm>
+          <a:prstGeom prst="line">
+            <a:avLst/>
+          </a:prstGeom>
+          <a:ln w="38100">
+            <a:solidFill>
+              <a:srgbClr val="FF0000"/>
+            </a:solidFill>
+          </a:ln>
+        </p:spPr>
+        <p:style>
+          <a:lnRef idx="1">
+            <a:schemeClr val="accent1"/>
+          </a:lnRef>
+          <a:fillRef idx="0">
+            <a:schemeClr val="accent1"/>
+          </a:fillRef>
+          <a:effectRef idx="0">
+            <a:schemeClr val="accent1"/>
+          </a:effectRef>
+          <a:fontRef idx="minor">
+            <a:schemeClr val="tx1"/>
+          </a:fontRef>
+        </p:style>
+      </p:cxnSp>
+      <p:cxnSp>
+        <p:nvCxnSpPr>
+          <p:cNvPr id="14" name="直線接點 13">
+            <a:extLst>
+              <a:ext uri="{FF2B5EF4-FFF2-40B4-BE49-F238E27FC236}">
+                <a16:creationId xmlns:a16="http://schemas.microsoft.com/office/drawing/2014/main" id="{0ADA9F09-F03E-4455-B06E-573F48ED290A}"/>
+              </a:ext>
+            </a:extLst>
+          </p:cNvPr>
+          <p:cNvCxnSpPr/>
+          <p:nvPr/>
+        </p:nvCxnSpPr>
+        <p:spPr>
+          <a:xfrm>
+            <a:off x="4726379" y="4542312"/>
+            <a:ext cx="0" cy="1193470"/>
+          </a:xfrm>
+          <a:prstGeom prst="line">
+            <a:avLst/>
+          </a:prstGeom>
+          <a:ln w="38100">
+            <a:solidFill>
+              <a:srgbClr val="FF0000"/>
+            </a:solidFill>
+          </a:ln>
+        </p:spPr>
+        <p:style>
+          <a:lnRef idx="1">
+            <a:schemeClr val="accent1"/>
+          </a:lnRef>
+          <a:fillRef idx="0">
+            <a:schemeClr val="accent1"/>
+          </a:fillRef>
+          <a:effectRef idx="0">
+            <a:schemeClr val="accent1"/>
+          </a:effectRef>
+          <a:fontRef idx="minor">
+            <a:schemeClr val="tx1"/>
+          </a:fontRef>
+        </p:style>
+      </p:cxnSp>
+      <p:sp>
+        <p:nvSpPr>
+          <p:cNvPr id="8" name="矩形 7">
+            <a:extLst>
+              <a:ext uri="{FF2B5EF4-FFF2-40B4-BE49-F238E27FC236}">
+                <a16:creationId xmlns:a16="http://schemas.microsoft.com/office/drawing/2014/main" id="{283F3F4D-3A51-4F2B-A182-608F7EA4D657}"/>
+              </a:ext>
+            </a:extLst>
+          </p:cNvPr>
+          <p:cNvSpPr/>
+          <p:nvPr/>
+        </p:nvSpPr>
+        <p:spPr>
+          <a:xfrm>
+            <a:off x="1261872" y="2440378"/>
+            <a:ext cx="4616414" cy="2998520"/>
+          </a:xfrm>
+          <a:prstGeom prst="rect">
+            <a:avLst/>
+          </a:prstGeom>
+          <a:noFill/>
+        </p:spPr>
+        <p:style>
+          <a:lnRef idx="2">
+            <a:schemeClr val="accent1">
+              <a:shade val="50000"/>
+            </a:schemeClr>
+          </a:lnRef>
+          <a:fillRef idx="1">
+            <a:schemeClr val="accent1"/>
+          </a:fillRef>
+          <a:effectRef idx="0">
+            <a:schemeClr val="accent1"/>
+          </a:effectRef>
+          <a:fontRef idx="minor">
+            <a:schemeClr val="lt1"/>
+          </a:fontRef>
+        </p:style>
+        <p:txBody>
+          <a:bodyPr rtlCol="0" anchor="ctr"/>
+          <a:lstStyle/>
+          <a:p>
+            <a:pPr algn="ctr"/>
+            <a:endParaRPr lang="zh-TW" altLang="en-US"/>
+          </a:p>
+        </p:txBody>
+      </p:sp>
+      <p:cxnSp>
+        <p:nvCxnSpPr>
+          <p:cNvPr id="9" name="直線單箭頭接點 8">
+            <a:extLst>
+              <a:ext uri="{FF2B5EF4-FFF2-40B4-BE49-F238E27FC236}">
+                <a16:creationId xmlns:a16="http://schemas.microsoft.com/office/drawing/2014/main" id="{A9AF0785-0F32-4E34-AF29-839C294EF9DB}"/>
+              </a:ext>
+            </a:extLst>
+          </p:cNvPr>
+          <p:cNvCxnSpPr>
+            <a:cxnSpLocks/>
+          </p:cNvCxnSpPr>
+          <p:nvPr/>
+        </p:nvCxnSpPr>
+        <p:spPr>
+          <a:xfrm flipH="1">
+            <a:off x="2042556" y="5729845"/>
+            <a:ext cx="2683823" cy="0"/>
+          </a:xfrm>
+          <a:prstGeom prst="straightConnector1">
+            <a:avLst/>
+          </a:prstGeom>
+          <a:ln w="38100">
+            <a:solidFill>
+              <a:srgbClr val="FF0000"/>
+            </a:solidFill>
+            <a:tailEnd type="triangle"/>
+          </a:ln>
+        </p:spPr>
+        <p:style>
+          <a:lnRef idx="1">
+            <a:schemeClr val="accent1"/>
+          </a:lnRef>
+          <a:fillRef idx="0">
+            <a:schemeClr val="accent1"/>
+          </a:fillRef>
+          <a:effectRef idx="0">
+            <a:schemeClr val="accent1"/>
+          </a:effectRef>
+          <a:fontRef idx="minor">
+            <a:schemeClr val="tx1"/>
+          </a:fontRef>
+        </p:style>
+      </p:cxnSp>
+    </p:spTree>
+    <p:extLst>
+      <p:ext uri="{BB962C8B-B14F-4D97-AF65-F5344CB8AC3E}">
+        <p14:creationId xmlns:p14="http://schemas.microsoft.com/office/powerpoint/2010/main" val="3863481417"/>
+      </p:ext>
+    </p:extLst>
+  </p:cSld>
+  <p:clrMapOvr>
+    <a:masterClrMapping/>
+  </p:clrMapOvr>
+</p:sld>
+</file>
+
+<file path=ppt/slides/slide22.xml><?xml version="1.0" encoding="utf-8"?>
+<p:sld xmlns:a="http://schemas.openxmlformats.org/drawingml/2006/main" xmlns:r="http://schemas.openxmlformats.org/officeDocument/2006/relationships" xmlns:p="http://schemas.openxmlformats.org/presentationml/2006/main">
+  <p:cSld>
+    <p:spTree>
+      <p:nvGrpSpPr>
+        <p:cNvPr id="1" name=""/>
+        <p:cNvGrpSpPr/>
+        <p:nvPr/>
+      </p:nvGrpSpPr>
+      <p:grpSpPr>
+        <a:xfrm>
+          <a:off x="0" y="0"/>
+          <a:ext cx="0" cy="0"/>
+          <a:chOff x="0" y="0"/>
+          <a:chExt cx="0" cy="0"/>
+        </a:xfrm>
+      </p:grpSpPr>
+      <p:sp>
+        <p:nvSpPr>
+          <p:cNvPr id="2" name="標題 1">
+            <a:extLst>
+              <a:ext uri="{FF2B5EF4-FFF2-40B4-BE49-F238E27FC236}">
+                <a16:creationId xmlns:a16="http://schemas.microsoft.com/office/drawing/2014/main" id="{7B23AF42-F200-42E5-B57A-AD0E9D915BFA}"/>
+              </a:ext>
+            </a:extLst>
+          </p:cNvPr>
+          <p:cNvSpPr>
+            <a:spLocks noGrp="1"/>
+          </p:cNvSpPr>
+          <p:nvPr>
+            <p:ph type="title"/>
+          </p:nvPr>
+        </p:nvSpPr>
+        <p:spPr/>
+        <p:txBody>
+          <a:bodyPr/>
+          <a:lstStyle/>
+          <a:p>
+            <a:r>
+              <a:rPr lang="zh-TW" altLang="en-US"/>
+              <a:t>繼續 </a:t>
+            </a:r>
+            <a:r>
+              <a:rPr lang="en-US" altLang="zh-TW"/>
+              <a:t>continue</a:t>
+            </a:r>
+            <a:endParaRPr lang="zh-TW" altLang="en-US"/>
+          </a:p>
+        </p:txBody>
+      </p:sp>
+      <p:sp>
+        <p:nvSpPr>
+          <p:cNvPr id="3" name="內容版面配置區 2">
+            <a:extLst>
+              <a:ext uri="{FF2B5EF4-FFF2-40B4-BE49-F238E27FC236}">
+                <a16:creationId xmlns:a16="http://schemas.microsoft.com/office/drawing/2014/main" id="{0F5AD0FD-AF09-48D6-94CA-503CCFB73D05}"/>
+              </a:ext>
+            </a:extLst>
+          </p:cNvPr>
+          <p:cNvSpPr>
+            <a:spLocks noGrp="1"/>
+          </p:cNvSpPr>
+          <p:nvPr>
+            <p:ph idx="1"/>
+          </p:nvPr>
+        </p:nvSpPr>
+        <p:spPr/>
+        <p:txBody>
+          <a:bodyPr>
+            <a:normAutofit/>
+          </a:bodyPr>
+          <a:lstStyle/>
+          <a:p>
+            <a:pPr marL="0" indent="0">
+              <a:buNone/>
+            </a:pPr>
+            <a:endParaRPr lang="en-US" altLang="zh-TW" sz="2800"/>
+          </a:p>
+          <a:p>
+            <a:pPr marL="0" indent="0">
+              <a:buNone/>
+            </a:pPr>
+            <a:r>
+              <a:rPr lang="en-US" altLang="zh-TW" sz="2800"/>
+              <a:t>for </a:t>
+            </a:r>
+            <a:r>
+              <a:rPr lang="en-US" altLang="zh-TW" sz="2800">
+                <a:solidFill>
+                  <a:srgbClr val="FF0000"/>
+                </a:solidFill>
+              </a:rPr>
+              <a:t>i</a:t>
+            </a:r>
+            <a:r>
+              <a:rPr lang="en-US" altLang="zh-TW" sz="2800"/>
+              <a:t> in </a:t>
+            </a:r>
+            <a:r>
+              <a:rPr lang="en-US" altLang="zh-TW" sz="2800">
+                <a:solidFill>
+                  <a:srgbClr val="FF0000"/>
+                </a:solidFill>
+              </a:rPr>
+              <a:t>range(5)</a:t>
+            </a:r>
+            <a:r>
+              <a:rPr lang="en-US" altLang="zh-TW" sz="2800"/>
+              <a:t>:</a:t>
+            </a:r>
+          </a:p>
+          <a:p>
+            <a:pPr marL="0" indent="0">
+              <a:buNone/>
+            </a:pPr>
+            <a:r>
+              <a:rPr lang="en-US" altLang="zh-TW" sz="2800"/>
+              <a:t>	s = input()</a:t>
+            </a:r>
+          </a:p>
+          <a:p>
+            <a:pPr marL="0" indent="0">
+              <a:buNone/>
+            </a:pPr>
+            <a:r>
+              <a:rPr lang="en-US" altLang="zh-TW" sz="2800"/>
+              <a:t>	if s == ".":</a:t>
+            </a:r>
+          </a:p>
+          <a:p>
+            <a:pPr marL="0" indent="0">
+              <a:buNone/>
+            </a:pPr>
+            <a:r>
+              <a:rPr lang="en-US" altLang="zh-TW" sz="2800"/>
+              <a:t>		</a:t>
+            </a:r>
+            <a:r>
+              <a:rPr lang="en-US" altLang="zh-TW" sz="2800">
+                <a:solidFill>
+                  <a:srgbClr val="FF0000"/>
+                </a:solidFill>
+              </a:rPr>
+              <a:t>continue</a:t>
+            </a:r>
+          </a:p>
+          <a:p>
+            <a:pPr marL="0" indent="0">
+              <a:buNone/>
+            </a:pPr>
+            <a:r>
+              <a:rPr lang="en-US" altLang="zh-TW" sz="2800">
+                <a:solidFill>
+                  <a:srgbClr val="FF0000"/>
+                </a:solidFill>
+              </a:rPr>
+              <a:t>	</a:t>
+            </a:r>
+            <a:r>
+              <a:rPr lang="en-US" altLang="zh-TW" sz="2800"/>
+              <a:t>print(</a:t>
+            </a:r>
+            <a:r>
+              <a:rPr lang="en-US" altLang="zh-TW" sz="2800">
+                <a:solidFill>
+                  <a:srgbClr val="FF0000"/>
+                </a:solidFill>
+              </a:rPr>
+              <a:t>i</a:t>
+            </a:r>
+            <a:r>
+              <a:rPr lang="en-US" altLang="zh-TW" sz="2800"/>
+              <a:t>, s)</a:t>
+            </a:r>
+          </a:p>
+        </p:txBody>
+      </p:sp>
+      <p:sp>
+        <p:nvSpPr>
+          <p:cNvPr id="10" name="矩形 9">
+            <a:extLst>
+              <a:ext uri="{FF2B5EF4-FFF2-40B4-BE49-F238E27FC236}">
+                <a16:creationId xmlns:a16="http://schemas.microsoft.com/office/drawing/2014/main" id="{365FF065-B90D-42EA-9D67-D31184597DA2}"/>
+              </a:ext>
+            </a:extLst>
+          </p:cNvPr>
+          <p:cNvSpPr/>
+          <p:nvPr/>
+        </p:nvSpPr>
+        <p:spPr>
+          <a:xfrm>
+            <a:off x="1261872" y="2440378"/>
+            <a:ext cx="4616414" cy="2998520"/>
+          </a:xfrm>
+          <a:prstGeom prst="rect">
+            <a:avLst/>
+          </a:prstGeom>
+          <a:noFill/>
+        </p:spPr>
+        <p:style>
+          <a:lnRef idx="2">
+            <a:schemeClr val="accent1">
+              <a:shade val="50000"/>
+            </a:schemeClr>
+          </a:lnRef>
+          <a:fillRef idx="1">
+            <a:schemeClr val="accent1"/>
+          </a:fillRef>
+          <a:effectRef idx="0">
+            <a:schemeClr val="accent1"/>
+          </a:effectRef>
+          <a:fontRef idx="minor">
+            <a:schemeClr val="lt1"/>
+          </a:fontRef>
+        </p:style>
+        <p:txBody>
+          <a:bodyPr rtlCol="0" anchor="ctr"/>
+          <a:lstStyle/>
+          <a:p>
+            <a:pPr algn="ctr"/>
+            <a:endParaRPr lang="zh-TW" altLang="en-US"/>
+          </a:p>
+        </p:txBody>
+      </p:sp>
+      <p:cxnSp>
+        <p:nvCxnSpPr>
+          <p:cNvPr id="8" name="直線接點 7">
+            <a:extLst>
+              <a:ext uri="{FF2B5EF4-FFF2-40B4-BE49-F238E27FC236}">
+                <a16:creationId xmlns:a16="http://schemas.microsoft.com/office/drawing/2014/main" id="{8C2B4314-021E-4351-A1DF-CBF79AA2299A}"/>
+              </a:ext>
+            </a:extLst>
+          </p:cNvPr>
+          <p:cNvCxnSpPr/>
+          <p:nvPr/>
+        </p:nvCxnSpPr>
+        <p:spPr>
+          <a:xfrm>
+            <a:off x="4916385" y="4542312"/>
+            <a:ext cx="516576" cy="0"/>
+          </a:xfrm>
+          <a:prstGeom prst="line">
+            <a:avLst/>
+          </a:prstGeom>
+          <a:ln w="38100">
+            <a:solidFill>
+              <a:srgbClr val="FF0000"/>
+            </a:solidFill>
+          </a:ln>
+        </p:spPr>
+        <p:style>
+          <a:lnRef idx="1">
+            <a:schemeClr val="accent1"/>
+          </a:lnRef>
+          <a:fillRef idx="0">
+            <a:schemeClr val="accent1"/>
+          </a:fillRef>
+          <a:effectRef idx="0">
+            <a:schemeClr val="accent1"/>
+          </a:effectRef>
+          <a:fontRef idx="minor">
+            <a:schemeClr val="tx1"/>
+          </a:fontRef>
+        </p:style>
+      </p:cxnSp>
+      <p:cxnSp>
+        <p:nvCxnSpPr>
+          <p:cNvPr id="9" name="直線接點 8">
+            <a:extLst>
+              <a:ext uri="{FF2B5EF4-FFF2-40B4-BE49-F238E27FC236}">
+                <a16:creationId xmlns:a16="http://schemas.microsoft.com/office/drawing/2014/main" id="{11934931-1776-4AD5-B0E5-E84A938F310A}"/>
+              </a:ext>
+            </a:extLst>
+          </p:cNvPr>
+          <p:cNvCxnSpPr>
+            <a:cxnSpLocks/>
+          </p:cNvCxnSpPr>
+          <p:nvPr/>
+        </p:nvCxnSpPr>
+        <p:spPr>
+          <a:xfrm>
+            <a:off x="5432961" y="2778826"/>
+            <a:ext cx="0" cy="1763486"/>
+          </a:xfrm>
+          <a:prstGeom prst="line">
+            <a:avLst/>
+          </a:prstGeom>
+          <a:ln w="38100">
+            <a:solidFill>
+              <a:srgbClr val="FF0000"/>
+            </a:solidFill>
+          </a:ln>
+        </p:spPr>
+        <p:style>
+          <a:lnRef idx="1">
+            <a:schemeClr val="accent1"/>
+          </a:lnRef>
+          <a:fillRef idx="0">
+            <a:schemeClr val="accent1"/>
+          </a:fillRef>
+          <a:effectRef idx="0">
+            <a:schemeClr val="accent1"/>
+          </a:effectRef>
+          <a:fontRef idx="minor">
+            <a:schemeClr val="tx1"/>
+          </a:fontRef>
+        </p:style>
+      </p:cxnSp>
+      <p:cxnSp>
+        <p:nvCxnSpPr>
+          <p:cNvPr id="11" name="直線單箭頭接點 10">
+            <a:extLst>
+              <a:ext uri="{FF2B5EF4-FFF2-40B4-BE49-F238E27FC236}">
+                <a16:creationId xmlns:a16="http://schemas.microsoft.com/office/drawing/2014/main" id="{F1783D07-BCDA-4A83-8F72-41AF0D88D0E3}"/>
+              </a:ext>
+            </a:extLst>
+          </p:cNvPr>
+          <p:cNvCxnSpPr>
+            <a:cxnSpLocks/>
+          </p:cNvCxnSpPr>
+          <p:nvPr/>
+        </p:nvCxnSpPr>
+        <p:spPr>
+          <a:xfrm flipH="1">
+            <a:off x="5094514" y="2766951"/>
+            <a:ext cx="338447" cy="0"/>
+          </a:xfrm>
+          <a:prstGeom prst="straightConnector1">
+            <a:avLst/>
+          </a:prstGeom>
+          <a:ln w="38100">
+            <a:solidFill>
+              <a:srgbClr val="FF0000"/>
+            </a:solidFill>
+            <a:tailEnd type="triangle"/>
+          </a:ln>
+        </p:spPr>
+        <p:style>
+          <a:lnRef idx="1">
+            <a:schemeClr val="accent1"/>
+          </a:lnRef>
+          <a:fillRef idx="0">
+            <a:schemeClr val="accent1"/>
+          </a:fillRef>
+          <a:effectRef idx="0">
+            <a:schemeClr val="accent1"/>
+          </a:effectRef>
+          <a:fontRef idx="minor">
+            <a:schemeClr val="tx1"/>
+          </a:fontRef>
+        </p:style>
+      </p:cxnSp>
+    </p:spTree>
+    <p:extLst>
+      <p:ext uri="{BB962C8B-B14F-4D97-AF65-F5344CB8AC3E}">
+        <p14:creationId xmlns:p14="http://schemas.microsoft.com/office/powerpoint/2010/main" val="1609517667"/>
+      </p:ext>
+    </p:extLst>
+  </p:cSld>
+  <p:clrMapOvr>
+    <a:masterClrMapping/>
+  </p:clrMapOvr>
+</p:sld>
+</file>
+
+<file path=ppt/slides/slide23.xml><?xml version="1.0" encoding="utf-8"?>
+<p:sld xmlns:a="http://schemas.openxmlformats.org/drawingml/2006/main" xmlns:r="http://schemas.openxmlformats.org/officeDocument/2006/relationships" xmlns:p="http://schemas.openxmlformats.org/presentationml/2006/main">
+  <p:cSld>
+    <p:spTree>
+      <p:nvGrpSpPr>
+        <p:cNvPr id="1" name=""/>
+        <p:cNvGrpSpPr/>
+        <p:nvPr/>
+      </p:nvGrpSpPr>
+      <p:grpSpPr>
+        <a:xfrm>
+          <a:off x="0" y="0"/>
+          <a:ext cx="0" cy="0"/>
+          <a:chOff x="0" y="0"/>
+          <a:chExt cx="0" cy="0"/>
+        </a:xfrm>
+      </p:grpSpPr>
+      <p:sp>
+        <p:nvSpPr>
+          <p:cNvPr id="2" name="標題 1">
+            <a:extLst>
+              <a:ext uri="{FF2B5EF4-FFF2-40B4-BE49-F238E27FC236}">
+                <a16:creationId xmlns:a16="http://schemas.microsoft.com/office/drawing/2014/main" id="{7995E89B-2368-4403-A8E3-3A98EE1528F4}"/>
+              </a:ext>
+            </a:extLst>
+          </p:cNvPr>
+          <p:cNvSpPr>
+            <a:spLocks noGrp="1"/>
+          </p:cNvSpPr>
+          <p:nvPr>
+            <p:ph type="title"/>
+          </p:nvPr>
+        </p:nvSpPr>
+        <p:spPr/>
+        <p:txBody>
+          <a:bodyPr>
+            <a:normAutofit/>
+          </a:bodyPr>
+          <a:lstStyle/>
+          <a:p>
+            <a:r>
+              <a:rPr lang="zh-TW" altLang="en-US" sz="6600"/>
+              <a:t>容器</a:t>
+            </a:r>
+            <a:br>
+              <a:rPr lang="en-US" altLang="zh-TW" sz="6600"/>
+            </a:br>
+            <a:r>
+              <a:rPr lang="en-US" altLang="zh-TW" sz="6600"/>
+              <a:t>list, tuple, set, dict </a:t>
+            </a:r>
+            <a:endParaRPr lang="zh-TW" altLang="en-US" sz="6600"/>
+          </a:p>
+        </p:txBody>
+      </p:sp>
+      <p:sp>
+        <p:nvSpPr>
+          <p:cNvPr id="3" name="文字版面配置區 2">
+            <a:extLst>
+              <a:ext uri="{FF2B5EF4-FFF2-40B4-BE49-F238E27FC236}">
+                <a16:creationId xmlns:a16="http://schemas.microsoft.com/office/drawing/2014/main" id="{4150333D-A937-401F-AA6A-F8153253A7C6}"/>
+              </a:ext>
+            </a:extLst>
+          </p:cNvPr>
+          <p:cNvSpPr>
+            <a:spLocks noGrp="1"/>
+          </p:cNvSpPr>
+          <p:nvPr>
+            <p:ph type="body" idx="1"/>
+          </p:nvPr>
+        </p:nvSpPr>
+        <p:spPr/>
+        <p:txBody>
+          <a:bodyPr/>
+          <a:lstStyle/>
+          <a:p>
+            <a:endParaRPr lang="zh-TW" altLang="en-US"/>
+          </a:p>
+        </p:txBody>
+      </p:sp>
+    </p:spTree>
+    <p:extLst>
+      <p:ext uri="{BB962C8B-B14F-4D97-AF65-F5344CB8AC3E}">
+        <p14:creationId xmlns:p14="http://schemas.microsoft.com/office/powerpoint/2010/main" val="2272469012"/>
+      </p:ext>
+    </p:extLst>
+  </p:cSld>
+  <p:clrMapOvr>
+    <a:masterClrMapping/>
+  </p:clrMapOvr>
+</p:sld>
+</file>
+
+<file path=ppt/slides/slide24.xml><?xml version="1.0" encoding="utf-8"?>
 <p:sld xmlns:a="http://schemas.openxmlformats.org/drawingml/2006/main" xmlns:r="http://schemas.openxmlformats.org/officeDocument/2006/relationships" xmlns:p="http://schemas.openxmlformats.org/presentationml/2006/main">
   <p:cSld>
     <p:spTree>
@@ -5131,7 +7594,7 @@
 </p:sld>
 </file>
 
-<file path=ppt/slides/slide15.xml><?xml version="1.0" encoding="utf-8"?>
+<file path=ppt/slides/slide25.xml><?xml version="1.0" encoding="utf-8"?>
 <p:sld xmlns:a="http://schemas.openxmlformats.org/drawingml/2006/main" xmlns:r="http://schemas.openxmlformats.org/officeDocument/2006/relationships" xmlns:p="http://schemas.openxmlformats.org/presentationml/2006/main">
   <p:cSld>
     <p:spTree>
@@ -5375,7 +7838,7 @@
 </p:sld>
 </file>
 
-<file path=ppt/slides/slide16.xml><?xml version="1.0" encoding="utf-8"?>
+<file path=ppt/slides/slide26.xml><?xml version="1.0" encoding="utf-8"?>
 <p:sld xmlns:a="http://schemas.openxmlformats.org/drawingml/2006/main" xmlns:r="http://schemas.openxmlformats.org/officeDocument/2006/relationships" xmlns:p="http://schemas.openxmlformats.org/presentationml/2006/main">
   <p:cSld>
     <p:spTree>
@@ -5565,7 +8028,7 @@
 </p:sld>
 </file>
 
-<file path=ppt/slides/slide17.xml><?xml version="1.0" encoding="utf-8"?>
+<file path=ppt/slides/slide27.xml><?xml version="1.0" encoding="utf-8"?>
 <p:sld xmlns:a="http://schemas.openxmlformats.org/drawingml/2006/main" xmlns:r="http://schemas.openxmlformats.org/officeDocument/2006/relationships" xmlns:p="http://schemas.openxmlformats.org/presentationml/2006/main">
   <p:cSld>
     <p:spTree>
@@ -5931,7 +8394,7 @@
 </p:sld>
 </file>
 
-<file path=ppt/slides/slide18.xml><?xml version="1.0" encoding="utf-8"?>
+<file path=ppt/slides/slide28.xml><?xml version="1.0" encoding="utf-8"?>
 <p:sld xmlns:a="http://schemas.openxmlformats.org/drawingml/2006/main" xmlns:r="http://schemas.openxmlformats.org/officeDocument/2006/relationships" xmlns:p="http://schemas.openxmlformats.org/presentationml/2006/main">
   <p:cSld>
     <p:spTree>
@@ -6194,7 +8657,7 @@
 </p:sld>
 </file>
 
-<file path=ppt/slides/slide2.xml><?xml version="1.0" encoding="utf-8"?>
+<file path=ppt/slides/slide29.xml><?xml version="1.0" encoding="utf-8"?>
 <p:sld xmlns:a="http://schemas.openxmlformats.org/drawingml/2006/main" xmlns:r="http://schemas.openxmlformats.org/officeDocument/2006/relationships" xmlns:p="http://schemas.openxmlformats.org/presentationml/2006/main">
   <p:cSld>
     <p:spTree>
@@ -6216,7 +8679,7 @@
           <p:cNvPr id="2" name="標題 1">
             <a:extLst>
               <a:ext uri="{FF2B5EF4-FFF2-40B4-BE49-F238E27FC236}">
-                <a16:creationId xmlns:a16="http://schemas.microsoft.com/office/drawing/2014/main" id="{F58FAB7D-7E0D-4B72-BE11-3CE11137BF08}"/>
+                <a16:creationId xmlns:a16="http://schemas.microsoft.com/office/drawing/2014/main" id="{104FFE16-5EE4-408C-8C6B-BF5E0AFAD48C}"/>
               </a:ext>
             </a:extLst>
           </p:cNvPr>
@@ -6233,22 +8696,23 @@
           <a:lstStyle/>
           <a:p>
             <a:r>
+              <a:rPr lang="zh-TW" altLang="en-US"/>
+              <a:t>集合 </a:t>
+            </a:r>
+            <a:r>
               <a:rPr lang="en-US" altLang="zh-TW"/>
-              <a:t>for, while </a:t>
-            </a:r>
-            <a:r>
-              <a:rPr lang="zh-TW" altLang="en-US"/>
-              <a:t>迴圈</a:t>
-            </a:r>
+              <a:t>set</a:t>
+            </a:r>
+            <a:endParaRPr lang="zh-TW" altLang="en-US"/>
           </a:p>
         </p:txBody>
       </p:sp>
       <p:sp>
         <p:nvSpPr>
-          <p:cNvPr id="3" name="文字版面配置區 2">
+          <p:cNvPr id="3" name="內容版面配置區 2">
             <a:extLst>
               <a:ext uri="{FF2B5EF4-FFF2-40B4-BE49-F238E27FC236}">
-                <a16:creationId xmlns:a16="http://schemas.microsoft.com/office/drawing/2014/main" id="{634B7770-2094-428E-A704-A7F34584FE58}"/>
+                <a16:creationId xmlns:a16="http://schemas.microsoft.com/office/drawing/2014/main" id="{EF7EBCBF-37D3-40DA-BDCA-FC73B59D654B}"/>
               </a:ext>
             </a:extLst>
           </p:cNvPr>
@@ -6256,22 +8720,140 @@
             <a:spLocks noGrp="1"/>
           </p:cNvSpPr>
           <p:nvPr>
-            <p:ph type="body" idx="1"/>
-          </p:nvPr>
-        </p:nvSpPr>
-        <p:spPr/>
+            <p:ph idx="1"/>
+          </p:nvPr>
+        </p:nvSpPr>
+        <p:spPr>
+          <a:xfrm>
+            <a:off x="1261871" y="1828800"/>
+            <a:ext cx="9099349" cy="4351337"/>
+          </a:xfrm>
+        </p:spPr>
         <p:txBody>
-          <a:bodyPr/>
+          <a:bodyPr>
+            <a:normAutofit/>
+          </a:bodyPr>
           <a:lstStyle/>
           <a:p>
-            <a:endParaRPr lang="zh-TW" altLang="en-US"/>
+            <a:pPr marL="0" indent="0">
+              <a:buNone/>
+            </a:pPr>
+            <a:endParaRPr lang="en-US" altLang="zh-TW" sz="2800"/>
+          </a:p>
+          <a:p>
+            <a:pPr marL="0" indent="0">
+              <a:buNone/>
+            </a:pPr>
+            <a:r>
+              <a:rPr lang="en-US" altLang="zh-TW" sz="2800"/>
+              <a:t>st = </a:t>
+            </a:r>
+            <a:r>
+              <a:rPr lang="en-US" altLang="zh-TW" sz="2800">
+                <a:solidFill>
+                  <a:srgbClr val="FF0000"/>
+                </a:solidFill>
+              </a:rPr>
+              <a:t>{</a:t>
+            </a:r>
+            <a:r>
+              <a:rPr lang="en-US" altLang="zh-TW" sz="2800"/>
+              <a:t>1, </a:t>
+            </a:r>
+            <a:r>
+              <a:rPr lang="en-US" altLang="zh-TW" sz="2800">
+                <a:solidFill>
+                  <a:srgbClr val="0070C0"/>
+                </a:solidFill>
+              </a:rPr>
+              <a:t>3</a:t>
+            </a:r>
+            <a:r>
+              <a:rPr lang="en-US" altLang="zh-TW" sz="2800"/>
+              <a:t>, 6, -2, </a:t>
+            </a:r>
+            <a:r>
+              <a:rPr lang="en-US" altLang="zh-TW" sz="2800">
+                <a:solidFill>
+                  <a:srgbClr val="0070C0"/>
+                </a:solidFill>
+              </a:rPr>
+              <a:t>3</a:t>
+            </a:r>
+            <a:r>
+              <a:rPr lang="en-US" altLang="zh-TW" sz="2800"/>
+              <a:t>, 4</a:t>
+            </a:r>
+            <a:r>
+              <a:rPr lang="en-US" altLang="zh-TW" sz="2800">
+                <a:solidFill>
+                  <a:srgbClr val="FF0000"/>
+                </a:solidFill>
+              </a:rPr>
+              <a:t>}</a:t>
+            </a:r>
+          </a:p>
+          <a:p>
+            <a:pPr marL="0" indent="0">
+              <a:buNone/>
+            </a:pPr>
+            <a:endParaRPr lang="en-US" altLang="zh-TW" sz="2800">
+              <a:solidFill>
+                <a:srgbClr val="FF0000"/>
+              </a:solidFill>
+            </a:endParaRPr>
+          </a:p>
+          <a:p>
+            <a:pPr marL="0" indent="0">
+              <a:buNone/>
+            </a:pPr>
+            <a:r>
+              <a:rPr lang="en-US" altLang="zh-TW" sz="2800"/>
+              <a:t>st</a:t>
+            </a:r>
+            <a:r>
+              <a:rPr lang="zh-TW" altLang="en-US" sz="2800"/>
+              <a:t> → </a:t>
+            </a:r>
+            <a:r>
+              <a:rPr lang="en-US" altLang="zh-TW" sz="2800">
+                <a:solidFill>
+                  <a:srgbClr val="FF0000"/>
+                </a:solidFill>
+              </a:rPr>
+              <a:t>{</a:t>
+            </a:r>
+            <a:r>
+              <a:rPr lang="en-US" altLang="zh-TW" sz="2800"/>
+              <a:t>1, </a:t>
+            </a:r>
+            <a:r>
+              <a:rPr lang="en-US" altLang="zh-TW" sz="2800">
+                <a:solidFill>
+                  <a:srgbClr val="0070C0"/>
+                </a:solidFill>
+              </a:rPr>
+              <a:t>3</a:t>
+            </a:r>
+            <a:r>
+              <a:rPr lang="en-US" altLang="zh-TW" sz="2800"/>
+              <a:t>, 4, 6, -2</a:t>
+            </a:r>
+            <a:r>
+              <a:rPr lang="en-US" altLang="zh-TW" sz="2800">
+                <a:solidFill>
+                  <a:srgbClr val="FF0000"/>
+                </a:solidFill>
+              </a:rPr>
+              <a:t>}</a:t>
+            </a:r>
           </a:p>
         </p:txBody>
       </p:sp>
     </p:spTree>
     <p:extLst>
       <p:ext uri="{BB962C8B-B14F-4D97-AF65-F5344CB8AC3E}">
-        <p14:creationId xmlns:p14="http://schemas.microsoft.com/office/powerpoint/2010/main" val="2196815458"/>
+        <p14:creationId xmlns:p14="http://schemas.microsoft.com/office/powerpoint/2010/main" val="778888190"/>
       </p:ext>
     </p:extLst>
   </p:cSld>
@@ -6436,6 +9018,2992 @@
 </p:sld>
 </file>
 
+<file path=ppt/slides/slide30.xml><?xml version="1.0" encoding="utf-8"?>
+<p:sld xmlns:a="http://schemas.openxmlformats.org/drawingml/2006/main" xmlns:r="http://schemas.openxmlformats.org/officeDocument/2006/relationships" xmlns:p="http://schemas.openxmlformats.org/presentationml/2006/main">
+  <p:cSld>
+    <p:spTree>
+      <p:nvGrpSpPr>
+        <p:cNvPr id="1" name=""/>
+        <p:cNvGrpSpPr/>
+        <p:nvPr/>
+      </p:nvGrpSpPr>
+      <p:grpSpPr>
+        <a:xfrm>
+          <a:off x="0" y="0"/>
+          <a:ext cx="0" cy="0"/>
+          <a:chOff x="0" y="0"/>
+          <a:chExt cx="0" cy="0"/>
+        </a:xfrm>
+      </p:grpSpPr>
+      <p:sp>
+        <p:nvSpPr>
+          <p:cNvPr id="2" name="標題 1">
+            <a:extLst>
+              <a:ext uri="{FF2B5EF4-FFF2-40B4-BE49-F238E27FC236}">
+                <a16:creationId xmlns:a16="http://schemas.microsoft.com/office/drawing/2014/main" id="{104FFE16-5EE4-408C-8C6B-BF5E0AFAD48C}"/>
+              </a:ext>
+            </a:extLst>
+          </p:cNvPr>
+          <p:cNvSpPr>
+            <a:spLocks noGrp="1"/>
+          </p:cNvSpPr>
+          <p:nvPr>
+            <p:ph type="title"/>
+          </p:nvPr>
+        </p:nvSpPr>
+        <p:spPr/>
+        <p:txBody>
+          <a:bodyPr/>
+          <a:lstStyle/>
+          <a:p>
+            <a:r>
+              <a:rPr lang="zh-TW" altLang="en-US"/>
+              <a:t>補充：集合 </a:t>
+            </a:r>
+            <a:r>
+              <a:rPr lang="en-US" altLang="zh-TW"/>
+              <a:t>set</a:t>
+            </a:r>
+            <a:r>
+              <a:rPr lang="zh-TW" altLang="en-US"/>
+              <a:t> 的排序</a:t>
+            </a:r>
+          </a:p>
+        </p:txBody>
+      </p:sp>
+      <p:graphicFrame>
+        <p:nvGraphicFramePr>
+          <p:cNvPr id="4" name="內容版面配置區 3">
+            <a:extLst>
+              <a:ext uri="{FF2B5EF4-FFF2-40B4-BE49-F238E27FC236}">
+                <a16:creationId xmlns:a16="http://schemas.microsoft.com/office/drawing/2014/main" id="{226553B3-8173-479D-B32C-7F7A6C0C6031}"/>
+              </a:ext>
+            </a:extLst>
+          </p:cNvPr>
+          <p:cNvGraphicFramePr>
+            <a:graphicFrameLocks noGrp="1"/>
+          </p:cNvGraphicFramePr>
+          <p:nvPr>
+            <p:ph idx="1"/>
+            <p:extLst>
+              <p:ext uri="{D42A27DB-BD31-4B8C-83A1-F6EECF244321}">
+                <p14:modId xmlns:p14="http://schemas.microsoft.com/office/powerpoint/2010/main" val="927072073"/>
+              </p:ext>
+            </p:extLst>
+          </p:nvPr>
+        </p:nvGraphicFramePr>
+        <p:xfrm>
+          <a:off x="1428317" y="2312988"/>
+          <a:ext cx="2805236" cy="3657600"/>
+        </p:xfrm>
+        <a:graphic>
+          <a:graphicData uri="http://schemas.openxmlformats.org/drawingml/2006/table">
+            <a:tbl>
+              <a:tblPr firstRow="1" bandRow="1">
+                <a:tableStyleId>{5940675A-B579-460E-94D1-54222C63F5DA}</a:tableStyleId>
+              </a:tblPr>
+              <a:tblGrid>
+                <a:gridCol w="738930">
+                  <a:extLst>
+                    <a:ext uri="{9D8B030D-6E8A-4147-A177-3AD203B41FA5}">
+                      <a16:colId xmlns:a16="http://schemas.microsoft.com/office/drawing/2014/main" val="2942779306"/>
+                    </a:ext>
+                  </a:extLst>
+                </a:gridCol>
+                <a:gridCol w="2066306">
+                  <a:extLst>
+                    <a:ext uri="{9D8B030D-6E8A-4147-A177-3AD203B41FA5}">
+                      <a16:colId xmlns:a16="http://schemas.microsoft.com/office/drawing/2014/main" val="823742865"/>
+                    </a:ext>
+                  </a:extLst>
+                </a:gridCol>
+              </a:tblGrid>
+              <a:tr h="370840">
+                <a:tc>
+                  <a:txBody>
+                    <a:bodyPr/>
+                    <a:lstStyle/>
+                    <a:p>
+                      <a:r>
+                        <a:rPr lang="en-US" altLang="zh-TW" sz="2400"/>
+                        <a:t>3</a:t>
+                      </a:r>
+                      <a:endParaRPr lang="zh-TW" altLang="en-US" sz="2400"/>
+                    </a:p>
+                  </a:txBody>
+                  <a:tcPr/>
+                </a:tc>
+                <a:tc>
+                  <a:txBody>
+                    <a:bodyPr/>
+                    <a:lstStyle/>
+                    <a:p>
+                      <a:endParaRPr lang="zh-TW" altLang="en-US" sz="2400"/>
+                    </a:p>
+                  </a:txBody>
+                  <a:tcPr/>
+                </a:tc>
+                <a:extLst>
+                  <a:ext uri="{0D108BD9-81ED-4DB2-BD59-A6C34878D82A}">
+                    <a16:rowId xmlns:a16="http://schemas.microsoft.com/office/drawing/2014/main" val="3202127819"/>
+                  </a:ext>
+                </a:extLst>
+              </a:tr>
+              <a:tr h="370840">
+                <a:tc>
+                  <a:txBody>
+                    <a:bodyPr/>
+                    <a:lstStyle/>
+                    <a:p>
+                      <a:r>
+                        <a:rPr lang="en-US" altLang="zh-TW" sz="2400"/>
+                        <a:t>2</a:t>
+                      </a:r>
+                      <a:endParaRPr lang="zh-TW" altLang="en-US" sz="2400"/>
+                    </a:p>
+                  </a:txBody>
+                  <a:tcPr/>
+                </a:tc>
+                <a:tc>
+                  <a:txBody>
+                    <a:bodyPr/>
+                    <a:lstStyle/>
+                    <a:p>
+                      <a:endParaRPr lang="zh-TW" altLang="en-US" sz="2400"/>
+                    </a:p>
+                  </a:txBody>
+                  <a:tcPr/>
+                </a:tc>
+                <a:extLst>
+                  <a:ext uri="{0D108BD9-81ED-4DB2-BD59-A6C34878D82A}">
+                    <a16:rowId xmlns:a16="http://schemas.microsoft.com/office/drawing/2014/main" val="1809535551"/>
+                  </a:ext>
+                </a:extLst>
+              </a:tr>
+              <a:tr h="370840">
+                <a:tc>
+                  <a:txBody>
+                    <a:bodyPr/>
+                    <a:lstStyle/>
+                    <a:p>
+                      <a:r>
+                        <a:rPr lang="en-US" altLang="zh-TW" sz="2400"/>
+                        <a:t>1</a:t>
+                      </a:r>
+                      <a:endParaRPr lang="zh-TW" altLang="en-US" sz="2400"/>
+                    </a:p>
+                  </a:txBody>
+                  <a:tcPr/>
+                </a:tc>
+                <a:tc>
+                  <a:txBody>
+                    <a:bodyPr/>
+                    <a:lstStyle/>
+                    <a:p>
+                      <a:endParaRPr lang="zh-TW" altLang="en-US" sz="2400"/>
+                    </a:p>
+                  </a:txBody>
+                  <a:tcPr/>
+                </a:tc>
+                <a:extLst>
+                  <a:ext uri="{0D108BD9-81ED-4DB2-BD59-A6C34878D82A}">
+                    <a16:rowId xmlns:a16="http://schemas.microsoft.com/office/drawing/2014/main" val="2352734742"/>
+                  </a:ext>
+                </a:extLst>
+              </a:tr>
+              <a:tr h="370840">
+                <a:tc>
+                  <a:txBody>
+                    <a:bodyPr/>
+                    <a:lstStyle/>
+                    <a:p>
+                      <a:r>
+                        <a:rPr lang="en-US" altLang="zh-TW" sz="2400"/>
+                        <a:t>0</a:t>
+                      </a:r>
+                      <a:endParaRPr lang="zh-TW" altLang="en-US" sz="2400"/>
+                    </a:p>
+                  </a:txBody>
+                  <a:tcPr/>
+                </a:tc>
+                <a:tc>
+                  <a:txBody>
+                    <a:bodyPr/>
+                    <a:lstStyle/>
+                    <a:p>
+                      <a:endParaRPr lang="zh-TW" altLang="en-US" sz="2400"/>
+                    </a:p>
+                  </a:txBody>
+                  <a:tcPr/>
+                </a:tc>
+                <a:extLst>
+                  <a:ext uri="{0D108BD9-81ED-4DB2-BD59-A6C34878D82A}">
+                    <a16:rowId xmlns:a16="http://schemas.microsoft.com/office/drawing/2014/main" val="208917037"/>
+                  </a:ext>
+                </a:extLst>
+              </a:tr>
+              <a:tr h="370840">
+                <a:tc>
+                  <a:txBody>
+                    <a:bodyPr/>
+                    <a:lstStyle/>
+                    <a:p>
+                      <a:r>
+                        <a:rPr lang="en-US" altLang="zh-TW" sz="2400"/>
+                        <a:t>-1</a:t>
+                      </a:r>
+                      <a:endParaRPr lang="zh-TW" altLang="en-US" sz="2400"/>
+                    </a:p>
+                  </a:txBody>
+                  <a:tcPr/>
+                </a:tc>
+                <a:tc>
+                  <a:txBody>
+                    <a:bodyPr/>
+                    <a:lstStyle/>
+                    <a:p>
+                      <a:endParaRPr lang="zh-TW" altLang="en-US" sz="2400"/>
+                    </a:p>
+                  </a:txBody>
+                  <a:tcPr/>
+                </a:tc>
+                <a:extLst>
+                  <a:ext uri="{0D108BD9-81ED-4DB2-BD59-A6C34878D82A}">
+                    <a16:rowId xmlns:a16="http://schemas.microsoft.com/office/drawing/2014/main" val="298094252"/>
+                  </a:ext>
+                </a:extLst>
+              </a:tr>
+              <a:tr h="370840">
+                <a:tc>
+                  <a:txBody>
+                    <a:bodyPr/>
+                    <a:lstStyle/>
+                    <a:p>
+                      <a:r>
+                        <a:rPr lang="en-US" altLang="zh-TW" sz="2400"/>
+                        <a:t>-2</a:t>
+                      </a:r>
+                      <a:endParaRPr lang="zh-TW" altLang="en-US" sz="2400"/>
+                    </a:p>
+                  </a:txBody>
+                  <a:tcPr/>
+                </a:tc>
+                <a:tc>
+                  <a:txBody>
+                    <a:bodyPr/>
+                    <a:lstStyle/>
+                    <a:p>
+                      <a:endParaRPr lang="zh-TW" altLang="en-US" sz="2400"/>
+                    </a:p>
+                  </a:txBody>
+                  <a:tcPr/>
+                </a:tc>
+                <a:extLst>
+                  <a:ext uri="{0D108BD9-81ED-4DB2-BD59-A6C34878D82A}">
+                    <a16:rowId xmlns:a16="http://schemas.microsoft.com/office/drawing/2014/main" val="3999606205"/>
+                  </a:ext>
+                </a:extLst>
+              </a:tr>
+              <a:tr h="370840">
+                <a:tc>
+                  <a:txBody>
+                    <a:bodyPr/>
+                    <a:lstStyle/>
+                    <a:p>
+                      <a:r>
+                        <a:rPr lang="en-US" altLang="zh-TW" sz="2400"/>
+                        <a:t>-3</a:t>
+                      </a:r>
+                      <a:endParaRPr lang="zh-TW" altLang="en-US" sz="2400"/>
+                    </a:p>
+                  </a:txBody>
+                  <a:tcPr/>
+                </a:tc>
+                <a:tc>
+                  <a:txBody>
+                    <a:bodyPr/>
+                    <a:lstStyle/>
+                    <a:p>
+                      <a:endParaRPr lang="zh-TW" altLang="en-US" sz="2400"/>
+                    </a:p>
+                  </a:txBody>
+                  <a:tcPr/>
+                </a:tc>
+                <a:extLst>
+                  <a:ext uri="{0D108BD9-81ED-4DB2-BD59-A6C34878D82A}">
+                    <a16:rowId xmlns:a16="http://schemas.microsoft.com/office/drawing/2014/main" val="2971703363"/>
+                  </a:ext>
+                </a:extLst>
+              </a:tr>
+              <a:tr h="370840">
+                <a:tc>
+                  <a:txBody>
+                    <a:bodyPr/>
+                    <a:lstStyle/>
+                    <a:p>
+                      <a:r>
+                        <a:rPr lang="en-US" altLang="zh-TW" sz="2400"/>
+                        <a:t>-4</a:t>
+                      </a:r>
+                      <a:endParaRPr lang="zh-TW" altLang="en-US" sz="2400"/>
+                    </a:p>
+                  </a:txBody>
+                  <a:tcPr/>
+                </a:tc>
+                <a:tc>
+                  <a:txBody>
+                    <a:bodyPr/>
+                    <a:lstStyle/>
+                    <a:p>
+                      <a:endParaRPr lang="zh-TW" altLang="en-US" sz="2400"/>
+                    </a:p>
+                  </a:txBody>
+                  <a:tcPr/>
+                </a:tc>
+                <a:extLst>
+                  <a:ext uri="{0D108BD9-81ED-4DB2-BD59-A6C34878D82A}">
+                    <a16:rowId xmlns:a16="http://schemas.microsoft.com/office/drawing/2014/main" val="2608105635"/>
+                  </a:ext>
+                </a:extLst>
+              </a:tr>
+            </a:tbl>
+          </a:graphicData>
+        </a:graphic>
+      </p:graphicFrame>
+    </p:spTree>
+    <p:extLst>
+      <p:ext uri="{BB962C8B-B14F-4D97-AF65-F5344CB8AC3E}">
+        <p14:creationId xmlns:p14="http://schemas.microsoft.com/office/powerpoint/2010/main" val="858958606"/>
+      </p:ext>
+    </p:extLst>
+  </p:cSld>
+  <p:clrMapOvr>
+    <a:masterClrMapping/>
+  </p:clrMapOvr>
+</p:sld>
+</file>
+
+<file path=ppt/slides/slide31.xml><?xml version="1.0" encoding="utf-8"?>
+<p:sld xmlns:a="http://schemas.openxmlformats.org/drawingml/2006/main" xmlns:r="http://schemas.openxmlformats.org/officeDocument/2006/relationships" xmlns:p="http://schemas.openxmlformats.org/presentationml/2006/main">
+  <p:cSld>
+    <p:spTree>
+      <p:nvGrpSpPr>
+        <p:cNvPr id="1" name=""/>
+        <p:cNvGrpSpPr/>
+        <p:nvPr/>
+      </p:nvGrpSpPr>
+      <p:grpSpPr>
+        <a:xfrm>
+          <a:off x="0" y="0"/>
+          <a:ext cx="0" cy="0"/>
+          <a:chOff x="0" y="0"/>
+          <a:chExt cx="0" cy="0"/>
+        </a:xfrm>
+      </p:grpSpPr>
+      <p:sp>
+        <p:nvSpPr>
+          <p:cNvPr id="2" name="標題 1">
+            <a:extLst>
+              <a:ext uri="{FF2B5EF4-FFF2-40B4-BE49-F238E27FC236}">
+                <a16:creationId xmlns:a16="http://schemas.microsoft.com/office/drawing/2014/main" id="{104FFE16-5EE4-408C-8C6B-BF5E0AFAD48C}"/>
+              </a:ext>
+            </a:extLst>
+          </p:cNvPr>
+          <p:cNvSpPr>
+            <a:spLocks noGrp="1"/>
+          </p:cNvSpPr>
+          <p:nvPr>
+            <p:ph type="title"/>
+          </p:nvPr>
+        </p:nvSpPr>
+        <p:spPr/>
+        <p:txBody>
+          <a:bodyPr/>
+          <a:lstStyle/>
+          <a:p>
+            <a:r>
+              <a:rPr lang="zh-TW" altLang="en-US"/>
+              <a:t>補充：集合 </a:t>
+            </a:r>
+            <a:r>
+              <a:rPr lang="en-US" altLang="zh-TW"/>
+              <a:t>set</a:t>
+            </a:r>
+            <a:r>
+              <a:rPr lang="zh-TW" altLang="en-US"/>
+              <a:t> 的排序</a:t>
+            </a:r>
+          </a:p>
+        </p:txBody>
+      </p:sp>
+      <p:graphicFrame>
+        <p:nvGraphicFramePr>
+          <p:cNvPr id="4" name="內容版面配置區 3">
+            <a:extLst>
+              <a:ext uri="{FF2B5EF4-FFF2-40B4-BE49-F238E27FC236}">
+                <a16:creationId xmlns:a16="http://schemas.microsoft.com/office/drawing/2014/main" id="{226553B3-8173-479D-B32C-7F7A6C0C6031}"/>
+              </a:ext>
+            </a:extLst>
+          </p:cNvPr>
+          <p:cNvGraphicFramePr>
+            <a:graphicFrameLocks noGrp="1"/>
+          </p:cNvGraphicFramePr>
+          <p:nvPr>
+            <p:ph idx="1"/>
+            <p:extLst>
+              <p:ext uri="{D42A27DB-BD31-4B8C-83A1-F6EECF244321}">
+                <p14:modId xmlns:p14="http://schemas.microsoft.com/office/powerpoint/2010/main" val="1180957027"/>
+              </p:ext>
+            </p:extLst>
+          </p:nvPr>
+        </p:nvGraphicFramePr>
+        <p:xfrm>
+          <a:off x="1428317" y="2312988"/>
+          <a:ext cx="2805236" cy="3657600"/>
+        </p:xfrm>
+        <a:graphic>
+          <a:graphicData uri="http://schemas.openxmlformats.org/drawingml/2006/table">
+            <a:tbl>
+              <a:tblPr firstRow="1" bandRow="1">
+                <a:tableStyleId>{5940675A-B579-460E-94D1-54222C63F5DA}</a:tableStyleId>
+              </a:tblPr>
+              <a:tblGrid>
+                <a:gridCol w="738930">
+                  <a:extLst>
+                    <a:ext uri="{9D8B030D-6E8A-4147-A177-3AD203B41FA5}">
+                      <a16:colId xmlns:a16="http://schemas.microsoft.com/office/drawing/2014/main" val="2942779306"/>
+                    </a:ext>
+                  </a:extLst>
+                </a:gridCol>
+                <a:gridCol w="2066306">
+                  <a:extLst>
+                    <a:ext uri="{9D8B030D-6E8A-4147-A177-3AD203B41FA5}">
+                      <a16:colId xmlns:a16="http://schemas.microsoft.com/office/drawing/2014/main" val="823742865"/>
+                    </a:ext>
+                  </a:extLst>
+                </a:gridCol>
+              </a:tblGrid>
+              <a:tr h="370840">
+                <a:tc>
+                  <a:txBody>
+                    <a:bodyPr/>
+                    <a:lstStyle/>
+                    <a:p>
+                      <a:r>
+                        <a:rPr lang="en-US" altLang="zh-TW" sz="2400"/>
+                        <a:t>3</a:t>
+                      </a:r>
+                      <a:endParaRPr lang="zh-TW" altLang="en-US" sz="2400"/>
+                    </a:p>
+                  </a:txBody>
+                  <a:tcPr/>
+                </a:tc>
+                <a:tc>
+                  <a:txBody>
+                    <a:bodyPr/>
+                    <a:lstStyle/>
+                    <a:p>
+                      <a:r>
+                        <a:rPr lang="en-US" altLang="zh-TW" sz="2400"/>
+                        <a:t>011</a:t>
+                      </a:r>
+                      <a:endParaRPr lang="zh-TW" altLang="en-US" sz="2400"/>
+                    </a:p>
+                  </a:txBody>
+                  <a:tcPr/>
+                </a:tc>
+                <a:extLst>
+                  <a:ext uri="{0D108BD9-81ED-4DB2-BD59-A6C34878D82A}">
+                    <a16:rowId xmlns:a16="http://schemas.microsoft.com/office/drawing/2014/main" val="3202127819"/>
+                  </a:ext>
+                </a:extLst>
+              </a:tr>
+              <a:tr h="370840">
+                <a:tc>
+                  <a:txBody>
+                    <a:bodyPr/>
+                    <a:lstStyle/>
+                    <a:p>
+                      <a:r>
+                        <a:rPr lang="en-US" altLang="zh-TW" sz="2400"/>
+                        <a:t>2</a:t>
+                      </a:r>
+                      <a:endParaRPr lang="zh-TW" altLang="en-US" sz="2400"/>
+                    </a:p>
+                  </a:txBody>
+                  <a:tcPr/>
+                </a:tc>
+                <a:tc>
+                  <a:txBody>
+                    <a:bodyPr/>
+                    <a:lstStyle/>
+                    <a:p>
+                      <a:r>
+                        <a:rPr lang="en-US" altLang="zh-TW" sz="2400"/>
+                        <a:t>010</a:t>
+                      </a:r>
+                      <a:endParaRPr lang="zh-TW" altLang="en-US" sz="2400"/>
+                    </a:p>
+                  </a:txBody>
+                  <a:tcPr/>
+                </a:tc>
+                <a:extLst>
+                  <a:ext uri="{0D108BD9-81ED-4DB2-BD59-A6C34878D82A}">
+                    <a16:rowId xmlns:a16="http://schemas.microsoft.com/office/drawing/2014/main" val="1809535551"/>
+                  </a:ext>
+                </a:extLst>
+              </a:tr>
+              <a:tr h="370840">
+                <a:tc>
+                  <a:txBody>
+                    <a:bodyPr/>
+                    <a:lstStyle/>
+                    <a:p>
+                      <a:r>
+                        <a:rPr lang="en-US" altLang="zh-TW" sz="2400"/>
+                        <a:t>1</a:t>
+                      </a:r>
+                      <a:endParaRPr lang="zh-TW" altLang="en-US" sz="2400"/>
+                    </a:p>
+                  </a:txBody>
+                  <a:tcPr/>
+                </a:tc>
+                <a:tc>
+                  <a:txBody>
+                    <a:bodyPr/>
+                    <a:lstStyle/>
+                    <a:p>
+                      <a:r>
+                        <a:rPr lang="en-US" altLang="zh-TW" sz="2400"/>
+                        <a:t>001</a:t>
+                      </a:r>
+                      <a:endParaRPr lang="zh-TW" altLang="en-US" sz="2400"/>
+                    </a:p>
+                  </a:txBody>
+                  <a:tcPr/>
+                </a:tc>
+                <a:extLst>
+                  <a:ext uri="{0D108BD9-81ED-4DB2-BD59-A6C34878D82A}">
+                    <a16:rowId xmlns:a16="http://schemas.microsoft.com/office/drawing/2014/main" val="2352734742"/>
+                  </a:ext>
+                </a:extLst>
+              </a:tr>
+              <a:tr h="370840">
+                <a:tc>
+                  <a:txBody>
+                    <a:bodyPr/>
+                    <a:lstStyle/>
+                    <a:p>
+                      <a:r>
+                        <a:rPr lang="en-US" altLang="zh-TW" sz="2400"/>
+                        <a:t>0</a:t>
+                      </a:r>
+                      <a:endParaRPr lang="zh-TW" altLang="en-US" sz="2400"/>
+                    </a:p>
+                  </a:txBody>
+                  <a:tcPr/>
+                </a:tc>
+                <a:tc>
+                  <a:txBody>
+                    <a:bodyPr/>
+                    <a:lstStyle/>
+                    <a:p>
+                      <a:r>
+                        <a:rPr lang="en-US" altLang="zh-TW" sz="2400"/>
+                        <a:t>000</a:t>
+                      </a:r>
+                      <a:endParaRPr lang="zh-TW" altLang="en-US" sz="2400"/>
+                    </a:p>
+                  </a:txBody>
+                  <a:tcPr/>
+                </a:tc>
+                <a:extLst>
+                  <a:ext uri="{0D108BD9-81ED-4DB2-BD59-A6C34878D82A}">
+                    <a16:rowId xmlns:a16="http://schemas.microsoft.com/office/drawing/2014/main" val="208917037"/>
+                  </a:ext>
+                </a:extLst>
+              </a:tr>
+              <a:tr h="370840">
+                <a:tc>
+                  <a:txBody>
+                    <a:bodyPr/>
+                    <a:lstStyle/>
+                    <a:p>
+                      <a:r>
+                        <a:rPr lang="en-US" altLang="zh-TW" sz="2400"/>
+                        <a:t>-1</a:t>
+                      </a:r>
+                      <a:endParaRPr lang="zh-TW" altLang="en-US" sz="2400"/>
+                    </a:p>
+                  </a:txBody>
+                  <a:tcPr/>
+                </a:tc>
+                <a:tc>
+                  <a:txBody>
+                    <a:bodyPr/>
+                    <a:lstStyle/>
+                    <a:p>
+                      <a:r>
+                        <a:rPr lang="en-US" altLang="zh-TW" sz="2400"/>
+                        <a:t>111</a:t>
+                      </a:r>
+                      <a:endParaRPr lang="zh-TW" altLang="en-US" sz="2400"/>
+                    </a:p>
+                  </a:txBody>
+                  <a:tcPr/>
+                </a:tc>
+                <a:extLst>
+                  <a:ext uri="{0D108BD9-81ED-4DB2-BD59-A6C34878D82A}">
+                    <a16:rowId xmlns:a16="http://schemas.microsoft.com/office/drawing/2014/main" val="298094252"/>
+                  </a:ext>
+                </a:extLst>
+              </a:tr>
+              <a:tr h="370840">
+                <a:tc>
+                  <a:txBody>
+                    <a:bodyPr/>
+                    <a:lstStyle/>
+                    <a:p>
+                      <a:r>
+                        <a:rPr lang="en-US" altLang="zh-TW" sz="2400"/>
+                        <a:t>-2</a:t>
+                      </a:r>
+                      <a:endParaRPr lang="zh-TW" altLang="en-US" sz="2400"/>
+                    </a:p>
+                  </a:txBody>
+                  <a:tcPr/>
+                </a:tc>
+                <a:tc>
+                  <a:txBody>
+                    <a:bodyPr/>
+                    <a:lstStyle/>
+                    <a:p>
+                      <a:r>
+                        <a:rPr lang="en-US" altLang="zh-TW" sz="2400"/>
+                        <a:t>110</a:t>
+                      </a:r>
+                      <a:endParaRPr lang="zh-TW" altLang="en-US" sz="2400"/>
+                    </a:p>
+                  </a:txBody>
+                  <a:tcPr/>
+                </a:tc>
+                <a:extLst>
+                  <a:ext uri="{0D108BD9-81ED-4DB2-BD59-A6C34878D82A}">
+                    <a16:rowId xmlns:a16="http://schemas.microsoft.com/office/drawing/2014/main" val="3999606205"/>
+                  </a:ext>
+                </a:extLst>
+              </a:tr>
+              <a:tr h="370840">
+                <a:tc>
+                  <a:txBody>
+                    <a:bodyPr/>
+                    <a:lstStyle/>
+                    <a:p>
+                      <a:r>
+                        <a:rPr lang="en-US" altLang="zh-TW" sz="2400"/>
+                        <a:t>-3</a:t>
+                      </a:r>
+                      <a:endParaRPr lang="zh-TW" altLang="en-US" sz="2400"/>
+                    </a:p>
+                  </a:txBody>
+                  <a:tcPr/>
+                </a:tc>
+                <a:tc>
+                  <a:txBody>
+                    <a:bodyPr/>
+                    <a:lstStyle/>
+                    <a:p>
+                      <a:r>
+                        <a:rPr lang="en-US" altLang="zh-TW" sz="2400"/>
+                        <a:t>101</a:t>
+                      </a:r>
+                      <a:endParaRPr lang="zh-TW" altLang="en-US" sz="2400"/>
+                    </a:p>
+                  </a:txBody>
+                  <a:tcPr/>
+                </a:tc>
+                <a:extLst>
+                  <a:ext uri="{0D108BD9-81ED-4DB2-BD59-A6C34878D82A}">
+                    <a16:rowId xmlns:a16="http://schemas.microsoft.com/office/drawing/2014/main" val="2971703363"/>
+                  </a:ext>
+                </a:extLst>
+              </a:tr>
+              <a:tr h="370840">
+                <a:tc>
+                  <a:txBody>
+                    <a:bodyPr/>
+                    <a:lstStyle/>
+                    <a:p>
+                      <a:r>
+                        <a:rPr lang="en-US" altLang="zh-TW" sz="2400"/>
+                        <a:t>-4</a:t>
+                      </a:r>
+                      <a:endParaRPr lang="zh-TW" altLang="en-US" sz="2400"/>
+                    </a:p>
+                  </a:txBody>
+                  <a:tcPr/>
+                </a:tc>
+                <a:tc>
+                  <a:txBody>
+                    <a:bodyPr/>
+                    <a:lstStyle/>
+                    <a:p>
+                      <a:r>
+                        <a:rPr lang="en-US" altLang="zh-TW" sz="2400"/>
+                        <a:t>100</a:t>
+                      </a:r>
+                      <a:endParaRPr lang="zh-TW" altLang="en-US" sz="2400"/>
+                    </a:p>
+                  </a:txBody>
+                  <a:tcPr/>
+                </a:tc>
+                <a:extLst>
+                  <a:ext uri="{0D108BD9-81ED-4DB2-BD59-A6C34878D82A}">
+                    <a16:rowId xmlns:a16="http://schemas.microsoft.com/office/drawing/2014/main" val="2608105635"/>
+                  </a:ext>
+                </a:extLst>
+              </a:tr>
+            </a:tbl>
+          </a:graphicData>
+        </a:graphic>
+      </p:graphicFrame>
+    </p:spTree>
+    <p:extLst>
+      <p:ext uri="{BB962C8B-B14F-4D97-AF65-F5344CB8AC3E}">
+        <p14:creationId xmlns:p14="http://schemas.microsoft.com/office/powerpoint/2010/main" val="1440534606"/>
+      </p:ext>
+    </p:extLst>
+  </p:cSld>
+  <p:clrMapOvr>
+    <a:masterClrMapping/>
+  </p:clrMapOvr>
+</p:sld>
+</file>
+
+<file path=ppt/slides/slide32.xml><?xml version="1.0" encoding="utf-8"?>
+<p:sld xmlns:a="http://schemas.openxmlformats.org/drawingml/2006/main" xmlns:r="http://schemas.openxmlformats.org/officeDocument/2006/relationships" xmlns:p="http://schemas.openxmlformats.org/presentationml/2006/main">
+  <p:cSld>
+    <p:spTree>
+      <p:nvGrpSpPr>
+        <p:cNvPr id="1" name=""/>
+        <p:cNvGrpSpPr/>
+        <p:nvPr/>
+      </p:nvGrpSpPr>
+      <p:grpSpPr>
+        <a:xfrm>
+          <a:off x="0" y="0"/>
+          <a:ext cx="0" cy="0"/>
+          <a:chOff x="0" y="0"/>
+          <a:chExt cx="0" cy="0"/>
+        </a:xfrm>
+      </p:grpSpPr>
+      <p:sp>
+        <p:nvSpPr>
+          <p:cNvPr id="2" name="標題 1">
+            <a:extLst>
+              <a:ext uri="{FF2B5EF4-FFF2-40B4-BE49-F238E27FC236}">
+                <a16:creationId xmlns:a16="http://schemas.microsoft.com/office/drawing/2014/main" id="{104FFE16-5EE4-408C-8C6B-BF5E0AFAD48C}"/>
+              </a:ext>
+            </a:extLst>
+          </p:cNvPr>
+          <p:cNvSpPr>
+            <a:spLocks noGrp="1"/>
+          </p:cNvSpPr>
+          <p:nvPr>
+            <p:ph type="title"/>
+          </p:nvPr>
+        </p:nvSpPr>
+        <p:spPr/>
+        <p:txBody>
+          <a:bodyPr/>
+          <a:lstStyle/>
+          <a:p>
+            <a:r>
+              <a:rPr lang="zh-TW" altLang="en-US"/>
+              <a:t>補充：集合 </a:t>
+            </a:r>
+            <a:r>
+              <a:rPr lang="en-US" altLang="zh-TW"/>
+              <a:t>set</a:t>
+            </a:r>
+            <a:r>
+              <a:rPr lang="zh-TW" altLang="en-US"/>
+              <a:t> 的排序</a:t>
+            </a:r>
+          </a:p>
+        </p:txBody>
+      </p:sp>
+      <p:graphicFrame>
+        <p:nvGraphicFramePr>
+          <p:cNvPr id="4" name="內容版面配置區 3">
+            <a:extLst>
+              <a:ext uri="{FF2B5EF4-FFF2-40B4-BE49-F238E27FC236}">
+                <a16:creationId xmlns:a16="http://schemas.microsoft.com/office/drawing/2014/main" id="{226553B3-8173-479D-B32C-7F7A6C0C6031}"/>
+              </a:ext>
+            </a:extLst>
+          </p:cNvPr>
+          <p:cNvGraphicFramePr>
+            <a:graphicFrameLocks noGrp="1"/>
+          </p:cNvGraphicFramePr>
+          <p:nvPr>
+            <p:ph idx="1"/>
+            <p:extLst>
+              <p:ext uri="{D42A27DB-BD31-4B8C-83A1-F6EECF244321}">
+                <p14:modId xmlns:p14="http://schemas.microsoft.com/office/powerpoint/2010/main" val="1298452007"/>
+              </p:ext>
+            </p:extLst>
+          </p:nvPr>
+        </p:nvGraphicFramePr>
+        <p:xfrm>
+          <a:off x="1428317" y="2312988"/>
+          <a:ext cx="2805236" cy="3657600"/>
+        </p:xfrm>
+        <a:graphic>
+          <a:graphicData uri="http://schemas.openxmlformats.org/drawingml/2006/table">
+            <a:tbl>
+              <a:tblPr firstRow="1" bandRow="1">
+                <a:tableStyleId>{5940675A-B579-460E-94D1-54222C63F5DA}</a:tableStyleId>
+              </a:tblPr>
+              <a:tblGrid>
+                <a:gridCol w="738930">
+                  <a:extLst>
+                    <a:ext uri="{9D8B030D-6E8A-4147-A177-3AD203B41FA5}">
+                      <a16:colId xmlns:a16="http://schemas.microsoft.com/office/drawing/2014/main" val="2942779306"/>
+                    </a:ext>
+                  </a:extLst>
+                </a:gridCol>
+                <a:gridCol w="2066306">
+                  <a:extLst>
+                    <a:ext uri="{9D8B030D-6E8A-4147-A177-3AD203B41FA5}">
+                      <a16:colId xmlns:a16="http://schemas.microsoft.com/office/drawing/2014/main" val="823742865"/>
+                    </a:ext>
+                  </a:extLst>
+                </a:gridCol>
+              </a:tblGrid>
+              <a:tr h="370840">
+                <a:tc>
+                  <a:txBody>
+                    <a:bodyPr/>
+                    <a:lstStyle/>
+                    <a:p>
+                      <a:r>
+                        <a:rPr lang="en-US" altLang="zh-TW" sz="2400"/>
+                        <a:t>-1</a:t>
+                      </a:r>
+                      <a:endParaRPr lang="zh-TW" altLang="en-US" sz="2400"/>
+                    </a:p>
+                  </a:txBody>
+                  <a:tcPr/>
+                </a:tc>
+                <a:tc>
+                  <a:txBody>
+                    <a:bodyPr/>
+                    <a:lstStyle/>
+                    <a:p>
+                      <a:r>
+                        <a:rPr lang="en-US" altLang="zh-TW" sz="2400"/>
+                        <a:t>111</a:t>
+                      </a:r>
+                      <a:endParaRPr lang="zh-TW" altLang="en-US" sz="2400"/>
+                    </a:p>
+                  </a:txBody>
+                  <a:tcPr/>
+                </a:tc>
+                <a:extLst>
+                  <a:ext uri="{0D108BD9-81ED-4DB2-BD59-A6C34878D82A}">
+                    <a16:rowId xmlns:a16="http://schemas.microsoft.com/office/drawing/2014/main" val="3202127819"/>
+                  </a:ext>
+                </a:extLst>
+              </a:tr>
+              <a:tr h="370840">
+                <a:tc>
+                  <a:txBody>
+                    <a:bodyPr/>
+                    <a:lstStyle/>
+                    <a:p>
+                      <a:r>
+                        <a:rPr lang="en-US" altLang="zh-TW" sz="2400"/>
+                        <a:t>-2</a:t>
+                      </a:r>
+                      <a:endParaRPr lang="zh-TW" altLang="en-US" sz="2400"/>
+                    </a:p>
+                  </a:txBody>
+                  <a:tcPr/>
+                </a:tc>
+                <a:tc>
+                  <a:txBody>
+                    <a:bodyPr/>
+                    <a:lstStyle/>
+                    <a:p>
+                      <a:r>
+                        <a:rPr lang="en-US" altLang="zh-TW" sz="2400"/>
+                        <a:t>110</a:t>
+                      </a:r>
+                      <a:endParaRPr lang="zh-TW" altLang="en-US" sz="2400"/>
+                    </a:p>
+                  </a:txBody>
+                  <a:tcPr/>
+                </a:tc>
+                <a:extLst>
+                  <a:ext uri="{0D108BD9-81ED-4DB2-BD59-A6C34878D82A}">
+                    <a16:rowId xmlns:a16="http://schemas.microsoft.com/office/drawing/2014/main" val="1809535551"/>
+                  </a:ext>
+                </a:extLst>
+              </a:tr>
+              <a:tr h="370840">
+                <a:tc>
+                  <a:txBody>
+                    <a:bodyPr/>
+                    <a:lstStyle/>
+                    <a:p>
+                      <a:r>
+                        <a:rPr lang="en-US" altLang="zh-TW" sz="2400"/>
+                        <a:t>-3</a:t>
+                      </a:r>
+                      <a:endParaRPr lang="zh-TW" altLang="en-US" sz="2400"/>
+                    </a:p>
+                  </a:txBody>
+                  <a:tcPr/>
+                </a:tc>
+                <a:tc>
+                  <a:txBody>
+                    <a:bodyPr/>
+                    <a:lstStyle/>
+                    <a:p>
+                      <a:r>
+                        <a:rPr lang="en-US" altLang="zh-TW" sz="2400"/>
+                        <a:t>101</a:t>
+                      </a:r>
+                      <a:endParaRPr lang="zh-TW" altLang="en-US" sz="2400"/>
+                    </a:p>
+                  </a:txBody>
+                  <a:tcPr/>
+                </a:tc>
+                <a:extLst>
+                  <a:ext uri="{0D108BD9-81ED-4DB2-BD59-A6C34878D82A}">
+                    <a16:rowId xmlns:a16="http://schemas.microsoft.com/office/drawing/2014/main" val="2352734742"/>
+                  </a:ext>
+                </a:extLst>
+              </a:tr>
+              <a:tr h="370840">
+                <a:tc>
+                  <a:txBody>
+                    <a:bodyPr/>
+                    <a:lstStyle/>
+                    <a:p>
+                      <a:r>
+                        <a:rPr lang="en-US" altLang="zh-TW" sz="2400"/>
+                        <a:t>-4</a:t>
+                      </a:r>
+                      <a:endParaRPr lang="zh-TW" altLang="en-US" sz="2400"/>
+                    </a:p>
+                  </a:txBody>
+                  <a:tcPr/>
+                </a:tc>
+                <a:tc>
+                  <a:txBody>
+                    <a:bodyPr/>
+                    <a:lstStyle/>
+                    <a:p>
+                      <a:r>
+                        <a:rPr lang="en-US" altLang="zh-TW" sz="2400"/>
+                        <a:t>100</a:t>
+                      </a:r>
+                      <a:endParaRPr lang="zh-TW" altLang="en-US" sz="2400"/>
+                    </a:p>
+                  </a:txBody>
+                  <a:tcPr/>
+                </a:tc>
+                <a:extLst>
+                  <a:ext uri="{0D108BD9-81ED-4DB2-BD59-A6C34878D82A}">
+                    <a16:rowId xmlns:a16="http://schemas.microsoft.com/office/drawing/2014/main" val="208917037"/>
+                  </a:ext>
+                </a:extLst>
+              </a:tr>
+              <a:tr h="370840">
+                <a:tc>
+                  <a:txBody>
+                    <a:bodyPr/>
+                    <a:lstStyle/>
+                    <a:p>
+                      <a:r>
+                        <a:rPr lang="en-US" altLang="zh-TW" sz="2400"/>
+                        <a:t>3</a:t>
+                      </a:r>
+                      <a:endParaRPr lang="zh-TW" altLang="en-US" sz="2400"/>
+                    </a:p>
+                  </a:txBody>
+                  <a:tcPr/>
+                </a:tc>
+                <a:tc>
+                  <a:txBody>
+                    <a:bodyPr/>
+                    <a:lstStyle/>
+                    <a:p>
+                      <a:r>
+                        <a:rPr lang="en-US" altLang="zh-TW" sz="2400"/>
+                        <a:t>011</a:t>
+                      </a:r>
+                      <a:endParaRPr lang="zh-TW" altLang="en-US" sz="2400"/>
+                    </a:p>
+                  </a:txBody>
+                  <a:tcPr/>
+                </a:tc>
+                <a:extLst>
+                  <a:ext uri="{0D108BD9-81ED-4DB2-BD59-A6C34878D82A}">
+                    <a16:rowId xmlns:a16="http://schemas.microsoft.com/office/drawing/2014/main" val="298094252"/>
+                  </a:ext>
+                </a:extLst>
+              </a:tr>
+              <a:tr h="370840">
+                <a:tc>
+                  <a:txBody>
+                    <a:bodyPr/>
+                    <a:lstStyle/>
+                    <a:p>
+                      <a:r>
+                        <a:rPr lang="en-US" altLang="zh-TW" sz="2400"/>
+                        <a:t>2</a:t>
+                      </a:r>
+                      <a:endParaRPr lang="zh-TW" altLang="en-US" sz="2400"/>
+                    </a:p>
+                  </a:txBody>
+                  <a:tcPr/>
+                </a:tc>
+                <a:tc>
+                  <a:txBody>
+                    <a:bodyPr/>
+                    <a:lstStyle/>
+                    <a:p>
+                      <a:r>
+                        <a:rPr lang="en-US" altLang="zh-TW" sz="2400"/>
+                        <a:t>010</a:t>
+                      </a:r>
+                      <a:endParaRPr lang="zh-TW" altLang="en-US" sz="2400"/>
+                    </a:p>
+                  </a:txBody>
+                  <a:tcPr/>
+                </a:tc>
+                <a:extLst>
+                  <a:ext uri="{0D108BD9-81ED-4DB2-BD59-A6C34878D82A}">
+                    <a16:rowId xmlns:a16="http://schemas.microsoft.com/office/drawing/2014/main" val="3999606205"/>
+                  </a:ext>
+                </a:extLst>
+              </a:tr>
+              <a:tr h="370840">
+                <a:tc>
+                  <a:txBody>
+                    <a:bodyPr/>
+                    <a:lstStyle/>
+                    <a:p>
+                      <a:r>
+                        <a:rPr lang="en-US" altLang="zh-TW" sz="2400"/>
+                        <a:t>1</a:t>
+                      </a:r>
+                      <a:endParaRPr lang="zh-TW" altLang="en-US" sz="2400"/>
+                    </a:p>
+                  </a:txBody>
+                  <a:tcPr/>
+                </a:tc>
+                <a:tc>
+                  <a:txBody>
+                    <a:bodyPr/>
+                    <a:lstStyle/>
+                    <a:p>
+                      <a:r>
+                        <a:rPr lang="en-US" altLang="zh-TW" sz="2400"/>
+                        <a:t>001</a:t>
+                      </a:r>
+                      <a:endParaRPr lang="zh-TW" altLang="en-US" sz="2400"/>
+                    </a:p>
+                  </a:txBody>
+                  <a:tcPr/>
+                </a:tc>
+                <a:extLst>
+                  <a:ext uri="{0D108BD9-81ED-4DB2-BD59-A6C34878D82A}">
+                    <a16:rowId xmlns:a16="http://schemas.microsoft.com/office/drawing/2014/main" val="2971703363"/>
+                  </a:ext>
+                </a:extLst>
+              </a:tr>
+              <a:tr h="370840">
+                <a:tc>
+                  <a:txBody>
+                    <a:bodyPr/>
+                    <a:lstStyle/>
+                    <a:p>
+                      <a:r>
+                        <a:rPr lang="en-US" altLang="zh-TW" sz="2400"/>
+                        <a:t>0</a:t>
+                      </a:r>
+                      <a:endParaRPr lang="zh-TW" altLang="en-US" sz="2400"/>
+                    </a:p>
+                  </a:txBody>
+                  <a:tcPr/>
+                </a:tc>
+                <a:tc>
+                  <a:txBody>
+                    <a:bodyPr/>
+                    <a:lstStyle/>
+                    <a:p>
+                      <a:r>
+                        <a:rPr lang="en-US" altLang="zh-TW" sz="2400"/>
+                        <a:t>000</a:t>
+                      </a:r>
+                      <a:endParaRPr lang="zh-TW" altLang="en-US" sz="2400"/>
+                    </a:p>
+                  </a:txBody>
+                  <a:tcPr/>
+                </a:tc>
+                <a:extLst>
+                  <a:ext uri="{0D108BD9-81ED-4DB2-BD59-A6C34878D82A}">
+                    <a16:rowId xmlns:a16="http://schemas.microsoft.com/office/drawing/2014/main" val="2608105635"/>
+                  </a:ext>
+                </a:extLst>
+              </a:tr>
+            </a:tbl>
+          </a:graphicData>
+        </a:graphic>
+      </p:graphicFrame>
+    </p:spTree>
+    <p:extLst>
+      <p:ext uri="{BB962C8B-B14F-4D97-AF65-F5344CB8AC3E}">
+        <p14:creationId xmlns:p14="http://schemas.microsoft.com/office/powerpoint/2010/main" val="3808846927"/>
+      </p:ext>
+    </p:extLst>
+  </p:cSld>
+  <p:clrMapOvr>
+    <a:masterClrMapping/>
+  </p:clrMapOvr>
+</p:sld>
+</file>
+
+<file path=ppt/slides/slide33.xml><?xml version="1.0" encoding="utf-8"?>
+<p:sld xmlns:a="http://schemas.openxmlformats.org/drawingml/2006/main" xmlns:r="http://schemas.openxmlformats.org/officeDocument/2006/relationships" xmlns:p="http://schemas.openxmlformats.org/presentationml/2006/main">
+  <p:cSld>
+    <p:spTree>
+      <p:nvGrpSpPr>
+        <p:cNvPr id="1" name=""/>
+        <p:cNvGrpSpPr/>
+        <p:nvPr/>
+      </p:nvGrpSpPr>
+      <p:grpSpPr>
+        <a:xfrm>
+          <a:off x="0" y="0"/>
+          <a:ext cx="0" cy="0"/>
+          <a:chOff x="0" y="0"/>
+          <a:chExt cx="0" cy="0"/>
+        </a:xfrm>
+      </p:grpSpPr>
+      <p:sp>
+        <p:nvSpPr>
+          <p:cNvPr id="2" name="標題 1">
+            <a:extLst>
+              <a:ext uri="{FF2B5EF4-FFF2-40B4-BE49-F238E27FC236}">
+                <a16:creationId xmlns:a16="http://schemas.microsoft.com/office/drawing/2014/main" id="{104FFE16-5EE4-408C-8C6B-BF5E0AFAD48C}"/>
+              </a:ext>
+            </a:extLst>
+          </p:cNvPr>
+          <p:cNvSpPr>
+            <a:spLocks noGrp="1"/>
+          </p:cNvSpPr>
+          <p:nvPr>
+            <p:ph type="title"/>
+          </p:nvPr>
+        </p:nvSpPr>
+        <p:spPr/>
+        <p:txBody>
+          <a:bodyPr/>
+          <a:lstStyle/>
+          <a:p>
+            <a:r>
+              <a:rPr lang="zh-TW" altLang="en-US"/>
+              <a:t>集合 </a:t>
+            </a:r>
+            <a:r>
+              <a:rPr lang="en-US" altLang="zh-TW"/>
+              <a:t>set</a:t>
+            </a:r>
+            <a:endParaRPr lang="zh-TW" altLang="en-US"/>
+          </a:p>
+        </p:txBody>
+      </p:sp>
+      <p:sp>
+        <p:nvSpPr>
+          <p:cNvPr id="3" name="內容版面配置區 2">
+            <a:extLst>
+              <a:ext uri="{FF2B5EF4-FFF2-40B4-BE49-F238E27FC236}">
+                <a16:creationId xmlns:a16="http://schemas.microsoft.com/office/drawing/2014/main" id="{EF7EBCBF-37D3-40DA-BDCA-FC73B59D654B}"/>
+              </a:ext>
+            </a:extLst>
+          </p:cNvPr>
+          <p:cNvSpPr>
+            <a:spLocks noGrp="1"/>
+          </p:cNvSpPr>
+          <p:nvPr>
+            <p:ph idx="1"/>
+          </p:nvPr>
+        </p:nvSpPr>
+        <p:spPr>
+          <a:xfrm>
+            <a:off x="1261871" y="1828800"/>
+            <a:ext cx="9099349" cy="4351337"/>
+          </a:xfrm>
+        </p:spPr>
+        <p:txBody>
+          <a:bodyPr>
+            <a:normAutofit/>
+          </a:bodyPr>
+          <a:lstStyle/>
+          <a:p>
+            <a:pPr marL="0" indent="0">
+              <a:buNone/>
+            </a:pPr>
+            <a:endParaRPr lang="en-US" altLang="zh-TW" sz="2800"/>
+          </a:p>
+          <a:p>
+            <a:pPr marL="0" indent="0">
+              <a:buNone/>
+            </a:pPr>
+            <a:r>
+              <a:rPr lang="en-US" altLang="zh-TW" sz="2800"/>
+              <a:t>st = </a:t>
+            </a:r>
+            <a:r>
+              <a:rPr lang="en-US" altLang="zh-TW" sz="2800">
+                <a:solidFill>
+                  <a:srgbClr val="FF0000"/>
+                </a:solidFill>
+              </a:rPr>
+              <a:t>{</a:t>
+            </a:r>
+            <a:r>
+              <a:rPr lang="en-US" altLang="zh-TW" sz="2800"/>
+              <a:t>1, 3, 6, -2</a:t>
+            </a:r>
+            <a:r>
+              <a:rPr lang="en-US" altLang="zh-TW" sz="2800">
+                <a:solidFill>
+                  <a:srgbClr val="FF0000"/>
+                </a:solidFill>
+              </a:rPr>
+              <a:t>}</a:t>
+            </a:r>
+          </a:p>
+          <a:p>
+            <a:pPr marL="0" indent="0">
+              <a:buNone/>
+            </a:pPr>
+            <a:endParaRPr lang="en-US" altLang="zh-TW" sz="2800">
+              <a:solidFill>
+                <a:srgbClr val="FF0000"/>
+              </a:solidFill>
+            </a:endParaRPr>
+          </a:p>
+          <a:p>
+            <a:pPr marL="0" indent="0">
+              <a:buNone/>
+            </a:pPr>
+            <a:r>
+              <a:rPr lang="en-US" altLang="zh-TW" sz="2800"/>
+              <a:t>st[0]</a:t>
+            </a:r>
+            <a:r>
+              <a:rPr lang="zh-TW" altLang="en-US" sz="2800"/>
+              <a:t> → </a:t>
+            </a:r>
+            <a:r>
+              <a:rPr lang="en-US" altLang="zh-TW" sz="2800"/>
+              <a:t>Error </a:t>
+            </a:r>
+            <a:r>
+              <a:rPr lang="en-US" altLang="zh-TW" sz="2800">
+                <a:solidFill>
+                  <a:schemeClr val="bg1">
+                    <a:lumMod val="65000"/>
+                  </a:schemeClr>
+                </a:solidFill>
+              </a:rPr>
+              <a:t>#</a:t>
+            </a:r>
+            <a:r>
+              <a:rPr lang="zh-TW" altLang="en-US" sz="2800">
+                <a:solidFill>
+                  <a:schemeClr val="bg1">
+                    <a:lumMod val="65000"/>
+                  </a:schemeClr>
+                </a:solidFill>
+              </a:rPr>
+              <a:t> </a:t>
+            </a:r>
+            <a:r>
+              <a:rPr lang="en-US" altLang="zh-TW" sz="2800">
+                <a:solidFill>
+                  <a:schemeClr val="bg1">
+                    <a:lumMod val="65000"/>
+                  </a:schemeClr>
+                </a:solidFill>
+              </a:rPr>
+              <a:t>set</a:t>
+            </a:r>
+            <a:r>
+              <a:rPr lang="zh-TW" altLang="en-US" sz="2800">
+                <a:solidFill>
+                  <a:schemeClr val="bg1">
+                    <a:lumMod val="65000"/>
+                  </a:schemeClr>
+                </a:solidFill>
+              </a:rPr>
+              <a:t> 無順序性 </a:t>
+            </a:r>
+            <a:r>
+              <a:rPr lang="en-US" altLang="zh-TW" sz="2800">
+                <a:solidFill>
+                  <a:schemeClr val="bg1">
+                    <a:lumMod val="65000"/>
+                  </a:schemeClr>
+                </a:solidFill>
+              </a:rPr>
+              <a:t>(subscriptable)</a:t>
+            </a:r>
+            <a:endParaRPr lang="zh-TW" altLang="en-US" sz="2800">
+              <a:solidFill>
+                <a:schemeClr val="bg1">
+                  <a:lumMod val="65000"/>
+                </a:schemeClr>
+              </a:solidFill>
+            </a:endParaRPr>
+          </a:p>
+        </p:txBody>
+      </p:sp>
+    </p:spTree>
+    <p:extLst>
+      <p:ext uri="{BB962C8B-B14F-4D97-AF65-F5344CB8AC3E}">
+        <p14:creationId xmlns:p14="http://schemas.microsoft.com/office/powerpoint/2010/main" val="2312092936"/>
+      </p:ext>
+    </p:extLst>
+  </p:cSld>
+  <p:clrMapOvr>
+    <a:masterClrMapping/>
+  </p:clrMapOvr>
+</p:sld>
+</file>
+
+<file path=ppt/slides/slide34.xml><?xml version="1.0" encoding="utf-8"?>
+<p:sld xmlns:a="http://schemas.openxmlformats.org/drawingml/2006/main" xmlns:r="http://schemas.openxmlformats.org/officeDocument/2006/relationships" xmlns:p="http://schemas.openxmlformats.org/presentationml/2006/main">
+  <p:cSld>
+    <p:spTree>
+      <p:nvGrpSpPr>
+        <p:cNvPr id="1" name=""/>
+        <p:cNvGrpSpPr/>
+        <p:nvPr/>
+      </p:nvGrpSpPr>
+      <p:grpSpPr>
+        <a:xfrm>
+          <a:off x="0" y="0"/>
+          <a:ext cx="0" cy="0"/>
+          <a:chOff x="0" y="0"/>
+          <a:chExt cx="0" cy="0"/>
+        </a:xfrm>
+      </p:grpSpPr>
+      <p:sp>
+        <p:nvSpPr>
+          <p:cNvPr id="2" name="標題 1">
+            <a:extLst>
+              <a:ext uri="{FF2B5EF4-FFF2-40B4-BE49-F238E27FC236}">
+                <a16:creationId xmlns:a16="http://schemas.microsoft.com/office/drawing/2014/main" id="{104FFE16-5EE4-408C-8C6B-BF5E0AFAD48C}"/>
+              </a:ext>
+            </a:extLst>
+          </p:cNvPr>
+          <p:cNvSpPr>
+            <a:spLocks noGrp="1"/>
+          </p:cNvSpPr>
+          <p:nvPr>
+            <p:ph type="title"/>
+          </p:nvPr>
+        </p:nvSpPr>
+        <p:spPr/>
+        <p:txBody>
+          <a:bodyPr/>
+          <a:lstStyle/>
+          <a:p>
+            <a:r>
+              <a:rPr lang="zh-TW" altLang="en-US"/>
+              <a:t>集合 </a:t>
+            </a:r>
+            <a:r>
+              <a:rPr lang="en-US" altLang="zh-TW"/>
+              <a:t>set</a:t>
+            </a:r>
+            <a:endParaRPr lang="zh-TW" altLang="en-US"/>
+          </a:p>
+        </p:txBody>
+      </p:sp>
+      <p:sp>
+        <p:nvSpPr>
+          <p:cNvPr id="3" name="內容版面配置區 2">
+            <a:extLst>
+              <a:ext uri="{FF2B5EF4-FFF2-40B4-BE49-F238E27FC236}">
+                <a16:creationId xmlns:a16="http://schemas.microsoft.com/office/drawing/2014/main" id="{EF7EBCBF-37D3-40DA-BDCA-FC73B59D654B}"/>
+              </a:ext>
+            </a:extLst>
+          </p:cNvPr>
+          <p:cNvSpPr>
+            <a:spLocks noGrp="1"/>
+          </p:cNvSpPr>
+          <p:nvPr>
+            <p:ph idx="1"/>
+          </p:nvPr>
+        </p:nvSpPr>
+        <p:spPr>
+          <a:xfrm>
+            <a:off x="1261871" y="1828800"/>
+            <a:ext cx="9099349" cy="4351337"/>
+          </a:xfrm>
+        </p:spPr>
+        <p:txBody>
+          <a:bodyPr>
+            <a:normAutofit/>
+          </a:bodyPr>
+          <a:lstStyle/>
+          <a:p>
+            <a:pPr marL="0" indent="0">
+              <a:buNone/>
+            </a:pPr>
+            <a:endParaRPr lang="en-US" altLang="zh-TW" sz="2800"/>
+          </a:p>
+          <a:p>
+            <a:pPr marL="0" indent="0">
+              <a:buNone/>
+            </a:pPr>
+            <a:r>
+              <a:rPr lang="en-US" altLang="zh-TW" sz="2800"/>
+              <a:t>st = </a:t>
+            </a:r>
+            <a:r>
+              <a:rPr lang="en-US" altLang="zh-TW" sz="2800">
+                <a:solidFill>
+                  <a:srgbClr val="FF0000"/>
+                </a:solidFill>
+              </a:rPr>
+              <a:t>{</a:t>
+            </a:r>
+            <a:r>
+              <a:rPr lang="en-US" altLang="zh-TW" sz="2800"/>
+              <a:t>1, 3, 6, -2</a:t>
+            </a:r>
+            <a:r>
+              <a:rPr lang="en-US" altLang="zh-TW" sz="2800">
+                <a:solidFill>
+                  <a:srgbClr val="FF0000"/>
+                </a:solidFill>
+              </a:rPr>
+              <a:t>}</a:t>
+            </a:r>
+          </a:p>
+          <a:p>
+            <a:pPr marL="0" indent="0">
+              <a:buNone/>
+            </a:pPr>
+            <a:endParaRPr lang="en-US" altLang="zh-TW" sz="2800"/>
+          </a:p>
+          <a:p>
+            <a:pPr marL="0" indent="0">
+              <a:buNone/>
+            </a:pPr>
+            <a:r>
+              <a:rPr lang="en-US" altLang="zh-TW" sz="2800"/>
+              <a:t>for </a:t>
+            </a:r>
+            <a:r>
+              <a:rPr lang="en-US" altLang="zh-TW" sz="2800">
+                <a:solidFill>
+                  <a:srgbClr val="FF0000"/>
+                </a:solidFill>
+              </a:rPr>
+              <a:t>elm</a:t>
+            </a:r>
+            <a:r>
+              <a:rPr lang="en-US" altLang="zh-TW" sz="2800"/>
+              <a:t> in </a:t>
+            </a:r>
+            <a:r>
+              <a:rPr lang="en-US" altLang="zh-TW" sz="2800">
+                <a:solidFill>
+                  <a:srgbClr val="FF0000"/>
+                </a:solidFill>
+              </a:rPr>
+              <a:t>st</a:t>
+            </a:r>
+            <a:r>
+              <a:rPr lang="en-US" altLang="zh-TW" sz="2800"/>
+              <a:t>:</a:t>
+            </a:r>
+          </a:p>
+          <a:p>
+            <a:pPr marL="0" indent="0">
+              <a:buNone/>
+            </a:pPr>
+            <a:r>
+              <a:rPr lang="en-US" altLang="zh-TW" sz="2800"/>
+              <a:t>	print(</a:t>
+            </a:r>
+            <a:r>
+              <a:rPr lang="en-US" altLang="zh-TW" sz="2800">
+                <a:solidFill>
+                  <a:srgbClr val="FF0000"/>
+                </a:solidFill>
+              </a:rPr>
+              <a:t>elm</a:t>
+            </a:r>
+            <a:r>
+              <a:rPr lang="en-US" altLang="zh-TW" sz="2800"/>
+              <a:t>)</a:t>
+            </a:r>
+            <a:endParaRPr lang="zh-TW" altLang="en-US" sz="2800"/>
+          </a:p>
+        </p:txBody>
+      </p:sp>
+    </p:spTree>
+    <p:extLst>
+      <p:ext uri="{BB962C8B-B14F-4D97-AF65-F5344CB8AC3E}">
+        <p14:creationId xmlns:p14="http://schemas.microsoft.com/office/powerpoint/2010/main" val="2814300495"/>
+      </p:ext>
+    </p:extLst>
+  </p:cSld>
+  <p:clrMapOvr>
+    <a:masterClrMapping/>
+  </p:clrMapOvr>
+</p:sld>
+</file>
+
+<file path=ppt/slides/slide35.xml><?xml version="1.0" encoding="utf-8"?>
+<p:sld xmlns:a="http://schemas.openxmlformats.org/drawingml/2006/main" xmlns:r="http://schemas.openxmlformats.org/officeDocument/2006/relationships" xmlns:p="http://schemas.openxmlformats.org/presentationml/2006/main">
+  <p:cSld>
+    <p:spTree>
+      <p:nvGrpSpPr>
+        <p:cNvPr id="1" name=""/>
+        <p:cNvGrpSpPr/>
+        <p:nvPr/>
+      </p:nvGrpSpPr>
+      <p:grpSpPr>
+        <a:xfrm>
+          <a:off x="0" y="0"/>
+          <a:ext cx="0" cy="0"/>
+          <a:chOff x="0" y="0"/>
+          <a:chExt cx="0" cy="0"/>
+        </a:xfrm>
+      </p:grpSpPr>
+      <p:sp>
+        <p:nvSpPr>
+          <p:cNvPr id="2" name="標題 1">
+            <a:extLst>
+              <a:ext uri="{FF2B5EF4-FFF2-40B4-BE49-F238E27FC236}">
+                <a16:creationId xmlns:a16="http://schemas.microsoft.com/office/drawing/2014/main" id="{2C1DA03A-D6E1-4DE4-9D56-615E9A175E91}"/>
+              </a:ext>
+            </a:extLst>
+          </p:cNvPr>
+          <p:cNvSpPr>
+            <a:spLocks noGrp="1"/>
+          </p:cNvSpPr>
+          <p:nvPr>
+            <p:ph type="title"/>
+          </p:nvPr>
+        </p:nvSpPr>
+        <p:spPr/>
+        <p:txBody>
+          <a:bodyPr/>
+          <a:lstStyle/>
+          <a:p>
+            <a:r>
+              <a:rPr lang="zh-TW" altLang="en-US"/>
+              <a:t>新增元素 </a:t>
+            </a:r>
+            <a:r>
+              <a:rPr lang="en-US" altLang="zh-TW"/>
+              <a:t>add/update</a:t>
+            </a:r>
+            <a:endParaRPr lang="zh-TW" altLang="en-US"/>
+          </a:p>
+        </p:txBody>
+      </p:sp>
+      <p:sp>
+        <p:nvSpPr>
+          <p:cNvPr id="3" name="內容版面配置區 2">
+            <a:extLst>
+              <a:ext uri="{FF2B5EF4-FFF2-40B4-BE49-F238E27FC236}">
+                <a16:creationId xmlns:a16="http://schemas.microsoft.com/office/drawing/2014/main" id="{186E739A-99DD-4ED5-B918-FAF471D3B475}"/>
+              </a:ext>
+            </a:extLst>
+          </p:cNvPr>
+          <p:cNvSpPr>
+            <a:spLocks noGrp="1"/>
+          </p:cNvSpPr>
+          <p:nvPr>
+            <p:ph idx="1"/>
+          </p:nvPr>
+        </p:nvSpPr>
+        <p:spPr/>
+        <p:txBody>
+          <a:bodyPr>
+            <a:normAutofit/>
+          </a:bodyPr>
+          <a:lstStyle/>
+          <a:p>
+            <a:pPr marL="0" indent="0">
+              <a:buNone/>
+            </a:pPr>
+            <a:endParaRPr lang="en-US" altLang="zh-TW" sz="2800"/>
+          </a:p>
+          <a:p>
+            <a:pPr marL="0" indent="0">
+              <a:buNone/>
+            </a:pPr>
+            <a:r>
+              <a:rPr lang="en-US" altLang="zh-TW" sz="2800"/>
+              <a:t>st.add(any)</a:t>
+            </a:r>
+            <a:r>
+              <a:rPr lang="zh-TW" altLang="en-US" sz="2800"/>
+              <a:t> → 新增 </a:t>
+            </a:r>
+            <a:r>
+              <a:rPr lang="en-US" altLang="zh-TW" sz="2800"/>
+              <a:t>any </a:t>
+            </a:r>
+            <a:r>
+              <a:rPr lang="zh-TW" altLang="en-US" sz="2800"/>
+              <a:t>到集合 </a:t>
+            </a:r>
+            <a:r>
+              <a:rPr lang="en-US" altLang="zh-TW" sz="2800"/>
+              <a:t>st </a:t>
+            </a:r>
+            <a:r>
+              <a:rPr lang="zh-TW" altLang="en-US" sz="2800"/>
+              <a:t>中</a:t>
+            </a:r>
+            <a:endParaRPr lang="en-US" altLang="zh-TW" sz="2800"/>
+          </a:p>
+          <a:p>
+            <a:pPr marL="0" indent="0">
+              <a:buNone/>
+            </a:pPr>
+            <a:r>
+              <a:rPr lang="en-US" altLang="zh-TW" sz="2800"/>
+              <a:t>st.update(container)</a:t>
+            </a:r>
+          </a:p>
+          <a:p>
+            <a:pPr marL="0" indent="0">
+              <a:buNone/>
+            </a:pPr>
+            <a:r>
+              <a:rPr lang="en-US" altLang="zh-TW" sz="2800"/>
+              <a:t>	</a:t>
+            </a:r>
+            <a:r>
+              <a:rPr lang="zh-TW" altLang="en-US" sz="2800"/>
+              <a:t>→ 將容器中的元素一一放入集合 </a:t>
+            </a:r>
+            <a:r>
+              <a:rPr lang="en-US" altLang="zh-TW" sz="2800"/>
+              <a:t>st </a:t>
+            </a:r>
+            <a:r>
+              <a:rPr lang="zh-TW" altLang="en-US" sz="2800"/>
+              <a:t>中</a:t>
+            </a:r>
+            <a:endParaRPr lang="en-US" altLang="zh-TW" sz="2800">
+              <a:solidFill>
+                <a:schemeClr val="bg1">
+                  <a:lumMod val="65000"/>
+                </a:schemeClr>
+              </a:solidFill>
+            </a:endParaRPr>
+          </a:p>
+        </p:txBody>
+      </p:sp>
+    </p:spTree>
+    <p:extLst>
+      <p:ext uri="{BB962C8B-B14F-4D97-AF65-F5344CB8AC3E}">
+        <p14:creationId xmlns:p14="http://schemas.microsoft.com/office/powerpoint/2010/main" val="1500986181"/>
+      </p:ext>
+    </p:extLst>
+  </p:cSld>
+  <p:clrMapOvr>
+    <a:masterClrMapping/>
+  </p:clrMapOvr>
+</p:sld>
+</file>
+
+<file path=ppt/slides/slide36.xml><?xml version="1.0" encoding="utf-8"?>
+<p:sld xmlns:a="http://schemas.openxmlformats.org/drawingml/2006/main" xmlns:r="http://schemas.openxmlformats.org/officeDocument/2006/relationships" xmlns:p="http://schemas.openxmlformats.org/presentationml/2006/main">
+  <p:cSld>
+    <p:spTree>
+      <p:nvGrpSpPr>
+        <p:cNvPr id="1" name=""/>
+        <p:cNvGrpSpPr/>
+        <p:nvPr/>
+      </p:nvGrpSpPr>
+      <p:grpSpPr>
+        <a:xfrm>
+          <a:off x="0" y="0"/>
+          <a:ext cx="0" cy="0"/>
+          <a:chOff x="0" y="0"/>
+          <a:chExt cx="0" cy="0"/>
+        </a:xfrm>
+      </p:grpSpPr>
+      <p:sp>
+        <p:nvSpPr>
+          <p:cNvPr id="2" name="標題 1">
+            <a:extLst>
+              <a:ext uri="{FF2B5EF4-FFF2-40B4-BE49-F238E27FC236}">
+                <a16:creationId xmlns:a16="http://schemas.microsoft.com/office/drawing/2014/main" id="{2C1DA03A-D6E1-4DE4-9D56-615E9A175E91}"/>
+              </a:ext>
+            </a:extLst>
+          </p:cNvPr>
+          <p:cNvSpPr>
+            <a:spLocks noGrp="1"/>
+          </p:cNvSpPr>
+          <p:nvPr>
+            <p:ph type="title"/>
+          </p:nvPr>
+        </p:nvSpPr>
+        <p:spPr/>
+        <p:txBody>
+          <a:bodyPr/>
+          <a:lstStyle/>
+          <a:p>
+            <a:r>
+              <a:rPr lang="zh-TW" altLang="en-US"/>
+              <a:t>移除元素 </a:t>
+            </a:r>
+            <a:r>
+              <a:rPr lang="en-US" altLang="zh-TW"/>
+              <a:t>remove/discard</a:t>
+            </a:r>
+            <a:endParaRPr lang="zh-TW" altLang="en-US"/>
+          </a:p>
+        </p:txBody>
+      </p:sp>
+      <p:sp>
+        <p:nvSpPr>
+          <p:cNvPr id="3" name="內容版面配置區 2">
+            <a:extLst>
+              <a:ext uri="{FF2B5EF4-FFF2-40B4-BE49-F238E27FC236}">
+                <a16:creationId xmlns:a16="http://schemas.microsoft.com/office/drawing/2014/main" id="{186E739A-99DD-4ED5-B918-FAF471D3B475}"/>
+              </a:ext>
+            </a:extLst>
+          </p:cNvPr>
+          <p:cNvSpPr>
+            <a:spLocks noGrp="1"/>
+          </p:cNvSpPr>
+          <p:nvPr>
+            <p:ph idx="1"/>
+          </p:nvPr>
+        </p:nvSpPr>
+        <p:spPr/>
+        <p:txBody>
+          <a:bodyPr>
+            <a:normAutofit/>
+          </a:bodyPr>
+          <a:lstStyle/>
+          <a:p>
+            <a:pPr marL="0" indent="0">
+              <a:buNone/>
+            </a:pPr>
+            <a:endParaRPr lang="en-US" altLang="zh-TW" sz="2800"/>
+          </a:p>
+          <a:p>
+            <a:pPr marL="0" indent="0">
+              <a:buNone/>
+            </a:pPr>
+            <a:r>
+              <a:rPr lang="en-US" altLang="zh-TW" sz="2800"/>
+              <a:t>st.remove(element) </a:t>
+            </a:r>
+            <a:r>
+              <a:rPr lang="zh-TW" altLang="en-US" sz="2800"/>
+              <a:t>→ 從集合 </a:t>
+            </a:r>
+            <a:r>
+              <a:rPr lang="en-US" altLang="zh-TW" sz="2800"/>
+              <a:t>st </a:t>
+            </a:r>
+            <a:r>
+              <a:rPr lang="zh-TW" altLang="en-US" sz="2800"/>
+              <a:t>中移除元素</a:t>
+            </a:r>
+            <a:endParaRPr lang="en-US" altLang="zh-TW" sz="2800"/>
+          </a:p>
+          <a:p>
+            <a:pPr marL="0" indent="0">
+              <a:buNone/>
+            </a:pPr>
+            <a:r>
+              <a:rPr lang="en-US" altLang="zh-TW" sz="2800"/>
+              <a:t>	</a:t>
+            </a:r>
+            <a:r>
+              <a:rPr lang="zh-TW" altLang="en-US" sz="2800">
+                <a:solidFill>
+                  <a:schemeClr val="bg1">
+                    <a:lumMod val="65000"/>
+                  </a:schemeClr>
+                </a:solidFill>
+              </a:rPr>
+              <a:t>（必須是集合中有的元素）</a:t>
+            </a:r>
+            <a:endParaRPr lang="en-US" altLang="zh-TW" sz="2800">
+              <a:solidFill>
+                <a:schemeClr val="bg1">
+                  <a:lumMod val="65000"/>
+                </a:schemeClr>
+              </a:solidFill>
+            </a:endParaRPr>
+          </a:p>
+          <a:p>
+            <a:pPr marL="0" indent="0">
+              <a:buNone/>
+            </a:pPr>
+            <a:r>
+              <a:rPr lang="en-US" altLang="zh-TW" sz="2800"/>
+              <a:t>st.discard(any) </a:t>
+            </a:r>
+            <a:r>
+              <a:rPr lang="zh-TW" altLang="en-US" sz="2800"/>
+              <a:t>→ 從集合 </a:t>
+            </a:r>
+            <a:r>
+              <a:rPr lang="en-US" altLang="zh-TW" sz="2800"/>
+              <a:t>st </a:t>
+            </a:r>
+            <a:r>
+              <a:rPr lang="zh-TW" altLang="en-US" sz="2800"/>
+              <a:t>中移除元素</a:t>
+            </a:r>
+            <a:endParaRPr lang="en-US" altLang="zh-TW" sz="2800"/>
+          </a:p>
+          <a:p>
+            <a:pPr marL="0" indent="0">
+              <a:buNone/>
+            </a:pPr>
+            <a:r>
+              <a:rPr lang="en-US" altLang="zh-TW" sz="2800"/>
+              <a:t>	</a:t>
+            </a:r>
+            <a:r>
+              <a:rPr lang="zh-TW" altLang="en-US" sz="2800">
+                <a:solidFill>
+                  <a:schemeClr val="bg1">
+                    <a:lumMod val="65000"/>
+                  </a:schemeClr>
+                </a:solidFill>
+              </a:rPr>
+              <a:t>（若無該元素，</a:t>
+            </a:r>
+            <a:r>
+              <a:rPr lang="en-US" altLang="zh-TW" sz="2800">
+                <a:solidFill>
+                  <a:schemeClr val="bg1">
+                    <a:lumMod val="65000"/>
+                  </a:schemeClr>
+                </a:solidFill>
+              </a:rPr>
+              <a:t>do nothing</a:t>
+            </a:r>
+            <a:r>
+              <a:rPr lang="zh-TW" altLang="en-US" sz="2800">
+                <a:solidFill>
+                  <a:schemeClr val="bg1">
+                    <a:lumMod val="65000"/>
+                  </a:schemeClr>
+                </a:solidFill>
+              </a:rPr>
+              <a:t>）</a:t>
+            </a:r>
+            <a:endParaRPr lang="en-US" altLang="zh-TW" sz="2800">
+              <a:solidFill>
+                <a:schemeClr val="bg1">
+                  <a:lumMod val="65000"/>
+                </a:schemeClr>
+              </a:solidFill>
+            </a:endParaRPr>
+          </a:p>
+        </p:txBody>
+      </p:sp>
+    </p:spTree>
+    <p:extLst>
+      <p:ext uri="{BB962C8B-B14F-4D97-AF65-F5344CB8AC3E}">
+        <p14:creationId xmlns:p14="http://schemas.microsoft.com/office/powerpoint/2010/main" val="2418263127"/>
+      </p:ext>
+    </p:extLst>
+  </p:cSld>
+  <p:clrMapOvr>
+    <a:masterClrMapping/>
+  </p:clrMapOvr>
+</p:sld>
+</file>
+
+<file path=ppt/slides/slide37.xml><?xml version="1.0" encoding="utf-8"?>
+<p:sld xmlns:a="http://schemas.openxmlformats.org/drawingml/2006/main" xmlns:r="http://schemas.openxmlformats.org/officeDocument/2006/relationships" xmlns:p="http://schemas.openxmlformats.org/presentationml/2006/main">
+  <p:cSld>
+    <p:spTree>
+      <p:nvGrpSpPr>
+        <p:cNvPr id="1" name=""/>
+        <p:cNvGrpSpPr/>
+        <p:nvPr/>
+      </p:nvGrpSpPr>
+      <p:grpSpPr>
+        <a:xfrm>
+          <a:off x="0" y="0"/>
+          <a:ext cx="0" cy="0"/>
+          <a:chOff x="0" y="0"/>
+          <a:chExt cx="0" cy="0"/>
+        </a:xfrm>
+      </p:grpSpPr>
+      <p:sp>
+        <p:nvSpPr>
+          <p:cNvPr id="2" name="標題 1">
+            <a:extLst>
+              <a:ext uri="{FF2B5EF4-FFF2-40B4-BE49-F238E27FC236}">
+                <a16:creationId xmlns:a16="http://schemas.microsoft.com/office/drawing/2014/main" id="{104FFE16-5EE4-408C-8C6B-BF5E0AFAD48C}"/>
+              </a:ext>
+            </a:extLst>
+          </p:cNvPr>
+          <p:cNvSpPr>
+            <a:spLocks noGrp="1"/>
+          </p:cNvSpPr>
+          <p:nvPr>
+            <p:ph type="title"/>
+          </p:nvPr>
+        </p:nvSpPr>
+        <p:spPr/>
+        <p:txBody>
+          <a:bodyPr/>
+          <a:lstStyle/>
+          <a:p>
+            <a:r>
+              <a:rPr lang="zh-TW" altLang="en-US"/>
+              <a:t>集合運算</a:t>
+            </a:r>
+          </a:p>
+        </p:txBody>
+      </p:sp>
+      <p:graphicFrame>
+        <p:nvGraphicFramePr>
+          <p:cNvPr id="4" name="內容版面配置區 3">
+            <a:extLst>
+              <a:ext uri="{FF2B5EF4-FFF2-40B4-BE49-F238E27FC236}">
+                <a16:creationId xmlns:a16="http://schemas.microsoft.com/office/drawing/2014/main" id="{D1CAC5E1-D370-4E39-B6CF-4F6A058ABFC6}"/>
+              </a:ext>
+            </a:extLst>
+          </p:cNvPr>
+          <p:cNvGraphicFramePr>
+            <a:graphicFrameLocks noGrp="1"/>
+          </p:cNvGraphicFramePr>
+          <p:nvPr>
+            <p:ph idx="1"/>
+            <p:extLst>
+              <p:ext uri="{D42A27DB-BD31-4B8C-83A1-F6EECF244321}">
+                <p14:modId xmlns:p14="http://schemas.microsoft.com/office/powerpoint/2010/main" val="498384068"/>
+              </p:ext>
+            </p:extLst>
+          </p:nvPr>
+        </p:nvGraphicFramePr>
+        <p:xfrm>
+          <a:off x="1262063" y="1828800"/>
+          <a:ext cx="7935377" cy="4114800"/>
+        </p:xfrm>
+        <a:graphic>
+          <a:graphicData uri="http://schemas.openxmlformats.org/drawingml/2006/table">
+            <a:tbl>
+              <a:tblPr firstRow="1" bandRow="1">
+                <a:tableStyleId>{5C22544A-7EE6-4342-B048-85BDC9FD1C3A}</a:tableStyleId>
+              </a:tblPr>
+              <a:tblGrid>
+                <a:gridCol w="1807708">
+                  <a:extLst>
+                    <a:ext uri="{9D8B030D-6E8A-4147-A177-3AD203B41FA5}">
+                      <a16:colId xmlns:a16="http://schemas.microsoft.com/office/drawing/2014/main" val="2989612327"/>
+                    </a:ext>
+                  </a:extLst>
+                </a:gridCol>
+                <a:gridCol w="1638795">
+                  <a:extLst>
+                    <a:ext uri="{9D8B030D-6E8A-4147-A177-3AD203B41FA5}">
+                      <a16:colId xmlns:a16="http://schemas.microsoft.com/office/drawing/2014/main" val="1329272"/>
+                    </a:ext>
+                  </a:extLst>
+                </a:gridCol>
+                <a:gridCol w="4488874">
+                  <a:extLst>
+                    <a:ext uri="{9D8B030D-6E8A-4147-A177-3AD203B41FA5}">
+                      <a16:colId xmlns:a16="http://schemas.microsoft.com/office/drawing/2014/main" val="1194926875"/>
+                    </a:ext>
+                  </a:extLst>
+                </a:gridCol>
+              </a:tblGrid>
+              <a:tr h="370840">
+                <a:tc>
+                  <a:txBody>
+                    <a:bodyPr/>
+                    <a:lstStyle/>
+                    <a:p>
+                      <a:pPr algn="ctr"/>
+                      <a:r>
+                        <a:rPr lang="zh-TW" altLang="en-US" sz="2400"/>
+                        <a:t>運算</a:t>
+                      </a:r>
+                    </a:p>
+                  </a:txBody>
+                  <a:tcPr anchor="ctr"/>
+                </a:tc>
+                <a:tc>
+                  <a:txBody>
+                    <a:bodyPr/>
+                    <a:lstStyle/>
+                    <a:p>
+                      <a:pPr algn="ctr"/>
+                      <a:r>
+                        <a:rPr lang="zh-TW" altLang="en-US" sz="2400"/>
+                        <a:t>運算子</a:t>
+                      </a:r>
+                    </a:p>
+                  </a:txBody>
+                  <a:tcPr anchor="ctr"/>
+                </a:tc>
+                <a:tc>
+                  <a:txBody>
+                    <a:bodyPr/>
+                    <a:lstStyle/>
+                    <a:p>
+                      <a:pPr algn="ctr"/>
+                      <a:r>
+                        <a:rPr lang="zh-TW" altLang="en-US" sz="2400"/>
+                        <a:t>函數</a:t>
+                      </a:r>
+                    </a:p>
+                  </a:txBody>
+                  <a:tcPr anchor="ctr"/>
+                </a:tc>
+                <a:extLst>
+                  <a:ext uri="{0D108BD9-81ED-4DB2-BD59-A6C34878D82A}">
+                    <a16:rowId xmlns:a16="http://schemas.microsoft.com/office/drawing/2014/main" val="3573338247"/>
+                  </a:ext>
+                </a:extLst>
+              </a:tr>
+              <a:tr h="370840">
+                <a:tc>
+                  <a:txBody>
+                    <a:bodyPr/>
+                    <a:lstStyle/>
+                    <a:p>
+                      <a:pPr algn="ctr"/>
+                      <a:r>
+                        <a:rPr lang="zh-TW" altLang="en-US" sz="2400"/>
+                        <a:t>交集</a:t>
+                      </a:r>
+                    </a:p>
+                  </a:txBody>
+                  <a:tcPr anchor="ctr"/>
+                </a:tc>
+                <a:tc>
+                  <a:txBody>
+                    <a:bodyPr/>
+                    <a:lstStyle/>
+                    <a:p>
+                      <a:pPr algn="ctr"/>
+                      <a:r>
+                        <a:rPr lang="en-US" altLang="zh-TW" sz="2400"/>
+                        <a:t>&amp;</a:t>
+                      </a:r>
+                      <a:endParaRPr lang="zh-TW" altLang="en-US" sz="2400"/>
+                    </a:p>
+                  </a:txBody>
+                  <a:tcPr anchor="ctr"/>
+                </a:tc>
+                <a:tc>
+                  <a:txBody>
+                    <a:bodyPr/>
+                    <a:lstStyle/>
+                    <a:p>
+                      <a:r>
+                        <a:rPr lang="en-US" altLang="zh-TW" sz="2400"/>
+                        <a:t>intersection()</a:t>
+                      </a:r>
+                      <a:endParaRPr lang="zh-TW" altLang="en-US" sz="2400"/>
+                    </a:p>
+                  </a:txBody>
+                  <a:tcPr anchor="ctr"/>
+                </a:tc>
+                <a:extLst>
+                  <a:ext uri="{0D108BD9-81ED-4DB2-BD59-A6C34878D82A}">
+                    <a16:rowId xmlns:a16="http://schemas.microsoft.com/office/drawing/2014/main" val="3261345095"/>
+                  </a:ext>
+                </a:extLst>
+              </a:tr>
+              <a:tr h="370840">
+                <a:tc>
+                  <a:txBody>
+                    <a:bodyPr/>
+                    <a:lstStyle/>
+                    <a:p>
+                      <a:pPr algn="ctr"/>
+                      <a:r>
+                        <a:rPr lang="zh-TW" altLang="en-US" sz="2400"/>
+                        <a:t>聯集</a:t>
+                      </a:r>
+                    </a:p>
+                  </a:txBody>
+                  <a:tcPr anchor="ctr"/>
+                </a:tc>
+                <a:tc>
+                  <a:txBody>
+                    <a:bodyPr/>
+                    <a:lstStyle/>
+                    <a:p>
+                      <a:pPr algn="ctr"/>
+                      <a:r>
+                        <a:rPr lang="en-US" altLang="zh-TW" sz="2400"/>
+                        <a:t>|</a:t>
+                      </a:r>
+                      <a:endParaRPr lang="zh-TW" altLang="en-US" sz="2400"/>
+                    </a:p>
+                  </a:txBody>
+                  <a:tcPr anchor="ctr"/>
+                </a:tc>
+                <a:tc>
+                  <a:txBody>
+                    <a:bodyPr/>
+                    <a:lstStyle/>
+                    <a:p>
+                      <a:r>
+                        <a:rPr lang="en-US" altLang="zh-TW" sz="2400"/>
+                        <a:t>union()</a:t>
+                      </a:r>
+                      <a:endParaRPr lang="zh-TW" altLang="en-US" sz="2400"/>
+                    </a:p>
+                  </a:txBody>
+                  <a:tcPr anchor="ctr"/>
+                </a:tc>
+                <a:extLst>
+                  <a:ext uri="{0D108BD9-81ED-4DB2-BD59-A6C34878D82A}">
+                    <a16:rowId xmlns:a16="http://schemas.microsoft.com/office/drawing/2014/main" val="1945967710"/>
+                  </a:ext>
+                </a:extLst>
+              </a:tr>
+              <a:tr h="370840">
+                <a:tc>
+                  <a:txBody>
+                    <a:bodyPr/>
+                    <a:lstStyle/>
+                    <a:p>
+                      <a:pPr algn="ctr"/>
+                      <a:r>
+                        <a:rPr lang="zh-TW" altLang="en-US" sz="2400"/>
+                        <a:t>差集</a:t>
+                      </a:r>
+                    </a:p>
+                  </a:txBody>
+                  <a:tcPr anchor="ctr"/>
+                </a:tc>
+                <a:tc>
+                  <a:txBody>
+                    <a:bodyPr/>
+                    <a:lstStyle/>
+                    <a:p>
+                      <a:pPr algn="ctr"/>
+                      <a:r>
+                        <a:rPr lang="en-US" altLang="zh-TW" sz="2400"/>
+                        <a:t>-</a:t>
+                      </a:r>
+                      <a:endParaRPr lang="zh-TW" altLang="en-US" sz="2400"/>
+                    </a:p>
+                  </a:txBody>
+                  <a:tcPr anchor="ctr"/>
+                </a:tc>
+                <a:tc>
+                  <a:txBody>
+                    <a:bodyPr/>
+                    <a:lstStyle/>
+                    <a:p>
+                      <a:r>
+                        <a:rPr lang="en-US" altLang="zh-TW" sz="2400"/>
+                        <a:t>difference()</a:t>
+                      </a:r>
+                      <a:endParaRPr lang="zh-TW" altLang="en-US" sz="2400"/>
+                    </a:p>
+                  </a:txBody>
+                  <a:tcPr anchor="ctr"/>
+                </a:tc>
+                <a:extLst>
+                  <a:ext uri="{0D108BD9-81ED-4DB2-BD59-A6C34878D82A}">
+                    <a16:rowId xmlns:a16="http://schemas.microsoft.com/office/drawing/2014/main" val="991832376"/>
+                  </a:ext>
+                </a:extLst>
+              </a:tr>
+              <a:tr h="370840">
+                <a:tc>
+                  <a:txBody>
+                    <a:bodyPr/>
+                    <a:lstStyle/>
+                    <a:p>
+                      <a:pPr algn="ctr"/>
+                      <a:r>
+                        <a:rPr lang="zh-TW" altLang="en-US" sz="2400"/>
+                        <a:t>對稱差集</a:t>
+                      </a:r>
+                    </a:p>
+                  </a:txBody>
+                  <a:tcPr anchor="ctr"/>
+                </a:tc>
+                <a:tc>
+                  <a:txBody>
+                    <a:bodyPr/>
+                    <a:lstStyle/>
+                    <a:p>
+                      <a:pPr algn="ctr"/>
+                      <a:r>
+                        <a:rPr lang="en-US" altLang="zh-TW" sz="2400"/>
+                        <a:t>^</a:t>
+                      </a:r>
+                      <a:endParaRPr lang="zh-TW" altLang="en-US" sz="2400"/>
+                    </a:p>
+                  </a:txBody>
+                  <a:tcPr anchor="ctr"/>
+                </a:tc>
+                <a:tc>
+                  <a:txBody>
+                    <a:bodyPr/>
+                    <a:lstStyle/>
+                    <a:p>
+                      <a:r>
+                        <a:rPr lang="en-US" altLang="zh-TW" sz="2400"/>
+                        <a:t>symmetric_difference()</a:t>
+                      </a:r>
+                      <a:endParaRPr lang="zh-TW" altLang="en-US" sz="2400"/>
+                    </a:p>
+                  </a:txBody>
+                  <a:tcPr anchor="ctr"/>
+                </a:tc>
+                <a:extLst>
+                  <a:ext uri="{0D108BD9-81ED-4DB2-BD59-A6C34878D82A}">
+                    <a16:rowId xmlns:a16="http://schemas.microsoft.com/office/drawing/2014/main" val="1143487288"/>
+                  </a:ext>
+                </a:extLst>
+              </a:tr>
+              <a:tr h="370840">
+                <a:tc>
+                  <a:txBody>
+                    <a:bodyPr/>
+                    <a:lstStyle/>
+                    <a:p>
+                      <a:pPr algn="ctr"/>
+                      <a:r>
+                        <a:rPr lang="zh-TW" altLang="en-US" sz="2400"/>
+                        <a:t>等於</a:t>
+                      </a:r>
+                    </a:p>
+                  </a:txBody>
+                  <a:tcPr anchor="ctr"/>
+                </a:tc>
+                <a:tc>
+                  <a:txBody>
+                    <a:bodyPr/>
+                    <a:lstStyle/>
+                    <a:p>
+                      <a:pPr algn="ctr"/>
+                      <a:r>
+                        <a:rPr lang="en-US" altLang="zh-TW" sz="2400"/>
+                        <a:t>==</a:t>
+                      </a:r>
+                      <a:endParaRPr lang="zh-TW" altLang="en-US" sz="2400"/>
+                    </a:p>
+                  </a:txBody>
+                  <a:tcPr anchor="ctr"/>
+                </a:tc>
+                <a:tc>
+                  <a:txBody>
+                    <a:bodyPr/>
+                    <a:lstStyle/>
+                    <a:p>
+                      <a:endParaRPr lang="zh-TW" altLang="en-US" sz="2400"/>
+                    </a:p>
+                  </a:txBody>
+                  <a:tcPr anchor="ctr"/>
+                </a:tc>
+                <a:extLst>
+                  <a:ext uri="{0D108BD9-81ED-4DB2-BD59-A6C34878D82A}">
+                    <a16:rowId xmlns:a16="http://schemas.microsoft.com/office/drawing/2014/main" val="189079631"/>
+                  </a:ext>
+                </a:extLst>
+              </a:tr>
+              <a:tr h="370840">
+                <a:tc>
+                  <a:txBody>
+                    <a:bodyPr/>
+                    <a:lstStyle/>
+                    <a:p>
+                      <a:pPr algn="ctr"/>
+                      <a:r>
+                        <a:rPr lang="zh-TW" altLang="en-US" sz="2400"/>
+                        <a:t>不等於</a:t>
+                      </a:r>
+                    </a:p>
+                  </a:txBody>
+                  <a:tcPr anchor="ctr"/>
+                </a:tc>
+                <a:tc>
+                  <a:txBody>
+                    <a:bodyPr/>
+                    <a:lstStyle/>
+                    <a:p>
+                      <a:pPr algn="ctr"/>
+                      <a:r>
+                        <a:rPr lang="en-US" altLang="zh-TW" sz="2400"/>
+                        <a:t>!=</a:t>
+                      </a:r>
+                      <a:endParaRPr lang="zh-TW" altLang="en-US" sz="2400"/>
+                    </a:p>
+                  </a:txBody>
+                  <a:tcPr anchor="ctr"/>
+                </a:tc>
+                <a:tc>
+                  <a:txBody>
+                    <a:bodyPr/>
+                    <a:lstStyle/>
+                    <a:p>
+                      <a:endParaRPr lang="zh-TW" altLang="en-US" sz="2400"/>
+                    </a:p>
+                  </a:txBody>
+                  <a:tcPr anchor="ctr"/>
+                </a:tc>
+                <a:extLst>
+                  <a:ext uri="{0D108BD9-81ED-4DB2-BD59-A6C34878D82A}">
+                    <a16:rowId xmlns:a16="http://schemas.microsoft.com/office/drawing/2014/main" val="669147165"/>
+                  </a:ext>
+                </a:extLst>
+              </a:tr>
+              <a:tr h="370840">
+                <a:tc>
+                  <a:txBody>
+                    <a:bodyPr/>
+                    <a:lstStyle/>
+                    <a:p>
+                      <a:pPr algn="ctr"/>
+                      <a:r>
+                        <a:rPr lang="zh-TW" altLang="en-US" sz="2400"/>
+                        <a:t>屬於</a:t>
+                      </a:r>
+                    </a:p>
+                  </a:txBody>
+                  <a:tcPr anchor="ctr"/>
+                </a:tc>
+                <a:tc>
+                  <a:txBody>
+                    <a:bodyPr/>
+                    <a:lstStyle/>
+                    <a:p>
+                      <a:pPr algn="ctr"/>
+                      <a:r>
+                        <a:rPr lang="en-US" altLang="zh-TW" sz="2400"/>
+                        <a:t>in</a:t>
+                      </a:r>
+                      <a:endParaRPr lang="zh-TW" altLang="en-US" sz="2400"/>
+                    </a:p>
+                  </a:txBody>
+                  <a:tcPr anchor="ctr"/>
+                </a:tc>
+                <a:tc>
+                  <a:txBody>
+                    <a:bodyPr/>
+                    <a:lstStyle/>
+                    <a:p>
+                      <a:endParaRPr lang="zh-TW" altLang="en-US" sz="2400"/>
+                    </a:p>
+                  </a:txBody>
+                  <a:tcPr anchor="ctr"/>
+                </a:tc>
+                <a:extLst>
+                  <a:ext uri="{0D108BD9-81ED-4DB2-BD59-A6C34878D82A}">
+                    <a16:rowId xmlns:a16="http://schemas.microsoft.com/office/drawing/2014/main" val="2742959101"/>
+                  </a:ext>
+                </a:extLst>
+              </a:tr>
+              <a:tr h="370840">
+                <a:tc>
+                  <a:txBody>
+                    <a:bodyPr/>
+                    <a:lstStyle/>
+                    <a:p>
+                      <a:pPr algn="ctr"/>
+                      <a:r>
+                        <a:rPr lang="zh-TW" altLang="en-US" sz="2400"/>
+                        <a:t>不屬於</a:t>
+                      </a:r>
+                    </a:p>
+                  </a:txBody>
+                  <a:tcPr anchor="ctr"/>
+                </a:tc>
+                <a:tc>
+                  <a:txBody>
+                    <a:bodyPr/>
+                    <a:lstStyle/>
+                    <a:p>
+                      <a:pPr algn="ctr"/>
+                      <a:r>
+                        <a:rPr lang="en-US" altLang="zh-TW" sz="2400"/>
+                        <a:t>not in</a:t>
+                      </a:r>
+                      <a:endParaRPr lang="zh-TW" altLang="en-US" sz="2400"/>
+                    </a:p>
+                  </a:txBody>
+                  <a:tcPr anchor="ctr"/>
+                </a:tc>
+                <a:tc>
+                  <a:txBody>
+                    <a:bodyPr/>
+                    <a:lstStyle/>
+                    <a:p>
+                      <a:endParaRPr lang="zh-TW" altLang="en-US" sz="2400"/>
+                    </a:p>
+                  </a:txBody>
+                  <a:tcPr anchor="ctr"/>
+                </a:tc>
+                <a:extLst>
+                  <a:ext uri="{0D108BD9-81ED-4DB2-BD59-A6C34878D82A}">
+                    <a16:rowId xmlns:a16="http://schemas.microsoft.com/office/drawing/2014/main" val="3548597118"/>
+                  </a:ext>
+                </a:extLst>
+              </a:tr>
+            </a:tbl>
+          </a:graphicData>
+        </a:graphic>
+      </p:graphicFrame>
+    </p:spTree>
+    <p:extLst>
+      <p:ext uri="{BB962C8B-B14F-4D97-AF65-F5344CB8AC3E}">
+        <p14:creationId xmlns:p14="http://schemas.microsoft.com/office/powerpoint/2010/main" val="4030473730"/>
+      </p:ext>
+    </p:extLst>
+  </p:cSld>
+  <p:clrMapOvr>
+    <a:masterClrMapping/>
+  </p:clrMapOvr>
+</p:sld>
+</file>
+
+<file path=ppt/slides/slide38.xml><?xml version="1.0" encoding="utf-8"?>
+<p:sld xmlns:a="http://schemas.openxmlformats.org/drawingml/2006/main" xmlns:r="http://schemas.openxmlformats.org/officeDocument/2006/relationships" xmlns:p="http://schemas.openxmlformats.org/presentationml/2006/main">
+  <p:cSld>
+    <p:spTree>
+      <p:nvGrpSpPr>
+        <p:cNvPr id="1" name=""/>
+        <p:cNvGrpSpPr/>
+        <p:nvPr/>
+      </p:nvGrpSpPr>
+      <p:grpSpPr>
+        <a:xfrm>
+          <a:off x="0" y="0"/>
+          <a:ext cx="0" cy="0"/>
+          <a:chOff x="0" y="0"/>
+          <a:chExt cx="0" cy="0"/>
+        </a:xfrm>
+      </p:grpSpPr>
+      <p:sp>
+        <p:nvSpPr>
+          <p:cNvPr id="2" name="標題 1">
+            <a:extLst>
+              <a:ext uri="{FF2B5EF4-FFF2-40B4-BE49-F238E27FC236}">
+                <a16:creationId xmlns:a16="http://schemas.microsoft.com/office/drawing/2014/main" id="{58993942-AC57-46E2-986F-A8D6DBF68CE9}"/>
+              </a:ext>
+            </a:extLst>
+          </p:cNvPr>
+          <p:cNvSpPr>
+            <a:spLocks noGrp="1"/>
+          </p:cNvSpPr>
+          <p:nvPr>
+            <p:ph type="title"/>
+          </p:nvPr>
+        </p:nvSpPr>
+        <p:spPr/>
+        <p:txBody>
+          <a:bodyPr/>
+          <a:lstStyle/>
+          <a:p>
+            <a:r>
+              <a:rPr lang="zh-TW" altLang="en-US"/>
+              <a:t>字典 </a:t>
+            </a:r>
+            <a:r>
+              <a:rPr lang="en-US" altLang="zh-TW"/>
+              <a:t>dict</a:t>
+            </a:r>
+            <a:endParaRPr lang="zh-TW" altLang="en-US"/>
+          </a:p>
+        </p:txBody>
+      </p:sp>
+      <p:sp>
+        <p:nvSpPr>
+          <p:cNvPr id="3" name="內容版面配置區 2">
+            <a:extLst>
+              <a:ext uri="{FF2B5EF4-FFF2-40B4-BE49-F238E27FC236}">
+                <a16:creationId xmlns:a16="http://schemas.microsoft.com/office/drawing/2014/main" id="{7493D3B4-DDD3-4FB0-9646-F96F475A6A7F}"/>
+              </a:ext>
+            </a:extLst>
+          </p:cNvPr>
+          <p:cNvSpPr>
+            <a:spLocks noGrp="1"/>
+          </p:cNvSpPr>
+          <p:nvPr>
+            <p:ph idx="1"/>
+          </p:nvPr>
+        </p:nvSpPr>
+        <p:spPr/>
+        <p:txBody>
+          <a:bodyPr>
+            <a:normAutofit/>
+          </a:bodyPr>
+          <a:lstStyle/>
+          <a:p>
+            <a:pPr marL="0" indent="0">
+              <a:buNone/>
+            </a:pPr>
+            <a:endParaRPr lang="en-US" altLang="zh-TW" sz="2800"/>
+          </a:p>
+          <a:p>
+            <a:pPr marL="0" indent="0">
+              <a:buNone/>
+            </a:pPr>
+            <a:r>
+              <a:rPr lang="en-US" altLang="zh-TW" sz="2800"/>
+              <a:t>dic = {</a:t>
+            </a:r>
+            <a:r>
+              <a:rPr lang="en-US" altLang="zh-TW" sz="2800">
+                <a:solidFill>
+                  <a:srgbClr val="FF0000"/>
+                </a:solidFill>
+              </a:rPr>
+              <a:t>1:</a:t>
+            </a:r>
+            <a:r>
+              <a:rPr lang="en-US" altLang="zh-TW" sz="2800"/>
+              <a:t> </a:t>
+            </a:r>
+            <a:r>
+              <a:rPr lang="en-US" altLang="zh-TW" sz="2800">
+                <a:solidFill>
+                  <a:srgbClr val="0070C0"/>
+                </a:solidFill>
+              </a:rPr>
+              <a:t>True</a:t>
+            </a:r>
+            <a:r>
+              <a:rPr lang="en-US" altLang="zh-TW" sz="2800"/>
+              <a:t>, </a:t>
+            </a:r>
+            <a:r>
+              <a:rPr lang="en-US" altLang="zh-TW" sz="2800">
+                <a:solidFill>
+                  <a:srgbClr val="FF0000"/>
+                </a:solidFill>
+              </a:rPr>
+              <a:t>"a": </a:t>
+            </a:r>
+            <a:r>
+              <a:rPr lang="en-US" altLang="zh-TW" sz="2800">
+                <a:solidFill>
+                  <a:srgbClr val="0070C0"/>
+                </a:solidFill>
+              </a:rPr>
+              <a:t>[0, 2]</a:t>
+            </a:r>
+            <a:r>
+              <a:rPr lang="en-US" altLang="zh-TW" sz="2800"/>
+              <a:t>, </a:t>
+            </a:r>
+            <a:r>
+              <a:rPr lang="en-US" altLang="zh-TW" sz="2800">
+                <a:solidFill>
+                  <a:srgbClr val="FF0000"/>
+                </a:solidFill>
+              </a:rPr>
+              <a:t>2: </a:t>
+            </a:r>
+            <a:r>
+              <a:rPr lang="en-US" altLang="zh-TW" sz="2800">
+                <a:solidFill>
+                  <a:srgbClr val="0070C0"/>
+                </a:solidFill>
+              </a:rPr>
+              <a:t>{0: 0}</a:t>
+            </a:r>
+            <a:r>
+              <a:rPr lang="en-US" altLang="zh-TW" sz="2800"/>
+              <a:t>}</a:t>
+            </a:r>
+          </a:p>
+          <a:p>
+            <a:pPr marL="0" indent="0">
+              <a:buNone/>
+            </a:pPr>
+            <a:endParaRPr lang="en-US" altLang="zh-TW" sz="2800"/>
+          </a:p>
+          <a:p>
+            <a:pPr marL="0" indent="0">
+              <a:buNone/>
+            </a:pPr>
+            <a:r>
+              <a:rPr lang="zh-TW" altLang="en-US" sz="2800">
+                <a:solidFill>
+                  <a:srgbClr val="FF0000"/>
+                </a:solidFill>
+              </a:rPr>
+              <a:t>鍵 </a:t>
+            </a:r>
+            <a:r>
+              <a:rPr lang="en-US" altLang="zh-TW" sz="2800">
+                <a:solidFill>
+                  <a:srgbClr val="FF0000"/>
+                </a:solidFill>
+              </a:rPr>
+              <a:t>key</a:t>
+            </a:r>
+            <a:r>
+              <a:rPr lang="zh-TW" altLang="en-US" sz="2800"/>
+              <a:t>：唯一、無序</a:t>
+            </a:r>
+            <a:endParaRPr lang="en-US" altLang="zh-TW" sz="2800"/>
+          </a:p>
+          <a:p>
+            <a:pPr marL="0" indent="0">
+              <a:buNone/>
+            </a:pPr>
+            <a:r>
+              <a:rPr lang="zh-TW" altLang="en-US" sz="2800">
+                <a:solidFill>
+                  <a:srgbClr val="0070C0"/>
+                </a:solidFill>
+              </a:rPr>
+              <a:t>值 </a:t>
+            </a:r>
+            <a:r>
+              <a:rPr lang="en-US" altLang="zh-TW" sz="2800">
+                <a:solidFill>
+                  <a:srgbClr val="0070C0"/>
+                </a:solidFill>
+              </a:rPr>
+              <a:t>value</a:t>
+            </a:r>
+            <a:r>
+              <a:rPr lang="zh-TW" altLang="en-US" sz="2800"/>
+              <a:t>：可變更、可重複</a:t>
+            </a:r>
+            <a:endParaRPr lang="en-US" altLang="zh-TW" sz="2800"/>
+          </a:p>
+          <a:p>
+            <a:pPr marL="0" indent="0">
+              <a:buNone/>
+            </a:pPr>
+            <a:r>
+              <a:rPr lang="zh-TW" altLang="en-US" sz="2800"/>
+              <a:t>每個 </a:t>
+            </a:r>
+            <a:r>
+              <a:rPr lang="en-US" altLang="zh-TW" sz="2800"/>
+              <a:t>key </a:t>
+            </a:r>
+            <a:r>
+              <a:rPr lang="zh-TW" altLang="en-US" sz="2800"/>
+              <a:t>一定要對應到一個 </a:t>
+            </a:r>
+            <a:r>
+              <a:rPr lang="en-US" altLang="zh-TW" sz="2800"/>
+              <a:t>value</a:t>
+            </a:r>
+          </a:p>
+        </p:txBody>
+      </p:sp>
+    </p:spTree>
+    <p:extLst>
+      <p:ext uri="{BB962C8B-B14F-4D97-AF65-F5344CB8AC3E}">
+        <p14:creationId xmlns:p14="http://schemas.microsoft.com/office/powerpoint/2010/main" val="417277999"/>
+      </p:ext>
+    </p:extLst>
+  </p:cSld>
+  <p:clrMapOvr>
+    <a:masterClrMapping/>
+  </p:clrMapOvr>
+</p:sld>
+</file>
+
+<file path=ppt/slides/slide39.xml><?xml version="1.0" encoding="utf-8"?>
+<p:sld xmlns:a="http://schemas.openxmlformats.org/drawingml/2006/main" xmlns:r="http://schemas.openxmlformats.org/officeDocument/2006/relationships" xmlns:p="http://schemas.openxmlformats.org/presentationml/2006/main">
+  <p:cSld>
+    <p:spTree>
+      <p:nvGrpSpPr>
+        <p:cNvPr id="1" name=""/>
+        <p:cNvGrpSpPr/>
+        <p:nvPr/>
+      </p:nvGrpSpPr>
+      <p:grpSpPr>
+        <a:xfrm>
+          <a:off x="0" y="0"/>
+          <a:ext cx="0" cy="0"/>
+          <a:chOff x="0" y="0"/>
+          <a:chExt cx="0" cy="0"/>
+        </a:xfrm>
+      </p:grpSpPr>
+      <p:sp>
+        <p:nvSpPr>
+          <p:cNvPr id="2" name="標題 1">
+            <a:extLst>
+              <a:ext uri="{FF2B5EF4-FFF2-40B4-BE49-F238E27FC236}">
+                <a16:creationId xmlns:a16="http://schemas.microsoft.com/office/drawing/2014/main" id="{58993942-AC57-46E2-986F-A8D6DBF68CE9}"/>
+              </a:ext>
+            </a:extLst>
+          </p:cNvPr>
+          <p:cNvSpPr>
+            <a:spLocks noGrp="1"/>
+          </p:cNvSpPr>
+          <p:nvPr>
+            <p:ph type="title"/>
+          </p:nvPr>
+        </p:nvSpPr>
+        <p:spPr/>
+        <p:txBody>
+          <a:bodyPr/>
+          <a:lstStyle/>
+          <a:p>
+            <a:r>
+              <a:rPr lang="zh-TW" altLang="en-US"/>
+              <a:t>取值 </a:t>
+            </a:r>
+            <a:r>
+              <a:rPr lang="en-US" altLang="zh-TW"/>
+              <a:t>- </a:t>
+            </a:r>
+            <a:r>
+              <a:rPr lang="zh-TW" altLang="en-US"/>
+              <a:t>直接取值</a:t>
+            </a:r>
+          </a:p>
+        </p:txBody>
+      </p:sp>
+      <p:sp>
+        <p:nvSpPr>
+          <p:cNvPr id="3" name="內容版面配置區 2">
+            <a:extLst>
+              <a:ext uri="{FF2B5EF4-FFF2-40B4-BE49-F238E27FC236}">
+                <a16:creationId xmlns:a16="http://schemas.microsoft.com/office/drawing/2014/main" id="{7493D3B4-DDD3-4FB0-9646-F96F475A6A7F}"/>
+              </a:ext>
+            </a:extLst>
+          </p:cNvPr>
+          <p:cNvSpPr>
+            <a:spLocks noGrp="1"/>
+          </p:cNvSpPr>
+          <p:nvPr>
+            <p:ph idx="1"/>
+          </p:nvPr>
+        </p:nvSpPr>
+        <p:spPr/>
+        <p:txBody>
+          <a:bodyPr>
+            <a:normAutofit/>
+          </a:bodyPr>
+          <a:lstStyle/>
+          <a:p>
+            <a:pPr marL="0" indent="0">
+              <a:buNone/>
+            </a:pPr>
+            <a:endParaRPr lang="en-US" altLang="zh-TW" sz="2800"/>
+          </a:p>
+          <a:p>
+            <a:pPr marL="0" indent="0">
+              <a:buNone/>
+            </a:pPr>
+            <a:r>
+              <a:rPr lang="en-US" altLang="zh-TW" sz="2800"/>
+              <a:t>dic = {</a:t>
+            </a:r>
+            <a:r>
+              <a:rPr lang="en-US" altLang="zh-TW" sz="2800">
+                <a:solidFill>
+                  <a:srgbClr val="FF0000"/>
+                </a:solidFill>
+              </a:rPr>
+              <a:t>1</a:t>
+            </a:r>
+            <a:r>
+              <a:rPr lang="en-US" altLang="zh-TW" sz="2800"/>
+              <a:t>: </a:t>
+            </a:r>
+            <a:r>
+              <a:rPr lang="en-US" altLang="zh-TW" sz="2800">
+                <a:solidFill>
+                  <a:srgbClr val="0070C0"/>
+                </a:solidFill>
+              </a:rPr>
+              <a:t>True</a:t>
+            </a:r>
+            <a:r>
+              <a:rPr lang="en-US" altLang="zh-TW" sz="2800"/>
+              <a:t>, </a:t>
+            </a:r>
+            <a:r>
+              <a:rPr lang="en-US" altLang="zh-TW" sz="2800">
+                <a:solidFill>
+                  <a:srgbClr val="FF0000"/>
+                </a:solidFill>
+              </a:rPr>
+              <a:t>"a"</a:t>
+            </a:r>
+            <a:r>
+              <a:rPr lang="en-US" altLang="zh-TW" sz="2800"/>
+              <a:t>:</a:t>
+            </a:r>
+            <a:r>
+              <a:rPr lang="en-US" altLang="zh-TW" sz="2800">
+                <a:solidFill>
+                  <a:srgbClr val="FF0000"/>
+                </a:solidFill>
+              </a:rPr>
+              <a:t> </a:t>
+            </a:r>
+            <a:r>
+              <a:rPr lang="en-US" altLang="zh-TW" sz="2800">
+                <a:solidFill>
+                  <a:srgbClr val="0070C0"/>
+                </a:solidFill>
+              </a:rPr>
+              <a:t>[0, 2]</a:t>
+            </a:r>
+            <a:r>
+              <a:rPr lang="en-US" altLang="zh-TW" sz="2800"/>
+              <a:t>, </a:t>
+            </a:r>
+            <a:r>
+              <a:rPr lang="en-US" altLang="zh-TW" sz="2800">
+                <a:solidFill>
+                  <a:srgbClr val="FF0000"/>
+                </a:solidFill>
+              </a:rPr>
+              <a:t>2</a:t>
+            </a:r>
+            <a:r>
+              <a:rPr lang="en-US" altLang="zh-TW" sz="2800"/>
+              <a:t>:</a:t>
+            </a:r>
+            <a:r>
+              <a:rPr lang="en-US" altLang="zh-TW" sz="2800">
+                <a:solidFill>
+                  <a:srgbClr val="FF0000"/>
+                </a:solidFill>
+              </a:rPr>
+              <a:t> </a:t>
+            </a:r>
+            <a:r>
+              <a:rPr lang="en-US" altLang="zh-TW" sz="2800">
+                <a:solidFill>
+                  <a:srgbClr val="0070C0"/>
+                </a:solidFill>
+              </a:rPr>
+              <a:t>{0: 0}</a:t>
+            </a:r>
+            <a:r>
+              <a:rPr lang="en-US" altLang="zh-TW" sz="2800"/>
+              <a:t>}</a:t>
+            </a:r>
+          </a:p>
+          <a:p>
+            <a:pPr marL="0" indent="0">
+              <a:buNone/>
+            </a:pPr>
+            <a:endParaRPr lang="en-US" altLang="zh-TW" sz="2800"/>
+          </a:p>
+          <a:p>
+            <a:pPr marL="0" indent="0">
+              <a:buNone/>
+            </a:pPr>
+            <a:r>
+              <a:rPr lang="en-US" altLang="zh-TW" sz="2800"/>
+              <a:t>dic[</a:t>
+            </a:r>
+            <a:r>
+              <a:rPr lang="en-US" altLang="zh-TW" sz="2800">
+                <a:solidFill>
+                  <a:srgbClr val="FF0000"/>
+                </a:solidFill>
+              </a:rPr>
+              <a:t>1</a:t>
+            </a:r>
+            <a:r>
+              <a:rPr lang="en-US" altLang="zh-TW" sz="2800"/>
+              <a:t>] </a:t>
+            </a:r>
+            <a:r>
+              <a:rPr lang="zh-TW" altLang="en-US" sz="2800"/>
+              <a:t>→ </a:t>
+            </a:r>
+            <a:r>
+              <a:rPr lang="en-US" altLang="zh-TW" sz="2800">
+                <a:solidFill>
+                  <a:srgbClr val="0070C0"/>
+                </a:solidFill>
+              </a:rPr>
+              <a:t>True</a:t>
+            </a:r>
+          </a:p>
+          <a:p>
+            <a:pPr marL="0" indent="0">
+              <a:buNone/>
+            </a:pPr>
+            <a:r>
+              <a:rPr lang="en-US" altLang="zh-TW" sz="2800"/>
+              <a:t>dic[</a:t>
+            </a:r>
+            <a:r>
+              <a:rPr lang="en-US" altLang="zh-TW" sz="2800">
+                <a:solidFill>
+                  <a:srgbClr val="FF0000"/>
+                </a:solidFill>
+              </a:rPr>
+              <a:t>"a"</a:t>
+            </a:r>
+            <a:r>
+              <a:rPr lang="en-US" altLang="zh-TW" sz="2800"/>
+              <a:t>] </a:t>
+            </a:r>
+            <a:r>
+              <a:rPr lang="zh-TW" altLang="en-US" sz="2800"/>
+              <a:t>→ </a:t>
+            </a:r>
+            <a:r>
+              <a:rPr lang="en-US" altLang="zh-TW" sz="2800">
+                <a:solidFill>
+                  <a:srgbClr val="0070C0"/>
+                </a:solidFill>
+              </a:rPr>
+              <a:t>[0, 2]</a:t>
+            </a:r>
+          </a:p>
+        </p:txBody>
+      </p:sp>
+    </p:spTree>
+    <p:extLst>
+      <p:ext uri="{BB962C8B-B14F-4D97-AF65-F5344CB8AC3E}">
+        <p14:creationId xmlns:p14="http://schemas.microsoft.com/office/powerpoint/2010/main" val="3524429160"/>
+      </p:ext>
+    </p:extLst>
+  </p:cSld>
+  <p:clrMapOvr>
+    <a:masterClrMapping/>
+  </p:clrMapOvr>
+</p:sld>
+</file>
+
 <file path=ppt/slides/slide4.xml><?xml version="1.0" encoding="utf-8"?>
 <p:sld xmlns:a="http://schemas.openxmlformats.org/drawingml/2006/main" xmlns:r="http://schemas.openxmlformats.org/officeDocument/2006/relationships" xmlns:p="http://schemas.openxmlformats.org/presentationml/2006/main">
   <p:cSld>
@@ -6580,6 +12148,2488 @@
     <p:extLst>
       <p:ext uri="{BB962C8B-B14F-4D97-AF65-F5344CB8AC3E}">
         <p14:creationId xmlns:p14="http://schemas.microsoft.com/office/powerpoint/2010/main" val="726160635"/>
+      </p:ext>
+    </p:extLst>
+  </p:cSld>
+  <p:clrMapOvr>
+    <a:masterClrMapping/>
+  </p:clrMapOvr>
+</p:sld>
+</file>
+
+<file path=ppt/slides/slide40.xml><?xml version="1.0" encoding="utf-8"?>
+<p:sld xmlns:a="http://schemas.openxmlformats.org/drawingml/2006/main" xmlns:r="http://schemas.openxmlformats.org/officeDocument/2006/relationships" xmlns:p="http://schemas.openxmlformats.org/presentationml/2006/main">
+  <p:cSld>
+    <p:spTree>
+      <p:nvGrpSpPr>
+        <p:cNvPr id="1" name=""/>
+        <p:cNvGrpSpPr/>
+        <p:nvPr/>
+      </p:nvGrpSpPr>
+      <p:grpSpPr>
+        <a:xfrm>
+          <a:off x="0" y="0"/>
+          <a:ext cx="0" cy="0"/>
+          <a:chOff x="0" y="0"/>
+          <a:chExt cx="0" cy="0"/>
+        </a:xfrm>
+      </p:grpSpPr>
+      <p:sp>
+        <p:nvSpPr>
+          <p:cNvPr id="2" name="標題 1">
+            <a:extLst>
+              <a:ext uri="{FF2B5EF4-FFF2-40B4-BE49-F238E27FC236}">
+                <a16:creationId xmlns:a16="http://schemas.microsoft.com/office/drawing/2014/main" id="{58993942-AC57-46E2-986F-A8D6DBF68CE9}"/>
+              </a:ext>
+            </a:extLst>
+          </p:cNvPr>
+          <p:cNvSpPr>
+            <a:spLocks noGrp="1"/>
+          </p:cNvSpPr>
+          <p:nvPr>
+            <p:ph type="title"/>
+          </p:nvPr>
+        </p:nvSpPr>
+        <p:spPr/>
+        <p:txBody>
+          <a:bodyPr/>
+          <a:lstStyle/>
+          <a:p>
+            <a:r>
+              <a:rPr lang="zh-TW" altLang="en-US"/>
+              <a:t>取值 </a:t>
+            </a:r>
+            <a:r>
+              <a:rPr lang="en-US" altLang="zh-TW"/>
+              <a:t>- get()</a:t>
+            </a:r>
+            <a:endParaRPr lang="zh-TW" altLang="en-US"/>
+          </a:p>
+        </p:txBody>
+      </p:sp>
+      <p:sp>
+        <p:nvSpPr>
+          <p:cNvPr id="3" name="內容版面配置區 2">
+            <a:extLst>
+              <a:ext uri="{FF2B5EF4-FFF2-40B4-BE49-F238E27FC236}">
+                <a16:creationId xmlns:a16="http://schemas.microsoft.com/office/drawing/2014/main" id="{7493D3B4-DDD3-4FB0-9646-F96F475A6A7F}"/>
+              </a:ext>
+            </a:extLst>
+          </p:cNvPr>
+          <p:cNvSpPr>
+            <a:spLocks noGrp="1"/>
+          </p:cNvSpPr>
+          <p:nvPr>
+            <p:ph idx="1"/>
+          </p:nvPr>
+        </p:nvSpPr>
+        <p:spPr/>
+        <p:txBody>
+          <a:bodyPr>
+            <a:normAutofit/>
+          </a:bodyPr>
+          <a:lstStyle/>
+          <a:p>
+            <a:pPr marL="0" indent="0">
+              <a:buNone/>
+            </a:pPr>
+            <a:endParaRPr lang="en-US" altLang="zh-TW" sz="2800"/>
+          </a:p>
+          <a:p>
+            <a:pPr marL="0" indent="0">
+              <a:buNone/>
+            </a:pPr>
+            <a:r>
+              <a:rPr lang="en-US" altLang="zh-TW" sz="2800"/>
+              <a:t>dic = {</a:t>
+            </a:r>
+            <a:r>
+              <a:rPr lang="en-US" altLang="zh-TW" sz="2800">
+                <a:solidFill>
+                  <a:srgbClr val="FF0000"/>
+                </a:solidFill>
+              </a:rPr>
+              <a:t>1</a:t>
+            </a:r>
+            <a:r>
+              <a:rPr lang="en-US" altLang="zh-TW" sz="2800"/>
+              <a:t>: </a:t>
+            </a:r>
+            <a:r>
+              <a:rPr lang="en-US" altLang="zh-TW" sz="2800">
+                <a:solidFill>
+                  <a:srgbClr val="0070C0"/>
+                </a:solidFill>
+              </a:rPr>
+              <a:t>True</a:t>
+            </a:r>
+            <a:r>
+              <a:rPr lang="en-US" altLang="zh-TW" sz="2800"/>
+              <a:t>, </a:t>
+            </a:r>
+            <a:r>
+              <a:rPr lang="en-US" altLang="zh-TW" sz="2800">
+                <a:solidFill>
+                  <a:srgbClr val="FF0000"/>
+                </a:solidFill>
+              </a:rPr>
+              <a:t>"a"</a:t>
+            </a:r>
+            <a:r>
+              <a:rPr lang="en-US" altLang="zh-TW" sz="2800"/>
+              <a:t>:</a:t>
+            </a:r>
+            <a:r>
+              <a:rPr lang="en-US" altLang="zh-TW" sz="2800">
+                <a:solidFill>
+                  <a:srgbClr val="FF0000"/>
+                </a:solidFill>
+              </a:rPr>
+              <a:t> </a:t>
+            </a:r>
+            <a:r>
+              <a:rPr lang="en-US" altLang="zh-TW" sz="2800">
+                <a:solidFill>
+                  <a:srgbClr val="0070C0"/>
+                </a:solidFill>
+              </a:rPr>
+              <a:t>[0, 2]</a:t>
+            </a:r>
+            <a:r>
+              <a:rPr lang="en-US" altLang="zh-TW" sz="2800"/>
+              <a:t>, </a:t>
+            </a:r>
+            <a:r>
+              <a:rPr lang="en-US" altLang="zh-TW" sz="2800">
+                <a:solidFill>
+                  <a:srgbClr val="FF0000"/>
+                </a:solidFill>
+              </a:rPr>
+              <a:t>2</a:t>
+            </a:r>
+            <a:r>
+              <a:rPr lang="en-US" altLang="zh-TW" sz="2800"/>
+              <a:t>:</a:t>
+            </a:r>
+            <a:r>
+              <a:rPr lang="en-US" altLang="zh-TW" sz="2800">
+                <a:solidFill>
+                  <a:srgbClr val="FF0000"/>
+                </a:solidFill>
+              </a:rPr>
+              <a:t> </a:t>
+            </a:r>
+            <a:r>
+              <a:rPr lang="en-US" altLang="zh-TW" sz="2800">
+                <a:solidFill>
+                  <a:srgbClr val="0070C0"/>
+                </a:solidFill>
+              </a:rPr>
+              <a:t>{0: 0}</a:t>
+            </a:r>
+            <a:r>
+              <a:rPr lang="en-US" altLang="zh-TW" sz="2800"/>
+              <a:t>}</a:t>
+            </a:r>
+          </a:p>
+          <a:p>
+            <a:pPr marL="0" indent="0">
+              <a:buNone/>
+            </a:pPr>
+            <a:endParaRPr lang="en-US" altLang="zh-TW" sz="2800"/>
+          </a:p>
+          <a:p>
+            <a:pPr marL="0" indent="0">
+              <a:buNone/>
+            </a:pPr>
+            <a:r>
+              <a:rPr lang="en-US" altLang="zh-TW" sz="2800"/>
+              <a:t>dic.get(</a:t>
+            </a:r>
+            <a:r>
+              <a:rPr lang="en-US" altLang="zh-TW" sz="2800">
+                <a:solidFill>
+                  <a:srgbClr val="FF0000"/>
+                </a:solidFill>
+              </a:rPr>
+              <a:t>1</a:t>
+            </a:r>
+            <a:r>
+              <a:rPr lang="en-US" altLang="zh-TW" sz="2800"/>
+              <a:t>) </a:t>
+            </a:r>
+            <a:r>
+              <a:rPr lang="zh-TW" altLang="en-US" sz="2800"/>
+              <a:t>→ </a:t>
+            </a:r>
+            <a:r>
+              <a:rPr lang="en-US" altLang="zh-TW" sz="2800"/>
+              <a:t>True</a:t>
+            </a:r>
+          </a:p>
+          <a:p>
+            <a:pPr marL="0" indent="0">
+              <a:buNone/>
+            </a:pPr>
+            <a:r>
+              <a:rPr lang="en-US" altLang="zh-TW" sz="2800"/>
+              <a:t>dic.get(</a:t>
+            </a:r>
+            <a:r>
+              <a:rPr lang="en-US" altLang="zh-TW" sz="2800">
+                <a:solidFill>
+                  <a:srgbClr val="FF0000"/>
+                </a:solidFill>
+              </a:rPr>
+              <a:t>10</a:t>
+            </a:r>
+            <a:r>
+              <a:rPr lang="en-US" altLang="zh-TW" sz="2800"/>
+              <a:t>) </a:t>
+            </a:r>
+            <a:r>
+              <a:rPr lang="zh-TW" altLang="en-US" sz="2800"/>
+              <a:t>→ </a:t>
+            </a:r>
+            <a:r>
+              <a:rPr lang="en-US" altLang="zh-TW" sz="2800">
+                <a:solidFill>
+                  <a:srgbClr val="0070C0"/>
+                </a:solidFill>
+              </a:rPr>
+              <a:t>None</a:t>
+            </a:r>
+          </a:p>
+          <a:p>
+            <a:pPr marL="0" indent="0">
+              <a:buNone/>
+            </a:pPr>
+            <a:r>
+              <a:rPr lang="en-US" altLang="zh-TW" sz="2800"/>
+              <a:t>dic.get(</a:t>
+            </a:r>
+            <a:r>
+              <a:rPr lang="en-US" altLang="zh-TW" sz="2800">
+                <a:solidFill>
+                  <a:srgbClr val="FF0000"/>
+                </a:solidFill>
+              </a:rPr>
+              <a:t>1</a:t>
+            </a:r>
+            <a:r>
+              <a:rPr lang="en-US" altLang="zh-TW" sz="2800"/>
+              <a:t>, -1) </a:t>
+            </a:r>
+            <a:r>
+              <a:rPr lang="zh-TW" altLang="en-US" sz="2800"/>
+              <a:t>→ </a:t>
+            </a:r>
+            <a:r>
+              <a:rPr lang="en-US" altLang="zh-TW" sz="2800"/>
+              <a:t>True</a:t>
+            </a:r>
+          </a:p>
+          <a:p>
+            <a:pPr marL="0" indent="0">
+              <a:buNone/>
+            </a:pPr>
+            <a:r>
+              <a:rPr lang="en-US" altLang="zh-TW" sz="2800"/>
+              <a:t>dic.get(</a:t>
+            </a:r>
+            <a:r>
+              <a:rPr lang="en-US" altLang="zh-TW" sz="2800">
+                <a:solidFill>
+                  <a:srgbClr val="FF0000"/>
+                </a:solidFill>
+              </a:rPr>
+              <a:t>10</a:t>
+            </a:r>
+            <a:r>
+              <a:rPr lang="en-US" altLang="zh-TW" sz="2800"/>
+              <a:t>, </a:t>
+            </a:r>
+            <a:r>
+              <a:rPr lang="en-US" altLang="zh-TW" sz="2800">
+                <a:solidFill>
+                  <a:srgbClr val="0070C0"/>
+                </a:solidFill>
+              </a:rPr>
+              <a:t>-1</a:t>
+            </a:r>
+            <a:r>
+              <a:rPr lang="en-US" altLang="zh-TW" sz="2800"/>
+              <a:t>) </a:t>
+            </a:r>
+            <a:r>
+              <a:rPr lang="zh-TW" altLang="en-US" sz="2800"/>
+              <a:t>→ </a:t>
+            </a:r>
+            <a:r>
+              <a:rPr lang="en-US" altLang="zh-TW" sz="2800">
+                <a:solidFill>
+                  <a:srgbClr val="0070C0"/>
+                </a:solidFill>
+              </a:rPr>
+              <a:t>-1</a:t>
+            </a:r>
+          </a:p>
+        </p:txBody>
+      </p:sp>
+    </p:spTree>
+    <p:extLst>
+      <p:ext uri="{BB962C8B-B14F-4D97-AF65-F5344CB8AC3E}">
+        <p14:creationId xmlns:p14="http://schemas.microsoft.com/office/powerpoint/2010/main" val="3811120237"/>
+      </p:ext>
+    </p:extLst>
+  </p:cSld>
+  <p:clrMapOvr>
+    <a:masterClrMapping/>
+  </p:clrMapOvr>
+</p:sld>
+</file>
+
+<file path=ppt/slides/slide41.xml><?xml version="1.0" encoding="utf-8"?>
+<p:sld xmlns:a="http://schemas.openxmlformats.org/drawingml/2006/main" xmlns:r="http://schemas.openxmlformats.org/officeDocument/2006/relationships" xmlns:p="http://schemas.openxmlformats.org/presentationml/2006/main">
+  <p:cSld>
+    <p:spTree>
+      <p:nvGrpSpPr>
+        <p:cNvPr id="1" name=""/>
+        <p:cNvGrpSpPr/>
+        <p:nvPr/>
+      </p:nvGrpSpPr>
+      <p:grpSpPr>
+        <a:xfrm>
+          <a:off x="0" y="0"/>
+          <a:ext cx="0" cy="0"/>
+          <a:chOff x="0" y="0"/>
+          <a:chExt cx="0" cy="0"/>
+        </a:xfrm>
+      </p:grpSpPr>
+      <p:sp>
+        <p:nvSpPr>
+          <p:cNvPr id="2" name="標題 1">
+            <a:extLst>
+              <a:ext uri="{FF2B5EF4-FFF2-40B4-BE49-F238E27FC236}">
+                <a16:creationId xmlns:a16="http://schemas.microsoft.com/office/drawing/2014/main" id="{58993942-AC57-46E2-986F-A8D6DBF68CE9}"/>
+              </a:ext>
+            </a:extLst>
+          </p:cNvPr>
+          <p:cNvSpPr>
+            <a:spLocks noGrp="1"/>
+          </p:cNvSpPr>
+          <p:nvPr>
+            <p:ph type="title"/>
+          </p:nvPr>
+        </p:nvSpPr>
+        <p:spPr/>
+        <p:txBody>
+          <a:bodyPr/>
+          <a:lstStyle/>
+          <a:p>
+            <a:r>
+              <a:rPr lang="zh-TW" altLang="en-US"/>
+              <a:t>新增鍵值</a:t>
+            </a:r>
+          </a:p>
+        </p:txBody>
+      </p:sp>
+      <p:sp>
+        <p:nvSpPr>
+          <p:cNvPr id="3" name="內容版面配置區 2">
+            <a:extLst>
+              <a:ext uri="{FF2B5EF4-FFF2-40B4-BE49-F238E27FC236}">
+                <a16:creationId xmlns:a16="http://schemas.microsoft.com/office/drawing/2014/main" id="{7493D3B4-DDD3-4FB0-9646-F96F475A6A7F}"/>
+              </a:ext>
+            </a:extLst>
+          </p:cNvPr>
+          <p:cNvSpPr>
+            <a:spLocks noGrp="1"/>
+          </p:cNvSpPr>
+          <p:nvPr>
+            <p:ph idx="1"/>
+          </p:nvPr>
+        </p:nvSpPr>
+        <p:spPr/>
+        <p:txBody>
+          <a:bodyPr>
+            <a:normAutofit/>
+          </a:bodyPr>
+          <a:lstStyle/>
+          <a:p>
+            <a:pPr marL="0" indent="0">
+              <a:buNone/>
+            </a:pPr>
+            <a:endParaRPr lang="en-US" altLang="zh-TW" sz="2800"/>
+          </a:p>
+          <a:p>
+            <a:pPr marL="0" indent="0">
+              <a:buNone/>
+            </a:pPr>
+            <a:r>
+              <a:rPr lang="en-US" altLang="zh-TW" sz="2800"/>
+              <a:t>dic = {}</a:t>
+            </a:r>
+          </a:p>
+          <a:p>
+            <a:pPr marL="0" indent="0">
+              <a:buNone/>
+            </a:pPr>
+            <a:endParaRPr lang="en-US" altLang="zh-TW" sz="2800">
+              <a:solidFill>
+                <a:srgbClr val="0070C0"/>
+              </a:solidFill>
+            </a:endParaRPr>
+          </a:p>
+          <a:p>
+            <a:pPr marL="0" indent="0">
+              <a:buNone/>
+            </a:pPr>
+            <a:r>
+              <a:rPr lang="en-US" altLang="zh-TW" sz="2800"/>
+              <a:t>dic[</a:t>
+            </a:r>
+            <a:r>
+              <a:rPr lang="en-US" altLang="zh-TW" sz="2800">
+                <a:solidFill>
+                  <a:srgbClr val="FF0000"/>
+                </a:solidFill>
+              </a:rPr>
+              <a:t>0</a:t>
+            </a:r>
+            <a:r>
+              <a:rPr lang="en-US" altLang="zh-TW" sz="2800"/>
+              <a:t>] = </a:t>
+            </a:r>
+            <a:r>
+              <a:rPr lang="en-US" altLang="zh-TW" sz="2800">
+                <a:solidFill>
+                  <a:srgbClr val="0070C0"/>
+                </a:solidFill>
+              </a:rPr>
+              <a:t>100</a:t>
+            </a:r>
+          </a:p>
+          <a:p>
+            <a:pPr marL="0" indent="0">
+              <a:buNone/>
+            </a:pPr>
+            <a:r>
+              <a:rPr lang="en-US" altLang="zh-TW" sz="2800"/>
+              <a:t>dic[</a:t>
+            </a:r>
+            <a:r>
+              <a:rPr lang="en-US" altLang="zh-TW" sz="2800">
+                <a:solidFill>
+                  <a:srgbClr val="FF0000"/>
+                </a:solidFill>
+              </a:rPr>
+              <a:t>3</a:t>
+            </a:r>
+            <a:r>
+              <a:rPr lang="en-US" altLang="zh-TW" sz="2800"/>
+              <a:t>] = </a:t>
+            </a:r>
+            <a:r>
+              <a:rPr lang="en-US" altLang="zh-TW" sz="2800">
+                <a:solidFill>
+                  <a:srgbClr val="0070C0"/>
+                </a:solidFill>
+              </a:rPr>
+              <a:t>0</a:t>
+            </a:r>
+          </a:p>
+          <a:p>
+            <a:pPr marL="0" indent="0">
+              <a:buNone/>
+            </a:pPr>
+            <a:endParaRPr lang="en-US" altLang="zh-TW" sz="2800">
+              <a:solidFill>
+                <a:srgbClr val="0070C0"/>
+              </a:solidFill>
+            </a:endParaRPr>
+          </a:p>
+          <a:p>
+            <a:pPr marL="0" indent="0">
+              <a:buNone/>
+            </a:pPr>
+            <a:r>
+              <a:rPr lang="en-US" altLang="zh-TW" sz="2800"/>
+              <a:t>dic </a:t>
+            </a:r>
+            <a:r>
+              <a:rPr lang="zh-TW" altLang="en-US" sz="2800"/>
+              <a:t>→ </a:t>
+            </a:r>
+            <a:r>
+              <a:rPr lang="en-US" altLang="zh-TW" sz="2800"/>
+              <a:t>{</a:t>
+            </a:r>
+            <a:r>
+              <a:rPr lang="en-US" altLang="zh-TW" sz="2800">
+                <a:solidFill>
+                  <a:srgbClr val="FF0000"/>
+                </a:solidFill>
+              </a:rPr>
+              <a:t>0</a:t>
+            </a:r>
+            <a:r>
+              <a:rPr lang="en-US" altLang="zh-TW" sz="2800"/>
+              <a:t>: </a:t>
+            </a:r>
+            <a:r>
+              <a:rPr lang="en-US" altLang="zh-TW" sz="2800">
+                <a:solidFill>
+                  <a:srgbClr val="0070C0"/>
+                </a:solidFill>
+              </a:rPr>
+              <a:t>100</a:t>
+            </a:r>
+            <a:r>
+              <a:rPr lang="en-US" altLang="zh-TW" sz="2800"/>
+              <a:t>, </a:t>
+            </a:r>
+            <a:r>
+              <a:rPr lang="en-US" altLang="zh-TW" sz="2800">
+                <a:solidFill>
+                  <a:srgbClr val="FF0000"/>
+                </a:solidFill>
+              </a:rPr>
+              <a:t>3</a:t>
+            </a:r>
+            <a:r>
+              <a:rPr lang="en-US" altLang="zh-TW" sz="2800"/>
+              <a:t>: </a:t>
+            </a:r>
+            <a:r>
+              <a:rPr lang="en-US" altLang="zh-TW" sz="2800">
+                <a:solidFill>
+                  <a:srgbClr val="0070C0"/>
+                </a:solidFill>
+              </a:rPr>
+              <a:t>0</a:t>
+            </a:r>
+            <a:r>
+              <a:rPr lang="en-US" altLang="zh-TW" sz="2800"/>
+              <a:t>}</a:t>
+            </a:r>
+          </a:p>
+        </p:txBody>
+      </p:sp>
+    </p:spTree>
+    <p:extLst>
+      <p:ext uri="{BB962C8B-B14F-4D97-AF65-F5344CB8AC3E}">
+        <p14:creationId xmlns:p14="http://schemas.microsoft.com/office/powerpoint/2010/main" val="700891950"/>
+      </p:ext>
+    </p:extLst>
+  </p:cSld>
+  <p:clrMapOvr>
+    <a:masterClrMapping/>
+  </p:clrMapOvr>
+</p:sld>
+</file>
+
+<file path=ppt/slides/slide42.xml><?xml version="1.0" encoding="utf-8"?>
+<p:sld xmlns:a="http://schemas.openxmlformats.org/drawingml/2006/main" xmlns:r="http://schemas.openxmlformats.org/officeDocument/2006/relationships" xmlns:p="http://schemas.openxmlformats.org/presentationml/2006/main">
+  <p:cSld>
+    <p:spTree>
+      <p:nvGrpSpPr>
+        <p:cNvPr id="1" name=""/>
+        <p:cNvGrpSpPr/>
+        <p:nvPr/>
+      </p:nvGrpSpPr>
+      <p:grpSpPr>
+        <a:xfrm>
+          <a:off x="0" y="0"/>
+          <a:ext cx="0" cy="0"/>
+          <a:chOff x="0" y="0"/>
+          <a:chExt cx="0" cy="0"/>
+        </a:xfrm>
+      </p:grpSpPr>
+      <p:sp>
+        <p:nvSpPr>
+          <p:cNvPr id="2" name="標題 1">
+            <a:extLst>
+              <a:ext uri="{FF2B5EF4-FFF2-40B4-BE49-F238E27FC236}">
+                <a16:creationId xmlns:a16="http://schemas.microsoft.com/office/drawing/2014/main" id="{2469BD62-E3EF-47DD-8141-B291FD776B9B}"/>
+              </a:ext>
+            </a:extLst>
+          </p:cNvPr>
+          <p:cNvSpPr>
+            <a:spLocks noGrp="1"/>
+          </p:cNvSpPr>
+          <p:nvPr>
+            <p:ph type="title"/>
+          </p:nvPr>
+        </p:nvSpPr>
+        <p:spPr/>
+        <p:txBody>
+          <a:bodyPr/>
+          <a:lstStyle/>
+          <a:p>
+            <a:r>
+              <a:rPr lang="zh-TW" altLang="en-US"/>
+              <a:t>合併 </a:t>
+            </a:r>
+            <a:r>
+              <a:rPr lang="en-US" altLang="zh-TW"/>
+              <a:t>update</a:t>
+            </a:r>
+            <a:endParaRPr lang="zh-TW" altLang="en-US"/>
+          </a:p>
+        </p:txBody>
+      </p:sp>
+      <p:sp>
+        <p:nvSpPr>
+          <p:cNvPr id="3" name="內容版面配置區 2">
+            <a:extLst>
+              <a:ext uri="{FF2B5EF4-FFF2-40B4-BE49-F238E27FC236}">
+                <a16:creationId xmlns:a16="http://schemas.microsoft.com/office/drawing/2014/main" id="{D24A637E-6BBA-453E-9C58-0D4C308677D2}"/>
+              </a:ext>
+            </a:extLst>
+          </p:cNvPr>
+          <p:cNvSpPr>
+            <a:spLocks noGrp="1"/>
+          </p:cNvSpPr>
+          <p:nvPr>
+            <p:ph idx="1"/>
+          </p:nvPr>
+        </p:nvSpPr>
+        <p:spPr>
+          <a:xfrm>
+            <a:off x="1261872" y="1828800"/>
+            <a:ext cx="9069660" cy="4351337"/>
+          </a:xfrm>
+        </p:spPr>
+        <p:txBody>
+          <a:bodyPr>
+            <a:normAutofit/>
+          </a:bodyPr>
+          <a:lstStyle/>
+          <a:p>
+            <a:pPr marL="0" indent="0">
+              <a:buNone/>
+            </a:pPr>
+            <a:endParaRPr lang="en-US" altLang="zh-TW" sz="2800"/>
+          </a:p>
+          <a:p>
+            <a:pPr marL="0" indent="0">
+              <a:buNone/>
+            </a:pPr>
+            <a:r>
+              <a:rPr lang="en-US" altLang="zh-TW" sz="2800"/>
+              <a:t>dic1.update(dic2) </a:t>
+            </a:r>
+            <a:r>
+              <a:rPr lang="zh-TW" altLang="en-US" sz="2800"/>
+              <a:t>→ 將 </a:t>
+            </a:r>
+            <a:r>
+              <a:rPr lang="en-US" altLang="zh-TW" sz="2800"/>
+              <a:t>dic2 </a:t>
+            </a:r>
+            <a:r>
+              <a:rPr lang="zh-TW" altLang="en-US" sz="2800"/>
+              <a:t>的元素合併到 </a:t>
+            </a:r>
+            <a:r>
+              <a:rPr lang="en-US" altLang="zh-TW" sz="2800"/>
+              <a:t>dic1</a:t>
+            </a:r>
+          </a:p>
+          <a:p>
+            <a:pPr marL="0" indent="0">
+              <a:buNone/>
+            </a:pPr>
+            <a:endParaRPr lang="en-US" altLang="zh-TW" sz="2800"/>
+          </a:p>
+          <a:p>
+            <a:pPr marL="0" indent="0">
+              <a:buNone/>
+            </a:pPr>
+            <a:r>
+              <a:rPr lang="en-US" altLang="zh-TW" sz="2800"/>
+              <a:t>dic = {</a:t>
+            </a:r>
+            <a:r>
+              <a:rPr lang="en-US" altLang="zh-TW" sz="2800">
+                <a:solidFill>
+                  <a:srgbClr val="FF0000"/>
+                </a:solidFill>
+              </a:rPr>
+              <a:t>0: 0</a:t>
+            </a:r>
+            <a:r>
+              <a:rPr lang="en-US" altLang="zh-TW" sz="2800"/>
+              <a:t>}</a:t>
+            </a:r>
+          </a:p>
+          <a:p>
+            <a:pPr marL="0" indent="0">
+              <a:buNone/>
+            </a:pPr>
+            <a:r>
+              <a:rPr lang="en-US" altLang="zh-TW" sz="2800"/>
+              <a:t>dic.update({</a:t>
+            </a:r>
+            <a:r>
+              <a:rPr lang="en-US" altLang="zh-TW" sz="2800">
+                <a:solidFill>
+                  <a:srgbClr val="0070C0"/>
+                </a:solidFill>
+              </a:rPr>
+              <a:t>1: 1, 2: 2</a:t>
+            </a:r>
+            <a:r>
+              <a:rPr lang="en-US" altLang="zh-TW" sz="2800"/>
+              <a:t>})</a:t>
+            </a:r>
+          </a:p>
+          <a:p>
+            <a:pPr marL="0" indent="0">
+              <a:buNone/>
+            </a:pPr>
+            <a:endParaRPr lang="en-US" altLang="zh-TW" sz="2800"/>
+          </a:p>
+          <a:p>
+            <a:pPr marL="0" indent="0">
+              <a:buNone/>
+            </a:pPr>
+            <a:r>
+              <a:rPr lang="en-US" altLang="zh-TW" sz="2800"/>
+              <a:t>dic </a:t>
+            </a:r>
+            <a:r>
+              <a:rPr lang="zh-TW" altLang="en-US" sz="2800"/>
+              <a:t>→ </a:t>
+            </a:r>
+            <a:r>
+              <a:rPr lang="en-US" altLang="zh-TW" sz="2800"/>
+              <a:t>{</a:t>
+            </a:r>
+            <a:r>
+              <a:rPr lang="en-US" altLang="zh-TW" sz="2800">
+                <a:solidFill>
+                  <a:srgbClr val="FF0000"/>
+                </a:solidFill>
+              </a:rPr>
+              <a:t>0: 0</a:t>
+            </a:r>
+            <a:r>
+              <a:rPr lang="en-US" altLang="zh-TW" sz="2800"/>
+              <a:t>, </a:t>
+            </a:r>
+            <a:r>
+              <a:rPr lang="en-US" altLang="zh-TW" sz="2800">
+                <a:solidFill>
+                  <a:srgbClr val="0070C0"/>
+                </a:solidFill>
+              </a:rPr>
+              <a:t>1: 1, 2: 2</a:t>
+            </a:r>
+            <a:r>
+              <a:rPr lang="en-US" altLang="zh-TW" sz="2800"/>
+              <a:t>}</a:t>
+            </a:r>
+            <a:endParaRPr lang="zh-TW" altLang="en-US" sz="2800"/>
+          </a:p>
+        </p:txBody>
+      </p:sp>
+    </p:spTree>
+    <p:extLst>
+      <p:ext uri="{BB962C8B-B14F-4D97-AF65-F5344CB8AC3E}">
+        <p14:creationId xmlns:p14="http://schemas.microsoft.com/office/powerpoint/2010/main" val="3988373533"/>
+      </p:ext>
+    </p:extLst>
+  </p:cSld>
+  <p:clrMapOvr>
+    <a:masterClrMapping/>
+  </p:clrMapOvr>
+</p:sld>
+</file>
+
+<file path=ppt/slides/slide43.xml><?xml version="1.0" encoding="utf-8"?>
+<p:sld xmlns:a="http://schemas.openxmlformats.org/drawingml/2006/main" xmlns:r="http://schemas.openxmlformats.org/officeDocument/2006/relationships" xmlns:p="http://schemas.openxmlformats.org/presentationml/2006/main">
+  <p:cSld>
+    <p:spTree>
+      <p:nvGrpSpPr>
+        <p:cNvPr id="1" name=""/>
+        <p:cNvGrpSpPr/>
+        <p:nvPr/>
+      </p:nvGrpSpPr>
+      <p:grpSpPr>
+        <a:xfrm>
+          <a:off x="0" y="0"/>
+          <a:ext cx="0" cy="0"/>
+          <a:chOff x="0" y="0"/>
+          <a:chExt cx="0" cy="0"/>
+        </a:xfrm>
+      </p:grpSpPr>
+      <p:sp>
+        <p:nvSpPr>
+          <p:cNvPr id="2" name="標題 1">
+            <a:extLst>
+              <a:ext uri="{FF2B5EF4-FFF2-40B4-BE49-F238E27FC236}">
+                <a16:creationId xmlns:a16="http://schemas.microsoft.com/office/drawing/2014/main" id="{58993942-AC57-46E2-986F-A8D6DBF68CE9}"/>
+              </a:ext>
+            </a:extLst>
+          </p:cNvPr>
+          <p:cNvSpPr>
+            <a:spLocks noGrp="1"/>
+          </p:cNvSpPr>
+          <p:nvPr>
+            <p:ph type="title"/>
+          </p:nvPr>
+        </p:nvSpPr>
+        <p:spPr/>
+        <p:txBody>
+          <a:bodyPr/>
+          <a:lstStyle/>
+          <a:p>
+            <a:r>
+              <a:rPr lang="zh-TW" altLang="en-US"/>
+              <a:t>移除鍵值</a:t>
+            </a:r>
+          </a:p>
+        </p:txBody>
+      </p:sp>
+      <p:sp>
+        <p:nvSpPr>
+          <p:cNvPr id="3" name="內容版面配置區 2">
+            <a:extLst>
+              <a:ext uri="{FF2B5EF4-FFF2-40B4-BE49-F238E27FC236}">
+                <a16:creationId xmlns:a16="http://schemas.microsoft.com/office/drawing/2014/main" id="{7493D3B4-DDD3-4FB0-9646-F96F475A6A7F}"/>
+              </a:ext>
+            </a:extLst>
+          </p:cNvPr>
+          <p:cNvSpPr>
+            <a:spLocks noGrp="1"/>
+          </p:cNvSpPr>
+          <p:nvPr>
+            <p:ph idx="1"/>
+          </p:nvPr>
+        </p:nvSpPr>
+        <p:spPr/>
+        <p:txBody>
+          <a:bodyPr>
+            <a:normAutofit/>
+          </a:bodyPr>
+          <a:lstStyle/>
+          <a:p>
+            <a:pPr marL="0" indent="0">
+              <a:buNone/>
+            </a:pPr>
+            <a:endParaRPr lang="en-US" altLang="zh-TW" sz="2800"/>
+          </a:p>
+          <a:p>
+            <a:pPr marL="0" indent="0">
+              <a:buNone/>
+            </a:pPr>
+            <a:r>
+              <a:rPr lang="en-US" altLang="zh-TW" sz="2800"/>
+              <a:t>dic = {</a:t>
+            </a:r>
+            <a:r>
+              <a:rPr lang="en-US" altLang="zh-TW" sz="2800">
+                <a:solidFill>
+                  <a:srgbClr val="FF0000"/>
+                </a:solidFill>
+              </a:rPr>
+              <a:t>1</a:t>
+            </a:r>
+            <a:r>
+              <a:rPr lang="en-US" altLang="zh-TW" sz="2800"/>
+              <a:t>: </a:t>
+            </a:r>
+            <a:r>
+              <a:rPr lang="en-US" altLang="zh-TW" sz="2800">
+                <a:solidFill>
+                  <a:srgbClr val="0070C0"/>
+                </a:solidFill>
+              </a:rPr>
+              <a:t>0</a:t>
+            </a:r>
+            <a:r>
+              <a:rPr lang="en-US" altLang="zh-TW" sz="2800"/>
+              <a:t>, </a:t>
+            </a:r>
+            <a:r>
+              <a:rPr lang="en-US" altLang="zh-TW" sz="2800">
+                <a:solidFill>
+                  <a:srgbClr val="FF0000"/>
+                </a:solidFill>
+              </a:rPr>
+              <a:t>2</a:t>
+            </a:r>
+            <a:r>
+              <a:rPr lang="en-US" altLang="zh-TW" sz="2800"/>
+              <a:t>: </a:t>
+            </a:r>
+            <a:r>
+              <a:rPr lang="en-US" altLang="zh-TW" sz="2800">
+                <a:solidFill>
+                  <a:srgbClr val="0070C0"/>
+                </a:solidFill>
+              </a:rPr>
+              <a:t>-5</a:t>
+            </a:r>
+            <a:r>
+              <a:rPr lang="en-US" altLang="zh-TW" sz="2800"/>
+              <a:t>, </a:t>
+            </a:r>
+            <a:r>
+              <a:rPr lang="en-US" altLang="zh-TW" sz="2800">
+                <a:solidFill>
+                  <a:srgbClr val="FF0000"/>
+                </a:solidFill>
+              </a:rPr>
+              <a:t>3</a:t>
+            </a:r>
+            <a:r>
+              <a:rPr lang="en-US" altLang="zh-TW" sz="2800"/>
+              <a:t>: </a:t>
+            </a:r>
+            <a:r>
+              <a:rPr lang="en-US" altLang="zh-TW" sz="2800">
+                <a:solidFill>
+                  <a:srgbClr val="0070C0"/>
+                </a:solidFill>
+              </a:rPr>
+              <a:t>2</a:t>
+            </a:r>
+            <a:r>
+              <a:rPr lang="en-US" altLang="zh-TW" sz="2800"/>
+              <a:t>}</a:t>
+            </a:r>
+          </a:p>
+          <a:p>
+            <a:pPr marL="0" indent="0">
+              <a:buNone/>
+            </a:pPr>
+            <a:endParaRPr lang="en-US" altLang="zh-TW" sz="2800"/>
+          </a:p>
+          <a:p>
+            <a:pPr marL="0" indent="0">
+              <a:buNone/>
+            </a:pPr>
+            <a:r>
+              <a:rPr lang="en-US" altLang="zh-TW" sz="2800"/>
+              <a:t>dic.pop(</a:t>
+            </a:r>
+            <a:r>
+              <a:rPr lang="en-US" altLang="zh-TW" sz="2800">
+                <a:solidFill>
+                  <a:srgbClr val="FF0000"/>
+                </a:solidFill>
+              </a:rPr>
+              <a:t>2</a:t>
+            </a:r>
+            <a:r>
+              <a:rPr lang="en-US" altLang="zh-TW" sz="2800"/>
+              <a:t>) </a:t>
+            </a:r>
+            <a:r>
+              <a:rPr lang="zh-TW" altLang="en-US" sz="2800"/>
+              <a:t>→ </a:t>
+            </a:r>
+            <a:r>
+              <a:rPr lang="en-US" altLang="zh-TW" sz="2800">
+                <a:solidFill>
+                  <a:srgbClr val="0070C0"/>
+                </a:solidFill>
+              </a:rPr>
+              <a:t>-5</a:t>
+            </a:r>
+          </a:p>
+          <a:p>
+            <a:pPr marL="0" indent="0">
+              <a:buNone/>
+            </a:pPr>
+            <a:r>
+              <a:rPr lang="en-US" altLang="zh-TW" sz="2800"/>
+              <a:t>dic </a:t>
+            </a:r>
+            <a:r>
+              <a:rPr lang="zh-TW" altLang="en-US" sz="2800"/>
+              <a:t>→ </a:t>
+            </a:r>
+            <a:r>
+              <a:rPr lang="en-US" altLang="zh-TW" sz="2800"/>
+              <a:t>{</a:t>
+            </a:r>
+            <a:r>
+              <a:rPr lang="en-US" altLang="zh-TW" sz="2800">
+                <a:solidFill>
+                  <a:srgbClr val="FF0000"/>
+                </a:solidFill>
+              </a:rPr>
+              <a:t>1</a:t>
+            </a:r>
+            <a:r>
+              <a:rPr lang="en-US" altLang="zh-TW" sz="2800"/>
+              <a:t>: </a:t>
+            </a:r>
+            <a:r>
+              <a:rPr lang="en-US" altLang="zh-TW" sz="2800">
+                <a:solidFill>
+                  <a:srgbClr val="0070C0"/>
+                </a:solidFill>
+              </a:rPr>
+              <a:t>0</a:t>
+            </a:r>
+            <a:r>
+              <a:rPr lang="en-US" altLang="zh-TW" sz="2800"/>
+              <a:t>, </a:t>
+            </a:r>
+            <a:r>
+              <a:rPr lang="en-US" altLang="zh-TW" sz="2800">
+                <a:solidFill>
+                  <a:srgbClr val="FF0000"/>
+                </a:solidFill>
+              </a:rPr>
+              <a:t>3</a:t>
+            </a:r>
+            <a:r>
+              <a:rPr lang="en-US" altLang="zh-TW" sz="2800"/>
+              <a:t>: </a:t>
+            </a:r>
+            <a:r>
+              <a:rPr lang="en-US" altLang="zh-TW" sz="2800">
+                <a:solidFill>
+                  <a:srgbClr val="0070C0"/>
+                </a:solidFill>
+              </a:rPr>
+              <a:t>2</a:t>
+            </a:r>
+            <a:r>
+              <a:rPr lang="en-US" altLang="zh-TW" sz="2800"/>
+              <a:t>}</a:t>
+            </a:r>
+          </a:p>
+          <a:p>
+            <a:pPr marL="0" indent="0">
+              <a:buNone/>
+            </a:pPr>
+            <a:r>
+              <a:rPr lang="en-US" altLang="zh-TW" sz="2800"/>
+              <a:t>dic.pop(</a:t>
+            </a:r>
+            <a:r>
+              <a:rPr lang="en-US" altLang="zh-TW" sz="2800">
+                <a:solidFill>
+                  <a:srgbClr val="FF0000"/>
+                </a:solidFill>
+              </a:rPr>
+              <a:t>10</a:t>
+            </a:r>
+            <a:r>
+              <a:rPr lang="en-US" altLang="zh-TW" sz="2800"/>
+              <a:t>) </a:t>
+            </a:r>
+            <a:r>
+              <a:rPr lang="zh-TW" altLang="en-US" sz="2800"/>
+              <a:t>→ </a:t>
+            </a:r>
+            <a:r>
+              <a:rPr lang="en-US" altLang="zh-TW" sz="2800"/>
+              <a:t>Error</a:t>
+            </a:r>
+          </a:p>
+          <a:p>
+            <a:pPr marL="0" indent="0">
+              <a:buNone/>
+            </a:pPr>
+            <a:r>
+              <a:rPr lang="en-US" altLang="zh-TW" sz="2800"/>
+              <a:t>dic.pop(</a:t>
+            </a:r>
+            <a:r>
+              <a:rPr lang="en-US" altLang="zh-TW" sz="2800">
+                <a:solidFill>
+                  <a:srgbClr val="FF0000"/>
+                </a:solidFill>
+              </a:rPr>
+              <a:t>10</a:t>
+            </a:r>
+            <a:r>
+              <a:rPr lang="en-US" altLang="zh-TW" sz="2800"/>
+              <a:t>, None) </a:t>
+            </a:r>
+            <a:r>
+              <a:rPr lang="zh-TW" altLang="en-US" sz="2800"/>
+              <a:t>→ </a:t>
+            </a:r>
+            <a:r>
+              <a:rPr lang="en-US" altLang="zh-TW" sz="2800"/>
+              <a:t>None</a:t>
+            </a:r>
+          </a:p>
+        </p:txBody>
+      </p:sp>
+    </p:spTree>
+    <p:extLst>
+      <p:ext uri="{BB962C8B-B14F-4D97-AF65-F5344CB8AC3E}">
+        <p14:creationId xmlns:p14="http://schemas.microsoft.com/office/powerpoint/2010/main" val="2308355177"/>
+      </p:ext>
+    </p:extLst>
+  </p:cSld>
+  <p:clrMapOvr>
+    <a:masterClrMapping/>
+  </p:clrMapOvr>
+</p:sld>
+</file>
+
+<file path=ppt/slides/slide44.xml><?xml version="1.0" encoding="utf-8"?>
+<p:sld xmlns:a="http://schemas.openxmlformats.org/drawingml/2006/main" xmlns:r="http://schemas.openxmlformats.org/officeDocument/2006/relationships" xmlns:p="http://schemas.openxmlformats.org/presentationml/2006/main">
+  <p:cSld>
+    <p:spTree>
+      <p:nvGrpSpPr>
+        <p:cNvPr id="1" name=""/>
+        <p:cNvGrpSpPr/>
+        <p:nvPr/>
+      </p:nvGrpSpPr>
+      <p:grpSpPr>
+        <a:xfrm>
+          <a:off x="0" y="0"/>
+          <a:ext cx="0" cy="0"/>
+          <a:chOff x="0" y="0"/>
+          <a:chExt cx="0" cy="0"/>
+        </a:xfrm>
+      </p:grpSpPr>
+      <p:sp>
+        <p:nvSpPr>
+          <p:cNvPr id="2" name="標題 1">
+            <a:extLst>
+              <a:ext uri="{FF2B5EF4-FFF2-40B4-BE49-F238E27FC236}">
+                <a16:creationId xmlns:a16="http://schemas.microsoft.com/office/drawing/2014/main" id="{9B53B079-E708-4235-B7AC-60CB4BCF5193}"/>
+              </a:ext>
+            </a:extLst>
+          </p:cNvPr>
+          <p:cNvSpPr>
+            <a:spLocks noGrp="1"/>
+          </p:cNvSpPr>
+          <p:nvPr>
+            <p:ph type="title"/>
+          </p:nvPr>
+        </p:nvSpPr>
+        <p:spPr/>
+        <p:txBody>
+          <a:bodyPr/>
+          <a:lstStyle/>
+          <a:p>
+            <a:r>
+              <a:rPr lang="zh-TW" altLang="en-US"/>
+              <a:t>迭代 </a:t>
+            </a:r>
+            <a:r>
+              <a:rPr lang="en-US" altLang="zh-TW"/>
+              <a:t>dict</a:t>
+            </a:r>
+            <a:endParaRPr lang="zh-TW" altLang="en-US"/>
+          </a:p>
+        </p:txBody>
+      </p:sp>
+      <p:sp>
+        <p:nvSpPr>
+          <p:cNvPr id="3" name="內容版面配置區 2">
+            <a:extLst>
+              <a:ext uri="{FF2B5EF4-FFF2-40B4-BE49-F238E27FC236}">
+                <a16:creationId xmlns:a16="http://schemas.microsoft.com/office/drawing/2014/main" id="{F55DE6A9-4D03-468C-BD44-7281BDAC78A9}"/>
+              </a:ext>
+            </a:extLst>
+          </p:cNvPr>
+          <p:cNvSpPr>
+            <a:spLocks noGrp="1"/>
+          </p:cNvSpPr>
+          <p:nvPr>
+            <p:ph idx="1"/>
+          </p:nvPr>
+        </p:nvSpPr>
+        <p:spPr/>
+        <p:txBody>
+          <a:bodyPr>
+            <a:normAutofit/>
+          </a:bodyPr>
+          <a:lstStyle/>
+          <a:p>
+            <a:pPr marL="0" indent="0">
+              <a:buNone/>
+            </a:pPr>
+            <a:endParaRPr lang="en-US" altLang="zh-TW" sz="2800"/>
+          </a:p>
+          <a:p>
+            <a:pPr marL="0" indent="0">
+              <a:buNone/>
+            </a:pPr>
+            <a:r>
+              <a:rPr lang="en-US" altLang="zh-TW" sz="2800"/>
+              <a:t>dic.keys()</a:t>
+            </a:r>
+            <a:r>
+              <a:rPr lang="zh-TW" altLang="en-US" sz="2800"/>
+              <a:t> → 取得所有的鍵</a:t>
+            </a:r>
+            <a:endParaRPr lang="en-US" altLang="zh-TW" sz="2800"/>
+          </a:p>
+          <a:p>
+            <a:pPr marL="0" indent="0">
+              <a:buNone/>
+            </a:pPr>
+            <a:r>
+              <a:rPr lang="en-US" altLang="zh-TW" sz="2800"/>
+              <a:t>dic.values() </a:t>
+            </a:r>
+            <a:r>
+              <a:rPr lang="zh-TW" altLang="en-US" sz="2800"/>
+              <a:t>→ 取得所有的值</a:t>
+            </a:r>
+            <a:endParaRPr lang="en-US" altLang="zh-TW" sz="2800"/>
+          </a:p>
+          <a:p>
+            <a:pPr marL="0" indent="0">
+              <a:buNone/>
+            </a:pPr>
+            <a:r>
+              <a:rPr lang="en-US" altLang="zh-TW" sz="2800"/>
+              <a:t>dic.items()</a:t>
+            </a:r>
+            <a:r>
+              <a:rPr lang="zh-TW" altLang="en-US" sz="2800"/>
+              <a:t> → 取得所有的鍵與值（包成 </a:t>
+            </a:r>
+            <a:r>
+              <a:rPr lang="en-US" altLang="zh-TW" sz="2800"/>
+              <a:t>tuple</a:t>
+            </a:r>
+            <a:r>
+              <a:rPr lang="zh-TW" altLang="en-US" sz="2800"/>
+              <a:t>）</a:t>
+            </a:r>
+            <a:endParaRPr lang="en-US" altLang="zh-TW" sz="2800"/>
+          </a:p>
+          <a:p>
+            <a:pPr marL="0" indent="0">
+              <a:buNone/>
+            </a:pPr>
+            <a:endParaRPr lang="en-US" altLang="zh-TW" sz="2800"/>
+          </a:p>
+          <a:p>
+            <a:pPr marL="0" indent="0">
+              <a:buNone/>
+            </a:pPr>
+            <a:r>
+              <a:rPr lang="en-US" altLang="zh-TW" sz="2800"/>
+              <a:t>for elm in </a:t>
+            </a:r>
+            <a:r>
+              <a:rPr lang="en-US" altLang="zh-TW" sz="2800">
+                <a:solidFill>
+                  <a:srgbClr val="FF0000"/>
+                </a:solidFill>
+              </a:rPr>
+              <a:t>dic.keys()</a:t>
+            </a:r>
+            <a:r>
+              <a:rPr lang="en-US" altLang="zh-TW" sz="2800"/>
+              <a:t>:</a:t>
+            </a:r>
+          </a:p>
+          <a:p>
+            <a:pPr marL="0" indent="0">
+              <a:buNone/>
+            </a:pPr>
+            <a:r>
+              <a:rPr lang="en-US" altLang="zh-TW" sz="2800"/>
+              <a:t>	print(elm)</a:t>
+            </a:r>
+          </a:p>
+        </p:txBody>
+      </p:sp>
+    </p:spTree>
+    <p:extLst>
+      <p:ext uri="{BB962C8B-B14F-4D97-AF65-F5344CB8AC3E}">
+        <p14:creationId xmlns:p14="http://schemas.microsoft.com/office/powerpoint/2010/main" val="657406916"/>
+      </p:ext>
+    </p:extLst>
+  </p:cSld>
+  <p:clrMapOvr>
+    <a:masterClrMapping/>
+  </p:clrMapOvr>
+</p:sld>
+</file>
+
+<file path=ppt/slides/slide45.xml><?xml version="1.0" encoding="utf-8"?>
+<p:sld xmlns:a="http://schemas.openxmlformats.org/drawingml/2006/main" xmlns:r="http://schemas.openxmlformats.org/officeDocument/2006/relationships" xmlns:p="http://schemas.openxmlformats.org/presentationml/2006/main">
+  <p:cSld>
+    <p:spTree>
+      <p:nvGrpSpPr>
+        <p:cNvPr id="1" name=""/>
+        <p:cNvGrpSpPr/>
+        <p:nvPr/>
+      </p:nvGrpSpPr>
+      <p:grpSpPr>
+        <a:xfrm>
+          <a:off x="0" y="0"/>
+          <a:ext cx="0" cy="0"/>
+          <a:chOff x="0" y="0"/>
+          <a:chExt cx="0" cy="0"/>
+        </a:xfrm>
+      </p:grpSpPr>
+      <p:sp>
+        <p:nvSpPr>
+          <p:cNvPr id="2" name="標題 1">
+            <a:extLst>
+              <a:ext uri="{FF2B5EF4-FFF2-40B4-BE49-F238E27FC236}">
+                <a16:creationId xmlns:a16="http://schemas.microsoft.com/office/drawing/2014/main" id="{9B53B079-E708-4235-B7AC-60CB4BCF5193}"/>
+              </a:ext>
+            </a:extLst>
+          </p:cNvPr>
+          <p:cNvSpPr>
+            <a:spLocks noGrp="1"/>
+          </p:cNvSpPr>
+          <p:nvPr>
+            <p:ph type="title"/>
+          </p:nvPr>
+        </p:nvSpPr>
+        <p:spPr/>
+        <p:txBody>
+          <a:bodyPr/>
+          <a:lstStyle/>
+          <a:p>
+            <a:r>
+              <a:rPr lang="zh-TW" altLang="en-US"/>
+              <a:t>迭代 </a:t>
+            </a:r>
+            <a:r>
+              <a:rPr lang="en-US" altLang="zh-TW"/>
+              <a:t>dict</a:t>
+            </a:r>
+            <a:endParaRPr lang="zh-TW" altLang="en-US"/>
+          </a:p>
+        </p:txBody>
+      </p:sp>
+      <p:sp>
+        <p:nvSpPr>
+          <p:cNvPr id="3" name="內容版面配置區 2">
+            <a:extLst>
+              <a:ext uri="{FF2B5EF4-FFF2-40B4-BE49-F238E27FC236}">
+                <a16:creationId xmlns:a16="http://schemas.microsoft.com/office/drawing/2014/main" id="{F55DE6A9-4D03-468C-BD44-7281BDAC78A9}"/>
+              </a:ext>
+            </a:extLst>
+          </p:cNvPr>
+          <p:cNvSpPr>
+            <a:spLocks noGrp="1"/>
+          </p:cNvSpPr>
+          <p:nvPr>
+            <p:ph idx="1"/>
+          </p:nvPr>
+        </p:nvSpPr>
+        <p:spPr/>
+        <p:txBody>
+          <a:bodyPr>
+            <a:normAutofit/>
+          </a:bodyPr>
+          <a:lstStyle/>
+          <a:p>
+            <a:pPr marL="0" indent="0">
+              <a:buNone/>
+            </a:pPr>
+            <a:endParaRPr lang="en-US" altLang="zh-TW" sz="2800"/>
+          </a:p>
+          <a:p>
+            <a:pPr marL="0" indent="0">
+              <a:buNone/>
+            </a:pPr>
+            <a:r>
+              <a:rPr lang="en-US" altLang="zh-TW" sz="2800"/>
+              <a:t>dic.keys()</a:t>
+            </a:r>
+            <a:r>
+              <a:rPr lang="zh-TW" altLang="en-US" sz="2800"/>
+              <a:t> → 取得所有的鍵</a:t>
+            </a:r>
+            <a:endParaRPr lang="en-US" altLang="zh-TW" sz="2800"/>
+          </a:p>
+          <a:p>
+            <a:pPr marL="0" indent="0">
+              <a:buNone/>
+            </a:pPr>
+            <a:r>
+              <a:rPr lang="en-US" altLang="zh-TW" sz="2800"/>
+              <a:t>dic.values() </a:t>
+            </a:r>
+            <a:r>
+              <a:rPr lang="zh-TW" altLang="en-US" sz="2800"/>
+              <a:t>→ 取得所有的值</a:t>
+            </a:r>
+            <a:endParaRPr lang="en-US" altLang="zh-TW" sz="2800"/>
+          </a:p>
+          <a:p>
+            <a:pPr marL="0" indent="0">
+              <a:buNone/>
+            </a:pPr>
+            <a:r>
+              <a:rPr lang="en-US" altLang="zh-TW" sz="2800"/>
+              <a:t>dic.items()</a:t>
+            </a:r>
+            <a:r>
+              <a:rPr lang="zh-TW" altLang="en-US" sz="2800"/>
+              <a:t> → 取得所有的鍵與值（包成 </a:t>
+            </a:r>
+            <a:r>
+              <a:rPr lang="en-US" altLang="zh-TW" sz="2800"/>
+              <a:t>tuple</a:t>
+            </a:r>
+            <a:r>
+              <a:rPr lang="zh-TW" altLang="en-US" sz="2800"/>
+              <a:t>）</a:t>
+            </a:r>
+            <a:endParaRPr lang="en-US" altLang="zh-TW" sz="2800"/>
+          </a:p>
+          <a:p>
+            <a:pPr marL="0" indent="0">
+              <a:buNone/>
+            </a:pPr>
+            <a:endParaRPr lang="en-US" altLang="zh-TW" sz="2800"/>
+          </a:p>
+          <a:p>
+            <a:pPr marL="0" indent="0">
+              <a:buNone/>
+            </a:pPr>
+            <a:r>
+              <a:rPr lang="en-US" altLang="zh-TW" sz="2800"/>
+              <a:t>for elm in </a:t>
+            </a:r>
+            <a:r>
+              <a:rPr lang="en-US" altLang="zh-TW" sz="2800">
+                <a:solidFill>
+                  <a:srgbClr val="FF0000"/>
+                </a:solidFill>
+              </a:rPr>
+              <a:t>dic.items()</a:t>
+            </a:r>
+            <a:r>
+              <a:rPr lang="en-US" altLang="zh-TW" sz="2800"/>
+              <a:t>:</a:t>
+            </a:r>
+          </a:p>
+          <a:p>
+            <a:pPr marL="0" indent="0">
+              <a:buNone/>
+            </a:pPr>
+            <a:r>
+              <a:rPr lang="en-US" altLang="zh-TW" sz="2800"/>
+              <a:t>	print(elm)</a:t>
+            </a:r>
+          </a:p>
+        </p:txBody>
+      </p:sp>
+    </p:spTree>
+    <p:extLst>
+      <p:ext uri="{BB962C8B-B14F-4D97-AF65-F5344CB8AC3E}">
+        <p14:creationId xmlns:p14="http://schemas.microsoft.com/office/powerpoint/2010/main" val="4001639547"/>
+      </p:ext>
+    </p:extLst>
+  </p:cSld>
+  <p:clrMapOvr>
+    <a:masterClrMapping/>
+  </p:clrMapOvr>
+</p:sld>
+</file>
+
+<file path=ppt/slides/slide46.xml><?xml version="1.0" encoding="utf-8"?>
+<p:sld xmlns:a="http://schemas.openxmlformats.org/drawingml/2006/main" xmlns:r="http://schemas.openxmlformats.org/officeDocument/2006/relationships" xmlns:p="http://schemas.openxmlformats.org/presentationml/2006/main">
+  <p:cSld>
+    <p:spTree>
+      <p:nvGrpSpPr>
+        <p:cNvPr id="1" name=""/>
+        <p:cNvGrpSpPr/>
+        <p:nvPr/>
+      </p:nvGrpSpPr>
+      <p:grpSpPr>
+        <a:xfrm>
+          <a:off x="0" y="0"/>
+          <a:ext cx="0" cy="0"/>
+          <a:chOff x="0" y="0"/>
+          <a:chExt cx="0" cy="0"/>
+        </a:xfrm>
+      </p:grpSpPr>
+      <p:sp>
+        <p:nvSpPr>
+          <p:cNvPr id="2" name="標題 1">
+            <a:extLst>
+              <a:ext uri="{FF2B5EF4-FFF2-40B4-BE49-F238E27FC236}">
+                <a16:creationId xmlns:a16="http://schemas.microsoft.com/office/drawing/2014/main" id="{9B53B079-E708-4235-B7AC-60CB4BCF5193}"/>
+              </a:ext>
+            </a:extLst>
+          </p:cNvPr>
+          <p:cNvSpPr>
+            <a:spLocks noGrp="1"/>
+          </p:cNvSpPr>
+          <p:nvPr>
+            <p:ph type="title"/>
+          </p:nvPr>
+        </p:nvSpPr>
+        <p:spPr/>
+        <p:txBody>
+          <a:bodyPr/>
+          <a:lstStyle/>
+          <a:p>
+            <a:r>
+              <a:rPr lang="zh-TW" altLang="en-US"/>
+              <a:t>迭代 </a:t>
+            </a:r>
+            <a:r>
+              <a:rPr lang="en-US" altLang="zh-TW"/>
+              <a:t>dict</a:t>
+            </a:r>
+            <a:endParaRPr lang="zh-TW" altLang="en-US"/>
+          </a:p>
+        </p:txBody>
+      </p:sp>
+      <p:sp>
+        <p:nvSpPr>
+          <p:cNvPr id="3" name="內容版面配置區 2">
+            <a:extLst>
+              <a:ext uri="{FF2B5EF4-FFF2-40B4-BE49-F238E27FC236}">
+                <a16:creationId xmlns:a16="http://schemas.microsoft.com/office/drawing/2014/main" id="{F55DE6A9-4D03-468C-BD44-7281BDAC78A9}"/>
+              </a:ext>
+            </a:extLst>
+          </p:cNvPr>
+          <p:cNvSpPr>
+            <a:spLocks noGrp="1"/>
+          </p:cNvSpPr>
+          <p:nvPr>
+            <p:ph idx="1"/>
+          </p:nvPr>
+        </p:nvSpPr>
+        <p:spPr/>
+        <p:txBody>
+          <a:bodyPr>
+            <a:normAutofit/>
+          </a:bodyPr>
+          <a:lstStyle/>
+          <a:p>
+            <a:pPr marL="0" indent="0">
+              <a:buNone/>
+            </a:pPr>
+            <a:endParaRPr lang="en-US" altLang="zh-TW" sz="2800"/>
+          </a:p>
+          <a:p>
+            <a:pPr marL="0" indent="0">
+              <a:buNone/>
+            </a:pPr>
+            <a:r>
+              <a:rPr lang="en-US" altLang="zh-TW" sz="2800"/>
+              <a:t>dic.keys()</a:t>
+            </a:r>
+            <a:r>
+              <a:rPr lang="zh-TW" altLang="en-US" sz="2800"/>
+              <a:t> → 取得所有的鍵</a:t>
+            </a:r>
+            <a:endParaRPr lang="en-US" altLang="zh-TW" sz="2800"/>
+          </a:p>
+          <a:p>
+            <a:pPr marL="0" indent="0">
+              <a:buNone/>
+            </a:pPr>
+            <a:r>
+              <a:rPr lang="en-US" altLang="zh-TW" sz="2800"/>
+              <a:t>dic.values() </a:t>
+            </a:r>
+            <a:r>
+              <a:rPr lang="zh-TW" altLang="en-US" sz="2800"/>
+              <a:t>→ 取得所有的值</a:t>
+            </a:r>
+            <a:endParaRPr lang="en-US" altLang="zh-TW" sz="2800"/>
+          </a:p>
+          <a:p>
+            <a:pPr marL="0" indent="0">
+              <a:buNone/>
+            </a:pPr>
+            <a:r>
+              <a:rPr lang="en-US" altLang="zh-TW" sz="2800"/>
+              <a:t>dic.items()</a:t>
+            </a:r>
+            <a:r>
+              <a:rPr lang="zh-TW" altLang="en-US" sz="2800"/>
+              <a:t> → 取得所有的鍵與值（包成 </a:t>
+            </a:r>
+            <a:r>
+              <a:rPr lang="en-US" altLang="zh-TW" sz="2800"/>
+              <a:t>tuple</a:t>
+            </a:r>
+            <a:r>
+              <a:rPr lang="zh-TW" altLang="en-US" sz="2800"/>
+              <a:t>）</a:t>
+            </a:r>
+            <a:endParaRPr lang="en-US" altLang="zh-TW" sz="2800"/>
+          </a:p>
+          <a:p>
+            <a:pPr marL="0" indent="0">
+              <a:buNone/>
+            </a:pPr>
+            <a:endParaRPr lang="en-US" altLang="zh-TW" sz="2800"/>
+          </a:p>
+          <a:p>
+            <a:pPr marL="0" indent="0">
+              <a:buNone/>
+            </a:pPr>
+            <a:r>
+              <a:rPr lang="en-US" altLang="zh-TW" sz="2800"/>
+              <a:t>for </a:t>
+            </a:r>
+            <a:r>
+              <a:rPr lang="en-US" altLang="zh-TW" sz="2800">
+                <a:solidFill>
+                  <a:srgbClr val="FF0000"/>
+                </a:solidFill>
+              </a:rPr>
+              <a:t>k</a:t>
+            </a:r>
+            <a:r>
+              <a:rPr lang="en-US" altLang="zh-TW" sz="2800"/>
+              <a:t>,</a:t>
+            </a:r>
+            <a:r>
+              <a:rPr lang="en-US" altLang="zh-TW" sz="2800">
+                <a:solidFill>
+                  <a:srgbClr val="FF0000"/>
+                </a:solidFill>
+              </a:rPr>
+              <a:t> v </a:t>
+            </a:r>
+            <a:r>
+              <a:rPr lang="en-US" altLang="zh-TW" sz="2800"/>
+              <a:t>in </a:t>
+            </a:r>
+            <a:r>
+              <a:rPr lang="en-US" altLang="zh-TW" sz="2800">
+                <a:solidFill>
+                  <a:srgbClr val="FF0000"/>
+                </a:solidFill>
+              </a:rPr>
+              <a:t>dic.items()</a:t>
+            </a:r>
+            <a:r>
+              <a:rPr lang="en-US" altLang="zh-TW" sz="2800"/>
+              <a:t>:</a:t>
+            </a:r>
+          </a:p>
+          <a:p>
+            <a:pPr marL="0" indent="0">
+              <a:buNone/>
+            </a:pPr>
+            <a:r>
+              <a:rPr lang="en-US" altLang="zh-TW" sz="2800"/>
+              <a:t>	print(</a:t>
+            </a:r>
+            <a:r>
+              <a:rPr lang="en-US" altLang="zh-TW" sz="2800">
+                <a:solidFill>
+                  <a:srgbClr val="FF0000"/>
+                </a:solidFill>
+              </a:rPr>
+              <a:t>k</a:t>
+            </a:r>
+            <a:r>
+              <a:rPr lang="en-US" altLang="zh-TW" sz="2800"/>
+              <a:t>, </a:t>
+            </a:r>
+            <a:r>
+              <a:rPr lang="en-US" altLang="zh-TW" sz="2800">
+                <a:solidFill>
+                  <a:srgbClr val="FF0000"/>
+                </a:solidFill>
+              </a:rPr>
+              <a:t>v</a:t>
+            </a:r>
+            <a:r>
+              <a:rPr lang="en-US" altLang="zh-TW" sz="2800"/>
+              <a:t>)</a:t>
+            </a:r>
+          </a:p>
+        </p:txBody>
+      </p:sp>
+    </p:spTree>
+    <p:extLst>
+      <p:ext uri="{BB962C8B-B14F-4D97-AF65-F5344CB8AC3E}">
+        <p14:creationId xmlns:p14="http://schemas.microsoft.com/office/powerpoint/2010/main" val="3682050747"/>
+      </p:ext>
+    </p:extLst>
+  </p:cSld>
+  <p:clrMapOvr>
+    <a:masterClrMapping/>
+  </p:clrMapOvr>
+</p:sld>
+</file>
+
+<file path=ppt/slides/slide47.xml><?xml version="1.0" encoding="utf-8"?>
+<p:sld xmlns:a="http://schemas.openxmlformats.org/drawingml/2006/main" xmlns:r="http://schemas.openxmlformats.org/officeDocument/2006/relationships" xmlns:p="http://schemas.openxmlformats.org/presentationml/2006/main">
+  <p:cSld>
+    <p:spTree>
+      <p:nvGrpSpPr>
+        <p:cNvPr id="1" name=""/>
+        <p:cNvGrpSpPr/>
+        <p:nvPr/>
+      </p:nvGrpSpPr>
+      <p:grpSpPr>
+        <a:xfrm>
+          <a:off x="0" y="0"/>
+          <a:ext cx="0" cy="0"/>
+          <a:chOff x="0" y="0"/>
+          <a:chExt cx="0" cy="0"/>
+        </a:xfrm>
+      </p:grpSpPr>
+      <p:sp>
+        <p:nvSpPr>
+          <p:cNvPr id="2" name="標題 1">
+            <a:extLst>
+              <a:ext uri="{FF2B5EF4-FFF2-40B4-BE49-F238E27FC236}">
+                <a16:creationId xmlns:a16="http://schemas.microsoft.com/office/drawing/2014/main" id="{8DD37F30-5748-4B2F-A6D0-52FDA4E580FB}"/>
+              </a:ext>
+            </a:extLst>
+          </p:cNvPr>
+          <p:cNvSpPr>
+            <a:spLocks noGrp="1"/>
+          </p:cNvSpPr>
+          <p:nvPr>
+            <p:ph type="title"/>
+          </p:nvPr>
+        </p:nvSpPr>
+        <p:spPr/>
+        <p:txBody>
+          <a:bodyPr/>
+          <a:lstStyle/>
+          <a:p>
+            <a:r>
+              <a:rPr lang="en-US" altLang="zh-TW"/>
+              <a:t>dict </a:t>
+            </a:r>
+            <a:r>
+              <a:rPr lang="zh-TW" altLang="en-US"/>
+              <a:t>用 </a:t>
+            </a:r>
+            <a:r>
+              <a:rPr lang="en-US" altLang="zh-TW"/>
+              <a:t>for </a:t>
+            </a:r>
+            <a:r>
+              <a:rPr lang="zh-TW" altLang="en-US"/>
+              <a:t>生成</a:t>
+            </a:r>
+          </a:p>
+        </p:txBody>
+      </p:sp>
+      <p:sp>
+        <p:nvSpPr>
+          <p:cNvPr id="3" name="內容版面配置區 2">
+            <a:extLst>
+              <a:ext uri="{FF2B5EF4-FFF2-40B4-BE49-F238E27FC236}">
+                <a16:creationId xmlns:a16="http://schemas.microsoft.com/office/drawing/2014/main" id="{73FCE145-EA39-4EA9-8745-77D7BD5BB5BA}"/>
+              </a:ext>
+            </a:extLst>
+          </p:cNvPr>
+          <p:cNvSpPr>
+            <a:spLocks noGrp="1"/>
+          </p:cNvSpPr>
+          <p:nvPr>
+            <p:ph idx="1"/>
+          </p:nvPr>
+        </p:nvSpPr>
+        <p:spPr/>
+        <p:txBody>
+          <a:bodyPr>
+            <a:normAutofit/>
+          </a:bodyPr>
+          <a:lstStyle/>
+          <a:p>
+            <a:pPr marL="0" indent="0">
+              <a:buNone/>
+            </a:pPr>
+            <a:endParaRPr lang="en-US" altLang="zh-TW" sz="2800"/>
+          </a:p>
+          <a:p>
+            <a:pPr marL="0" indent="0">
+              <a:buNone/>
+            </a:pPr>
+            <a:r>
+              <a:rPr lang="en-US" altLang="zh-TW" sz="2800"/>
+              <a:t>dic = {</a:t>
+            </a:r>
+            <a:r>
+              <a:rPr lang="en-US" altLang="zh-TW" sz="2800">
+                <a:solidFill>
+                  <a:srgbClr val="FF0000"/>
+                </a:solidFill>
+              </a:rPr>
+              <a:t>x</a:t>
+            </a:r>
+            <a:r>
+              <a:rPr lang="en-US" altLang="zh-TW" sz="2800"/>
+              <a:t>:</a:t>
+            </a:r>
+            <a:r>
+              <a:rPr lang="en-US" altLang="zh-TW" sz="2800">
+                <a:solidFill>
+                  <a:srgbClr val="FF0000"/>
+                </a:solidFill>
+              </a:rPr>
+              <a:t> x ** 2 </a:t>
+            </a:r>
+            <a:r>
+              <a:rPr lang="en-US" altLang="zh-TW" sz="2800">
+                <a:solidFill>
+                  <a:srgbClr val="0070C0"/>
+                </a:solidFill>
+              </a:rPr>
+              <a:t>for x in range(100)</a:t>
+            </a:r>
+            <a:r>
+              <a:rPr lang="en-US" altLang="zh-TW" sz="2800"/>
+              <a:t>}</a:t>
+            </a:r>
+          </a:p>
+          <a:p>
+            <a:pPr marL="0" indent="0">
+              <a:buNone/>
+            </a:pPr>
+            <a:endParaRPr lang="en-US" altLang="zh-TW" sz="2800"/>
+          </a:p>
+          <a:p>
+            <a:pPr marL="0" indent="0">
+              <a:buNone/>
+            </a:pPr>
+            <a:r>
+              <a:rPr lang="en-US" altLang="zh-TW" sz="2800"/>
+              <a:t>dic </a:t>
+            </a:r>
+            <a:r>
+              <a:rPr lang="zh-TW" altLang="en-US" sz="2800"/>
+              <a:t>→ </a:t>
+            </a:r>
+            <a:r>
+              <a:rPr lang="en-US" altLang="zh-TW" sz="2800"/>
+              <a:t>{0: 0, 1: 1, 2: 4, 3: 9, ……}</a:t>
+            </a:r>
+          </a:p>
+        </p:txBody>
+      </p:sp>
+    </p:spTree>
+    <p:extLst>
+      <p:ext uri="{BB962C8B-B14F-4D97-AF65-F5344CB8AC3E}">
+        <p14:creationId xmlns:p14="http://schemas.microsoft.com/office/powerpoint/2010/main" val="1171755018"/>
+      </p:ext>
+    </p:extLst>
+  </p:cSld>
+  <p:clrMapOvr>
+    <a:masterClrMapping/>
+  </p:clrMapOvr>
+</p:sld>
+</file>
+
+<file path=ppt/slides/slide48.xml><?xml version="1.0" encoding="utf-8"?>
+<p:sld xmlns:a="http://schemas.openxmlformats.org/drawingml/2006/main" xmlns:r="http://schemas.openxmlformats.org/officeDocument/2006/relationships" xmlns:p="http://schemas.openxmlformats.org/presentationml/2006/main">
+  <p:cSld>
+    <p:spTree>
+      <p:nvGrpSpPr>
+        <p:cNvPr id="1" name=""/>
+        <p:cNvGrpSpPr/>
+        <p:nvPr/>
+      </p:nvGrpSpPr>
+      <p:grpSpPr>
+        <a:xfrm>
+          <a:off x="0" y="0"/>
+          <a:ext cx="0" cy="0"/>
+          <a:chOff x="0" y="0"/>
+          <a:chExt cx="0" cy="0"/>
+        </a:xfrm>
+      </p:grpSpPr>
+      <p:sp>
+        <p:nvSpPr>
+          <p:cNvPr id="2" name="標題 1">
+            <a:extLst>
+              <a:ext uri="{FF2B5EF4-FFF2-40B4-BE49-F238E27FC236}">
+                <a16:creationId xmlns:a16="http://schemas.microsoft.com/office/drawing/2014/main" id="{9C02622A-FBCF-4607-A99C-EEFA84A5940D}"/>
+              </a:ext>
+            </a:extLst>
+          </p:cNvPr>
+          <p:cNvSpPr>
+            <a:spLocks noGrp="1"/>
+          </p:cNvSpPr>
+          <p:nvPr>
+            <p:ph type="title"/>
+          </p:nvPr>
+        </p:nvSpPr>
+        <p:spPr/>
+        <p:txBody>
+          <a:bodyPr/>
+          <a:lstStyle/>
+          <a:p>
+            <a:r>
+              <a:rPr lang="zh-TW" altLang="en-US"/>
+              <a:t>容器 </a:t>
+            </a:r>
+            <a:r>
+              <a:rPr lang="en-US" altLang="zh-TW"/>
+              <a:t>- </a:t>
+            </a:r>
+            <a:r>
+              <a:rPr lang="zh-TW" altLang="en-US"/>
+              <a:t>可迭代物件</a:t>
+            </a:r>
+          </a:p>
+        </p:txBody>
+      </p:sp>
+      <p:graphicFrame>
+        <p:nvGraphicFramePr>
+          <p:cNvPr id="4" name="內容版面配置區 3">
+            <a:extLst>
+              <a:ext uri="{FF2B5EF4-FFF2-40B4-BE49-F238E27FC236}">
+                <a16:creationId xmlns:a16="http://schemas.microsoft.com/office/drawing/2014/main" id="{50AEC9E1-1F2F-4695-AEA4-F629C642167E}"/>
+              </a:ext>
+            </a:extLst>
+          </p:cNvPr>
+          <p:cNvGraphicFramePr>
+            <a:graphicFrameLocks noGrp="1"/>
+          </p:cNvGraphicFramePr>
+          <p:nvPr>
+            <p:ph idx="1"/>
+            <p:extLst/>
+          </p:nvPr>
+        </p:nvGraphicFramePr>
+        <p:xfrm>
+          <a:off x="1261872" y="2499756"/>
+          <a:ext cx="8212135" cy="3108960"/>
+        </p:xfrm>
+        <a:graphic>
+          <a:graphicData uri="http://schemas.openxmlformats.org/drawingml/2006/table">
+            <a:tbl>
+              <a:tblPr firstRow="1" bandRow="1">
+                <a:tableStyleId>{5C22544A-7EE6-4342-B048-85BDC9FD1C3A}</a:tableStyleId>
+              </a:tblPr>
+              <a:tblGrid>
+                <a:gridCol w="1980671">
+                  <a:extLst>
+                    <a:ext uri="{9D8B030D-6E8A-4147-A177-3AD203B41FA5}">
+                      <a16:colId xmlns:a16="http://schemas.microsoft.com/office/drawing/2014/main" val="881928438"/>
+                    </a:ext>
+                  </a:extLst>
+                </a:gridCol>
+                <a:gridCol w="1557866">
+                  <a:extLst>
+                    <a:ext uri="{9D8B030D-6E8A-4147-A177-3AD203B41FA5}">
+                      <a16:colId xmlns:a16="http://schemas.microsoft.com/office/drawing/2014/main" val="4005785759"/>
+                    </a:ext>
+                  </a:extLst>
+                </a:gridCol>
+                <a:gridCol w="1557866">
+                  <a:extLst>
+                    <a:ext uri="{9D8B030D-6E8A-4147-A177-3AD203B41FA5}">
+                      <a16:colId xmlns:a16="http://schemas.microsoft.com/office/drawing/2014/main" val="2078695155"/>
+                    </a:ext>
+                  </a:extLst>
+                </a:gridCol>
+                <a:gridCol w="1557866">
+                  <a:extLst>
+                    <a:ext uri="{9D8B030D-6E8A-4147-A177-3AD203B41FA5}">
+                      <a16:colId xmlns:a16="http://schemas.microsoft.com/office/drawing/2014/main" val="70972085"/>
+                    </a:ext>
+                  </a:extLst>
+                </a:gridCol>
+                <a:gridCol w="1557866">
+                  <a:extLst>
+                    <a:ext uri="{9D8B030D-6E8A-4147-A177-3AD203B41FA5}">
+                      <a16:colId xmlns:a16="http://schemas.microsoft.com/office/drawing/2014/main" val="2101474053"/>
+                    </a:ext>
+                  </a:extLst>
+                </a:gridCol>
+              </a:tblGrid>
+              <a:tr h="370840">
+                <a:tc>
+                  <a:txBody>
+                    <a:bodyPr/>
+                    <a:lstStyle/>
+                    <a:p>
+                      <a:pPr algn="ctr"/>
+                      <a:r>
+                        <a:rPr lang="zh-TW" altLang="en-US" sz="2800"/>
+                        <a:t>類型名稱</a:t>
+                      </a:r>
+                    </a:p>
+                  </a:txBody>
+                  <a:tcPr anchor="ctr"/>
+                </a:tc>
+                <a:tc>
+                  <a:txBody>
+                    <a:bodyPr/>
+                    <a:lstStyle/>
+                    <a:p>
+                      <a:pPr algn="ctr"/>
+                      <a:r>
+                        <a:rPr lang="zh-TW" altLang="en-US" sz="2800"/>
+                        <a:t>意義</a:t>
+                      </a:r>
+                    </a:p>
+                  </a:txBody>
+                  <a:tcPr anchor="ctr"/>
+                </a:tc>
+                <a:tc>
+                  <a:txBody>
+                    <a:bodyPr/>
+                    <a:lstStyle/>
+                    <a:p>
+                      <a:pPr algn="ctr"/>
+                      <a:r>
+                        <a:rPr lang="zh-TW" altLang="en-US" sz="2800"/>
+                        <a:t>變動</a:t>
+                      </a:r>
+                    </a:p>
+                  </a:txBody>
+                  <a:tcPr anchor="ctr"/>
+                </a:tc>
+                <a:tc>
+                  <a:txBody>
+                    <a:bodyPr/>
+                    <a:lstStyle/>
+                    <a:p>
+                      <a:pPr algn="ctr"/>
+                      <a:r>
+                        <a:rPr lang="zh-TW" altLang="en-US" sz="2800"/>
+                        <a:t>順序</a:t>
+                      </a:r>
+                    </a:p>
+                  </a:txBody>
+                  <a:tcPr anchor="ctr"/>
+                </a:tc>
+                <a:tc>
+                  <a:txBody>
+                    <a:bodyPr/>
+                    <a:lstStyle/>
+                    <a:p>
+                      <a:pPr algn="ctr"/>
+                      <a:r>
+                        <a:rPr lang="zh-TW" altLang="en-US" sz="2800"/>
+                        <a:t>唯一</a:t>
+                      </a:r>
+                    </a:p>
+                  </a:txBody>
+                  <a:tcPr anchor="ctr"/>
+                </a:tc>
+                <a:extLst>
+                  <a:ext uri="{0D108BD9-81ED-4DB2-BD59-A6C34878D82A}">
+                    <a16:rowId xmlns:a16="http://schemas.microsoft.com/office/drawing/2014/main" val="2849969137"/>
+                  </a:ext>
+                </a:extLst>
+              </a:tr>
+              <a:tr h="370840">
+                <a:tc>
+                  <a:txBody>
+                    <a:bodyPr/>
+                    <a:lstStyle/>
+                    <a:p>
+                      <a:r>
+                        <a:rPr lang="en-US" altLang="zh-TW" sz="2800"/>
+                        <a:t>str</a:t>
+                      </a:r>
+                      <a:endParaRPr lang="zh-TW" altLang="en-US" sz="2800"/>
+                    </a:p>
+                  </a:txBody>
+                  <a:tcPr anchor="ctr"/>
+                </a:tc>
+                <a:tc>
+                  <a:txBody>
+                    <a:bodyPr/>
+                    <a:lstStyle/>
+                    <a:p>
+                      <a:pPr algn="ctr"/>
+                      <a:r>
+                        <a:rPr lang="zh-TW" altLang="en-US" sz="2800"/>
+                        <a:t>字串</a:t>
+                      </a:r>
+                    </a:p>
+                  </a:txBody>
+                  <a:tcPr anchor="ctr"/>
+                </a:tc>
+                <a:tc>
+                  <a:txBody>
+                    <a:bodyPr/>
+                    <a:lstStyle/>
+                    <a:p>
+                      <a:pPr algn="ctr"/>
+                      <a:r>
+                        <a:rPr lang="en-US" altLang="zh-TW" sz="2800"/>
+                        <a:t>X</a:t>
+                      </a:r>
+                      <a:endParaRPr lang="zh-TW" altLang="en-US" sz="2800"/>
+                    </a:p>
+                  </a:txBody>
+                  <a:tcPr anchor="ctr"/>
+                </a:tc>
+                <a:tc>
+                  <a:txBody>
+                    <a:bodyPr/>
+                    <a:lstStyle/>
+                    <a:p>
+                      <a:pPr algn="ctr"/>
+                      <a:r>
+                        <a:rPr lang="en-US" altLang="zh-TW" sz="2800"/>
+                        <a:t>O</a:t>
+                      </a:r>
+                      <a:endParaRPr lang="zh-TW" altLang="en-US" sz="2800"/>
+                    </a:p>
+                  </a:txBody>
+                  <a:tcPr anchor="ctr"/>
+                </a:tc>
+                <a:tc>
+                  <a:txBody>
+                    <a:bodyPr/>
+                    <a:lstStyle/>
+                    <a:p>
+                      <a:pPr algn="ctr"/>
+                      <a:r>
+                        <a:rPr lang="en-US" altLang="zh-TW" sz="2800"/>
+                        <a:t>X</a:t>
+                      </a:r>
+                      <a:endParaRPr lang="zh-TW" altLang="en-US" sz="2800"/>
+                    </a:p>
+                  </a:txBody>
+                  <a:tcPr anchor="ctr"/>
+                </a:tc>
+                <a:extLst>
+                  <a:ext uri="{0D108BD9-81ED-4DB2-BD59-A6C34878D82A}">
+                    <a16:rowId xmlns:a16="http://schemas.microsoft.com/office/drawing/2014/main" val="861416617"/>
+                  </a:ext>
+                </a:extLst>
+              </a:tr>
+              <a:tr h="370840">
+                <a:tc>
+                  <a:txBody>
+                    <a:bodyPr/>
+                    <a:lstStyle/>
+                    <a:p>
+                      <a:r>
+                        <a:rPr lang="en-US" altLang="zh-TW" sz="2800"/>
+                        <a:t>list</a:t>
+                      </a:r>
+                      <a:endParaRPr lang="zh-TW" altLang="en-US" sz="2800"/>
+                    </a:p>
+                  </a:txBody>
+                  <a:tcPr anchor="ctr"/>
+                </a:tc>
+                <a:tc>
+                  <a:txBody>
+                    <a:bodyPr/>
+                    <a:lstStyle/>
+                    <a:p>
+                      <a:pPr algn="ctr"/>
+                      <a:r>
+                        <a:rPr lang="zh-TW" altLang="en-US" sz="2800"/>
+                        <a:t>串列</a:t>
+                      </a:r>
+                    </a:p>
+                  </a:txBody>
+                  <a:tcPr anchor="ctr"/>
+                </a:tc>
+                <a:tc>
+                  <a:txBody>
+                    <a:bodyPr/>
+                    <a:lstStyle/>
+                    <a:p>
+                      <a:pPr algn="ctr"/>
+                      <a:r>
+                        <a:rPr lang="en-US" altLang="zh-TW" sz="2800"/>
+                        <a:t>O</a:t>
+                      </a:r>
+                      <a:endParaRPr lang="zh-TW" altLang="en-US" sz="2800"/>
+                    </a:p>
+                  </a:txBody>
+                  <a:tcPr anchor="ctr"/>
+                </a:tc>
+                <a:tc>
+                  <a:txBody>
+                    <a:bodyPr/>
+                    <a:lstStyle/>
+                    <a:p>
+                      <a:pPr algn="ctr"/>
+                      <a:r>
+                        <a:rPr lang="en-US" altLang="zh-TW" sz="2800"/>
+                        <a:t>O</a:t>
+                      </a:r>
+                      <a:endParaRPr lang="zh-TW" altLang="en-US" sz="2800"/>
+                    </a:p>
+                  </a:txBody>
+                  <a:tcPr anchor="ctr"/>
+                </a:tc>
+                <a:tc>
+                  <a:txBody>
+                    <a:bodyPr/>
+                    <a:lstStyle/>
+                    <a:p>
+                      <a:pPr algn="ctr"/>
+                      <a:r>
+                        <a:rPr lang="en-US" altLang="zh-TW" sz="2800"/>
+                        <a:t>X</a:t>
+                      </a:r>
+                      <a:endParaRPr lang="zh-TW" altLang="en-US" sz="2800"/>
+                    </a:p>
+                  </a:txBody>
+                  <a:tcPr anchor="ctr"/>
+                </a:tc>
+                <a:extLst>
+                  <a:ext uri="{0D108BD9-81ED-4DB2-BD59-A6C34878D82A}">
+                    <a16:rowId xmlns:a16="http://schemas.microsoft.com/office/drawing/2014/main" val="1903072542"/>
+                  </a:ext>
+                </a:extLst>
+              </a:tr>
+              <a:tr h="370840">
+                <a:tc>
+                  <a:txBody>
+                    <a:bodyPr/>
+                    <a:lstStyle/>
+                    <a:p>
+                      <a:r>
+                        <a:rPr lang="en-US" altLang="zh-TW" sz="2800"/>
+                        <a:t>tuple</a:t>
+                      </a:r>
+                      <a:endParaRPr lang="zh-TW" altLang="en-US" sz="2800"/>
+                    </a:p>
+                  </a:txBody>
+                  <a:tcPr anchor="ctr"/>
+                </a:tc>
+                <a:tc>
+                  <a:txBody>
+                    <a:bodyPr/>
+                    <a:lstStyle/>
+                    <a:p>
+                      <a:pPr algn="ctr"/>
+                      <a:r>
+                        <a:rPr lang="zh-TW" altLang="en-US" sz="2800"/>
+                        <a:t>元組</a:t>
+                      </a:r>
+                    </a:p>
+                  </a:txBody>
+                  <a:tcPr anchor="ctr"/>
+                </a:tc>
+                <a:tc>
+                  <a:txBody>
+                    <a:bodyPr/>
+                    <a:lstStyle/>
+                    <a:p>
+                      <a:pPr algn="ctr"/>
+                      <a:r>
+                        <a:rPr lang="en-US" altLang="zh-TW" sz="2800"/>
+                        <a:t>X</a:t>
+                      </a:r>
+                      <a:endParaRPr lang="zh-TW" altLang="en-US" sz="2800"/>
+                    </a:p>
+                  </a:txBody>
+                  <a:tcPr anchor="ctr"/>
+                </a:tc>
+                <a:tc>
+                  <a:txBody>
+                    <a:bodyPr/>
+                    <a:lstStyle/>
+                    <a:p>
+                      <a:pPr algn="ctr"/>
+                      <a:r>
+                        <a:rPr lang="en-US" altLang="zh-TW" sz="2800"/>
+                        <a:t>O</a:t>
+                      </a:r>
+                      <a:endParaRPr lang="zh-TW" altLang="en-US" sz="2800"/>
+                    </a:p>
+                  </a:txBody>
+                  <a:tcPr anchor="ctr"/>
+                </a:tc>
+                <a:tc>
+                  <a:txBody>
+                    <a:bodyPr/>
+                    <a:lstStyle/>
+                    <a:p>
+                      <a:pPr algn="ctr"/>
+                      <a:r>
+                        <a:rPr lang="en-US" altLang="zh-TW" sz="2800"/>
+                        <a:t>X</a:t>
+                      </a:r>
+                      <a:endParaRPr lang="zh-TW" altLang="en-US" sz="2800"/>
+                    </a:p>
+                  </a:txBody>
+                  <a:tcPr anchor="ctr"/>
+                </a:tc>
+                <a:extLst>
+                  <a:ext uri="{0D108BD9-81ED-4DB2-BD59-A6C34878D82A}">
+                    <a16:rowId xmlns:a16="http://schemas.microsoft.com/office/drawing/2014/main" val="2951912159"/>
+                  </a:ext>
+                </a:extLst>
+              </a:tr>
+              <a:tr h="370840">
+                <a:tc>
+                  <a:txBody>
+                    <a:bodyPr/>
+                    <a:lstStyle/>
+                    <a:p>
+                      <a:r>
+                        <a:rPr lang="en-US" altLang="zh-TW" sz="2800"/>
+                        <a:t>set</a:t>
+                      </a:r>
+                      <a:endParaRPr lang="zh-TW" altLang="en-US" sz="2800"/>
+                    </a:p>
+                  </a:txBody>
+                  <a:tcPr anchor="ctr"/>
+                </a:tc>
+                <a:tc>
+                  <a:txBody>
+                    <a:bodyPr/>
+                    <a:lstStyle/>
+                    <a:p>
+                      <a:pPr algn="ctr"/>
+                      <a:r>
+                        <a:rPr lang="zh-TW" altLang="en-US" sz="2800"/>
+                        <a:t>集合</a:t>
+                      </a:r>
+                    </a:p>
+                  </a:txBody>
+                  <a:tcPr anchor="ctr"/>
+                </a:tc>
+                <a:tc>
+                  <a:txBody>
+                    <a:bodyPr/>
+                    <a:lstStyle/>
+                    <a:p>
+                      <a:pPr algn="ctr"/>
+                      <a:r>
+                        <a:rPr lang="en-US" altLang="zh-TW" sz="2800"/>
+                        <a:t>O</a:t>
+                      </a:r>
+                      <a:endParaRPr lang="zh-TW" altLang="en-US" sz="2800"/>
+                    </a:p>
+                  </a:txBody>
+                  <a:tcPr anchor="ctr"/>
+                </a:tc>
+                <a:tc>
+                  <a:txBody>
+                    <a:bodyPr/>
+                    <a:lstStyle/>
+                    <a:p>
+                      <a:pPr algn="ctr"/>
+                      <a:r>
+                        <a:rPr lang="en-US" altLang="zh-TW" sz="2800"/>
+                        <a:t>X</a:t>
+                      </a:r>
+                      <a:endParaRPr lang="zh-TW" altLang="en-US" sz="2800"/>
+                    </a:p>
+                  </a:txBody>
+                  <a:tcPr anchor="ctr"/>
+                </a:tc>
+                <a:tc>
+                  <a:txBody>
+                    <a:bodyPr/>
+                    <a:lstStyle/>
+                    <a:p>
+                      <a:pPr algn="ctr"/>
+                      <a:r>
+                        <a:rPr lang="en-US" altLang="zh-TW" sz="2800"/>
+                        <a:t>O</a:t>
+                      </a:r>
+                      <a:endParaRPr lang="zh-TW" altLang="en-US" sz="2800"/>
+                    </a:p>
+                  </a:txBody>
+                  <a:tcPr anchor="ctr"/>
+                </a:tc>
+                <a:extLst>
+                  <a:ext uri="{0D108BD9-81ED-4DB2-BD59-A6C34878D82A}">
+                    <a16:rowId xmlns:a16="http://schemas.microsoft.com/office/drawing/2014/main" val="823947420"/>
+                  </a:ext>
+                </a:extLst>
+              </a:tr>
+              <a:tr h="370840">
+                <a:tc>
+                  <a:txBody>
+                    <a:bodyPr/>
+                    <a:lstStyle/>
+                    <a:p>
+                      <a:r>
+                        <a:rPr lang="en-US" altLang="zh-TW" sz="2800"/>
+                        <a:t>dict</a:t>
+                      </a:r>
+                      <a:endParaRPr lang="zh-TW" altLang="en-US" sz="2800"/>
+                    </a:p>
+                  </a:txBody>
+                  <a:tcPr anchor="ctr"/>
+                </a:tc>
+                <a:tc>
+                  <a:txBody>
+                    <a:bodyPr/>
+                    <a:lstStyle/>
+                    <a:p>
+                      <a:pPr algn="ctr"/>
+                      <a:r>
+                        <a:rPr lang="zh-TW" altLang="en-US" sz="2800"/>
+                        <a:t>字典</a:t>
+                      </a:r>
+                    </a:p>
+                  </a:txBody>
+                  <a:tcPr anchor="ctr"/>
+                </a:tc>
+                <a:tc>
+                  <a:txBody>
+                    <a:bodyPr/>
+                    <a:lstStyle/>
+                    <a:p>
+                      <a:pPr algn="ctr"/>
+                      <a:r>
+                        <a:rPr lang="en-US" altLang="zh-TW" sz="2800"/>
+                        <a:t>O</a:t>
+                      </a:r>
+                      <a:endParaRPr lang="zh-TW" altLang="en-US" sz="2800"/>
+                    </a:p>
+                  </a:txBody>
+                  <a:tcPr anchor="ctr"/>
+                </a:tc>
+                <a:tc>
+                  <a:txBody>
+                    <a:bodyPr/>
+                    <a:lstStyle/>
+                    <a:p>
+                      <a:pPr algn="ctr"/>
+                      <a:r>
+                        <a:rPr lang="en-US" altLang="zh-TW" sz="2800"/>
+                        <a:t>X</a:t>
+                      </a:r>
+                      <a:endParaRPr lang="zh-TW" altLang="en-US" sz="2800"/>
+                    </a:p>
+                  </a:txBody>
+                  <a:tcPr anchor="ctr"/>
+                </a:tc>
+                <a:tc>
+                  <a:txBody>
+                    <a:bodyPr/>
+                    <a:lstStyle/>
+                    <a:p>
+                      <a:pPr algn="ctr"/>
+                      <a:r>
+                        <a:rPr lang="en-US" altLang="zh-TW" sz="2800"/>
+                        <a:t>O(key)</a:t>
+                      </a:r>
+                      <a:endParaRPr lang="zh-TW" altLang="en-US" sz="2800"/>
+                    </a:p>
+                  </a:txBody>
+                  <a:tcPr anchor="ctr"/>
+                </a:tc>
+                <a:extLst>
+                  <a:ext uri="{0D108BD9-81ED-4DB2-BD59-A6C34878D82A}">
+                    <a16:rowId xmlns:a16="http://schemas.microsoft.com/office/drawing/2014/main" val="4235796644"/>
+                  </a:ext>
+                </a:extLst>
+              </a:tr>
+            </a:tbl>
+          </a:graphicData>
+        </a:graphic>
+      </p:graphicFrame>
+    </p:spTree>
+    <p:extLst>
+      <p:ext uri="{BB962C8B-B14F-4D97-AF65-F5344CB8AC3E}">
+        <p14:creationId xmlns:p14="http://schemas.microsoft.com/office/powerpoint/2010/main" val="458518838"/>
       </p:ext>
     </p:extLst>
   </p:cSld>

--- a/Class 5.pptx
+++ b/Class 5.pptx
@@ -14989,7 +14989,7 @@
             </a:r>
             <a:r>
               <a:rPr lang="en-US" altLang="zh-TW" sz="2800"/>
-              <a:t>[2, 4, 6, 8]</a:t>
+              <a:t>[2, 4, 6]</a:t>
             </a:r>
           </a:p>
         </p:txBody>
